--- a/CleanCode.pptx
+++ b/CleanCode.pptx
@@ -2,16 +2,19 @@
 <file path=ppt/presentation.xml><?xml version="1.0" encoding="utf-8"?>
 <p:presentation xmlns:a="http://schemas.openxmlformats.org/drawingml/2006/main" xmlns:r="http://schemas.openxmlformats.org/officeDocument/2006/relationships" xmlns:p="http://schemas.openxmlformats.org/presentationml/2006/main" saveSubsetFonts="1">
   <p:sldMasterIdLst>
-    <p:sldMasterId id="2147483648" r:id="rId1"/>
+    <p:sldMasterId id="2147483672" r:id="rId1"/>
   </p:sldMasterIdLst>
   <p:notesMasterIdLst>
-    <p:notesMasterId r:id="rId6"/>
+    <p:notesMasterId r:id="rId9"/>
   </p:notesMasterIdLst>
   <p:sldIdLst>
     <p:sldId id="256" r:id="rId2"/>
     <p:sldId id="257" r:id="rId3"/>
-    <p:sldId id="258" r:id="rId4"/>
-    <p:sldId id="259" r:id="rId5"/>
+    <p:sldId id="263" r:id="rId4"/>
+    <p:sldId id="260" r:id="rId5"/>
+    <p:sldId id="261" r:id="rId6"/>
+    <p:sldId id="262" r:id="rId7"/>
+    <p:sldId id="264" r:id="rId8"/>
   </p:sldIdLst>
   <p:sldSz cx="9144000" cy="6858000" type="screen4x3"/>
   <p:notesSz cx="6858000" cy="9144000"/>
@@ -110,6 +113,41 @@
       </a:defRPr>
     </a:lvl9pPr>
   </p:defaultTextStyle>
+  <p:extLst>
+    <p:ext uri="{521415D9-36F7-43E2-AB2F-B90AF26B5E84}">
+      <p14:sectionLst xmlns:p14="http://schemas.microsoft.com/office/powerpoint/2010/main">
+        <p14:section name="Default Section" id="{8A6CC159-025F-469E-8393-249AC194B453}">
+          <p14:sldIdLst>
+            <p14:sldId id="256"/>
+            <p14:sldId id="257"/>
+          </p14:sldIdLst>
+        </p14:section>
+        <p14:section name="Untitled Section" id="{888A893E-596C-413F-B112-6B55C583FF4D}">
+          <p14:sldIdLst>
+            <p14:sldId id="263"/>
+            <p14:sldId id="260"/>
+            <p14:sldId id="261"/>
+            <p14:sldId id="262"/>
+            <p14:sldId id="264"/>
+          </p14:sldIdLst>
+        </p14:section>
+      </p14:sectionLst>
+    </p:ext>
+    <p:ext uri="{EFAFB233-063F-42B5-8137-9DF3F51BA10A}">
+      <p15:sldGuideLst xmlns:p15="http://schemas.microsoft.com/office/powerpoint/2012/main">
+        <p15:guide id="1" orient="horz" pos="2160">
+          <p15:clr>
+            <a:srgbClr val="A4A3A4"/>
+          </p15:clr>
+        </p15:guide>
+        <p15:guide id="2" pos="2880">
+          <p15:clr>
+            <a:srgbClr val="A4A3A4"/>
+          </p15:clr>
+        </p15:guide>
+      </p15:sldGuideLst>
+    </p:ext>
+  </p:extLst>
 </p:presentation>
 </file>
 
@@ -195,7 +233,7 @@
           <a:p>
             <a:fld id="{AD1869D8-4BAB-4448-8A83-C72AF21C573F}" type="datetimeFigureOut">
               <a:rPr lang="en-US" smtClean="0"/>
-              <a:t>6/22/2016</a:t>
+              <a:t>10/31/2016</a:t>
             </a:fld>
             <a:endParaRPr lang="en-US"/>
           </a:p>
@@ -528,7 +566,7 @@
           <a:p>
             <a:fld id="{C1697B50-64C7-4E76-8560-6369BC871B28}" type="slidenum">
               <a:rPr lang="en-US" smtClean="0"/>
-              <a:t>3</a:t>
+              <a:t>4</a:t>
             </a:fld>
             <a:endParaRPr lang="en-US"/>
           </a:p>
@@ -537,7 +575,7 @@
     </p:spTree>
     <p:extLst>
       <p:ext uri="{BB962C8B-B14F-4D97-AF65-F5344CB8AC3E}">
-        <p14:creationId xmlns:p14="http://schemas.microsoft.com/office/powerpoint/2010/main" val="2148748350"/>
+        <p14:creationId xmlns:p14="http://schemas.microsoft.com/office/powerpoint/2010/main" val="2820666910"/>
       </p:ext>
     </p:extLst>
   </p:cSld>
@@ -592,50 +630,38 @@
           <a:lstStyle/>
           <a:p>
             <a:r>
+              <a:rPr lang="en-US" sz="1200" b="0" i="0" kern="1200" dirty="0" smtClean="0">
+                <a:solidFill>
+                  <a:schemeClr val="tx1"/>
+                </a:solidFill>
+                <a:effectLst/>
+                <a:latin typeface="+mn-lt"/>
+                <a:ea typeface="+mn-ea"/>
+                <a:cs typeface="+mn-cs"/>
+              </a:rPr>
+              <a:t>Humans are good at words. A significant part of our brains is dedicated to the concept of words</a:t>
+            </a:r>
+            <a:r>
               <a:rPr lang="en-US" dirty="0" smtClean="0"/>
-              <a:t>Use pronounceable</a:t>
+              <a:t> .</a:t>
+            </a:r>
+          </a:p>
+          <a:p>
+            <a:r>
+              <a:rPr lang="en-US" dirty="0" smtClean="0"/>
+              <a:t>If you</a:t>
             </a:r>
             <a:r>
               <a:rPr lang="en-US" baseline="0" dirty="0" smtClean="0"/>
-              <a:t> name when discussing with </a:t>
-            </a:r>
-            <a:r>
-              <a:rPr lang="en-US" baseline="0" dirty="0" err="1" smtClean="0"/>
-              <a:t>coleagues</a:t>
-            </a:r>
-            <a:endParaRPr lang="en-US" baseline="0" dirty="0" smtClean="0"/>
-          </a:p>
-          <a:p>
-            <a:r>
-              <a:rPr lang="en-US" baseline="0" dirty="0" smtClean="0"/>
-              <a:t>Avoid using single character like </a:t>
-            </a:r>
-            <a:r>
-              <a:rPr lang="en-US" baseline="0" dirty="0" err="1" smtClean="0"/>
-              <a:t>a,e</a:t>
-            </a:r>
-            <a:r>
-              <a:rPr lang="en-US" baseline="0" dirty="0" smtClean="0"/>
-              <a:t> for any variable, should ONLY use as local variable in short method</a:t>
-            </a:r>
-          </a:p>
-          <a:p>
-            <a:r>
-              <a:rPr lang="en-US" baseline="0" dirty="0" smtClean="0"/>
-              <a:t>Don’t let reader must mentally </a:t>
-            </a:r>
-            <a:r>
-              <a:rPr lang="en-US" baseline="0" smtClean="0"/>
-              <a:t>map to </a:t>
-            </a:r>
-            <a:r>
-              <a:rPr lang="en-US" baseline="0" dirty="0" smtClean="0"/>
-              <a:t>the </a:t>
-            </a:r>
-            <a:r>
-              <a:rPr lang="en-US" baseline="0" smtClean="0"/>
-              <a:t>actual concept</a:t>
-            </a:r>
+              <a:t> can’t pronounce it, you can’t discuss it without sounding like idiot.</a:t>
+            </a:r>
+            <a:r>
+              <a:rPr lang="en-US" dirty="0" smtClean="0"/>
+              <a:t/>
+            </a:r>
+            <a:br>
+              <a:rPr lang="en-US" dirty="0" smtClean="0"/>
+            </a:br>
             <a:endParaRPr lang="en-US" dirty="0"/>
           </a:p>
         </p:txBody>
@@ -657,7 +683,7 @@
           <a:p>
             <a:fld id="{C1697B50-64C7-4E76-8560-6369BC871B28}" type="slidenum">
               <a:rPr lang="en-US" smtClean="0"/>
-              <a:t>4</a:t>
+              <a:t>7</a:t>
             </a:fld>
             <a:endParaRPr lang="en-US"/>
           </a:p>
@@ -666,7 +692,7 @@
     </p:spTree>
     <p:extLst>
       <p:ext uri="{BB962C8B-B14F-4D97-AF65-F5344CB8AC3E}">
-        <p14:creationId xmlns:p14="http://schemas.microsoft.com/office/powerpoint/2010/main" val="1624180517"/>
+        <p14:creationId xmlns:p14="http://schemas.microsoft.com/office/powerpoint/2010/main" val="2801592624"/>
       </p:ext>
     </p:extLst>
   </p:cSld>
@@ -679,6 +705,14 @@
 <file path=ppt/slideLayouts/slideLayout1.xml><?xml version="1.0" encoding="utf-8"?>
 <p:sldLayout xmlns:a="http://schemas.openxmlformats.org/drawingml/2006/main" xmlns:r="http://schemas.openxmlformats.org/officeDocument/2006/relationships" xmlns:p="http://schemas.openxmlformats.org/presentationml/2006/main" type="title" preserve="1">
   <p:cSld name="Title Slide">
+    <p:bg>
+      <p:bgPr>
+        <a:solidFill>
+          <a:schemeClr val="accent1"/>
+        </a:solidFill>
+        <a:effectLst/>
+      </p:bgPr>
+    </p:bg>
     <p:spTree>
       <p:nvGrpSpPr>
         <p:cNvPr id="1" name=""/>
@@ -695,207 +729,238 @@
       </p:grpSpPr>
       <p:sp>
         <p:nvSpPr>
-          <p:cNvPr id="2" name="Title 1"/>
-          <p:cNvSpPr>
-            <a:spLocks noGrp="1"/>
-          </p:cNvSpPr>
-          <p:nvPr>
-            <p:ph type="ctrTitle"/>
-          </p:nvPr>
+          <p:cNvPr id="4" name="Rectangle 3"/>
+          <p:cNvSpPr/>
+          <p:nvPr/>
         </p:nvSpPr>
         <p:spPr>
           <a:xfrm>
-            <a:off x="685800" y="2130425"/>
-            <a:ext cx="7772400" cy="1470025"/>
+            <a:off x="0" y="0"/>
+            <a:ext cx="9144000" cy="6858000"/>
+          </a:xfrm>
+          <a:prstGeom prst="rect">
+            <a:avLst/>
+          </a:prstGeom>
+          <a:ln>
+            <a:noFill/>
+          </a:ln>
+        </p:spPr>
+        <p:style>
+          <a:lnRef idx="2">
+            <a:schemeClr val="accent1">
+              <a:shade val="50000"/>
+            </a:schemeClr>
+          </a:lnRef>
+          <a:fillRef idx="1">
+            <a:schemeClr val="accent1"/>
+          </a:fillRef>
+          <a:effectRef idx="0">
+            <a:schemeClr val="accent1"/>
+          </a:effectRef>
+          <a:fontRef idx="minor">
+            <a:schemeClr val="lt1"/>
+          </a:fontRef>
+        </p:style>
+      </p:sp>
+      <p:sp>
+        <p:nvSpPr>
+          <p:cNvPr id="2" name="Title 1"/>
+          <p:cNvSpPr>
+            <a:spLocks noGrp="1"/>
+          </p:cNvSpPr>
+          <p:nvPr>
+            <p:ph type="ctrTitle"/>
+          </p:nvPr>
+        </p:nvSpPr>
+        <p:spPr>
+          <a:xfrm>
+            <a:off x="452628" y="770467"/>
+            <a:ext cx="8086725" cy="3352800"/>
           </a:xfrm>
         </p:spPr>
         <p:txBody>
-          <a:bodyPr/>
-          <a:lstStyle/>
-          <a:p>
-            <a:r>
-              <a:rPr lang="en-US" smtClean="0"/>
-              <a:t>Click to edit Master title style</a:t>
-            </a:r>
-            <a:endParaRPr lang="en-US"/>
-          </a:p>
-        </p:txBody>
-      </p:sp>
-      <p:sp>
-        <p:nvSpPr>
-          <p:cNvPr id="3" name="Subtitle 2"/>
-          <p:cNvSpPr>
-            <a:spLocks noGrp="1"/>
-          </p:cNvSpPr>
-          <p:nvPr>
-            <p:ph type="subTitle" idx="1"/>
-          </p:nvPr>
-        </p:nvSpPr>
-        <p:spPr>
-          <a:xfrm>
-            <a:off x="1371600" y="3886200"/>
-            <a:ext cx="6400800" cy="1752600"/>
-          </a:xfrm>
-        </p:spPr>
-        <p:txBody>
-          <a:bodyPr/>
+          <a:bodyPr anchor="b">
+            <a:noAutofit/>
+          </a:bodyPr>
           <a:lstStyle>
-            <a:lvl1pPr marL="0" indent="0" algn="ctr">
-              <a:buNone/>
-              <a:defRPr>
+            <a:lvl1pPr algn="l">
+              <a:lnSpc>
+                <a:spcPct val="80000"/>
+              </a:lnSpc>
+              <a:defRPr sz="8000" spc="-120" baseline="0">
                 <a:solidFill>
-                  <a:schemeClr val="tx1">
-                    <a:tint val="75000"/>
-                  </a:schemeClr>
+                  <a:srgbClr val="FFFFFF"/>
                 </a:solidFill>
               </a:defRPr>
             </a:lvl1pPr>
+          </a:lstStyle>
+          <a:p>
+            <a:r>
+              <a:rPr lang="en-US" smtClean="0"/>
+              <a:t>Click to edit Master title style</a:t>
+            </a:r>
+            <a:endParaRPr lang="en-US" dirty="0"/>
+          </a:p>
+        </p:txBody>
+      </p:sp>
+      <p:sp>
+        <p:nvSpPr>
+          <p:cNvPr id="3" name="Subtitle 2"/>
+          <p:cNvSpPr>
+            <a:spLocks noGrp="1"/>
+          </p:cNvSpPr>
+          <p:nvPr>
+            <p:ph type="subTitle" idx="1"/>
+          </p:nvPr>
+        </p:nvSpPr>
+        <p:spPr>
+          <a:xfrm>
+            <a:off x="500634" y="4198409"/>
+            <a:ext cx="6921151" cy="1645920"/>
+          </a:xfrm>
+        </p:spPr>
+        <p:txBody>
+          <a:bodyPr>
+            <a:normAutofit/>
+          </a:bodyPr>
+          <a:lstStyle>
+            <a:lvl1pPr marL="0" indent="0" algn="l">
+              <a:buNone/>
+              <a:defRPr sz="2800">
+                <a:solidFill>
+                  <a:schemeClr val="bg1"/>
+                </a:solidFill>
+                <a:latin typeface="+mj-lt"/>
+              </a:defRPr>
+            </a:lvl1pPr>
             <a:lvl2pPr marL="457200" indent="0" algn="ctr">
               <a:buNone/>
+              <a:defRPr sz="2800"/>
+            </a:lvl2pPr>
+            <a:lvl3pPr marL="914400" indent="0" algn="ctr">
+              <a:buNone/>
+              <a:defRPr sz="2400"/>
+            </a:lvl3pPr>
+            <a:lvl4pPr marL="1371600" indent="0" algn="ctr">
+              <a:buNone/>
+              <a:defRPr sz="2000"/>
+            </a:lvl4pPr>
+            <a:lvl5pPr marL="1828800" indent="0" algn="ctr">
+              <a:buNone/>
+              <a:defRPr sz="2000"/>
+            </a:lvl5pPr>
+            <a:lvl6pPr marL="2286000" indent="0" algn="ctr">
+              <a:buNone/>
+              <a:defRPr sz="2000"/>
+            </a:lvl6pPr>
+            <a:lvl7pPr marL="2743200" indent="0" algn="ctr">
+              <a:buNone/>
+              <a:defRPr sz="2000"/>
+            </a:lvl7pPr>
+            <a:lvl8pPr marL="3200400" indent="0" algn="ctr">
+              <a:buNone/>
+              <a:defRPr sz="2000"/>
+            </a:lvl8pPr>
+            <a:lvl9pPr marL="3657600" indent="0" algn="ctr">
+              <a:buNone/>
+              <a:defRPr sz="2000"/>
+            </a:lvl9pPr>
+          </a:lstStyle>
+          <a:p>
+            <a:r>
+              <a:rPr lang="en-US" smtClean="0"/>
+              <a:t>Click to edit Master subtitle style</a:t>
+            </a:r>
+            <a:endParaRPr lang="en-US" dirty="0"/>
+          </a:p>
+        </p:txBody>
+      </p:sp>
+      <p:sp>
+        <p:nvSpPr>
+          <p:cNvPr id="7" name="Date Placeholder 6"/>
+          <p:cNvSpPr>
+            <a:spLocks noGrp="1"/>
+          </p:cNvSpPr>
+          <p:nvPr>
+            <p:ph type="dt" sz="half" idx="10"/>
+          </p:nvPr>
+        </p:nvSpPr>
+        <p:spPr/>
+        <p:txBody>
+          <a:bodyPr/>
+          <a:lstStyle>
+            <a:lvl1pPr>
               <a:defRPr>
                 <a:solidFill>
-                  <a:schemeClr val="tx1">
-                    <a:tint val="75000"/>
-                  </a:schemeClr>
+                  <a:srgbClr val="FFFFFF">
+                    <a:alpha val="75000"/>
+                  </a:srgbClr>
                 </a:solidFill>
               </a:defRPr>
-            </a:lvl2pPr>
-            <a:lvl3pPr marL="914400" indent="0" algn="ctr">
-              <a:buNone/>
+            </a:lvl1pPr>
+          </a:lstStyle>
+          <a:p>
+            <a:fld id="{6E99747C-F514-4A83-9701-54085F85C0DE}" type="datetime1">
+              <a:rPr lang="en-US" smtClean="0"/>
+              <a:t>10/31/2016</a:t>
+            </a:fld>
+            <a:endParaRPr lang="en-US"/>
+          </a:p>
+        </p:txBody>
+      </p:sp>
+      <p:sp>
+        <p:nvSpPr>
+          <p:cNvPr id="8" name="Footer Placeholder 7"/>
+          <p:cNvSpPr>
+            <a:spLocks noGrp="1"/>
+          </p:cNvSpPr>
+          <p:nvPr>
+            <p:ph type="ftr" sz="quarter" idx="11"/>
+          </p:nvPr>
+        </p:nvSpPr>
+        <p:spPr/>
+        <p:txBody>
+          <a:bodyPr/>
+          <a:lstStyle>
+            <a:lvl1pPr>
               <a:defRPr>
                 <a:solidFill>
-                  <a:schemeClr val="tx1">
-                    <a:tint val="75000"/>
-                  </a:schemeClr>
+                  <a:srgbClr val="FFFFFF">
+                    <a:alpha val="75000"/>
+                  </a:srgbClr>
                 </a:solidFill>
               </a:defRPr>
-            </a:lvl3pPr>
-            <a:lvl4pPr marL="1371600" indent="0" algn="ctr">
-              <a:buNone/>
+            </a:lvl1pPr>
+          </a:lstStyle>
+          <a:p>
+            <a:endParaRPr lang="en-US"/>
+          </a:p>
+        </p:txBody>
+      </p:sp>
+      <p:sp>
+        <p:nvSpPr>
+          <p:cNvPr id="9" name="Slide Number Placeholder 8"/>
+          <p:cNvSpPr>
+            <a:spLocks noGrp="1"/>
+          </p:cNvSpPr>
+          <p:nvPr>
+            <p:ph type="sldNum" sz="quarter" idx="12"/>
+          </p:nvPr>
+        </p:nvSpPr>
+        <p:spPr/>
+        <p:txBody>
+          <a:bodyPr/>
+          <a:lstStyle>
+            <a:lvl1pPr>
               <a:defRPr>
                 <a:solidFill>
-                  <a:schemeClr val="tx1">
-                    <a:tint val="75000"/>
-                  </a:schemeClr>
+                  <a:srgbClr val="FFFFFF">
+                    <a:alpha val="20000"/>
+                  </a:srgbClr>
                 </a:solidFill>
               </a:defRPr>
-            </a:lvl4pPr>
-            <a:lvl5pPr marL="1828800" indent="0" algn="ctr">
-              <a:buNone/>
-              <a:defRPr>
-                <a:solidFill>
-                  <a:schemeClr val="tx1">
-                    <a:tint val="75000"/>
-                  </a:schemeClr>
-                </a:solidFill>
-              </a:defRPr>
-            </a:lvl5pPr>
-            <a:lvl6pPr marL="2286000" indent="0" algn="ctr">
-              <a:buNone/>
-              <a:defRPr>
-                <a:solidFill>
-                  <a:schemeClr val="tx1">
-                    <a:tint val="75000"/>
-                  </a:schemeClr>
-                </a:solidFill>
-              </a:defRPr>
-            </a:lvl6pPr>
-            <a:lvl7pPr marL="2743200" indent="0" algn="ctr">
-              <a:buNone/>
-              <a:defRPr>
-                <a:solidFill>
-                  <a:schemeClr val="tx1">
-                    <a:tint val="75000"/>
-                  </a:schemeClr>
-                </a:solidFill>
-              </a:defRPr>
-            </a:lvl7pPr>
-            <a:lvl8pPr marL="3200400" indent="0" algn="ctr">
-              <a:buNone/>
-              <a:defRPr>
-                <a:solidFill>
-                  <a:schemeClr val="tx1">
-                    <a:tint val="75000"/>
-                  </a:schemeClr>
-                </a:solidFill>
-              </a:defRPr>
-            </a:lvl8pPr>
-            <a:lvl9pPr marL="3657600" indent="0" algn="ctr">
-              <a:buNone/>
-              <a:defRPr>
-                <a:solidFill>
-                  <a:schemeClr val="tx1">
-                    <a:tint val="75000"/>
-                  </a:schemeClr>
-                </a:solidFill>
-              </a:defRPr>
-            </a:lvl9pPr>
+            </a:lvl1pPr>
           </a:lstStyle>
-          <a:p>
-            <a:r>
-              <a:rPr lang="en-US" smtClean="0"/>
-              <a:t>Click to edit Master subtitle style</a:t>
-            </a:r>
-            <a:endParaRPr lang="en-US"/>
-          </a:p>
-        </p:txBody>
-      </p:sp>
-      <p:sp>
-        <p:nvSpPr>
-          <p:cNvPr id="4" name="Date Placeholder 3"/>
-          <p:cNvSpPr>
-            <a:spLocks noGrp="1"/>
-          </p:cNvSpPr>
-          <p:nvPr>
-            <p:ph type="dt" sz="half" idx="10"/>
-          </p:nvPr>
-        </p:nvSpPr>
-        <p:spPr/>
-        <p:txBody>
-          <a:bodyPr/>
-          <a:lstStyle/>
-          <a:p>
-            <a:fld id="{A2A0CAF0-5ED1-42DC-A1A3-38DB3DCDFDCB}" type="datetimeFigureOut">
-              <a:rPr lang="en-US" smtClean="0"/>
-              <a:t>6/22/2016</a:t>
-            </a:fld>
-            <a:endParaRPr lang="en-US"/>
-          </a:p>
-        </p:txBody>
-      </p:sp>
-      <p:sp>
-        <p:nvSpPr>
-          <p:cNvPr id="5" name="Footer Placeholder 4"/>
-          <p:cNvSpPr>
-            <a:spLocks noGrp="1"/>
-          </p:cNvSpPr>
-          <p:nvPr>
-            <p:ph type="ftr" sz="quarter" idx="11"/>
-          </p:nvPr>
-        </p:nvSpPr>
-        <p:spPr/>
-        <p:txBody>
-          <a:bodyPr/>
-          <a:lstStyle/>
-          <a:p>
-            <a:endParaRPr lang="en-US"/>
-          </a:p>
-        </p:txBody>
-      </p:sp>
-      <p:sp>
-        <p:nvSpPr>
-          <p:cNvPr id="6" name="Slide Number Placeholder 5"/>
-          <p:cNvSpPr>
-            <a:spLocks noGrp="1"/>
-          </p:cNvSpPr>
-          <p:nvPr>
-            <p:ph type="sldNum" sz="quarter" idx="12"/>
-          </p:nvPr>
-        </p:nvSpPr>
-        <p:spPr/>
-        <p:txBody>
-          <a:bodyPr/>
-          <a:lstStyle/>
           <a:p>
             <a:fld id="{07167301-DA6A-464D-A35A-C5160C07AEDB}" type="slidenum">
               <a:rPr lang="en-US" smtClean="0"/>
@@ -908,13 +973,20 @@
     </p:spTree>
     <p:extLst>
       <p:ext uri="{BB962C8B-B14F-4D97-AF65-F5344CB8AC3E}">
-        <p14:creationId xmlns:p14="http://schemas.microsoft.com/office/powerpoint/2010/main" val="3254721337"/>
+        <p14:creationId xmlns:p14="http://schemas.microsoft.com/office/powerpoint/2010/main" val="402219526"/>
       </p:ext>
     </p:extLst>
   </p:cSld>
   <p:clrMapOvr>
     <a:masterClrMapping/>
   </p:clrMapOvr>
+  <p:timing>
+    <p:tnLst>
+      <p:par>
+        <p:cTn id="1" dur="indefinite" restart="never" nodeType="tmRoot"/>
+      </p:par>
+    </p:tnLst>
+  </p:timing>
 </p:sldLayout>
 </file>
 
@@ -954,7 +1026,7 @@
               <a:rPr lang="en-US" smtClean="0"/>
               <a:t>Click to edit Master title style</a:t>
             </a:r>
-            <a:endParaRPr lang="en-US"/>
+            <a:endParaRPr lang="en-US" dirty="0"/>
           </a:p>
         </p:txBody>
       </p:sp>
@@ -1006,7 +1078,7 @@
               <a:rPr lang="en-US" smtClean="0"/>
               <a:t>Fifth level</a:t>
             </a:r>
-            <a:endParaRPr lang="en-US"/>
+            <a:endParaRPr lang="en-US" dirty="0"/>
           </a:p>
         </p:txBody>
       </p:sp>
@@ -1025,9 +1097,9 @@
           <a:bodyPr/>
           <a:lstStyle/>
           <a:p>
-            <a:fld id="{A2A0CAF0-5ED1-42DC-A1A3-38DB3DCDFDCB}" type="datetimeFigureOut">
-              <a:rPr lang="en-US" smtClean="0"/>
-              <a:t>6/22/2016</a:t>
+            <a:fld id="{8BEB3C37-D7AE-4844-8988-814EE9ED43E6}" type="datetime1">
+              <a:rPr lang="en-US" smtClean="0"/>
+              <a:t>10/31/2016</a:t>
             </a:fld>
             <a:endParaRPr lang="en-US"/>
           </a:p>
@@ -1078,7 +1150,7 @@
     </p:spTree>
     <p:extLst>
       <p:ext uri="{BB962C8B-B14F-4D97-AF65-F5344CB8AC3E}">
-        <p14:creationId xmlns:p14="http://schemas.microsoft.com/office/powerpoint/2010/main" val="3527186915"/>
+        <p14:creationId xmlns:p14="http://schemas.microsoft.com/office/powerpoint/2010/main" val="3865259204"/>
       </p:ext>
     </p:extLst>
   </p:cSld>
@@ -1117,8 +1189,8 @@
         </p:nvSpPr>
         <p:spPr>
           <a:xfrm>
-            <a:off x="6629400" y="274638"/>
-            <a:ext cx="2057400" cy="5851525"/>
+            <a:off x="6557963" y="695325"/>
+            <a:ext cx="1971675" cy="4800600"/>
           </a:xfrm>
         </p:spPr>
         <p:txBody>
@@ -1129,7 +1201,7 @@
               <a:rPr lang="en-US" smtClean="0"/>
               <a:t>Click to edit Master title style</a:t>
             </a:r>
-            <a:endParaRPr lang="en-US"/>
+            <a:endParaRPr lang="en-US" dirty="0"/>
           </a:p>
         </p:txBody>
       </p:sp>
@@ -1145,8 +1217,8 @@
         </p:nvSpPr>
         <p:spPr>
           <a:xfrm>
-            <a:off x="457200" y="274638"/>
-            <a:ext cx="6019800" cy="5851525"/>
+            <a:off x="578644" y="714376"/>
+            <a:ext cx="5800725" cy="5400675"/>
           </a:xfrm>
         </p:spPr>
         <p:txBody>
@@ -1186,7 +1258,7 @@
               <a:rPr lang="en-US" smtClean="0"/>
               <a:t>Fifth level</a:t>
             </a:r>
-            <a:endParaRPr lang="en-US"/>
+            <a:endParaRPr lang="en-US" dirty="0"/>
           </a:p>
         </p:txBody>
       </p:sp>
@@ -1205,9 +1277,9 @@
           <a:bodyPr/>
           <a:lstStyle/>
           <a:p>
-            <a:fld id="{A2A0CAF0-5ED1-42DC-A1A3-38DB3DCDFDCB}" type="datetimeFigureOut">
-              <a:rPr lang="en-US" smtClean="0"/>
-              <a:t>6/22/2016</a:t>
+            <a:fld id="{43FABF10-A6A7-4767-B0C0-2F249381002B}" type="datetime1">
+              <a:rPr lang="en-US" smtClean="0"/>
+              <a:t>10/31/2016</a:t>
             </a:fld>
             <a:endParaRPr lang="en-US"/>
           </a:p>
@@ -1258,7 +1330,7 @@
     </p:spTree>
     <p:extLst>
       <p:ext uri="{BB962C8B-B14F-4D97-AF65-F5344CB8AC3E}">
-        <p14:creationId xmlns:p14="http://schemas.microsoft.com/office/powerpoint/2010/main" val="2878630743"/>
+        <p14:creationId xmlns:p14="http://schemas.microsoft.com/office/powerpoint/2010/main" val="1930008823"/>
       </p:ext>
     </p:extLst>
   </p:cSld>
@@ -1292,19 +1364,34 @@
             <a:spLocks noGrp="1"/>
           </p:cNvSpPr>
           <p:nvPr>
-            <p:ph type="title"/>
-          </p:nvPr>
-        </p:nvSpPr>
-        <p:spPr/>
-        <p:txBody>
-          <a:bodyPr/>
-          <a:lstStyle/>
-          <a:p>
-            <a:r>
-              <a:rPr lang="en-US" smtClean="0"/>
-              <a:t>Click to edit Master title style</a:t>
-            </a:r>
-            <a:endParaRPr lang="en-US"/>
+            <p:ph type="title" hasCustomPrompt="1"/>
+          </p:nvPr>
+        </p:nvSpPr>
+        <p:spPr>
+          <a:xfrm>
+            <a:off x="0" y="457200"/>
+            <a:ext cx="9143999" cy="1147579"/>
+          </a:xfrm>
+          <a:solidFill>
+            <a:schemeClr val="accent1">
+              <a:lumMod val="20000"/>
+              <a:lumOff val="80000"/>
+            </a:schemeClr>
+          </a:solidFill>
+        </p:spPr>
+        <p:txBody>
+          <a:bodyPr/>
+          <a:lstStyle>
+            <a:lvl1pPr>
+              <a:defRPr/>
+            </a:lvl1pPr>
+          </a:lstStyle>
+          <a:p>
+            <a:r>
+              <a:rPr lang="en-US" dirty="0" smtClean="0"/>
+              <a:t>   Click to edit Master title style</a:t>
+            </a:r>
+            <a:endParaRPr lang="en-US" dirty="0"/>
           </a:p>
         </p:txBody>
       </p:sp>
@@ -1321,42 +1408,53 @@
         <p:spPr/>
         <p:txBody>
           <a:bodyPr/>
-          <a:lstStyle/>
+          <a:lstStyle>
+            <a:lvl2pPr marL="274320" indent="-342900">
+              <a:buFont typeface="Wingdings" panose="05000000000000000000" pitchFamily="2" charset="2"/>
+              <a:buChar char="Ø"/>
+              <a:defRPr/>
+            </a:lvl2pPr>
+            <a:lvl3pPr marL="548640" indent="-548640">
+              <a:buFont typeface="Arial" panose="020B0604020202020204" pitchFamily="34" charset="0"/>
+              <a:buChar char="•"/>
+              <a:defRPr/>
+            </a:lvl3pPr>
+          </a:lstStyle>
           <a:p>
             <a:pPr lvl="0"/>
             <a:r>
-              <a:rPr lang="en-US" smtClean="0"/>
+              <a:rPr lang="en-US" dirty="0" smtClean="0"/>
               <a:t>Click to edit Master text styles</a:t>
             </a:r>
           </a:p>
           <a:p>
             <a:pPr lvl="1"/>
             <a:r>
-              <a:rPr lang="en-US" smtClean="0"/>
+              <a:rPr lang="en-US" dirty="0" smtClean="0"/>
               <a:t>Second level</a:t>
             </a:r>
           </a:p>
           <a:p>
             <a:pPr lvl="2"/>
             <a:r>
-              <a:rPr lang="en-US" smtClean="0"/>
+              <a:rPr lang="en-US" dirty="0" smtClean="0"/>
               <a:t>Third level</a:t>
             </a:r>
           </a:p>
           <a:p>
             <a:pPr lvl="3"/>
             <a:r>
-              <a:rPr lang="en-US" smtClean="0"/>
+              <a:rPr lang="en-US" dirty="0" smtClean="0"/>
               <a:t>Fourth level</a:t>
             </a:r>
           </a:p>
           <a:p>
             <a:pPr lvl="4"/>
             <a:r>
-              <a:rPr lang="en-US" smtClean="0"/>
+              <a:rPr lang="en-US" dirty="0" smtClean="0"/>
               <a:t>Fifth level</a:t>
             </a:r>
-            <a:endParaRPr lang="en-US"/>
+            <a:endParaRPr lang="en-US" dirty="0"/>
           </a:p>
         </p:txBody>
       </p:sp>
@@ -1375,9 +1473,9 @@
           <a:bodyPr/>
           <a:lstStyle/>
           <a:p>
-            <a:fld id="{A2A0CAF0-5ED1-42DC-A1A3-38DB3DCDFDCB}" type="datetimeFigureOut">
-              <a:rPr lang="en-US" smtClean="0"/>
-              <a:t>6/22/2016</a:t>
+            <a:fld id="{01030FC1-3B78-4712-A3B2-E635A0B33C8D}" type="datetime1">
+              <a:rPr lang="en-US" smtClean="0"/>
+              <a:t>10/31/2016</a:t>
             </a:fld>
             <a:endParaRPr lang="en-US"/>
           </a:p>
@@ -1398,7 +1496,7 @@
           <a:bodyPr/>
           <a:lstStyle/>
           <a:p>
-            <a:endParaRPr lang="en-US"/>
+            <a:endParaRPr lang="en-US" dirty="0"/>
           </a:p>
         </p:txBody>
       </p:sp>
@@ -1412,29 +1510,46 @@
             <p:ph type="sldNum" sz="quarter" idx="12"/>
           </p:nvPr>
         </p:nvSpPr>
-        <p:spPr/>
-        <p:txBody>
-          <a:bodyPr/>
-          <a:lstStyle/>
+        <p:spPr>
+          <a:xfrm>
+            <a:off x="6949439" y="5562600"/>
+            <a:ext cx="2194560" cy="1397039"/>
+          </a:xfrm>
+        </p:spPr>
+        <p:txBody>
+          <a:bodyPr/>
+          <a:lstStyle>
+            <a:lvl1pPr>
+              <a:defRPr sz="4000"/>
+            </a:lvl1pPr>
+          </a:lstStyle>
           <a:p>
             <a:fld id="{07167301-DA6A-464D-A35A-C5160C07AEDB}" type="slidenum">
               <a:rPr lang="en-US" smtClean="0"/>
+              <a:pPr/>
               <a:t>‹#›</a:t>
             </a:fld>
-            <a:endParaRPr lang="en-US"/>
+            <a:endParaRPr lang="en-US" dirty="0"/>
           </a:p>
         </p:txBody>
       </p:sp>
     </p:spTree>
     <p:extLst>
       <p:ext uri="{BB962C8B-B14F-4D97-AF65-F5344CB8AC3E}">
-        <p14:creationId xmlns:p14="http://schemas.microsoft.com/office/powerpoint/2010/main" val="2820175359"/>
+        <p14:creationId xmlns:p14="http://schemas.microsoft.com/office/powerpoint/2010/main" val="3078494501"/>
       </p:ext>
     </p:extLst>
   </p:cSld>
   <p:clrMapOvr>
     <a:masterClrMapping/>
   </p:clrMapOvr>
+  <p:timing>
+    <p:tnLst>
+      <p:par>
+        <p:cTn id="1" dur="indefinite" restart="never" nodeType="tmRoot"/>
+      </p:par>
+    </p:tnLst>
+  </p:timing>
 </p:sldLayout>
 </file>
 
@@ -1467,15 +1582,24 @@
         </p:nvSpPr>
         <p:spPr>
           <a:xfrm>
-            <a:off x="722313" y="4406900"/>
-            <a:ext cx="7772400" cy="1362075"/>
+            <a:off x="452628" y="767419"/>
+            <a:ext cx="8085582" cy="3355848"/>
           </a:xfrm>
         </p:spPr>
         <p:txBody>
-          <a:bodyPr anchor="t"/>
+          <a:bodyPr anchor="b">
+            <a:normAutofit/>
+          </a:bodyPr>
           <a:lstStyle>
-            <a:lvl1pPr algn="l">
-              <a:defRPr sz="4000" b="1" cap="all"/>
+            <a:lvl1pPr>
+              <a:lnSpc>
+                <a:spcPct val="80000"/>
+              </a:lnSpc>
+              <a:defRPr sz="8000" b="0" baseline="0">
+                <a:solidFill>
+                  <a:schemeClr val="accent1"/>
+                </a:solidFill>
+              </a:defRPr>
             </a:lvl1pPr>
           </a:lstStyle>
           <a:p>
@@ -1483,7 +1607,7 @@
               <a:rPr lang="en-US" smtClean="0"/>
               <a:t>Click to edit Master title style</a:t>
             </a:r>
-            <a:endParaRPr lang="en-US"/>
+            <a:endParaRPr lang="en-US" dirty="0"/>
           </a:p>
         </p:txBody>
       </p:sp>
@@ -1499,21 +1623,22 @@
         </p:nvSpPr>
         <p:spPr>
           <a:xfrm>
-            <a:off x="722313" y="2906713"/>
-            <a:ext cx="7772400" cy="1500187"/>
+            <a:off x="500634" y="4187275"/>
+            <a:ext cx="6919722" cy="1645920"/>
           </a:xfrm>
         </p:spPr>
         <p:txBody>
-          <a:bodyPr anchor="b"/>
+          <a:bodyPr anchor="t">
+            <a:normAutofit/>
+          </a:bodyPr>
           <a:lstStyle>
             <a:lvl1pPr marL="0" indent="0">
               <a:buNone/>
-              <a:defRPr sz="2000">
+              <a:defRPr sz="2800">
                 <a:solidFill>
-                  <a:schemeClr val="tx1">
-                    <a:tint val="75000"/>
-                  </a:schemeClr>
+                  <a:schemeClr val="tx1"/>
                 </a:solidFill>
+                <a:latin typeface="+mj-lt"/>
               </a:defRPr>
             </a:lvl1pPr>
             <a:lvl2pPr marL="457200" indent="0">
@@ -1621,9 +1746,9 @@
           <a:bodyPr/>
           <a:lstStyle/>
           <a:p>
-            <a:fld id="{A2A0CAF0-5ED1-42DC-A1A3-38DB3DCDFDCB}" type="datetimeFigureOut">
-              <a:rPr lang="en-US" smtClean="0"/>
-              <a:t>6/22/2016</a:t>
+            <a:fld id="{6C5DC38F-A6C6-49CC-896F-16677699B0AA}" type="datetime1">
+              <a:rPr lang="en-US" smtClean="0"/>
+              <a:t>10/31/2016</a:t>
             </a:fld>
             <a:endParaRPr lang="en-US"/>
           </a:p>
@@ -1674,13 +1799,20 @@
     </p:spTree>
     <p:extLst>
       <p:ext uri="{BB962C8B-B14F-4D97-AF65-F5344CB8AC3E}">
-        <p14:creationId xmlns:p14="http://schemas.microsoft.com/office/powerpoint/2010/main" val="1277275695"/>
+        <p14:creationId xmlns:p14="http://schemas.microsoft.com/office/powerpoint/2010/main" val="1520499430"/>
       </p:ext>
     </p:extLst>
   </p:cSld>
   <p:clrMapOvr>
     <a:masterClrMapping/>
   </p:clrMapOvr>
+  <p:timing>
+    <p:tnLst>
+      <p:par>
+        <p:cTn id="1" dur="indefinite" restart="never" nodeType="tmRoot"/>
+      </p:par>
+    </p:tnLst>
+  </p:timing>
 </p:sldLayout>
 </file>
 
@@ -1720,7 +1852,7 @@
               <a:rPr lang="en-US" smtClean="0"/>
               <a:t>Click to edit Master title style</a:t>
             </a:r>
-            <a:endParaRPr lang="en-US"/>
+            <a:endParaRPr lang="en-US" dirty="0"/>
           </a:p>
         </p:txBody>
       </p:sp>
@@ -1736,39 +1868,39 @@
         </p:nvSpPr>
         <p:spPr>
           <a:xfrm>
-            <a:off x="457200" y="1600200"/>
-            <a:ext cx="4038600" cy="4525963"/>
+            <a:off x="507492" y="1993392"/>
+            <a:ext cx="3806190" cy="3767328"/>
           </a:xfrm>
         </p:spPr>
         <p:txBody>
           <a:bodyPr/>
           <a:lstStyle>
             <a:lvl1pPr>
-              <a:defRPr sz="2800"/>
+              <a:defRPr sz="2200"/>
             </a:lvl1pPr>
             <a:lvl2pPr>
-              <a:defRPr sz="2400"/>
+              <a:defRPr sz="1900"/>
             </a:lvl2pPr>
             <a:lvl3pPr>
-              <a:defRPr sz="2000"/>
+              <a:defRPr sz="1700"/>
             </a:lvl3pPr>
             <a:lvl4pPr>
-              <a:defRPr sz="1800"/>
+              <a:defRPr sz="1500"/>
             </a:lvl4pPr>
             <a:lvl5pPr>
-              <a:defRPr sz="1800"/>
+              <a:defRPr sz="1400"/>
             </a:lvl5pPr>
             <a:lvl6pPr>
-              <a:defRPr sz="1800"/>
+              <a:defRPr sz="1400"/>
             </a:lvl6pPr>
             <a:lvl7pPr>
-              <a:defRPr sz="1800"/>
+              <a:defRPr sz="1400"/>
             </a:lvl7pPr>
             <a:lvl8pPr>
-              <a:defRPr sz="1800"/>
+              <a:defRPr sz="1400"/>
             </a:lvl8pPr>
             <a:lvl9pPr>
-              <a:defRPr sz="1800"/>
+              <a:defRPr sz="1400"/>
             </a:lvl9pPr>
           </a:lstStyle>
           <a:p>
@@ -1805,7 +1937,7 @@
               <a:rPr lang="en-US" smtClean="0"/>
               <a:t>Fifth level</a:t>
             </a:r>
-            <a:endParaRPr lang="en-US"/>
+            <a:endParaRPr lang="en-US" dirty="0"/>
           </a:p>
         </p:txBody>
       </p:sp>
@@ -1821,39 +1953,39 @@
         </p:nvSpPr>
         <p:spPr>
           <a:xfrm>
-            <a:off x="4648200" y="1600200"/>
-            <a:ext cx="4038600" cy="4525963"/>
+            <a:off x="4757738" y="1993392"/>
+            <a:ext cx="3806190" cy="3767328"/>
           </a:xfrm>
         </p:spPr>
         <p:txBody>
           <a:bodyPr/>
           <a:lstStyle>
             <a:lvl1pPr>
-              <a:defRPr sz="2800"/>
+              <a:defRPr sz="2200"/>
             </a:lvl1pPr>
             <a:lvl2pPr>
-              <a:defRPr sz="2400"/>
+              <a:defRPr sz="1900"/>
             </a:lvl2pPr>
             <a:lvl3pPr>
-              <a:defRPr sz="2000"/>
+              <a:defRPr sz="1700"/>
             </a:lvl3pPr>
             <a:lvl4pPr>
-              <a:defRPr sz="1800"/>
+              <a:defRPr sz="1500"/>
             </a:lvl4pPr>
             <a:lvl5pPr>
-              <a:defRPr sz="1800"/>
+              <a:defRPr sz="1400"/>
             </a:lvl5pPr>
             <a:lvl6pPr>
-              <a:defRPr sz="1800"/>
+              <a:defRPr sz="1400"/>
             </a:lvl6pPr>
             <a:lvl7pPr>
-              <a:defRPr sz="1800"/>
+              <a:defRPr sz="1400"/>
             </a:lvl7pPr>
             <a:lvl8pPr>
-              <a:defRPr sz="1800"/>
+              <a:defRPr sz="1400"/>
             </a:lvl8pPr>
             <a:lvl9pPr>
-              <a:defRPr sz="1800"/>
+              <a:defRPr sz="1400"/>
             </a:lvl9pPr>
           </a:lstStyle>
           <a:p>
@@ -1890,7 +2022,7 @@
               <a:rPr lang="en-US" smtClean="0"/>
               <a:t>Fifth level</a:t>
             </a:r>
-            <a:endParaRPr lang="en-US"/>
+            <a:endParaRPr lang="en-US" dirty="0"/>
           </a:p>
         </p:txBody>
       </p:sp>
@@ -1909,9 +2041,9 @@
           <a:bodyPr/>
           <a:lstStyle/>
           <a:p>
-            <a:fld id="{A2A0CAF0-5ED1-42DC-A1A3-38DB3DCDFDCB}" type="datetimeFigureOut">
-              <a:rPr lang="en-US" smtClean="0"/>
-              <a:t>6/22/2016</a:t>
+            <a:fld id="{82D3CB62-6A61-419B-84EE-7C7D49FA1B7B}" type="datetime1">
+              <a:rPr lang="en-US" smtClean="0"/>
+              <a:t>10/31/2016</a:t>
             </a:fld>
             <a:endParaRPr lang="en-US"/>
           </a:p>
@@ -1962,13 +2094,20 @@
     </p:spTree>
     <p:extLst>
       <p:ext uri="{BB962C8B-B14F-4D97-AF65-F5344CB8AC3E}">
-        <p14:creationId xmlns:p14="http://schemas.microsoft.com/office/powerpoint/2010/main" val="2761354910"/>
+        <p14:creationId xmlns:p14="http://schemas.microsoft.com/office/powerpoint/2010/main" val="3909761058"/>
       </p:ext>
     </p:extLst>
   </p:cSld>
   <p:clrMapOvr>
     <a:masterClrMapping/>
   </p:clrMapOvr>
+  <p:timing>
+    <p:tnLst>
+      <p:par>
+        <p:cTn id="1" dur="indefinite" restart="never" nodeType="tmRoot"/>
+      </p:par>
+    </p:tnLst>
+  </p:timing>
 </p:sldLayout>
 </file>
 
@@ -1991,7 +2130,7 @@
       </p:grpSpPr>
       <p:sp>
         <p:nvSpPr>
-          <p:cNvPr id="2" name="Title 1"/>
+          <p:cNvPr id="10" name="Title 9"/>
           <p:cNvSpPr>
             <a:spLocks noGrp="1"/>
           </p:cNvSpPr>
@@ -2002,17 +2141,13 @@
         <p:spPr/>
         <p:txBody>
           <a:bodyPr/>
-          <a:lstStyle>
-            <a:lvl1pPr>
-              <a:defRPr/>
-            </a:lvl1pPr>
-          </a:lstStyle>
+          <a:lstStyle/>
           <a:p>
             <a:r>
               <a:rPr lang="en-US" smtClean="0"/>
               <a:t>Click to edit Master title style</a:t>
             </a:r>
-            <a:endParaRPr lang="en-US"/>
+            <a:endParaRPr lang="en-US" dirty="0"/>
           </a:p>
         </p:txBody>
       </p:sp>
@@ -2028,16 +2163,29 @@
         </p:nvSpPr>
         <p:spPr>
           <a:xfrm>
-            <a:off x="457200" y="1535113"/>
-            <a:ext cx="4040188" cy="639762"/>
+            <a:off x="507492" y="2032000"/>
+            <a:ext cx="3806190" cy="723400"/>
           </a:xfrm>
         </p:spPr>
         <p:txBody>
-          <a:bodyPr anchor="b"/>
+          <a:bodyPr anchor="ctr">
+            <a:normAutofit/>
+          </a:bodyPr>
           <a:lstStyle>
             <a:lvl1pPr marL="0" indent="0">
-              <a:buNone/>
-              <a:defRPr sz="2400" b="1"/>
+              <a:spcBef>
+                <a:spcPts val="0"/>
+              </a:spcBef>
+              <a:buNone/>
+              <a:defRPr sz="2000" b="0" cap="all" baseline="0">
+                <a:solidFill>
+                  <a:schemeClr val="tx1">
+                    <a:lumMod val="85000"/>
+                    <a:lumOff val="15000"/>
+                  </a:schemeClr>
+                </a:solidFill>
+                <a:latin typeface="+mj-lt"/>
+              </a:defRPr>
             </a:lvl1pPr>
             <a:lvl2pPr marL="457200" indent="0">
               <a:buNone/>
@@ -2093,39 +2241,39 @@
         </p:nvSpPr>
         <p:spPr>
           <a:xfrm>
-            <a:off x="457200" y="2174875"/>
-            <a:ext cx="4040188" cy="3951288"/>
+            <a:off x="507492" y="2736150"/>
+            <a:ext cx="3806190" cy="3200400"/>
           </a:xfrm>
         </p:spPr>
         <p:txBody>
           <a:bodyPr/>
           <a:lstStyle>
             <a:lvl1pPr>
-              <a:defRPr sz="2400"/>
+              <a:defRPr sz="2100"/>
             </a:lvl1pPr>
             <a:lvl2pPr>
-              <a:defRPr sz="2000"/>
+              <a:defRPr sz="1800"/>
             </a:lvl2pPr>
             <a:lvl3pPr>
-              <a:defRPr sz="1800"/>
+              <a:defRPr sz="1600"/>
             </a:lvl3pPr>
             <a:lvl4pPr>
-              <a:defRPr sz="1600"/>
+              <a:defRPr sz="1400"/>
             </a:lvl4pPr>
             <a:lvl5pPr>
-              <a:defRPr sz="1600"/>
+              <a:defRPr sz="1400"/>
             </a:lvl5pPr>
             <a:lvl6pPr>
-              <a:defRPr sz="1600"/>
+              <a:defRPr sz="1400"/>
             </a:lvl6pPr>
             <a:lvl7pPr>
-              <a:defRPr sz="1600"/>
+              <a:defRPr sz="1400"/>
             </a:lvl7pPr>
             <a:lvl8pPr>
-              <a:defRPr sz="1600"/>
+              <a:defRPr sz="1400"/>
             </a:lvl8pPr>
             <a:lvl9pPr>
-              <a:defRPr sz="1600"/>
+              <a:defRPr sz="1400"/>
             </a:lvl9pPr>
           </a:lstStyle>
           <a:p>
@@ -2162,7 +2310,7 @@
               <a:rPr lang="en-US" smtClean="0"/>
               <a:t>Fifth level</a:t>
             </a:r>
-            <a:endParaRPr lang="en-US"/>
+            <a:endParaRPr lang="en-US" dirty="0"/>
           </a:p>
         </p:txBody>
       </p:sp>
@@ -2178,16 +2326,23 @@
         </p:nvSpPr>
         <p:spPr>
           <a:xfrm>
-            <a:off x="4645025" y="1535113"/>
-            <a:ext cx="4041775" cy="639762"/>
+            <a:off x="4766310" y="2029968"/>
+            <a:ext cx="3806190" cy="722376"/>
           </a:xfrm>
         </p:spPr>
         <p:txBody>
-          <a:bodyPr anchor="b"/>
+          <a:bodyPr anchor="ctr">
+            <a:normAutofit/>
+          </a:bodyPr>
           <a:lstStyle>
             <a:lvl1pPr marL="0" indent="0">
-              <a:buNone/>
-              <a:defRPr sz="2400" b="1"/>
+              <a:spcBef>
+                <a:spcPts val="0"/>
+              </a:spcBef>
+              <a:buNone/>
+              <a:defRPr sz="2000" b="0" cap="all" baseline="0">
+                <a:latin typeface="+mj-lt"/>
+              </a:defRPr>
             </a:lvl1pPr>
             <a:lvl2pPr marL="457200" indent="0">
               <a:buNone/>
@@ -2243,39 +2398,39 @@
         </p:nvSpPr>
         <p:spPr>
           <a:xfrm>
-            <a:off x="4645025" y="2174875"/>
-            <a:ext cx="4041775" cy="3951288"/>
+            <a:off x="4766310" y="2734056"/>
+            <a:ext cx="3806190" cy="3200400"/>
           </a:xfrm>
         </p:spPr>
         <p:txBody>
           <a:bodyPr/>
           <a:lstStyle>
             <a:lvl1pPr>
-              <a:defRPr sz="2400"/>
+              <a:defRPr sz="2100"/>
             </a:lvl1pPr>
             <a:lvl2pPr>
-              <a:defRPr sz="2000"/>
+              <a:defRPr sz="1800"/>
             </a:lvl2pPr>
             <a:lvl3pPr>
-              <a:defRPr sz="1800"/>
+              <a:defRPr sz="1600"/>
             </a:lvl3pPr>
             <a:lvl4pPr>
-              <a:defRPr sz="1600"/>
+              <a:defRPr sz="1400"/>
             </a:lvl4pPr>
             <a:lvl5pPr>
-              <a:defRPr sz="1600"/>
+              <a:defRPr sz="1400"/>
             </a:lvl5pPr>
             <a:lvl6pPr>
-              <a:defRPr sz="1600"/>
+              <a:defRPr sz="1400"/>
             </a:lvl6pPr>
             <a:lvl7pPr>
-              <a:defRPr sz="1600"/>
+              <a:defRPr sz="1400"/>
             </a:lvl7pPr>
             <a:lvl8pPr>
-              <a:defRPr sz="1600"/>
+              <a:defRPr sz="1400"/>
             </a:lvl8pPr>
             <a:lvl9pPr>
-              <a:defRPr sz="1600"/>
+              <a:defRPr sz="1400"/>
             </a:lvl9pPr>
           </a:lstStyle>
           <a:p>
@@ -2312,7 +2467,7 @@
               <a:rPr lang="en-US" smtClean="0"/>
               <a:t>Fifth level</a:t>
             </a:r>
-            <a:endParaRPr lang="en-US"/>
+            <a:endParaRPr lang="en-US" dirty="0"/>
           </a:p>
         </p:txBody>
       </p:sp>
@@ -2331,9 +2486,9 @@
           <a:bodyPr/>
           <a:lstStyle/>
           <a:p>
-            <a:fld id="{A2A0CAF0-5ED1-42DC-A1A3-38DB3DCDFDCB}" type="datetimeFigureOut">
-              <a:rPr lang="en-US" smtClean="0"/>
-              <a:t>6/22/2016</a:t>
+            <a:fld id="{A2CE2738-913C-4604-9203-8C6531570189}" type="datetime1">
+              <a:rPr lang="en-US" smtClean="0"/>
+              <a:t>10/31/2016</a:t>
             </a:fld>
             <a:endParaRPr lang="en-US"/>
           </a:p>
@@ -2384,13 +2539,20 @@
     </p:spTree>
     <p:extLst>
       <p:ext uri="{BB962C8B-B14F-4D97-AF65-F5344CB8AC3E}">
-        <p14:creationId xmlns:p14="http://schemas.microsoft.com/office/powerpoint/2010/main" val="325294487"/>
+        <p14:creationId xmlns:p14="http://schemas.microsoft.com/office/powerpoint/2010/main" val="1025649856"/>
       </p:ext>
     </p:extLst>
   </p:cSld>
   <p:clrMapOvr>
     <a:masterClrMapping/>
   </p:clrMapOvr>
+  <p:timing>
+    <p:tnLst>
+      <p:par>
+        <p:cTn id="1" dur="indefinite" restart="never" nodeType="tmRoot"/>
+      </p:par>
+    </p:tnLst>
+  </p:timing>
 </p:sldLayout>
 </file>
 
@@ -2413,7 +2575,7 @@
       </p:grpSpPr>
       <p:sp>
         <p:nvSpPr>
-          <p:cNvPr id="2" name="Title 1"/>
+          <p:cNvPr id="6" name="Title 5"/>
           <p:cNvSpPr>
             <a:spLocks noGrp="1"/>
           </p:cNvSpPr>
@@ -2430,7 +2592,7 @@
               <a:rPr lang="en-US" smtClean="0"/>
               <a:t>Click to edit Master title style</a:t>
             </a:r>
-            <a:endParaRPr lang="en-US"/>
+            <a:endParaRPr lang="en-US" dirty="0"/>
           </a:p>
         </p:txBody>
       </p:sp>
@@ -2449,9 +2611,9 @@
           <a:bodyPr/>
           <a:lstStyle/>
           <a:p>
-            <a:fld id="{A2A0CAF0-5ED1-42DC-A1A3-38DB3DCDFDCB}" type="datetimeFigureOut">
-              <a:rPr lang="en-US" smtClean="0"/>
-              <a:t>6/22/2016</a:t>
+            <a:fld id="{0871C0CF-B633-4B3E-8B69-443C1275756C}" type="datetime1">
+              <a:rPr lang="en-US" smtClean="0"/>
+              <a:t>10/31/2016</a:t>
             </a:fld>
             <a:endParaRPr lang="en-US"/>
           </a:p>
@@ -2502,7 +2664,7 @@
     </p:spTree>
     <p:extLst>
       <p:ext uri="{BB962C8B-B14F-4D97-AF65-F5344CB8AC3E}">
-        <p14:creationId xmlns:p14="http://schemas.microsoft.com/office/powerpoint/2010/main" val="2296203084"/>
+        <p14:creationId xmlns:p14="http://schemas.microsoft.com/office/powerpoint/2010/main" val="1857863031"/>
       </p:ext>
     </p:extLst>
   </p:cSld>
@@ -2544,9 +2706,9 @@
           <a:bodyPr/>
           <a:lstStyle/>
           <a:p>
-            <a:fld id="{A2A0CAF0-5ED1-42DC-A1A3-38DB3DCDFDCB}" type="datetimeFigureOut">
-              <a:rPr lang="en-US" smtClean="0"/>
-              <a:t>6/22/2016</a:t>
+            <a:fld id="{E071472C-FDCE-4CAE-8368-77DECAB2D24F}" type="datetime1">
+              <a:rPr lang="en-US" smtClean="0"/>
+              <a:t>10/31/2016</a:t>
             </a:fld>
             <a:endParaRPr lang="en-US"/>
           </a:p>
@@ -2597,7 +2759,7 @@
     </p:spTree>
     <p:extLst>
       <p:ext uri="{BB962C8B-B14F-4D97-AF65-F5344CB8AC3E}">
-        <p14:creationId xmlns:p14="http://schemas.microsoft.com/office/powerpoint/2010/main" val="885778631"/>
+        <p14:creationId xmlns:p14="http://schemas.microsoft.com/office/powerpoint/2010/main" val="1828620640"/>
       </p:ext>
     </p:extLst>
   </p:cSld>
@@ -2626,25 +2788,69 @@
       </p:grpSpPr>
       <p:sp>
         <p:nvSpPr>
-          <p:cNvPr id="2" name="Title 1"/>
-          <p:cNvSpPr>
-            <a:spLocks noGrp="1"/>
-          </p:cNvSpPr>
-          <p:nvPr>
-            <p:ph type="title"/>
-          </p:nvPr>
+          <p:cNvPr id="2" name="Rectangle 1"/>
+          <p:cNvSpPr/>
+          <p:nvPr/>
         </p:nvSpPr>
         <p:spPr>
           <a:xfrm>
-            <a:off x="457200" y="273050"/>
-            <a:ext cx="3008313" cy="1162050"/>
+            <a:off x="5715000" y="0"/>
+            <a:ext cx="3429000" cy="6858000"/>
+          </a:xfrm>
+          <a:prstGeom prst="rect">
+            <a:avLst/>
+          </a:prstGeom>
+          <a:ln>
+            <a:noFill/>
+          </a:ln>
+        </p:spPr>
+        <p:style>
+          <a:lnRef idx="2">
+            <a:schemeClr val="accent1">
+              <a:shade val="50000"/>
+            </a:schemeClr>
+          </a:lnRef>
+          <a:fillRef idx="1">
+            <a:schemeClr val="accent1"/>
+          </a:fillRef>
+          <a:effectRef idx="0">
+            <a:schemeClr val="accent1"/>
+          </a:effectRef>
+          <a:fontRef idx="minor">
+            <a:schemeClr val="lt1"/>
+          </a:fontRef>
+        </p:style>
+      </p:sp>
+      <p:sp>
+        <p:nvSpPr>
+          <p:cNvPr id="9" name="Title 8"/>
+          <p:cNvSpPr>
+            <a:spLocks noGrp="1"/>
+          </p:cNvSpPr>
+          <p:nvPr>
+            <p:ph type="title"/>
+          </p:nvPr>
+        </p:nvSpPr>
+        <p:spPr>
+          <a:xfrm>
+            <a:off x="6196053" y="542282"/>
+            <a:ext cx="2537460" cy="1920240"/>
           </a:xfrm>
         </p:spPr>
         <p:txBody>
-          <a:bodyPr anchor="b"/>
+          <a:bodyPr anchor="b">
+            <a:noAutofit/>
+          </a:bodyPr>
           <a:lstStyle>
-            <a:lvl1pPr algn="l">
-              <a:defRPr sz="2000" b="1"/>
+            <a:lvl1pPr>
+              <a:lnSpc>
+                <a:spcPct val="85000"/>
+              </a:lnSpc>
+              <a:defRPr sz="3600">
+                <a:solidFill>
+                  <a:srgbClr val="FFFFFF"/>
+                </a:solidFill>
+              </a:defRPr>
             </a:lvl1pPr>
           </a:lstStyle>
           <a:p>
@@ -2652,7 +2858,7 @@
               <a:rPr lang="en-US" smtClean="0"/>
               <a:t>Click to edit Master title style</a:t>
             </a:r>
-            <a:endParaRPr lang="en-US"/>
+            <a:endParaRPr lang="en-US" dirty="0"/>
           </a:p>
         </p:txBody>
       </p:sp>
@@ -2668,39 +2874,39 @@
         </p:nvSpPr>
         <p:spPr>
           <a:xfrm>
-            <a:off x="3575050" y="273050"/>
-            <a:ext cx="5111750" cy="5853113"/>
+            <a:off x="571500" y="762000"/>
+            <a:ext cx="4572000" cy="4572000"/>
           </a:xfrm>
         </p:spPr>
         <p:txBody>
           <a:bodyPr/>
           <a:lstStyle>
             <a:lvl1pPr>
-              <a:defRPr sz="3200"/>
+              <a:defRPr sz="2200"/>
             </a:lvl1pPr>
             <a:lvl2pPr>
-              <a:defRPr sz="2800"/>
+              <a:defRPr sz="1900"/>
             </a:lvl2pPr>
             <a:lvl3pPr>
-              <a:defRPr sz="2400"/>
+              <a:defRPr sz="1700"/>
             </a:lvl3pPr>
             <a:lvl4pPr>
-              <a:defRPr sz="2000"/>
+              <a:defRPr sz="1500"/>
             </a:lvl4pPr>
             <a:lvl5pPr>
-              <a:defRPr sz="2000"/>
+              <a:defRPr sz="1400"/>
             </a:lvl5pPr>
             <a:lvl6pPr>
-              <a:defRPr sz="2000"/>
+              <a:defRPr sz="1400"/>
             </a:lvl6pPr>
             <a:lvl7pPr>
-              <a:defRPr sz="2000"/>
+              <a:defRPr sz="1400"/>
             </a:lvl7pPr>
             <a:lvl8pPr>
-              <a:defRPr sz="2000"/>
+              <a:defRPr sz="1400"/>
             </a:lvl8pPr>
             <a:lvl9pPr>
-              <a:defRPr sz="2000"/>
+              <a:defRPr sz="1400"/>
             </a:lvl9pPr>
           </a:lstStyle>
           <a:p>
@@ -2737,7 +2943,7 @@
               <a:rPr lang="en-US" smtClean="0"/>
               <a:t>Fifth level</a:t>
             </a:r>
-            <a:endParaRPr lang="en-US"/>
+            <a:endParaRPr lang="en-US" dirty="0"/>
           </a:p>
         </p:txBody>
       </p:sp>
@@ -2753,16 +2959,35 @@
         </p:nvSpPr>
         <p:spPr>
           <a:xfrm>
-            <a:off x="457200" y="1435100"/>
-            <a:ext cx="3008313" cy="4691063"/>
+            <a:off x="6206987" y="2511813"/>
+            <a:ext cx="2548890" cy="3126987"/>
           </a:xfrm>
         </p:spPr>
         <p:txBody>
-          <a:bodyPr/>
+          <a:bodyPr>
+            <a:normAutofit/>
+          </a:bodyPr>
           <a:lstStyle>
-            <a:lvl1pPr marL="0" indent="0">
-              <a:buNone/>
-              <a:defRPr sz="1400"/>
+            <a:lvl1pPr marL="0" marR="0" indent="0" algn="l" defTabSz="914400" rtl="0" eaLnBrk="1" fontAlgn="auto" latinLnBrk="0" hangingPunct="1">
+              <a:lnSpc>
+                <a:spcPct val="100000"/>
+              </a:lnSpc>
+              <a:spcBef>
+                <a:spcPts val="1200"/>
+              </a:spcBef>
+              <a:spcAft>
+                <a:spcPts val="0"/>
+              </a:spcAft>
+              <a:buClrTx/>
+              <a:buSzTx/>
+              <a:buFontTx/>
+              <a:buNone/>
+              <a:tabLst/>
+              <a:defRPr sz="1500">
+                <a:solidFill>
+                  <a:srgbClr val="404040"/>
+                </a:solidFill>
+              </a:defRPr>
             </a:lvl1pPr>
             <a:lvl2pPr marL="457200" indent="0">
               <a:buNone/>
@@ -2798,7 +3023,23 @@
             </a:lvl9pPr>
           </a:lstStyle>
           <a:p>
-            <a:pPr lvl="0"/>
+            <a:pPr marL="0" marR="0" lvl="0" indent="0" algn="l" defTabSz="914400" rtl="0" eaLnBrk="1" fontAlgn="auto" latinLnBrk="0" hangingPunct="1">
+              <a:lnSpc>
+                <a:spcPct val="100000"/>
+              </a:lnSpc>
+              <a:spcBef>
+                <a:spcPts val="1400"/>
+              </a:spcBef>
+              <a:spcAft>
+                <a:spcPts val="0"/>
+              </a:spcAft>
+              <a:buClrTx/>
+              <a:buSzTx/>
+              <a:buFontTx/>
+              <a:buNone/>
+              <a:tabLst/>
+              <a:defRPr/>
+            </a:pPr>
             <a:r>
               <a:rPr lang="en-US" smtClean="0"/>
               <a:t>Click to edit Master text styles</a:t>
@@ -2821,9 +3062,9 @@
           <a:bodyPr/>
           <a:lstStyle/>
           <a:p>
-            <a:fld id="{A2A0CAF0-5ED1-42DC-A1A3-38DB3DCDFDCB}" type="datetimeFigureOut">
-              <a:rPr lang="en-US" smtClean="0"/>
-              <a:t>6/22/2016</a:t>
+            <a:fld id="{E34F714D-4203-4CC2-83F3-0AF14D4EDF64}" type="datetime1">
+              <a:rPr lang="en-US" smtClean="0"/>
+              <a:t>10/31/2016</a:t>
             </a:fld>
             <a:endParaRPr lang="en-US"/>
           </a:p>
@@ -2861,7 +3102,17 @@
         <p:spPr/>
         <p:txBody>
           <a:bodyPr/>
-          <a:lstStyle/>
+          <a:lstStyle>
+            <a:lvl1pPr>
+              <a:defRPr>
+                <a:solidFill>
+                  <a:srgbClr val="FFFFFF">
+                    <a:alpha val="20000"/>
+                  </a:srgbClr>
+                </a:solidFill>
+              </a:defRPr>
+            </a:lvl1pPr>
+          </a:lstStyle>
           <a:p>
             <a:fld id="{07167301-DA6A-464D-A35A-C5160C07AEDB}" type="slidenum">
               <a:rPr lang="en-US" smtClean="0"/>
@@ -2874,7 +3125,7 @@
     </p:spTree>
     <p:extLst>
       <p:ext uri="{BB962C8B-B14F-4D97-AF65-F5344CB8AC3E}">
-        <p14:creationId xmlns:p14="http://schemas.microsoft.com/office/powerpoint/2010/main" val="3778676549"/>
+        <p14:creationId xmlns:p14="http://schemas.microsoft.com/office/powerpoint/2010/main" val="3875399477"/>
       </p:ext>
     </p:extLst>
   </p:cSld>
@@ -2887,6 +3138,14 @@
 <file path=ppt/slideLayouts/slideLayout9.xml><?xml version="1.0" encoding="utf-8"?>
 <p:sldLayout xmlns:a="http://schemas.openxmlformats.org/drawingml/2006/main" xmlns:r="http://schemas.openxmlformats.org/officeDocument/2006/relationships" xmlns:p="http://schemas.openxmlformats.org/presentationml/2006/main" type="picTx" preserve="1">
   <p:cSld name="Picture with Caption">
+    <p:bg>
+      <p:bgPr>
+        <a:solidFill>
+          <a:schemeClr val="accent1"/>
+        </a:solidFill>
+        <a:effectLst/>
+      </p:bgPr>
+    </p:bg>
     <p:spTree>
       <p:nvGrpSpPr>
         <p:cNvPr id="1" name=""/>
@@ -2913,15 +3172,24 @@
         </p:nvSpPr>
         <p:spPr>
           <a:xfrm>
-            <a:off x="1792288" y="4800600"/>
-            <a:ext cx="5486400" cy="566738"/>
+            <a:off x="486918" y="5418668"/>
+            <a:ext cx="8085582" cy="613283"/>
           </a:xfrm>
         </p:spPr>
         <p:txBody>
-          <a:bodyPr anchor="b"/>
+          <a:bodyPr anchor="b">
+            <a:normAutofit/>
+          </a:bodyPr>
           <a:lstStyle>
-            <a:lvl1pPr algn="l">
-              <a:defRPr sz="2000" b="1"/>
+            <a:lvl1pPr>
+              <a:lnSpc>
+                <a:spcPct val="85000"/>
+              </a:lnSpc>
+              <a:defRPr sz="2800" b="0">
+                <a:solidFill>
+                  <a:srgbClr val="FFFFFF"/>
+                </a:solidFill>
+              </a:defRPr>
             </a:lvl1pPr>
           </a:lstStyle>
           <a:p>
@@ -2929,7 +3197,7 @@
               <a:rPr lang="en-US" smtClean="0"/>
               <a:t>Click to edit Master title style</a:t>
             </a:r>
-            <a:endParaRPr lang="en-US"/>
+            <a:endParaRPr lang="en-US" dirty="0"/>
           </a:p>
         </p:txBody>
       </p:sp>
@@ -2937,7 +3205,7 @@
         <p:nvSpPr>
           <p:cNvPr id="3" name="Picture Placeholder 2"/>
           <p:cNvSpPr>
-            <a:spLocks noGrp="1"/>
+            <a:spLocks noGrp="1" noChangeAspect="1"/>
           </p:cNvSpPr>
           <p:nvPr>
             <p:ph type="pic" idx="1"/>
@@ -2945,16 +3213,29 @@
         </p:nvSpPr>
         <p:spPr>
           <a:xfrm>
-            <a:off x="1792288" y="612775"/>
-            <a:ext cx="5486400" cy="4114800"/>
+            <a:off x="0" y="0"/>
+            <a:ext cx="9144000" cy="5330952"/>
           </a:xfrm>
+          <a:solidFill>
+            <a:schemeClr val="accent1">
+              <a:lumMod val="40000"/>
+              <a:lumOff val="60000"/>
+            </a:schemeClr>
+          </a:solidFill>
         </p:spPr>
         <p:txBody>
-          <a:bodyPr/>
+          <a:bodyPr anchor="t"/>
           <a:lstStyle>
-            <a:lvl1pPr marL="0" indent="0">
-              <a:buNone/>
-              <a:defRPr sz="3200"/>
+            <a:lvl1pPr marL="0" indent="0" algn="ctr">
+              <a:spcBef>
+                <a:spcPts val="800"/>
+              </a:spcBef>
+              <a:buNone/>
+              <a:defRPr sz="3200">
+                <a:solidFill>
+                  <a:srgbClr val="4D4D4D"/>
+                </a:solidFill>
+              </a:defRPr>
             </a:lvl1pPr>
             <a:lvl2pPr marL="457200" indent="0">
               <a:buNone/>
@@ -2990,7 +3271,11 @@
             </a:lvl9pPr>
           </a:lstStyle>
           <a:p>
-            <a:endParaRPr lang="en-US"/>
+            <a:r>
+              <a:rPr lang="en-US" smtClean="0"/>
+              <a:t>Click icon to add picture</a:t>
+            </a:r>
+            <a:endParaRPr lang="en-US" dirty="0"/>
           </a:p>
         </p:txBody>
       </p:sp>
@@ -3006,16 +3291,28 @@
         </p:nvSpPr>
         <p:spPr>
           <a:xfrm>
-            <a:off x="1792288" y="5367338"/>
-            <a:ext cx="5486400" cy="804862"/>
+            <a:off x="507492" y="5909735"/>
+            <a:ext cx="6922008" cy="533400"/>
           </a:xfrm>
         </p:spPr>
         <p:txBody>
-          <a:bodyPr/>
+          <a:bodyPr>
+            <a:normAutofit/>
+          </a:bodyPr>
           <a:lstStyle>
             <a:lvl1pPr marL="0" indent="0">
-              <a:buNone/>
-              <a:defRPr sz="1400"/>
+              <a:lnSpc>
+                <a:spcPct val="90000"/>
+              </a:lnSpc>
+              <a:spcBef>
+                <a:spcPts val="1200"/>
+              </a:spcBef>
+              <a:buNone/>
+              <a:defRPr sz="1400">
+                <a:solidFill>
+                  <a:srgbClr val="262626"/>
+                </a:solidFill>
+              </a:defRPr>
             </a:lvl1pPr>
             <a:lvl2pPr marL="457200" indent="0">
               <a:buNone/>
@@ -3072,11 +3369,21 @@
         <p:spPr/>
         <p:txBody>
           <a:bodyPr/>
-          <a:lstStyle/>
-          <a:p>
-            <a:fld id="{A2A0CAF0-5ED1-42DC-A1A3-38DB3DCDFDCB}" type="datetimeFigureOut">
-              <a:rPr lang="en-US" smtClean="0"/>
-              <a:t>6/22/2016</a:t>
+          <a:lstStyle>
+            <a:lvl1pPr>
+              <a:defRPr>
+                <a:solidFill>
+                  <a:srgbClr val="FFFFFF">
+                    <a:alpha val="75000"/>
+                  </a:srgbClr>
+                </a:solidFill>
+              </a:defRPr>
+            </a:lvl1pPr>
+          </a:lstStyle>
+          <a:p>
+            <a:fld id="{CD124E96-3E5C-4ED4-9520-24DC69E55E00}" type="datetime1">
+              <a:rPr lang="en-US" smtClean="0"/>
+              <a:t>10/31/2016</a:t>
             </a:fld>
             <a:endParaRPr lang="en-US"/>
           </a:p>
@@ -3095,7 +3402,17 @@
         <p:spPr/>
         <p:txBody>
           <a:bodyPr/>
-          <a:lstStyle/>
+          <a:lstStyle>
+            <a:lvl1pPr>
+              <a:defRPr>
+                <a:solidFill>
+                  <a:srgbClr val="FFFFFF">
+                    <a:alpha val="75000"/>
+                  </a:srgbClr>
+                </a:solidFill>
+              </a:defRPr>
+            </a:lvl1pPr>
+          </a:lstStyle>
           <a:p>
             <a:endParaRPr lang="en-US"/>
           </a:p>
@@ -3114,7 +3431,17 @@
         <p:spPr/>
         <p:txBody>
           <a:bodyPr/>
-          <a:lstStyle/>
+          <a:lstStyle>
+            <a:lvl1pPr>
+              <a:defRPr>
+                <a:solidFill>
+                  <a:srgbClr val="FFFFFF">
+                    <a:alpha val="20000"/>
+                  </a:srgbClr>
+                </a:solidFill>
+              </a:defRPr>
+            </a:lvl1pPr>
+          </a:lstStyle>
           <a:p>
             <a:fld id="{07167301-DA6A-464D-A35A-C5160C07AEDB}" type="slidenum">
               <a:rPr lang="en-US" smtClean="0"/>
@@ -3127,12 +3454,12 @@
     </p:spTree>
     <p:extLst>
       <p:ext uri="{BB962C8B-B14F-4D97-AF65-F5344CB8AC3E}">
-        <p14:creationId xmlns:p14="http://schemas.microsoft.com/office/powerpoint/2010/main" val="387209547"/>
+        <p14:creationId xmlns:p14="http://schemas.microsoft.com/office/powerpoint/2010/main" val="329950072"/>
       </p:ext>
     </p:extLst>
   </p:cSld>
   <p:clrMapOvr>
-    <a:masterClrMapping/>
+    <a:overrideClrMapping bg1="dk1" tx1="lt1" bg2="dk2" tx2="lt2" accent1="accent1" accent2="accent2" accent3="accent3" accent4="accent4" accent5="accent5" accent6="accent6" hlink="hlink" folHlink="folHlink"/>
   </p:clrMapOvr>
 </p:sldLayout>
 </file>
@@ -3171,8 +3498,8 @@
         </p:nvSpPr>
         <p:spPr>
           <a:xfrm>
-            <a:off x="457200" y="274638"/>
-            <a:ext cx="8229600" cy="1143000"/>
+            <a:off x="492919" y="499533"/>
+            <a:ext cx="8079581" cy="1658198"/>
           </a:xfrm>
           <a:prstGeom prst="rect">
             <a:avLst/>
@@ -3188,7 +3515,7 @@
               <a:rPr lang="en-US" smtClean="0"/>
               <a:t>Click to edit Master title style</a:t>
             </a:r>
-            <a:endParaRPr lang="en-US"/>
+            <a:endParaRPr lang="en-US" dirty="0"/>
           </a:p>
         </p:txBody>
       </p:sp>
@@ -3204,8 +3531,8 @@
         </p:nvSpPr>
         <p:spPr>
           <a:xfrm>
-            <a:off x="457200" y="1600200"/>
-            <a:ext cx="8229600" cy="4525963"/>
+            <a:off x="507206" y="1993393"/>
+            <a:ext cx="8065294" cy="3766185"/>
           </a:xfrm>
           <a:prstGeom prst="rect">
             <a:avLst/>
@@ -3250,7 +3577,7 @@
               <a:rPr lang="en-US" smtClean="0"/>
               <a:t>Fifth level</a:t>
             </a:r>
-            <a:endParaRPr lang="en-US"/>
+            <a:endParaRPr lang="en-US" dirty="0"/>
           </a:p>
         </p:txBody>
       </p:sp>
@@ -3266,8 +3593,8 @@
         </p:nvSpPr>
         <p:spPr>
           <a:xfrm>
-            <a:off x="457200" y="6356350"/>
-            <a:ext cx="2133600" cy="365125"/>
+            <a:off x="514350" y="6412447"/>
+            <a:ext cx="3086100" cy="228600"/>
           </a:xfrm>
           <a:prstGeom prst="rect">
             <a:avLst/>
@@ -3277,19 +3604,19 @@
           <a:bodyPr vert="horz" lIns="91440" tIns="45720" rIns="91440" bIns="45720" rtlCol="0" anchor="ctr"/>
           <a:lstStyle>
             <a:lvl1pPr algn="l">
-              <a:defRPr sz="1200">
+              <a:defRPr sz="950">
                 <a:solidFill>
                   <a:schemeClr val="tx1">
-                    <a:tint val="75000"/>
+                    <a:alpha val="75000"/>
                   </a:schemeClr>
                 </a:solidFill>
               </a:defRPr>
             </a:lvl1pPr>
           </a:lstStyle>
           <a:p>
-            <a:fld id="{A2A0CAF0-5ED1-42DC-A1A3-38DB3DCDFDCB}" type="datetimeFigureOut">
-              <a:rPr lang="en-US" smtClean="0"/>
-              <a:t>6/22/2016</a:t>
+            <a:fld id="{7144AE48-8CBA-46B8-A1FD-E0DC24F3FDC9}" type="datetime1">
+              <a:rPr lang="en-US" smtClean="0"/>
+              <a:t>10/31/2016</a:t>
             </a:fld>
             <a:endParaRPr lang="en-US"/>
           </a:p>
@@ -3307,8 +3634,8 @@
         </p:nvSpPr>
         <p:spPr>
           <a:xfrm>
-            <a:off x="3124200" y="6356350"/>
-            <a:ext cx="2895600" cy="365125"/>
+            <a:off x="514350" y="6554697"/>
+            <a:ext cx="3771900" cy="228600"/>
           </a:xfrm>
           <a:prstGeom prst="rect">
             <a:avLst/>
@@ -3317,11 +3644,11 @@
         <p:txBody>
           <a:bodyPr vert="horz" lIns="91440" tIns="45720" rIns="91440" bIns="45720" rtlCol="0" anchor="ctr"/>
           <a:lstStyle>
-            <a:lvl1pPr algn="ctr">
-              <a:defRPr sz="1200">
+            <a:lvl1pPr algn="l">
+              <a:defRPr sz="950" cap="all" baseline="0">
                 <a:solidFill>
                   <a:schemeClr val="tx1">
-                    <a:tint val="75000"/>
+                    <a:alpha val="75000"/>
                   </a:schemeClr>
                 </a:solidFill>
               </a:defRPr>
@@ -3344,23 +3671,27 @@
         </p:nvSpPr>
         <p:spPr>
           <a:xfrm>
-            <a:off x="6553200" y="6356350"/>
-            <a:ext cx="2133600" cy="365125"/>
+            <a:off x="6541193" y="5829748"/>
+            <a:ext cx="2194560" cy="1397039"/>
           </a:xfrm>
           <a:prstGeom prst="rect">
             <a:avLst/>
           </a:prstGeom>
         </p:spPr>
         <p:txBody>
-          <a:bodyPr vert="horz" lIns="91440" tIns="45720" rIns="91440" bIns="45720" rtlCol="0" anchor="ctr"/>
+          <a:bodyPr vert="horz" lIns="91440" tIns="45720" rIns="91440" bIns="45720" rtlCol="0" anchor="b"/>
           <a:lstStyle>
             <a:lvl1pPr algn="r">
-              <a:defRPr sz="1200">
+              <a:defRPr sz="9000" b="0">
+                <a:ln>
+                  <a:noFill/>
+                </a:ln>
                 <a:solidFill>
-                  <a:schemeClr val="tx1">
-                    <a:tint val="75000"/>
+                  <a:schemeClr val="accent1">
+                    <a:alpha val="20000"/>
                   </a:schemeClr>
                 </a:solidFill>
+                <a:latin typeface="+mj-lt"/>
               </a:defRPr>
             </a:lvl1pPr>
           </a:lstStyle>
@@ -3376,34 +3707,45 @@
     </p:spTree>
     <p:extLst>
       <p:ext uri="{BB962C8B-B14F-4D97-AF65-F5344CB8AC3E}">
-        <p14:creationId xmlns:p14="http://schemas.microsoft.com/office/powerpoint/2010/main" val="2731991636"/>
+        <p14:creationId xmlns:p14="http://schemas.microsoft.com/office/powerpoint/2010/main" val="769808491"/>
       </p:ext>
     </p:extLst>
   </p:cSld>
   <p:clrMap bg1="lt1" tx1="dk1" bg2="lt2" tx2="dk2" accent1="accent1" accent2="accent2" accent3="accent3" accent4="accent4" accent5="accent5" accent6="accent6" hlink="hlink" folHlink="folHlink"/>
   <p:sldLayoutIdLst>
-    <p:sldLayoutId id="2147483649" r:id="rId1"/>
-    <p:sldLayoutId id="2147483650" r:id="rId2"/>
-    <p:sldLayoutId id="2147483651" r:id="rId3"/>
-    <p:sldLayoutId id="2147483652" r:id="rId4"/>
-    <p:sldLayoutId id="2147483653" r:id="rId5"/>
-    <p:sldLayoutId id="2147483654" r:id="rId6"/>
-    <p:sldLayoutId id="2147483655" r:id="rId7"/>
-    <p:sldLayoutId id="2147483656" r:id="rId8"/>
-    <p:sldLayoutId id="2147483657" r:id="rId9"/>
-    <p:sldLayoutId id="2147483658" r:id="rId10"/>
-    <p:sldLayoutId id="2147483659" r:id="rId11"/>
+    <p:sldLayoutId id="2147483673" r:id="rId1"/>
+    <p:sldLayoutId id="2147483674" r:id="rId2"/>
+    <p:sldLayoutId id="2147483675" r:id="rId3"/>
+    <p:sldLayoutId id="2147483676" r:id="rId4"/>
+    <p:sldLayoutId id="2147483677" r:id="rId5"/>
+    <p:sldLayoutId id="2147483678" r:id="rId6"/>
+    <p:sldLayoutId id="2147483679" r:id="rId7"/>
+    <p:sldLayoutId id="2147483680" r:id="rId8"/>
+    <p:sldLayoutId id="2147483681" r:id="rId9"/>
+    <p:sldLayoutId id="2147483682" r:id="rId10"/>
+    <p:sldLayoutId id="2147483683" r:id="rId11"/>
   </p:sldLayoutIdLst>
+  <p:timing>
+    <p:tnLst>
+      <p:par>
+        <p:cTn id="1" dur="indefinite" restart="never" nodeType="tmRoot"/>
+      </p:par>
+    </p:tnLst>
+  </p:timing>
+  <p:hf hdr="0" ftr="0" dt="0"/>
   <p:txStyles>
     <p:titleStyle>
-      <a:lvl1pPr algn="ctr" defTabSz="914400" rtl="0" eaLnBrk="1" latinLnBrk="0" hangingPunct="1">
+      <a:lvl1pPr algn="l" defTabSz="914400" rtl="0" eaLnBrk="1" latinLnBrk="0" hangingPunct="1">
+        <a:lnSpc>
+          <a:spcPct val="90000"/>
+        </a:lnSpc>
         <a:spcBef>
           <a:spcPct val="0"/>
         </a:spcBef>
         <a:buNone/>
-        <a:defRPr sz="4400" kern="1200">
+        <a:defRPr sz="4800" kern="1200" spc="-120" baseline="0">
           <a:solidFill>
-            <a:schemeClr val="tx1"/>
+            <a:schemeClr val="accent1"/>
           </a:solidFill>
           <a:latin typeface="+mj-lt"/>
           <a:ea typeface="+mj-ea"/>
@@ -3412,135 +3754,189 @@
       </a:lvl1pPr>
     </p:titleStyle>
     <p:bodyStyle>
-      <a:lvl1pPr marL="342900" indent="-342900" algn="l" defTabSz="914400" rtl="0" eaLnBrk="1" latinLnBrk="0" hangingPunct="1">
+      <a:lvl1pPr marL="91440" indent="-91440" algn="l" defTabSz="914400" rtl="0" eaLnBrk="1" latinLnBrk="0" hangingPunct="1">
+        <a:lnSpc>
+          <a:spcPct val="85000"/>
+        </a:lnSpc>
         <a:spcBef>
-          <a:spcPct val="20000"/>
+          <a:spcPts val="1300"/>
         </a:spcBef>
         <a:buFont typeface="Arial" pitchFamily="34" charset="0"/>
-        <a:buChar char="•"/>
-        <a:defRPr sz="3200" kern="1200">
+        <a:buChar char=" "/>
+        <a:defRPr sz="2400" kern="1200">
           <a:solidFill>
-            <a:schemeClr val="tx1"/>
+            <a:schemeClr val="tx1">
+              <a:lumMod val="85000"/>
+              <a:lumOff val="15000"/>
+            </a:schemeClr>
           </a:solidFill>
           <a:latin typeface="+mn-lt"/>
           <a:ea typeface="+mn-ea"/>
           <a:cs typeface="+mn-cs"/>
         </a:defRPr>
       </a:lvl1pPr>
-      <a:lvl2pPr marL="742950" indent="-285750" algn="l" defTabSz="914400" rtl="0" eaLnBrk="1" latinLnBrk="0" hangingPunct="1">
+      <a:lvl2pPr marL="274320" indent="-342900" algn="l" defTabSz="914400" rtl="0" eaLnBrk="1" latinLnBrk="0" hangingPunct="1">
+        <a:lnSpc>
+          <a:spcPct val="85000"/>
+        </a:lnSpc>
         <a:spcBef>
-          <a:spcPct val="20000"/>
+          <a:spcPts val="600"/>
         </a:spcBef>
         <a:buFont typeface="Arial" pitchFamily="34" charset="0"/>
-        <a:buChar char="–"/>
-        <a:defRPr sz="2800" kern="1200">
+        <a:buChar char=" "/>
+        <a:defRPr sz="2400" kern="1200">
           <a:solidFill>
-            <a:schemeClr val="tx1"/>
+            <a:schemeClr val="tx1">
+              <a:lumMod val="85000"/>
+              <a:lumOff val="15000"/>
+            </a:schemeClr>
           </a:solidFill>
           <a:latin typeface="+mn-lt"/>
           <a:ea typeface="+mn-ea"/>
           <a:cs typeface="+mn-cs"/>
         </a:defRPr>
       </a:lvl2pPr>
-      <a:lvl3pPr marL="1143000" indent="-228600" algn="l" defTabSz="914400" rtl="0" eaLnBrk="1" latinLnBrk="0" hangingPunct="1">
+      <a:lvl3pPr marL="548640" indent="-548640" algn="l" defTabSz="914400" rtl="0" eaLnBrk="1" latinLnBrk="0" hangingPunct="1">
+        <a:lnSpc>
+          <a:spcPct val="85000"/>
+        </a:lnSpc>
         <a:spcBef>
-          <a:spcPct val="20000"/>
+          <a:spcPts val="600"/>
         </a:spcBef>
         <a:buFont typeface="Arial" pitchFamily="34" charset="0"/>
-        <a:buChar char="•"/>
-        <a:defRPr sz="2400" kern="1200">
+        <a:buChar char=" "/>
+        <a:defRPr sz="2000" i="1" kern="1200">
           <a:solidFill>
-            <a:schemeClr val="tx1"/>
+            <a:schemeClr val="tx1">
+              <a:lumMod val="85000"/>
+              <a:lumOff val="15000"/>
+            </a:schemeClr>
           </a:solidFill>
           <a:latin typeface="+mn-lt"/>
           <a:ea typeface="+mn-ea"/>
           <a:cs typeface="+mn-cs"/>
         </a:defRPr>
       </a:lvl3pPr>
-      <a:lvl4pPr marL="1600200" indent="-228600" algn="l" defTabSz="914400" rtl="0" eaLnBrk="1" latinLnBrk="0" hangingPunct="1">
+      <a:lvl4pPr marL="822960" indent="-822960" algn="l" defTabSz="914400" rtl="0" eaLnBrk="1" latinLnBrk="0" hangingPunct="1">
+        <a:lnSpc>
+          <a:spcPct val="85000"/>
+        </a:lnSpc>
         <a:spcBef>
-          <a:spcPct val="20000"/>
+          <a:spcPts val="600"/>
         </a:spcBef>
         <a:buFont typeface="Arial" pitchFamily="34" charset="0"/>
-        <a:buChar char="–"/>
-        <a:defRPr sz="2000" kern="1200">
+        <a:buChar char=" "/>
+        <a:defRPr sz="1800" kern="1200">
           <a:solidFill>
-            <a:schemeClr val="tx1"/>
+            <a:schemeClr val="tx1">
+              <a:lumMod val="85000"/>
+              <a:lumOff val="15000"/>
+            </a:schemeClr>
           </a:solidFill>
           <a:latin typeface="+mn-lt"/>
           <a:ea typeface="+mn-ea"/>
           <a:cs typeface="+mn-cs"/>
         </a:defRPr>
       </a:lvl4pPr>
-      <a:lvl5pPr marL="2057400" indent="-228600" algn="l" defTabSz="914400" rtl="0" eaLnBrk="1" latinLnBrk="0" hangingPunct="1">
+      <a:lvl5pPr marL="1097280" indent="-1097280" algn="l" defTabSz="914400" rtl="0" eaLnBrk="1" latinLnBrk="0" hangingPunct="1">
+        <a:lnSpc>
+          <a:spcPct val="85000"/>
+        </a:lnSpc>
         <a:spcBef>
-          <a:spcPct val="20000"/>
+          <a:spcPts val="600"/>
         </a:spcBef>
         <a:buFont typeface="Arial" pitchFamily="34" charset="0"/>
-        <a:buChar char="»"/>
-        <a:defRPr sz="2000" kern="1200">
+        <a:buChar char=" "/>
+        <a:defRPr sz="1800" kern="1200">
           <a:solidFill>
-            <a:schemeClr val="tx1"/>
+            <a:schemeClr val="tx1">
+              <a:lumMod val="85000"/>
+              <a:lumOff val="15000"/>
+            </a:schemeClr>
           </a:solidFill>
           <a:latin typeface="+mn-lt"/>
           <a:ea typeface="+mn-ea"/>
           <a:cs typeface="+mn-cs"/>
         </a:defRPr>
       </a:lvl5pPr>
-      <a:lvl6pPr marL="2514600" indent="-228600" algn="l" defTabSz="914400" rtl="0" eaLnBrk="1" latinLnBrk="0" hangingPunct="1">
+      <a:lvl6pPr marL="1200000" indent="-228600" algn="l" defTabSz="914400" rtl="0" eaLnBrk="1" latinLnBrk="0" hangingPunct="1">
+        <a:lnSpc>
+          <a:spcPct val="85000"/>
+        </a:lnSpc>
         <a:spcBef>
-          <a:spcPct val="20000"/>
+          <a:spcPts val="600"/>
         </a:spcBef>
         <a:buFont typeface="Arial" pitchFamily="34" charset="0"/>
-        <a:buChar char="•"/>
-        <a:defRPr sz="2000" kern="1200">
+        <a:buChar char=" "/>
+        <a:defRPr sz="1800" kern="1200">
           <a:solidFill>
-            <a:schemeClr val="tx1"/>
+            <a:schemeClr val="tx1">
+              <a:lumMod val="85000"/>
+              <a:lumOff val="15000"/>
+            </a:schemeClr>
           </a:solidFill>
           <a:latin typeface="+mn-lt"/>
           <a:ea typeface="+mn-ea"/>
           <a:cs typeface="+mn-cs"/>
         </a:defRPr>
       </a:lvl6pPr>
-      <a:lvl7pPr marL="2971800" indent="-228600" algn="l" defTabSz="914400" rtl="0" eaLnBrk="1" latinLnBrk="0" hangingPunct="1">
+      <a:lvl7pPr marL="1400000" indent="-228600" algn="l" defTabSz="914400" rtl="0" eaLnBrk="1" latinLnBrk="0" hangingPunct="1">
+        <a:lnSpc>
+          <a:spcPct val="85000"/>
+        </a:lnSpc>
         <a:spcBef>
-          <a:spcPct val="20000"/>
+          <a:spcPts val="600"/>
         </a:spcBef>
         <a:buFont typeface="Arial" pitchFamily="34" charset="0"/>
-        <a:buChar char="•"/>
-        <a:defRPr sz="2000" kern="1200">
+        <a:buChar char=" "/>
+        <a:defRPr sz="1800" kern="1200">
           <a:solidFill>
-            <a:schemeClr val="tx1"/>
+            <a:schemeClr val="tx1">
+              <a:lumMod val="85000"/>
+              <a:lumOff val="15000"/>
+            </a:schemeClr>
           </a:solidFill>
           <a:latin typeface="+mn-lt"/>
           <a:ea typeface="+mn-ea"/>
           <a:cs typeface="+mn-cs"/>
         </a:defRPr>
       </a:lvl7pPr>
-      <a:lvl8pPr marL="3429000" indent="-228600" algn="l" defTabSz="914400" rtl="0" eaLnBrk="1" latinLnBrk="0" hangingPunct="1">
+      <a:lvl8pPr marL="1600000" indent="-228600" algn="l" defTabSz="914400" rtl="0" eaLnBrk="1" latinLnBrk="0" hangingPunct="1">
+        <a:lnSpc>
+          <a:spcPct val="85000"/>
+        </a:lnSpc>
         <a:spcBef>
-          <a:spcPct val="20000"/>
+          <a:spcPts val="600"/>
         </a:spcBef>
         <a:buFont typeface="Arial" pitchFamily="34" charset="0"/>
-        <a:buChar char="•"/>
-        <a:defRPr sz="2000" kern="1200">
+        <a:buChar char=" "/>
+        <a:defRPr sz="1800" kern="1200">
           <a:solidFill>
-            <a:schemeClr val="tx1"/>
+            <a:schemeClr val="tx1">
+              <a:lumMod val="85000"/>
+              <a:lumOff val="15000"/>
+            </a:schemeClr>
           </a:solidFill>
           <a:latin typeface="+mn-lt"/>
           <a:ea typeface="+mn-ea"/>
           <a:cs typeface="+mn-cs"/>
         </a:defRPr>
       </a:lvl8pPr>
-      <a:lvl9pPr marL="3886200" indent="-228600" algn="l" defTabSz="914400" rtl="0" eaLnBrk="1" latinLnBrk="0" hangingPunct="1">
+      <a:lvl9pPr marL="1800000" indent="-228600" algn="l" defTabSz="914400" rtl="0" eaLnBrk="1" latinLnBrk="0" hangingPunct="1">
+        <a:lnSpc>
+          <a:spcPct val="85000"/>
+        </a:lnSpc>
         <a:spcBef>
-          <a:spcPct val="20000"/>
+          <a:spcPts val="600"/>
         </a:spcBef>
         <a:buFont typeface="Arial" pitchFamily="34" charset="0"/>
-        <a:buChar char="•"/>
-        <a:defRPr sz="2000" kern="1200">
+        <a:buChar char=" "/>
+        <a:defRPr sz="1800" kern="1200">
           <a:solidFill>
-            <a:schemeClr val="tx1"/>
+            <a:schemeClr val="tx1">
+              <a:lumMod val="85000"/>
+              <a:lumOff val="15000"/>
+            </a:schemeClr>
           </a:solidFill>
           <a:latin typeface="+mn-lt"/>
           <a:ea typeface="+mn-ea"/>
@@ -3710,6 +4106,29 @@
           </a:p>
         </p:txBody>
       </p:sp>
+      <p:sp>
+        <p:nvSpPr>
+          <p:cNvPr id="4" name="Slide Number Placeholder 3"/>
+          <p:cNvSpPr>
+            <a:spLocks noGrp="1"/>
+          </p:cNvSpPr>
+          <p:nvPr>
+            <p:ph type="sldNum" sz="quarter" idx="12"/>
+          </p:nvPr>
+        </p:nvSpPr>
+        <p:spPr/>
+        <p:txBody>
+          <a:bodyPr/>
+          <a:lstStyle/>
+          <a:p>
+            <a:fld id="{07167301-DA6A-464D-A35A-C5160C07AEDB}" type="slidenum">
+              <a:rPr lang="en-US" smtClean="0"/>
+              <a:t>1</a:t>
+            </a:fld>
+            <a:endParaRPr lang="en-US"/>
+          </a:p>
+        </p:txBody>
+      </p:sp>
     </p:spTree>
     <p:extLst>
       <p:ext uri="{BB962C8B-B14F-4D97-AF65-F5344CB8AC3E}">
@@ -3720,6 +4139,13 @@
   <p:clrMapOvr>
     <a:masterClrMapping/>
   </p:clrMapOvr>
+  <p:timing>
+    <p:tnLst>
+      <p:par>
+        <p:cTn id="1" dur="indefinite" restart="never" nodeType="tmRoot"/>
+      </p:par>
+    </p:tnLst>
+  </p:timing>
 </p:sld>
 </file>
 
@@ -3757,7 +4183,7 @@
           <a:p>
             <a:r>
               <a:rPr lang="en-US" dirty="0" smtClean="0"/>
-              <a:t>Bad code</a:t>
+              <a:t>   Bad code</a:t>
             </a:r>
             <a:endParaRPr lang="en-US" dirty="0"/>
           </a:p>
@@ -3807,6 +4233,29 @@
           <a:p>
             <a:pPr lvl="1"/>
             <a:endParaRPr lang="en-US" dirty="0" smtClean="0"/>
+          </a:p>
+        </p:txBody>
+      </p:sp>
+      <p:sp>
+        <p:nvSpPr>
+          <p:cNvPr id="4" name="Slide Number Placeholder 3"/>
+          <p:cNvSpPr>
+            <a:spLocks noGrp="1"/>
+          </p:cNvSpPr>
+          <p:nvPr>
+            <p:ph type="sldNum" sz="quarter" idx="12"/>
+          </p:nvPr>
+        </p:nvSpPr>
+        <p:spPr/>
+        <p:txBody>
+          <a:bodyPr/>
+          <a:lstStyle/>
+          <a:p>
+            <a:fld id="{07167301-DA6A-464D-A35A-C5160C07AEDB}" type="slidenum">
+              <a:rPr lang="en-US" smtClean="0"/>
+              <a:t>2</a:t>
+            </a:fld>
+            <a:endParaRPr lang="en-US"/>
           </a:p>
         </p:txBody>
       </p:sp>
@@ -3820,6 +4269,13 @@
   <p:clrMapOvr>
     <a:masterClrMapping/>
   </p:clrMapOvr>
+  <p:timing>
+    <p:tnLst>
+      <p:par>
+        <p:cTn id="1" dur="indefinite" restart="never" nodeType="tmRoot"/>
+      </p:par>
+    </p:tnLst>
+  </p:timing>
 </p:sld>
 </file>
 
@@ -3855,6 +4311,7 @@
           <a:bodyPr/>
           <a:lstStyle/>
           <a:p>
+            <a:pPr algn="ctr"/>
             <a:r>
               <a:rPr lang="en-US" dirty="0" smtClean="0"/>
               <a:t>Meaningful Names</a:t>
@@ -3875,146 +4332,33 @@
         </p:nvSpPr>
         <p:spPr/>
         <p:txBody>
-          <a:bodyPr>
-            <a:normAutofit fontScale="92500" lnSpcReduction="10000"/>
-          </a:bodyPr>
-          <a:lstStyle/>
-          <a:p>
-            <a:r>
-              <a:rPr lang="en-US" dirty="0" err="1" smtClean="0"/>
-              <a:t>Reavealing</a:t>
-            </a:r>
-            <a:r>
-              <a:rPr lang="en-US" dirty="0" smtClean="0"/>
-              <a:t>-Intention Names</a:t>
-            </a:r>
-          </a:p>
-          <a:p>
-            <a:pPr lvl="1"/>
-            <a:r>
-              <a:rPr lang="en-US" dirty="0" err="1" smtClean="0"/>
-              <a:t>Int</a:t>
-            </a:r>
-            <a:r>
-              <a:rPr lang="en-US" dirty="0" smtClean="0"/>
-              <a:t> d ;// elapsed time in days</a:t>
-            </a:r>
-          </a:p>
-          <a:p>
-            <a:pPr lvl="2"/>
-            <a:r>
-              <a:rPr lang="en-US" dirty="0" err="1" smtClean="0"/>
-              <a:t>Int</a:t>
-            </a:r>
-            <a:r>
-              <a:rPr lang="en-US" dirty="0" smtClean="0"/>
-              <a:t> </a:t>
-            </a:r>
-            <a:r>
-              <a:rPr lang="en-US" dirty="0" err="1" smtClean="0"/>
-              <a:t>elapsedTimeInDays</a:t>
-            </a:r>
-            <a:endParaRPr lang="en-US" dirty="0" smtClean="0"/>
-          </a:p>
-          <a:p>
-            <a:r>
-              <a:rPr lang="en-US" dirty="0" smtClean="0"/>
-              <a:t>Disinformation</a:t>
-            </a:r>
-          </a:p>
-          <a:p>
-            <a:pPr lvl="1"/>
-            <a:r>
-              <a:rPr lang="en-US" dirty="0" smtClean="0"/>
-              <a:t>String[] </a:t>
-            </a:r>
-            <a:r>
-              <a:rPr lang="en-US" dirty="0" err="1" smtClean="0"/>
-              <a:t>accountantList</a:t>
-            </a:r>
-            <a:r>
-              <a:rPr lang="en-US" dirty="0" smtClean="0"/>
-              <a:t> //This is an array of String</a:t>
-            </a:r>
-          </a:p>
-          <a:p>
-            <a:pPr lvl="2"/>
-            <a:r>
-              <a:rPr lang="en-US" dirty="0" smtClean="0"/>
-              <a:t>Accounts, </a:t>
-            </a:r>
-            <a:r>
-              <a:rPr lang="en-US" dirty="0" err="1" smtClean="0"/>
-              <a:t>accountantGroup</a:t>
-            </a:r>
-            <a:endParaRPr lang="en-US" dirty="0" smtClean="0"/>
-          </a:p>
-          <a:p>
-            <a:pPr lvl="1"/>
-            <a:r>
-              <a:rPr lang="en-US" dirty="0" err="1" smtClean="0">
-                <a:latin typeface="Courier New" pitchFamily="49" charset="0"/>
-                <a:cs typeface="Courier New" pitchFamily="49" charset="0"/>
-              </a:rPr>
-              <a:t>Ol</a:t>
-            </a:r>
-            <a:r>
-              <a:rPr lang="en-US" dirty="0" smtClean="0"/>
-              <a:t> </a:t>
-            </a:r>
-            <a:r>
-              <a:rPr lang="en-US" dirty="0" err="1" smtClean="0"/>
-              <a:t>vs</a:t>
-            </a:r>
-            <a:r>
-              <a:rPr lang="en-US" dirty="0" smtClean="0"/>
-              <a:t> </a:t>
-            </a:r>
-            <a:r>
-              <a:rPr lang="en-US" dirty="0" smtClean="0"/>
-              <a:t>01</a:t>
-            </a:r>
-          </a:p>
-          <a:p>
-            <a:r>
-              <a:rPr lang="en-US" dirty="0" smtClean="0"/>
-              <a:t>Meaningful distinction</a:t>
-            </a:r>
-          </a:p>
-          <a:p>
-            <a:pPr lvl="1"/>
-            <a:r>
-              <a:rPr lang="en-US" dirty="0" smtClean="0"/>
-              <a:t>Number-series naming and noise words</a:t>
-            </a:r>
-          </a:p>
-          <a:p>
-            <a:pPr lvl="1"/>
-            <a:r>
-              <a:rPr lang="en-US" dirty="0" smtClean="0"/>
-              <a:t>IE: </a:t>
-            </a:r>
-            <a:r>
-              <a:rPr lang="en-US" dirty="0" err="1" smtClean="0"/>
-              <a:t>CustomerObject</a:t>
-            </a:r>
-            <a:r>
-              <a:rPr lang="en-US" dirty="0" smtClean="0"/>
-              <a:t> </a:t>
-            </a:r>
-            <a:r>
-              <a:rPr lang="en-US" dirty="0" err="1" smtClean="0"/>
-              <a:t>vs</a:t>
-            </a:r>
-            <a:r>
-              <a:rPr lang="en-US" dirty="0" smtClean="0"/>
-              <a:t> Customer</a:t>
-            </a:r>
-          </a:p>
-          <a:p>
-            <a:pPr marL="457200" lvl="1" indent="0">
-              <a:buNone/>
-            </a:pPr>
+          <a:bodyPr/>
+          <a:lstStyle/>
+          <a:p>
+            <a:endParaRPr lang="en-US" dirty="0"/>
+          </a:p>
+        </p:txBody>
+      </p:sp>
+      <p:sp>
+        <p:nvSpPr>
+          <p:cNvPr id="4" name="Slide Number Placeholder 3"/>
+          <p:cNvSpPr>
+            <a:spLocks noGrp="1"/>
+          </p:cNvSpPr>
+          <p:nvPr>
+            <p:ph type="sldNum" sz="quarter" idx="12"/>
+          </p:nvPr>
+        </p:nvSpPr>
+        <p:spPr/>
+        <p:txBody>
+          <a:bodyPr/>
+          <a:lstStyle/>
+          <a:p>
+            <a:fld id="{07167301-DA6A-464D-A35A-C5160C07AEDB}" type="slidenum">
+              <a:rPr lang="en-US" smtClean="0"/>
+              <a:pPr/>
+              <a:t>3</a:t>
+            </a:fld>
             <a:endParaRPr lang="en-US" dirty="0"/>
           </a:p>
         </p:txBody>
@@ -4022,13 +4366,20 @@
     </p:spTree>
     <p:extLst>
       <p:ext uri="{BB962C8B-B14F-4D97-AF65-F5344CB8AC3E}">
-        <p14:creationId xmlns:p14="http://schemas.microsoft.com/office/powerpoint/2010/main" val="1310180023"/>
+        <p14:creationId xmlns:p14="http://schemas.microsoft.com/office/powerpoint/2010/main" val="2702489530"/>
       </p:ext>
     </p:extLst>
   </p:cSld>
   <p:clrMapOvr>
     <a:masterClrMapping/>
   </p:clrMapOvr>
+  <p:timing>
+    <p:tnLst>
+      <p:par>
+        <p:cTn id="1" dur="indefinite" restart="never" nodeType="tmRoot"/>
+      </p:par>
+    </p:tnLst>
+  </p:timing>
 </p:sld>
 </file>
 
@@ -4064,7 +4415,14 @@
           <a:bodyPr/>
           <a:lstStyle/>
           <a:p>
-            <a:endParaRPr lang="en-US" dirty="0"/>
+            <a:r>
+              <a:rPr lang="en-US" dirty="0" smtClean="0"/>
+              <a:t>   Use </a:t>
+            </a:r>
+            <a:r>
+              <a:rPr lang="en-US" dirty="0"/>
+              <a:t>Intention – Revealing Name</a:t>
+            </a:r>
           </a:p>
         </p:txBody>
       </p:sp>
@@ -4083,36 +4441,134 @@
           <a:bodyPr/>
           <a:lstStyle/>
           <a:p>
+            <a:pPr lvl="1"/>
             <a:r>
               <a:rPr lang="en-US" dirty="0" smtClean="0"/>
-              <a:t>Use Pronounceable Names</a:t>
-            </a:r>
-          </a:p>
-          <a:p>
+              <a:t>Name should reveal the intent</a:t>
+            </a:r>
+          </a:p>
+          <a:p>
+            <a:pPr lvl="1"/>
             <a:r>
               <a:rPr lang="en-US" dirty="0" smtClean="0"/>
-              <a:t>Use Searchable Names</a:t>
-            </a:r>
-          </a:p>
-          <a:p>
+              <a:t>Choosing a good name may take times but it saves more than it takes</a:t>
+            </a:r>
+          </a:p>
+          <a:p>
+            <a:pPr lvl="1"/>
             <a:r>
               <a:rPr lang="en-US" dirty="0" smtClean="0"/>
-              <a:t>Avoid mental mapping</a:t>
+              <a:t>Name of function, class, variable should answer questions: Why, What, How</a:t>
             </a:r>
           </a:p>
           <a:p>
             <a:pPr lvl="1"/>
+            <a:endParaRPr lang="en-US" dirty="0" smtClean="0"/>
+          </a:p>
+        </p:txBody>
+      </p:sp>
+      <p:sp>
+        <p:nvSpPr>
+          <p:cNvPr id="5" name="Slide Number Placeholder 4"/>
+          <p:cNvSpPr>
+            <a:spLocks noGrp="1"/>
+          </p:cNvSpPr>
+          <p:nvPr>
+            <p:ph type="sldNum" sz="quarter" idx="12"/>
+          </p:nvPr>
+        </p:nvSpPr>
+        <p:spPr/>
+        <p:txBody>
+          <a:bodyPr/>
+          <a:lstStyle/>
+          <a:p>
+            <a:fld id="{07167301-DA6A-464D-A35A-C5160C07AEDB}" type="slidenum">
+              <a:rPr lang="en-US" smtClean="0"/>
+              <a:t>4</a:t>
+            </a:fld>
+            <a:endParaRPr lang="en-US"/>
+          </a:p>
+        </p:txBody>
+      </p:sp>
+      <p:sp>
+        <p:nvSpPr>
+          <p:cNvPr id="4" name="Rectangle 3"/>
+          <p:cNvSpPr/>
+          <p:nvPr/>
+        </p:nvSpPr>
+        <p:spPr>
+          <a:xfrm>
+            <a:off x="457200" y="5029199"/>
+            <a:ext cx="8229600" cy="1279525"/>
+          </a:xfrm>
+          <a:prstGeom prst="rect">
+            <a:avLst/>
+          </a:prstGeom>
+        </p:spPr>
+        <p:style>
+          <a:lnRef idx="1">
+            <a:schemeClr val="accent6"/>
+          </a:lnRef>
+          <a:fillRef idx="2">
+            <a:schemeClr val="accent6"/>
+          </a:fillRef>
+          <a:effectRef idx="1">
+            <a:schemeClr val="accent6"/>
+          </a:effectRef>
+          <a:fontRef idx="minor">
+            <a:schemeClr val="dk1"/>
+          </a:fontRef>
+        </p:style>
+        <p:txBody>
+          <a:bodyPr rtlCol="0" anchor="ctr"/>
+          <a:lstStyle/>
+          <a:p>
+            <a:r>
+              <a:rPr lang="en-US" b="1" dirty="0" smtClean="0"/>
+              <a:t>Example:</a:t>
+            </a:r>
+          </a:p>
+          <a:p>
+            <a:r>
+              <a:rPr lang="en-US" dirty="0"/>
+              <a:t>	</a:t>
+            </a:r>
             <a:r>
               <a:rPr lang="en-US" dirty="0" err="1" smtClean="0"/>
-              <a:t>a,b,c</a:t>
+              <a:t>int</a:t>
             </a:r>
             <a:r>
               <a:rPr lang="en-US" dirty="0" smtClean="0"/>
-              <a:t> used as loop counter</a:t>
-            </a:r>
-          </a:p>
-          <a:p>
-            <a:pPr lvl="2"/>
+              <a:t> d; 	// Current time in days</a:t>
+            </a:r>
+          </a:p>
+          <a:p>
+            <a:r>
+              <a:rPr lang="en-US" dirty="0"/>
+              <a:t>	</a:t>
+            </a:r>
+            <a:r>
+              <a:rPr lang="en-US" dirty="0" err="1" smtClean="0"/>
+              <a:t>int</a:t>
+            </a:r>
+            <a:r>
+              <a:rPr lang="en-US" dirty="0" smtClean="0"/>
+              <a:t> m; 	// Current time in months</a:t>
+            </a:r>
+          </a:p>
+          <a:p>
+            <a:r>
+              <a:rPr lang="en-US" dirty="0"/>
+              <a:t>	</a:t>
+            </a:r>
+            <a:r>
+              <a:rPr lang="en-US" dirty="0" err="1" smtClean="0"/>
+              <a:t>int</a:t>
+            </a:r>
+            <a:r>
+              <a:rPr lang="en-US" dirty="0" smtClean="0"/>
+              <a:t> y; 	// Current time in years</a:t>
+            </a:r>
             <a:endParaRPr lang="en-US" dirty="0"/>
           </a:p>
         </p:txBody>
@@ -4120,20 +4576,791 @@
     </p:spTree>
     <p:extLst>
       <p:ext uri="{BB962C8B-B14F-4D97-AF65-F5344CB8AC3E}">
-        <p14:creationId xmlns:p14="http://schemas.microsoft.com/office/powerpoint/2010/main" val="405872399"/>
+        <p14:creationId xmlns:p14="http://schemas.microsoft.com/office/powerpoint/2010/main" val="1239419676"/>
       </p:ext>
     </p:extLst>
   </p:cSld>
   <p:clrMapOvr>
     <a:masterClrMapping/>
   </p:clrMapOvr>
+  <p:timing>
+    <p:tnLst>
+      <p:par>
+        <p:cTn id="1" dur="indefinite" restart="never" nodeType="tmRoot"/>
+      </p:par>
+    </p:tnLst>
+  </p:timing>
+</p:sld>
+</file>
+
+<file path=ppt/slides/slide5.xml><?xml version="1.0" encoding="utf-8"?>
+<p:sld xmlns:a="http://schemas.openxmlformats.org/drawingml/2006/main" xmlns:r="http://schemas.openxmlformats.org/officeDocument/2006/relationships" xmlns:p="http://schemas.openxmlformats.org/presentationml/2006/main">
+  <p:cSld>
+    <p:spTree>
+      <p:nvGrpSpPr>
+        <p:cNvPr id="1" name=""/>
+        <p:cNvGrpSpPr/>
+        <p:nvPr/>
+      </p:nvGrpSpPr>
+      <p:grpSpPr>
+        <a:xfrm>
+          <a:off x="0" y="0"/>
+          <a:ext cx="0" cy="0"/>
+          <a:chOff x="0" y="0"/>
+          <a:chExt cx="0" cy="0"/>
+        </a:xfrm>
+      </p:grpSpPr>
+      <p:sp>
+        <p:nvSpPr>
+          <p:cNvPr id="2" name="Title 1"/>
+          <p:cNvSpPr>
+            <a:spLocks noGrp="1"/>
+          </p:cNvSpPr>
+          <p:nvPr>
+            <p:ph type="title"/>
+          </p:nvPr>
+        </p:nvSpPr>
+        <p:spPr/>
+        <p:txBody>
+          <a:bodyPr/>
+          <a:lstStyle/>
+          <a:p>
+            <a:r>
+              <a:rPr lang="en-US" dirty="0" smtClean="0"/>
+              <a:t>   Avoid Disinformation</a:t>
+            </a:r>
+            <a:endParaRPr lang="en-US" dirty="0"/>
+          </a:p>
+        </p:txBody>
+      </p:sp>
+      <p:sp>
+        <p:nvSpPr>
+          <p:cNvPr id="3" name="Content Placeholder 2"/>
+          <p:cNvSpPr>
+            <a:spLocks noGrp="1"/>
+          </p:cNvSpPr>
+          <p:nvPr>
+            <p:ph idx="1"/>
+          </p:nvPr>
+        </p:nvSpPr>
+        <p:spPr/>
+        <p:txBody>
+          <a:bodyPr/>
+          <a:lstStyle/>
+          <a:p>
+            <a:pPr lvl="1"/>
+            <a:r>
+              <a:rPr lang="en-US" dirty="0" smtClean="0"/>
+              <a:t>It’s probably better not to encode the container type into the name</a:t>
+            </a:r>
+          </a:p>
+          <a:p>
+            <a:pPr lvl="2"/>
+            <a:r>
+              <a:rPr lang="en-US" dirty="0" smtClean="0"/>
+              <a:t>Grouping of accounts: </a:t>
+            </a:r>
+            <a:r>
+              <a:rPr lang="en-US" strike="sngStrike" dirty="0" err="1" smtClean="0"/>
+              <a:t>accountList</a:t>
+            </a:r>
+            <a:r>
+              <a:rPr lang="en-US" dirty="0" smtClean="0"/>
+              <a:t> -&gt; accounts</a:t>
+            </a:r>
+          </a:p>
+          <a:p>
+            <a:pPr lvl="1"/>
+            <a:r>
+              <a:rPr lang="en-US" dirty="0" smtClean="0"/>
+              <a:t>Beware of name that vary in the small ways</a:t>
+            </a:r>
+          </a:p>
+          <a:p>
+            <a:pPr lvl="2"/>
+            <a:r>
+              <a:rPr lang="en-US" dirty="0" err="1" smtClean="0"/>
+              <a:t>XYZControllerForEfficientHandlingOfStrings</a:t>
+            </a:r>
+            <a:endParaRPr lang="en-US" dirty="0" smtClean="0"/>
+          </a:p>
+          <a:p>
+            <a:pPr lvl="2"/>
+            <a:r>
+              <a:rPr lang="en-US" dirty="0" err="1" smtClean="0"/>
+              <a:t>XYZControllerForEfficientStorageOfStrings</a:t>
+            </a:r>
+            <a:r>
+              <a:rPr lang="en-US" dirty="0" smtClean="0"/>
+              <a:t> </a:t>
+            </a:r>
+            <a:r>
+              <a:rPr lang="en-US" dirty="0"/>
+              <a:t/>
+            </a:r>
+            <a:br>
+              <a:rPr lang="en-US" dirty="0"/>
+            </a:br>
+            <a:endParaRPr lang="en-US" dirty="0" smtClean="0"/>
+          </a:p>
+          <a:p>
+            <a:pPr lvl="1"/>
+            <a:r>
+              <a:rPr lang="en-US" dirty="0" err="1" smtClean="0"/>
+              <a:t>Disinformative</a:t>
+            </a:r>
+            <a:r>
+              <a:rPr lang="en-US" dirty="0" smtClean="0"/>
+              <a:t> name:</a:t>
+            </a:r>
+            <a:endParaRPr lang="en-US" dirty="0"/>
+          </a:p>
+        </p:txBody>
+      </p:sp>
+      <p:sp>
+        <p:nvSpPr>
+          <p:cNvPr id="4" name="Slide Number Placeholder 3"/>
+          <p:cNvSpPr>
+            <a:spLocks noGrp="1"/>
+          </p:cNvSpPr>
+          <p:nvPr>
+            <p:ph type="sldNum" sz="quarter" idx="12"/>
+          </p:nvPr>
+        </p:nvSpPr>
+        <p:spPr/>
+        <p:txBody>
+          <a:bodyPr/>
+          <a:lstStyle/>
+          <a:p>
+            <a:fld id="{07167301-DA6A-464D-A35A-C5160C07AEDB}" type="slidenum">
+              <a:rPr lang="en-US" smtClean="0"/>
+              <a:t>5</a:t>
+            </a:fld>
+            <a:endParaRPr lang="en-US"/>
+          </a:p>
+        </p:txBody>
+      </p:sp>
+      <p:pic>
+        <p:nvPicPr>
+          <p:cNvPr id="5" name="Picture 4"/>
+          <p:cNvPicPr>
+            <a:picLocks noChangeAspect="1"/>
+          </p:cNvPicPr>
+          <p:nvPr/>
+        </p:nvPicPr>
+        <p:blipFill>
+          <a:blip r:embed="rId2"/>
+          <a:stretch>
+            <a:fillRect/>
+          </a:stretch>
+        </p:blipFill>
+        <p:spPr>
+          <a:xfrm>
+            <a:off x="762000" y="4881367"/>
+            <a:ext cx="4419600" cy="1266825"/>
+          </a:xfrm>
+          <a:prstGeom prst="rect">
+            <a:avLst/>
+          </a:prstGeom>
+        </p:spPr>
+      </p:pic>
+    </p:spTree>
+    <p:extLst>
+      <p:ext uri="{BB962C8B-B14F-4D97-AF65-F5344CB8AC3E}">
+        <p14:creationId xmlns:p14="http://schemas.microsoft.com/office/powerpoint/2010/main" val="3674712797"/>
+      </p:ext>
+    </p:extLst>
+  </p:cSld>
+  <p:clrMapOvr>
+    <a:masterClrMapping/>
+  </p:clrMapOvr>
+  <p:timing>
+    <p:tnLst>
+      <p:par>
+        <p:cTn id="1" dur="indefinite" restart="never" nodeType="tmRoot"/>
+      </p:par>
+    </p:tnLst>
+  </p:timing>
+</p:sld>
+</file>
+
+<file path=ppt/slides/slide6.xml><?xml version="1.0" encoding="utf-8"?>
+<p:sld xmlns:a="http://schemas.openxmlformats.org/drawingml/2006/main" xmlns:r="http://schemas.openxmlformats.org/officeDocument/2006/relationships" xmlns:p="http://schemas.openxmlformats.org/presentationml/2006/main">
+  <p:cSld>
+    <p:spTree>
+      <p:nvGrpSpPr>
+        <p:cNvPr id="1" name=""/>
+        <p:cNvGrpSpPr/>
+        <p:nvPr/>
+      </p:nvGrpSpPr>
+      <p:grpSpPr>
+        <a:xfrm>
+          <a:off x="0" y="0"/>
+          <a:ext cx="0" cy="0"/>
+          <a:chOff x="0" y="0"/>
+          <a:chExt cx="0" cy="0"/>
+        </a:xfrm>
+      </p:grpSpPr>
+      <p:sp>
+        <p:nvSpPr>
+          <p:cNvPr id="2" name="Title 1"/>
+          <p:cNvSpPr>
+            <a:spLocks noGrp="1"/>
+          </p:cNvSpPr>
+          <p:nvPr>
+            <p:ph type="title"/>
+          </p:nvPr>
+        </p:nvSpPr>
+        <p:spPr/>
+        <p:txBody>
+          <a:bodyPr/>
+          <a:lstStyle/>
+          <a:p>
+            <a:r>
+              <a:rPr lang="en-US" dirty="0" smtClean="0"/>
+              <a:t>Meaningful Distinction</a:t>
+            </a:r>
+            <a:endParaRPr lang="en-US" dirty="0"/>
+          </a:p>
+        </p:txBody>
+      </p:sp>
+      <p:sp>
+        <p:nvSpPr>
+          <p:cNvPr id="3" name="Content Placeholder 2"/>
+          <p:cNvSpPr>
+            <a:spLocks noGrp="1"/>
+          </p:cNvSpPr>
+          <p:nvPr>
+            <p:ph idx="1"/>
+          </p:nvPr>
+        </p:nvSpPr>
+        <p:spPr/>
+        <p:txBody>
+          <a:bodyPr/>
+          <a:lstStyle/>
+          <a:p>
+            <a:pPr lvl="1"/>
+            <a:r>
+              <a:rPr lang="en-US" dirty="0" err="1" smtClean="0"/>
+              <a:t>Noninformative</a:t>
+            </a:r>
+            <a:endParaRPr lang="en-US" dirty="0" smtClean="0"/>
+          </a:p>
+          <a:p>
+            <a:endParaRPr lang="en-US" dirty="0" smtClean="0"/>
+          </a:p>
+          <a:p>
+            <a:endParaRPr lang="en-US" dirty="0" smtClean="0"/>
+          </a:p>
+          <a:p>
+            <a:endParaRPr lang="en-US" dirty="0" smtClean="0"/>
+          </a:p>
+          <a:p>
+            <a:pPr lvl="1"/>
+            <a:r>
+              <a:rPr lang="en-US" dirty="0" smtClean="0"/>
+              <a:t>Avoid noise word</a:t>
+            </a:r>
+          </a:p>
+          <a:p>
+            <a:pPr lvl="2"/>
+            <a:r>
+              <a:rPr lang="en-US" dirty="0" err="1" smtClean="0"/>
+              <a:t>NameString</a:t>
+            </a:r>
+            <a:r>
+              <a:rPr lang="en-US" dirty="0" smtClean="0"/>
+              <a:t> vs Name</a:t>
+            </a:r>
+          </a:p>
+          <a:p>
+            <a:pPr lvl="2"/>
+            <a:r>
+              <a:rPr lang="en-US" dirty="0" err="1" smtClean="0"/>
+              <a:t>CustomerObject</a:t>
+            </a:r>
+            <a:r>
+              <a:rPr lang="en-US" dirty="0" smtClean="0"/>
+              <a:t> vs Customer</a:t>
+            </a:r>
+          </a:p>
+          <a:p>
+            <a:pPr lvl="2"/>
+            <a:r>
+              <a:rPr lang="en-US" dirty="0" err="1" smtClean="0"/>
+              <a:t>theMessage</a:t>
+            </a:r>
+            <a:r>
+              <a:rPr lang="en-US" dirty="0" smtClean="0"/>
+              <a:t> vs message</a:t>
+            </a:r>
+            <a:endParaRPr lang="en-US" dirty="0"/>
+          </a:p>
+        </p:txBody>
+      </p:sp>
+      <p:sp>
+        <p:nvSpPr>
+          <p:cNvPr id="4" name="Slide Number Placeholder 3"/>
+          <p:cNvSpPr>
+            <a:spLocks noGrp="1"/>
+          </p:cNvSpPr>
+          <p:nvPr>
+            <p:ph type="sldNum" sz="quarter" idx="12"/>
+          </p:nvPr>
+        </p:nvSpPr>
+        <p:spPr/>
+        <p:txBody>
+          <a:bodyPr/>
+          <a:lstStyle/>
+          <a:p>
+            <a:fld id="{07167301-DA6A-464D-A35A-C5160C07AEDB}" type="slidenum">
+              <a:rPr lang="en-US" smtClean="0"/>
+              <a:pPr/>
+              <a:t>6</a:t>
+            </a:fld>
+            <a:endParaRPr lang="en-US" dirty="0"/>
+          </a:p>
+        </p:txBody>
+      </p:sp>
+      <p:pic>
+        <p:nvPicPr>
+          <p:cNvPr id="5" name="Picture 4"/>
+          <p:cNvPicPr>
+            <a:picLocks noChangeAspect="1"/>
+          </p:cNvPicPr>
+          <p:nvPr/>
+        </p:nvPicPr>
+        <p:blipFill>
+          <a:blip r:embed="rId2"/>
+          <a:stretch>
+            <a:fillRect/>
+          </a:stretch>
+        </p:blipFill>
+        <p:spPr>
+          <a:xfrm>
+            <a:off x="910589" y="2393064"/>
+            <a:ext cx="6038850" cy="1190625"/>
+          </a:xfrm>
+          <a:prstGeom prst="rect">
+            <a:avLst/>
+          </a:prstGeom>
+        </p:spPr>
+      </p:pic>
+    </p:spTree>
+    <p:extLst>
+      <p:ext uri="{BB962C8B-B14F-4D97-AF65-F5344CB8AC3E}">
+        <p14:creationId xmlns:p14="http://schemas.microsoft.com/office/powerpoint/2010/main" val="1628946937"/>
+      </p:ext>
+    </p:extLst>
+  </p:cSld>
+  <p:clrMapOvr>
+    <a:masterClrMapping/>
+  </p:clrMapOvr>
+  <p:timing>
+    <p:tnLst>
+      <p:par>
+        <p:cTn id="1" dur="indefinite" restart="never" nodeType="tmRoot"/>
+      </p:par>
+    </p:tnLst>
+  </p:timing>
+</p:sld>
+</file>
+
+<file path=ppt/slides/slide7.xml><?xml version="1.0" encoding="utf-8"?>
+<p:sld xmlns:a="http://schemas.openxmlformats.org/drawingml/2006/main" xmlns:r="http://schemas.openxmlformats.org/officeDocument/2006/relationships" xmlns:p="http://schemas.openxmlformats.org/presentationml/2006/main">
+  <p:cSld>
+    <p:spTree>
+      <p:nvGrpSpPr>
+        <p:cNvPr id="1" name=""/>
+        <p:cNvGrpSpPr/>
+        <p:nvPr/>
+      </p:nvGrpSpPr>
+      <p:grpSpPr>
+        <a:xfrm>
+          <a:off x="0" y="0"/>
+          <a:ext cx="0" cy="0"/>
+          <a:chOff x="0" y="0"/>
+          <a:chExt cx="0" cy="0"/>
+        </a:xfrm>
+      </p:grpSpPr>
+      <p:sp>
+        <p:nvSpPr>
+          <p:cNvPr id="2" name="Title 1"/>
+          <p:cNvSpPr>
+            <a:spLocks noGrp="1"/>
+          </p:cNvSpPr>
+          <p:nvPr>
+            <p:ph type="title"/>
+          </p:nvPr>
+        </p:nvSpPr>
+        <p:spPr/>
+        <p:txBody>
+          <a:bodyPr/>
+          <a:lstStyle/>
+          <a:p>
+            <a:r>
+              <a:rPr lang="en-US" dirty="0" smtClean="0"/>
+              <a:t>Use Pronounceable Names</a:t>
+            </a:r>
+            <a:endParaRPr lang="en-US" dirty="0"/>
+          </a:p>
+        </p:txBody>
+      </p:sp>
+      <p:sp>
+        <p:nvSpPr>
+          <p:cNvPr id="4" name="Slide Number Placeholder 3"/>
+          <p:cNvSpPr>
+            <a:spLocks noGrp="1"/>
+          </p:cNvSpPr>
+          <p:nvPr>
+            <p:ph type="sldNum" sz="quarter" idx="12"/>
+          </p:nvPr>
+        </p:nvSpPr>
+        <p:spPr/>
+        <p:txBody>
+          <a:bodyPr/>
+          <a:lstStyle/>
+          <a:p>
+            <a:fld id="{07167301-DA6A-464D-A35A-C5160C07AEDB}" type="slidenum">
+              <a:rPr lang="en-US" smtClean="0"/>
+              <a:pPr/>
+              <a:t>7</a:t>
+            </a:fld>
+            <a:endParaRPr lang="en-US" dirty="0"/>
+          </a:p>
+        </p:txBody>
+      </p:sp>
+      <p:pic>
+        <p:nvPicPr>
+          <p:cNvPr id="7" name="Picture 6"/>
+          <p:cNvPicPr>
+            <a:picLocks noChangeAspect="1"/>
+          </p:cNvPicPr>
+          <p:nvPr/>
+        </p:nvPicPr>
+        <p:blipFill>
+          <a:blip r:embed="rId3"/>
+          <a:stretch>
+            <a:fillRect/>
+          </a:stretch>
+        </p:blipFill>
+        <p:spPr>
+          <a:xfrm>
+            <a:off x="514133" y="1765148"/>
+            <a:ext cx="4896067" cy="1502441"/>
+          </a:xfrm>
+          <a:prstGeom prst="rect">
+            <a:avLst/>
+          </a:prstGeom>
+        </p:spPr>
+      </p:pic>
+      <p:sp>
+        <p:nvSpPr>
+          <p:cNvPr id="8" name="Title 1"/>
+          <p:cNvSpPr txBox="1">
+            <a:spLocks/>
+          </p:cNvSpPr>
+          <p:nvPr/>
+        </p:nvSpPr>
+        <p:spPr>
+          <a:xfrm>
+            <a:off x="0" y="3596826"/>
+            <a:ext cx="9143999" cy="1147579"/>
+          </a:xfrm>
+          <a:prstGeom prst="rect">
+            <a:avLst/>
+          </a:prstGeom>
+          <a:solidFill>
+            <a:schemeClr val="accent1">
+              <a:lumMod val="20000"/>
+              <a:lumOff val="80000"/>
+            </a:schemeClr>
+          </a:solidFill>
+        </p:spPr>
+        <p:txBody>
+          <a:bodyPr vert="horz" lIns="91440" tIns="45720" rIns="91440" bIns="45720" rtlCol="0" anchor="ctr">
+            <a:normAutofit/>
+          </a:bodyPr>
+          <a:lstStyle>
+            <a:lvl1pPr algn="l" defTabSz="914400" rtl="0" eaLnBrk="1" latinLnBrk="0" hangingPunct="1">
+              <a:lnSpc>
+                <a:spcPct val="90000"/>
+              </a:lnSpc>
+              <a:spcBef>
+                <a:spcPct val="0"/>
+              </a:spcBef>
+              <a:buNone/>
+              <a:defRPr sz="4800" kern="1200" spc="-120" baseline="0">
+                <a:solidFill>
+                  <a:schemeClr val="accent1"/>
+                </a:solidFill>
+                <a:latin typeface="+mj-lt"/>
+                <a:ea typeface="+mj-ea"/>
+                <a:cs typeface="+mj-cs"/>
+              </a:defRPr>
+            </a:lvl1pPr>
+          </a:lstStyle>
+          <a:p>
+            <a:r>
+              <a:rPr lang="en-US" dirty="0" smtClean="0"/>
+              <a:t>Use Searchable Names</a:t>
+            </a:r>
+            <a:endParaRPr lang="en-US" dirty="0"/>
+          </a:p>
+        </p:txBody>
+      </p:sp>
+      <p:sp>
+        <p:nvSpPr>
+          <p:cNvPr id="11" name="Content Placeholder 2"/>
+          <p:cNvSpPr txBox="1">
+            <a:spLocks/>
+          </p:cNvSpPr>
+          <p:nvPr/>
+        </p:nvSpPr>
+        <p:spPr>
+          <a:xfrm>
+            <a:off x="304800" y="4744405"/>
+            <a:ext cx="8065294" cy="1992047"/>
+          </a:xfrm>
+          <a:prstGeom prst="rect">
+            <a:avLst/>
+          </a:prstGeom>
+        </p:spPr>
+        <p:txBody>
+          <a:bodyPr vert="horz" lIns="91440" tIns="45720" rIns="91440" bIns="45720" rtlCol="0">
+            <a:normAutofit/>
+          </a:bodyPr>
+          <a:lstStyle>
+            <a:lvl1pPr marL="91440" indent="-91440" algn="l" defTabSz="914400" rtl="0" eaLnBrk="1" latinLnBrk="0" hangingPunct="1">
+              <a:lnSpc>
+                <a:spcPct val="85000"/>
+              </a:lnSpc>
+              <a:spcBef>
+                <a:spcPts val="1300"/>
+              </a:spcBef>
+              <a:buFont typeface="Arial" pitchFamily="34" charset="0"/>
+              <a:buChar char=" "/>
+              <a:defRPr sz="2400" kern="1200">
+                <a:solidFill>
+                  <a:schemeClr val="tx1">
+                    <a:lumMod val="85000"/>
+                    <a:lumOff val="15000"/>
+                  </a:schemeClr>
+                </a:solidFill>
+                <a:latin typeface="+mn-lt"/>
+                <a:ea typeface="+mn-ea"/>
+                <a:cs typeface="+mn-cs"/>
+              </a:defRPr>
+            </a:lvl1pPr>
+            <a:lvl2pPr marL="274320" indent="-342900" algn="l" defTabSz="914400" rtl="0" eaLnBrk="1" latinLnBrk="0" hangingPunct="1">
+              <a:lnSpc>
+                <a:spcPct val="85000"/>
+              </a:lnSpc>
+              <a:spcBef>
+                <a:spcPts val="600"/>
+              </a:spcBef>
+              <a:buFont typeface="Wingdings" panose="05000000000000000000" pitchFamily="2" charset="2"/>
+              <a:buChar char="Ø"/>
+              <a:defRPr sz="2400" kern="1200">
+                <a:solidFill>
+                  <a:schemeClr val="tx1">
+                    <a:lumMod val="85000"/>
+                    <a:lumOff val="15000"/>
+                  </a:schemeClr>
+                </a:solidFill>
+                <a:latin typeface="+mn-lt"/>
+                <a:ea typeface="+mn-ea"/>
+                <a:cs typeface="+mn-cs"/>
+              </a:defRPr>
+            </a:lvl2pPr>
+            <a:lvl3pPr marL="548640" indent="-548640" algn="l" defTabSz="914400" rtl="0" eaLnBrk="1" latinLnBrk="0" hangingPunct="1">
+              <a:lnSpc>
+                <a:spcPct val="85000"/>
+              </a:lnSpc>
+              <a:spcBef>
+                <a:spcPts val="600"/>
+              </a:spcBef>
+              <a:buFont typeface="Arial" pitchFamily="34" charset="0"/>
+              <a:buChar char="•"/>
+              <a:defRPr sz="2000" i="1" kern="1200">
+                <a:solidFill>
+                  <a:schemeClr val="tx1">
+                    <a:lumMod val="85000"/>
+                    <a:lumOff val="15000"/>
+                  </a:schemeClr>
+                </a:solidFill>
+                <a:latin typeface="+mn-lt"/>
+                <a:ea typeface="+mn-ea"/>
+                <a:cs typeface="+mn-cs"/>
+              </a:defRPr>
+            </a:lvl3pPr>
+            <a:lvl4pPr marL="822960" indent="-822960" algn="l" defTabSz="914400" rtl="0" eaLnBrk="1" latinLnBrk="0" hangingPunct="1">
+              <a:lnSpc>
+                <a:spcPct val="85000"/>
+              </a:lnSpc>
+              <a:spcBef>
+                <a:spcPts val="600"/>
+              </a:spcBef>
+              <a:buFont typeface="Arial" pitchFamily="34" charset="0"/>
+              <a:buChar char=" "/>
+              <a:defRPr sz="1800" kern="1200">
+                <a:solidFill>
+                  <a:schemeClr val="tx1">
+                    <a:lumMod val="85000"/>
+                    <a:lumOff val="15000"/>
+                  </a:schemeClr>
+                </a:solidFill>
+                <a:latin typeface="+mn-lt"/>
+                <a:ea typeface="+mn-ea"/>
+                <a:cs typeface="+mn-cs"/>
+              </a:defRPr>
+            </a:lvl4pPr>
+            <a:lvl5pPr marL="1097280" indent="-1097280" algn="l" defTabSz="914400" rtl="0" eaLnBrk="1" latinLnBrk="0" hangingPunct="1">
+              <a:lnSpc>
+                <a:spcPct val="85000"/>
+              </a:lnSpc>
+              <a:spcBef>
+                <a:spcPts val="600"/>
+              </a:spcBef>
+              <a:buFont typeface="Arial" pitchFamily="34" charset="0"/>
+              <a:buChar char=" "/>
+              <a:defRPr sz="1800" kern="1200">
+                <a:solidFill>
+                  <a:schemeClr val="tx1">
+                    <a:lumMod val="85000"/>
+                    <a:lumOff val="15000"/>
+                  </a:schemeClr>
+                </a:solidFill>
+                <a:latin typeface="+mn-lt"/>
+                <a:ea typeface="+mn-ea"/>
+                <a:cs typeface="+mn-cs"/>
+              </a:defRPr>
+            </a:lvl5pPr>
+            <a:lvl6pPr marL="1200000" indent="-228600" algn="l" defTabSz="914400" rtl="0" eaLnBrk="1" latinLnBrk="0" hangingPunct="1">
+              <a:lnSpc>
+                <a:spcPct val="85000"/>
+              </a:lnSpc>
+              <a:spcBef>
+                <a:spcPts val="600"/>
+              </a:spcBef>
+              <a:buFont typeface="Arial" pitchFamily="34" charset="0"/>
+              <a:buChar char=" "/>
+              <a:defRPr sz="1800" kern="1200">
+                <a:solidFill>
+                  <a:schemeClr val="tx1">
+                    <a:lumMod val="85000"/>
+                    <a:lumOff val="15000"/>
+                  </a:schemeClr>
+                </a:solidFill>
+                <a:latin typeface="+mn-lt"/>
+                <a:ea typeface="+mn-ea"/>
+                <a:cs typeface="+mn-cs"/>
+              </a:defRPr>
+            </a:lvl6pPr>
+            <a:lvl7pPr marL="1400000" indent="-228600" algn="l" defTabSz="914400" rtl="0" eaLnBrk="1" latinLnBrk="0" hangingPunct="1">
+              <a:lnSpc>
+                <a:spcPct val="85000"/>
+              </a:lnSpc>
+              <a:spcBef>
+                <a:spcPts val="600"/>
+              </a:spcBef>
+              <a:buFont typeface="Arial" pitchFamily="34" charset="0"/>
+              <a:buChar char=" "/>
+              <a:defRPr sz="1800" kern="1200">
+                <a:solidFill>
+                  <a:schemeClr val="tx1">
+                    <a:lumMod val="85000"/>
+                    <a:lumOff val="15000"/>
+                  </a:schemeClr>
+                </a:solidFill>
+                <a:latin typeface="+mn-lt"/>
+                <a:ea typeface="+mn-ea"/>
+                <a:cs typeface="+mn-cs"/>
+              </a:defRPr>
+            </a:lvl7pPr>
+            <a:lvl8pPr marL="1600000" indent="-228600" algn="l" defTabSz="914400" rtl="0" eaLnBrk="1" latinLnBrk="0" hangingPunct="1">
+              <a:lnSpc>
+                <a:spcPct val="85000"/>
+              </a:lnSpc>
+              <a:spcBef>
+                <a:spcPts val="600"/>
+              </a:spcBef>
+              <a:buFont typeface="Arial" pitchFamily="34" charset="0"/>
+              <a:buChar char=" "/>
+              <a:defRPr sz="1800" kern="1200">
+                <a:solidFill>
+                  <a:schemeClr val="tx1">
+                    <a:lumMod val="85000"/>
+                    <a:lumOff val="15000"/>
+                  </a:schemeClr>
+                </a:solidFill>
+                <a:latin typeface="+mn-lt"/>
+                <a:ea typeface="+mn-ea"/>
+                <a:cs typeface="+mn-cs"/>
+              </a:defRPr>
+            </a:lvl8pPr>
+            <a:lvl9pPr marL="1800000" indent="-228600" algn="l" defTabSz="914400" rtl="0" eaLnBrk="1" latinLnBrk="0" hangingPunct="1">
+              <a:lnSpc>
+                <a:spcPct val="85000"/>
+              </a:lnSpc>
+              <a:spcBef>
+                <a:spcPts val="600"/>
+              </a:spcBef>
+              <a:buFont typeface="Arial" pitchFamily="34" charset="0"/>
+              <a:buChar char=" "/>
+              <a:defRPr sz="1800" kern="1200">
+                <a:solidFill>
+                  <a:schemeClr val="tx1">
+                    <a:lumMod val="85000"/>
+                    <a:lumOff val="15000"/>
+                  </a:schemeClr>
+                </a:solidFill>
+                <a:latin typeface="+mn-lt"/>
+                <a:ea typeface="+mn-ea"/>
+                <a:cs typeface="+mn-cs"/>
+              </a:defRPr>
+            </a:lvl9pPr>
+          </a:lstStyle>
+          <a:p>
+            <a:pPr lvl="1"/>
+            <a:r>
+              <a:rPr lang="en-US" dirty="0" smtClean="0"/>
+              <a:t>Single-letter name and numeric constants have a particular problem in that they are not easy to locate across the whole body of text</a:t>
+            </a:r>
+          </a:p>
+          <a:p>
+            <a:pPr lvl="1"/>
+            <a:r>
+              <a:rPr lang="en-US" dirty="0" smtClean="0"/>
+              <a:t>Single-letter can only be used as a local variable in a short method.</a:t>
+            </a:r>
+          </a:p>
+        </p:txBody>
+      </p:sp>
+    </p:spTree>
+    <p:extLst>
+      <p:ext uri="{BB962C8B-B14F-4D97-AF65-F5344CB8AC3E}">
+        <p14:creationId xmlns:p14="http://schemas.microsoft.com/office/powerpoint/2010/main" val="1187988469"/>
+      </p:ext>
+    </p:extLst>
+  </p:cSld>
+  <p:clrMapOvr>
+    <a:masterClrMapping/>
+  </p:clrMapOvr>
+  <p:timing>
+    <p:tnLst>
+      <p:par>
+        <p:cTn id="1" dur="indefinite" restart="never" nodeType="tmRoot"/>
+      </p:par>
+    </p:tnLst>
+  </p:timing>
 </p:sld>
 </file>
 
 <file path=ppt/theme/theme1.xml><?xml version="1.0" encoding="utf-8"?>
-<a:theme xmlns:a="http://schemas.openxmlformats.org/drawingml/2006/main" name="Office Theme">
+<a:theme xmlns:a="http://schemas.openxmlformats.org/drawingml/2006/main" name="Metropolitan">
   <a:themeElements>
-    <a:clrScheme name="Office">
+    <a:clrScheme name="Metropolitan">
       <a:dk1>
         <a:sysClr val="windowText" lastClr="000000"/>
       </a:dk1>
@@ -4141,39 +5368,39 @@
         <a:sysClr val="window" lastClr="FFFFFF"/>
       </a:lt1>
       <a:dk2>
-        <a:srgbClr val="1F497D"/>
+        <a:srgbClr val="162F33"/>
       </a:dk2>
       <a:lt2>
-        <a:srgbClr val="EEECE1"/>
+        <a:srgbClr val="EAF0E0"/>
       </a:lt2>
       <a:accent1>
-        <a:srgbClr val="4F81BD"/>
+        <a:srgbClr val="50B4C8"/>
       </a:accent1>
       <a:accent2>
-        <a:srgbClr val="C0504D"/>
+        <a:srgbClr val="A8B97F"/>
       </a:accent2>
       <a:accent3>
-        <a:srgbClr val="9BBB59"/>
+        <a:srgbClr val="9B9256"/>
       </a:accent3>
       <a:accent4>
-        <a:srgbClr val="8064A2"/>
+        <a:srgbClr val="657689"/>
       </a:accent4>
       <a:accent5>
-        <a:srgbClr val="4BACC6"/>
+        <a:srgbClr val="7A855D"/>
       </a:accent5>
       <a:accent6>
-        <a:srgbClr val="F79646"/>
+        <a:srgbClr val="84AC9D"/>
       </a:accent6>
       <a:hlink>
-        <a:srgbClr val="0000FF"/>
+        <a:srgbClr val="2370CD"/>
       </a:hlink>
       <a:folHlink>
-        <a:srgbClr val="800080"/>
+        <a:srgbClr val="877589"/>
       </a:folHlink>
     </a:clrScheme>
-    <a:fontScheme name="Office">
+    <a:fontScheme name="Metropolitan">
       <a:majorFont>
-        <a:latin typeface="Calibri"/>
+        <a:latin typeface="Calibri Light" panose="020F0302020204030204"/>
         <a:ea typeface=""/>
         <a:cs typeface=""/>
         <a:font script="Jpan" typeface="ＭＳ Ｐゴシック"/>
@@ -4208,20 +5435,20 @@
         <a:font script="Geor" typeface="Sylfaen"/>
       </a:majorFont>
       <a:minorFont>
-        <a:latin typeface="Calibri"/>
+        <a:latin typeface="Calibri Light" panose="020F0302020204030204"/>
         <a:ea typeface=""/>
         <a:cs typeface=""/>
         <a:font script="Jpan" typeface="ＭＳ Ｐゴシック"/>
         <a:font script="Hang" typeface="맑은 고딕"/>
         <a:font script="Hans" typeface="宋体"/>
         <a:font script="Hant" typeface="新細明體"/>
-        <a:font script="Arab" typeface="Arial"/>
-        <a:font script="Hebr" typeface="Arial"/>
-        <a:font script="Thai" typeface="Cordia New"/>
+        <a:font script="Arab" typeface="Times New Roman"/>
+        <a:font script="Hebr" typeface="Times New Roman"/>
+        <a:font script="Thai" typeface="Angsana New"/>
         <a:font script="Ethi" typeface="Nyala"/>
         <a:font script="Beng" typeface="Vrinda"/>
         <a:font script="Gujr" typeface="Shruti"/>
-        <a:font script="Khmr" typeface="DaunPenh"/>
+        <a:font script="Khmr" typeface="MoolBoran"/>
         <a:font script="Knda" typeface="Tunga"/>
         <a:font script="Guru" typeface="Raavi"/>
         <a:font script="Cans" typeface="Euphemia"/>
@@ -4238,12 +5465,12 @@
         <a:font script="Laoo" typeface="DokChampa"/>
         <a:font script="Sinh" typeface="Iskoola Pota"/>
         <a:font script="Mong" typeface="Mongolian Baiti"/>
-        <a:font script="Viet" typeface="Arial"/>
+        <a:font script="Viet" typeface="Times New Roman"/>
         <a:font script="Uigh" typeface="Microsoft Uighur"/>
         <a:font script="Geor" typeface="Sylfaen"/>
       </a:minorFont>
     </a:fontScheme>
-    <a:fmtScheme name="Office">
+    <a:fmtScheme name="Metropolitan">
       <a:fillStyleLst>
         <a:solidFill>
           <a:schemeClr val="phClr"/>
@@ -4252,66 +5479,69 @@
           <a:gsLst>
             <a:gs pos="0">
               <a:schemeClr val="phClr">
-                <a:tint val="50000"/>
-                <a:satMod val="300000"/>
+                <a:tint val="70000"/>
+                <a:satMod val="100000"/>
+                <a:lumMod val="110000"/>
               </a:schemeClr>
             </a:gs>
-            <a:gs pos="35000">
+            <a:gs pos="50000">
               <a:schemeClr val="phClr">
-                <a:tint val="37000"/>
-                <a:satMod val="300000"/>
+                <a:tint val="75000"/>
+                <a:satMod val="101000"/>
+                <a:lumMod val="105000"/>
               </a:schemeClr>
             </a:gs>
             <a:gs pos="100000">
               <a:schemeClr val="phClr">
-                <a:tint val="15000"/>
-                <a:satMod val="350000"/>
+                <a:tint val="82000"/>
+                <a:satMod val="104000"/>
+                <a:lumMod val="105000"/>
               </a:schemeClr>
             </a:gs>
           </a:gsLst>
-          <a:lin ang="16200000" scaled="1"/>
+          <a:lin ang="2700000" scaled="0"/>
         </a:gradFill>
         <a:gradFill rotWithShape="1">
           <a:gsLst>
             <a:gs pos="0">
               <a:schemeClr val="phClr">
-                <a:shade val="51000"/>
-                <a:satMod val="130000"/>
+                <a:tint val="97000"/>
+                <a:satMod val="100000"/>
+                <a:lumMod val="102000"/>
               </a:schemeClr>
             </a:gs>
-            <a:gs pos="80000">
+            <a:gs pos="50000">
               <a:schemeClr val="phClr">
-                <a:shade val="93000"/>
-                <a:satMod val="130000"/>
+                <a:shade val="100000"/>
+                <a:satMod val="100000"/>
+                <a:lumMod val="100000"/>
               </a:schemeClr>
             </a:gs>
             <a:gs pos="100000">
               <a:schemeClr val="phClr">
-                <a:shade val="94000"/>
-                <a:satMod val="135000"/>
+                <a:shade val="80000"/>
+                <a:satMod val="100000"/>
+                <a:lumMod val="99000"/>
               </a:schemeClr>
             </a:gs>
           </a:gsLst>
-          <a:lin ang="16200000" scaled="0"/>
+          <a:lin ang="2700000" scaled="0"/>
         </a:gradFill>
       </a:fillStyleLst>
       <a:lnStyleLst>
         <a:ln w="9525" cap="flat" cmpd="sng" algn="ctr">
           <a:solidFill>
-            <a:schemeClr val="phClr">
-              <a:shade val="95000"/>
-              <a:satMod val="105000"/>
-            </a:schemeClr>
+            <a:schemeClr val="phClr"/>
           </a:solidFill>
           <a:prstDash val="solid"/>
         </a:ln>
-        <a:ln w="25400" cap="flat" cmpd="sng" algn="ctr">
+        <a:ln w="12700" cap="flat" cmpd="sng" algn="ctr">
           <a:solidFill>
             <a:schemeClr val="phClr"/>
           </a:solidFill>
           <a:prstDash val="solid"/>
         </a:ln>
-        <a:ln w="38100" cap="flat" cmpd="sng" algn="ctr">
+        <a:ln w="19050" cap="flat" cmpd="sng" algn="ctr">
           <a:solidFill>
             <a:schemeClr val="phClr"/>
           </a:solidFill>
@@ -4320,98 +5550,47 @@
       </a:lnStyleLst>
       <a:effectStyleLst>
         <a:effectStyle>
+          <a:effectLst/>
+        </a:effectStyle>
+        <a:effectStyle>
+          <a:effectLst/>
+        </a:effectStyle>
+        <a:effectStyle>
           <a:effectLst>
-            <a:outerShdw blurRad="40000" dist="20000" dir="5400000" rotWithShape="0">
+            <a:outerShdw blurRad="57150" dist="19050" dir="5400000" algn="ctr" rotWithShape="0">
               <a:srgbClr val="000000">
-                <a:alpha val="38000"/>
+                <a:alpha val="63000"/>
               </a:srgbClr>
             </a:outerShdw>
           </a:effectLst>
-        </a:effectStyle>
-        <a:effectStyle>
-          <a:effectLst>
-            <a:outerShdw blurRad="40000" dist="23000" dir="5400000" rotWithShape="0">
-              <a:srgbClr val="000000">
-                <a:alpha val="35000"/>
-              </a:srgbClr>
-            </a:outerShdw>
-          </a:effectLst>
-        </a:effectStyle>
-        <a:effectStyle>
-          <a:effectLst>
-            <a:outerShdw blurRad="40000" dist="23000" dir="5400000" rotWithShape="0">
-              <a:srgbClr val="000000">
-                <a:alpha val="35000"/>
-              </a:srgbClr>
-            </a:outerShdw>
-          </a:effectLst>
-          <a:scene3d>
-            <a:camera prst="orthographicFront">
-              <a:rot lat="0" lon="0" rev="0"/>
-            </a:camera>
-            <a:lightRig rig="threePt" dir="t">
-              <a:rot lat="0" lon="0" rev="1200000"/>
-            </a:lightRig>
-          </a:scene3d>
-          <a:sp3d>
-            <a:bevelT w="63500" h="25400"/>
-          </a:sp3d>
         </a:effectStyle>
       </a:effectStyleLst>
       <a:bgFillStyleLst>
         <a:solidFill>
           <a:schemeClr val="phClr"/>
         </a:solidFill>
-        <a:gradFill rotWithShape="1">
-          <a:gsLst>
-            <a:gs pos="0">
-              <a:schemeClr val="phClr">
-                <a:tint val="40000"/>
-                <a:satMod val="350000"/>
-              </a:schemeClr>
-            </a:gs>
-            <a:gs pos="40000">
-              <a:schemeClr val="phClr">
-                <a:tint val="45000"/>
-                <a:shade val="99000"/>
-                <a:satMod val="350000"/>
-              </a:schemeClr>
-            </a:gs>
-            <a:gs pos="100000">
-              <a:schemeClr val="phClr">
-                <a:shade val="20000"/>
-                <a:satMod val="255000"/>
-              </a:schemeClr>
-            </a:gs>
-          </a:gsLst>
-          <a:path path="circle">
-            <a:fillToRect l="50000" t="-80000" r="50000" b="180000"/>
-          </a:path>
-        </a:gradFill>
-        <a:gradFill rotWithShape="1">
-          <a:gsLst>
-            <a:gs pos="0">
-              <a:schemeClr val="phClr">
-                <a:tint val="80000"/>
-                <a:satMod val="300000"/>
-              </a:schemeClr>
-            </a:gs>
-            <a:gs pos="100000">
-              <a:schemeClr val="phClr">
-                <a:shade val="30000"/>
-                <a:satMod val="200000"/>
-              </a:schemeClr>
-            </a:gs>
-          </a:gsLst>
-          <a:path path="circle">
-            <a:fillToRect l="50000" t="50000" r="50000" b="50000"/>
-          </a:path>
-        </a:gradFill>
+        <a:solidFill>
+          <a:schemeClr val="phClr">
+            <a:tint val="95000"/>
+            <a:satMod val="170000"/>
+          </a:schemeClr>
+        </a:solidFill>
+        <a:solidFill>
+          <a:schemeClr val="phClr">
+            <a:shade val="95000"/>
+            <a:satMod val="170000"/>
+          </a:schemeClr>
+        </a:solidFill>
       </a:bgFillStyleLst>
     </a:fmtScheme>
   </a:themeElements>
   <a:objectDefaults/>
   <a:extraClrSchemeLst/>
+  <a:extLst>
+    <a:ext uri="{05A4C25C-085E-4340-85A3-A5531E510DB2}">
+      <thm15:themeFamily xmlns:thm15="http://schemas.microsoft.com/office/thememl/2012/main" name="Metropolitan" id="{4C5440D6-04D2-4954-96CF-F251137069B2}" vid="{79CFCA13-9412-4290-BB4B-85112F88857B}"/>
+    </a:ext>
+  </a:extLst>
 </a:theme>
 </file>
 

--- a/CleanCode.pptx
+++ b/CleanCode.pptx
@@ -5,16 +5,19 @@
     <p:sldMasterId id="2147483672" r:id="rId1"/>
   </p:sldMasterIdLst>
   <p:notesMasterIdLst>
-    <p:notesMasterId r:id="rId9"/>
+    <p:notesMasterId r:id="rId12"/>
   </p:notesMasterIdLst>
   <p:sldIdLst>
     <p:sldId id="256" r:id="rId2"/>
     <p:sldId id="257" r:id="rId3"/>
-    <p:sldId id="263" r:id="rId4"/>
-    <p:sldId id="260" r:id="rId5"/>
-    <p:sldId id="261" r:id="rId6"/>
-    <p:sldId id="262" r:id="rId7"/>
-    <p:sldId id="264" r:id="rId8"/>
+    <p:sldId id="260" r:id="rId4"/>
+    <p:sldId id="261" r:id="rId5"/>
+    <p:sldId id="262" r:id="rId6"/>
+    <p:sldId id="264" r:id="rId7"/>
+    <p:sldId id="265" r:id="rId8"/>
+    <p:sldId id="267" r:id="rId9"/>
+    <p:sldId id="266" r:id="rId10"/>
+    <p:sldId id="268" r:id="rId11"/>
   </p:sldIdLst>
   <p:sldSz cx="9144000" cy="6858000" type="screen4x3"/>
   <p:notesSz cx="6858000" cy="9144000"/>
@@ -120,15 +123,14 @@
           <p14:sldIdLst>
             <p14:sldId id="256"/>
             <p14:sldId id="257"/>
-          </p14:sldIdLst>
-        </p14:section>
-        <p14:section name="Untitled Section" id="{888A893E-596C-413F-B112-6B55C583FF4D}">
-          <p14:sldIdLst>
-            <p14:sldId id="263"/>
             <p14:sldId id="260"/>
             <p14:sldId id="261"/>
             <p14:sldId id="262"/>
             <p14:sldId id="264"/>
+            <p14:sldId id="265"/>
+            <p14:sldId id="267"/>
+            <p14:sldId id="266"/>
+            <p14:sldId id="268"/>
           </p14:sldIdLst>
         </p14:section>
       </p14:sectionLst>
@@ -233,7 +235,7 @@
           <a:p>
             <a:fld id="{AD1869D8-4BAB-4448-8A83-C72AF21C573F}" type="datetimeFigureOut">
               <a:rPr lang="en-US" smtClean="0"/>
-              <a:t>10/31/2016</a:t>
+              <a:t>11/14/2016</a:t>
             </a:fld>
             <a:endParaRPr lang="en-US"/>
           </a:p>
@@ -566,7 +568,7 @@
           <a:p>
             <a:fld id="{C1697B50-64C7-4E76-8560-6369BC871B28}" type="slidenum">
               <a:rPr lang="en-US" smtClean="0"/>
-              <a:t>4</a:t>
+              <a:t>3</a:t>
             </a:fld>
             <a:endParaRPr lang="en-US"/>
           </a:p>
@@ -683,7 +685,7 @@
           <a:p>
             <a:fld id="{C1697B50-64C7-4E76-8560-6369BC871B28}" type="slidenum">
               <a:rPr lang="en-US" smtClean="0"/>
-              <a:t>7</a:t>
+              <a:t>6</a:t>
             </a:fld>
             <a:endParaRPr lang="en-US"/>
           </a:p>
@@ -693,6 +695,228 @@
     <p:extLst>
       <p:ext uri="{BB962C8B-B14F-4D97-AF65-F5344CB8AC3E}">
         <p14:creationId xmlns:p14="http://schemas.microsoft.com/office/powerpoint/2010/main" val="2801592624"/>
+      </p:ext>
+    </p:extLst>
+  </p:cSld>
+  <p:clrMapOvr>
+    <a:masterClrMapping/>
+  </p:clrMapOvr>
+</p:notes>
+</file>
+
+<file path=ppt/notesSlides/notesSlide3.xml><?xml version="1.0" encoding="utf-8"?>
+<p:notes xmlns:a="http://schemas.openxmlformats.org/drawingml/2006/main" xmlns:r="http://schemas.openxmlformats.org/officeDocument/2006/relationships" xmlns:p="http://schemas.openxmlformats.org/presentationml/2006/main">
+  <p:cSld>
+    <p:spTree>
+      <p:nvGrpSpPr>
+        <p:cNvPr id="1" name=""/>
+        <p:cNvGrpSpPr/>
+        <p:nvPr/>
+      </p:nvGrpSpPr>
+      <p:grpSpPr>
+        <a:xfrm>
+          <a:off x="0" y="0"/>
+          <a:ext cx="0" cy="0"/>
+          <a:chOff x="0" y="0"/>
+          <a:chExt cx="0" cy="0"/>
+        </a:xfrm>
+      </p:grpSpPr>
+      <p:sp>
+        <p:nvSpPr>
+          <p:cNvPr id="2" name="Slide Image Placeholder 1"/>
+          <p:cNvSpPr>
+            <a:spLocks noGrp="1" noRot="1" noChangeAspect="1"/>
+          </p:cNvSpPr>
+          <p:nvPr>
+            <p:ph type="sldImg"/>
+          </p:nvPr>
+        </p:nvSpPr>
+        <p:spPr/>
+      </p:sp>
+      <p:sp>
+        <p:nvSpPr>
+          <p:cNvPr id="3" name="Notes Placeholder 2"/>
+          <p:cNvSpPr>
+            <a:spLocks noGrp="1"/>
+          </p:cNvSpPr>
+          <p:nvPr>
+            <p:ph type="body" idx="1"/>
+          </p:nvPr>
+        </p:nvSpPr>
+        <p:spPr/>
+        <p:txBody>
+          <a:bodyPr/>
+          <a:lstStyle/>
+          <a:p>
+            <a:r>
+              <a:rPr lang="en-US" dirty="0" smtClean="0"/>
+              <a:t/>
+            </a:r>
+            <a:br>
+              <a:rPr lang="en-US" dirty="0" smtClean="0"/>
+            </a:br>
+            <a:endParaRPr lang="en-US" dirty="0"/>
+          </a:p>
+        </p:txBody>
+      </p:sp>
+      <p:sp>
+        <p:nvSpPr>
+          <p:cNvPr id="4" name="Slide Number Placeholder 3"/>
+          <p:cNvSpPr>
+            <a:spLocks noGrp="1"/>
+          </p:cNvSpPr>
+          <p:nvPr>
+            <p:ph type="sldNum" sz="quarter" idx="10"/>
+          </p:nvPr>
+        </p:nvSpPr>
+        <p:spPr/>
+        <p:txBody>
+          <a:bodyPr/>
+          <a:lstStyle/>
+          <a:p>
+            <a:fld id="{C1697B50-64C7-4E76-8560-6369BC871B28}" type="slidenum">
+              <a:rPr lang="en-US" smtClean="0"/>
+              <a:t>8</a:t>
+            </a:fld>
+            <a:endParaRPr lang="en-US"/>
+          </a:p>
+        </p:txBody>
+      </p:sp>
+    </p:spTree>
+    <p:extLst>
+      <p:ext uri="{BB962C8B-B14F-4D97-AF65-F5344CB8AC3E}">
+        <p14:creationId xmlns:p14="http://schemas.microsoft.com/office/powerpoint/2010/main" val="1905447754"/>
+      </p:ext>
+    </p:extLst>
+  </p:cSld>
+  <p:clrMapOvr>
+    <a:masterClrMapping/>
+  </p:clrMapOvr>
+</p:notes>
+</file>
+
+<file path=ppt/notesSlides/notesSlide4.xml><?xml version="1.0" encoding="utf-8"?>
+<p:notes xmlns:a="http://schemas.openxmlformats.org/drawingml/2006/main" xmlns:r="http://schemas.openxmlformats.org/officeDocument/2006/relationships" xmlns:p="http://schemas.openxmlformats.org/presentationml/2006/main">
+  <p:cSld>
+    <p:spTree>
+      <p:nvGrpSpPr>
+        <p:cNvPr id="1" name=""/>
+        <p:cNvGrpSpPr/>
+        <p:nvPr/>
+      </p:nvGrpSpPr>
+      <p:grpSpPr>
+        <a:xfrm>
+          <a:off x="0" y="0"/>
+          <a:ext cx="0" cy="0"/>
+          <a:chOff x="0" y="0"/>
+          <a:chExt cx="0" cy="0"/>
+        </a:xfrm>
+      </p:grpSpPr>
+      <p:sp>
+        <p:nvSpPr>
+          <p:cNvPr id="2" name="Slide Image Placeholder 1"/>
+          <p:cNvSpPr>
+            <a:spLocks noGrp="1" noRot="1" noChangeAspect="1"/>
+          </p:cNvSpPr>
+          <p:nvPr>
+            <p:ph type="sldImg"/>
+          </p:nvPr>
+        </p:nvSpPr>
+        <p:spPr/>
+      </p:sp>
+      <p:sp>
+        <p:nvSpPr>
+          <p:cNvPr id="3" name="Notes Placeholder 2"/>
+          <p:cNvSpPr>
+            <a:spLocks noGrp="1"/>
+          </p:cNvSpPr>
+          <p:nvPr>
+            <p:ph type="body" idx="1"/>
+          </p:nvPr>
+        </p:nvSpPr>
+        <p:spPr/>
+        <p:txBody>
+          <a:bodyPr/>
+          <a:lstStyle/>
+          <a:p>
+            <a:r>
+              <a:rPr lang="en-US" dirty="0" smtClean="0"/>
+              <a:t>Assume</a:t>
+            </a:r>
+            <a:r>
+              <a:rPr lang="en-US" baseline="0" dirty="0" smtClean="0"/>
+              <a:t> that you have an </a:t>
+            </a:r>
+            <a:r>
+              <a:rPr lang="en-US" baseline="0" dirty="0" err="1" smtClean="0"/>
+              <a:t>ecim</a:t>
+            </a:r>
+            <a:r>
+              <a:rPr lang="en-US" baseline="0" dirty="0" smtClean="0"/>
+              <a:t> class, each member will start with ECIM. For </a:t>
+            </a:r>
+            <a:r>
+              <a:rPr lang="en-US" baseline="0" dirty="0" err="1" smtClean="0"/>
+              <a:t>ie</a:t>
+            </a:r>
+            <a:r>
+              <a:rPr lang="en-US" baseline="0" dirty="0" smtClean="0"/>
+              <a:t>, </a:t>
+            </a:r>
+            <a:r>
+              <a:rPr lang="en-US" baseline="0" dirty="0" err="1" smtClean="0"/>
+              <a:t>EcimCreateUpgradePackage</a:t>
+            </a:r>
+            <a:r>
+              <a:rPr lang="en-US" baseline="0" dirty="0" smtClean="0"/>
+              <a:t>, </a:t>
+            </a:r>
+            <a:r>
+              <a:rPr lang="en-US" baseline="0" dirty="0" err="1" smtClean="0"/>
+              <a:t>EcimPrepareUpgradePackage</a:t>
+            </a:r>
+            <a:r>
+              <a:rPr lang="en-US" baseline="0" dirty="0" smtClean="0"/>
+              <a:t>…</a:t>
+            </a:r>
+            <a:r>
+              <a:rPr lang="en-US" dirty="0" smtClean="0"/>
+              <a:t/>
+            </a:r>
+            <a:br>
+              <a:rPr lang="en-US" dirty="0" smtClean="0"/>
+            </a:br>
+            <a:endParaRPr lang="en-US" dirty="0"/>
+          </a:p>
+        </p:txBody>
+      </p:sp>
+      <p:sp>
+        <p:nvSpPr>
+          <p:cNvPr id="4" name="Slide Number Placeholder 3"/>
+          <p:cNvSpPr>
+            <a:spLocks noGrp="1"/>
+          </p:cNvSpPr>
+          <p:nvPr>
+            <p:ph type="sldNum" sz="quarter" idx="10"/>
+          </p:nvPr>
+        </p:nvSpPr>
+        <p:spPr/>
+        <p:txBody>
+          <a:bodyPr/>
+          <a:lstStyle/>
+          <a:p>
+            <a:fld id="{C1697B50-64C7-4E76-8560-6369BC871B28}" type="slidenum">
+              <a:rPr lang="en-US" smtClean="0"/>
+              <a:t>10</a:t>
+            </a:fld>
+            <a:endParaRPr lang="en-US"/>
+          </a:p>
+        </p:txBody>
+      </p:sp>
+    </p:spTree>
+    <p:extLst>
+      <p:ext uri="{BB962C8B-B14F-4D97-AF65-F5344CB8AC3E}">
+        <p14:creationId xmlns:p14="http://schemas.microsoft.com/office/powerpoint/2010/main" val="2900668809"/>
       </p:ext>
     </p:extLst>
   </p:cSld>
@@ -902,7 +1126,7 @@
           <a:p>
             <a:fld id="{6E99747C-F514-4A83-9701-54085F85C0DE}" type="datetime1">
               <a:rPr lang="en-US" smtClean="0"/>
-              <a:t>10/31/2016</a:t>
+              <a:t>11/14/2016</a:t>
             </a:fld>
             <a:endParaRPr lang="en-US"/>
           </a:p>
@@ -1099,7 +1323,7 @@
           <a:p>
             <a:fld id="{8BEB3C37-D7AE-4844-8988-814EE9ED43E6}" type="datetime1">
               <a:rPr lang="en-US" smtClean="0"/>
-              <a:t>10/31/2016</a:t>
+              <a:t>11/14/2016</a:t>
             </a:fld>
             <a:endParaRPr lang="en-US"/>
           </a:p>
@@ -1279,7 +1503,7 @@
           <a:p>
             <a:fld id="{43FABF10-A6A7-4767-B0C0-2F249381002B}" type="datetime1">
               <a:rPr lang="en-US" smtClean="0"/>
-              <a:t>10/31/2016</a:t>
+              <a:t>11/14/2016</a:t>
             </a:fld>
             <a:endParaRPr lang="en-US"/>
           </a:p>
@@ -1475,7 +1699,7 @@
           <a:p>
             <a:fld id="{01030FC1-3B78-4712-A3B2-E635A0B33C8D}" type="datetime1">
               <a:rPr lang="en-US" smtClean="0"/>
-              <a:t>10/31/2016</a:t>
+              <a:t>11/14/2016</a:t>
             </a:fld>
             <a:endParaRPr lang="en-US"/>
           </a:p>
@@ -1748,7 +1972,7 @@
           <a:p>
             <a:fld id="{6C5DC38F-A6C6-49CC-896F-16677699B0AA}" type="datetime1">
               <a:rPr lang="en-US" smtClean="0"/>
-              <a:t>10/31/2016</a:t>
+              <a:t>11/14/2016</a:t>
             </a:fld>
             <a:endParaRPr lang="en-US"/>
           </a:p>
@@ -2043,7 +2267,7 @@
           <a:p>
             <a:fld id="{82D3CB62-6A61-419B-84EE-7C7D49FA1B7B}" type="datetime1">
               <a:rPr lang="en-US" smtClean="0"/>
-              <a:t>10/31/2016</a:t>
+              <a:t>11/14/2016</a:t>
             </a:fld>
             <a:endParaRPr lang="en-US"/>
           </a:p>
@@ -2488,7 +2712,7 @@
           <a:p>
             <a:fld id="{A2CE2738-913C-4604-9203-8C6531570189}" type="datetime1">
               <a:rPr lang="en-US" smtClean="0"/>
-              <a:t>10/31/2016</a:t>
+              <a:t>11/14/2016</a:t>
             </a:fld>
             <a:endParaRPr lang="en-US"/>
           </a:p>
@@ -2613,7 +2837,7 @@
           <a:p>
             <a:fld id="{0871C0CF-B633-4B3E-8B69-443C1275756C}" type="datetime1">
               <a:rPr lang="en-US" smtClean="0"/>
-              <a:t>10/31/2016</a:t>
+              <a:t>11/14/2016</a:t>
             </a:fld>
             <a:endParaRPr lang="en-US"/>
           </a:p>
@@ -2708,7 +2932,7 @@
           <a:p>
             <a:fld id="{E071472C-FDCE-4CAE-8368-77DECAB2D24F}" type="datetime1">
               <a:rPr lang="en-US" smtClean="0"/>
-              <a:t>10/31/2016</a:t>
+              <a:t>11/14/2016</a:t>
             </a:fld>
             <a:endParaRPr lang="en-US"/>
           </a:p>
@@ -3064,7 +3288,7 @@
           <a:p>
             <a:fld id="{E34F714D-4203-4CC2-83F3-0AF14D4EDF64}" type="datetime1">
               <a:rPr lang="en-US" smtClean="0"/>
-              <a:t>10/31/2016</a:t>
+              <a:t>11/14/2016</a:t>
             </a:fld>
             <a:endParaRPr lang="en-US"/>
           </a:p>
@@ -3383,7 +3607,7 @@
           <a:p>
             <a:fld id="{CD124E96-3E5C-4ED4-9520-24DC69E55E00}" type="datetime1">
               <a:rPr lang="en-US" smtClean="0"/>
-              <a:t>10/31/2016</a:t>
+              <a:t>11/14/2016</a:t>
             </a:fld>
             <a:endParaRPr lang="en-US"/>
           </a:p>
@@ -3616,7 +3840,7 @@
           <a:p>
             <a:fld id="{7144AE48-8CBA-46B8-A1FD-E0DC24F3FDC9}" type="datetime1">
               <a:rPr lang="en-US" smtClean="0"/>
-              <a:t>10/31/2016</a:t>
+              <a:t>11/14/2016</a:t>
             </a:fld>
             <a:endParaRPr lang="en-US"/>
           </a:p>
@@ -4149,6 +4373,928 @@
 </p:sld>
 </file>
 
+<file path=ppt/slides/slide10.xml><?xml version="1.0" encoding="utf-8"?>
+<p:sld xmlns:a="http://schemas.openxmlformats.org/drawingml/2006/main" xmlns:r="http://schemas.openxmlformats.org/officeDocument/2006/relationships" xmlns:p="http://schemas.openxmlformats.org/presentationml/2006/main">
+  <p:cSld>
+    <p:spTree>
+      <p:nvGrpSpPr>
+        <p:cNvPr id="1" name=""/>
+        <p:cNvGrpSpPr/>
+        <p:nvPr/>
+      </p:nvGrpSpPr>
+      <p:grpSpPr>
+        <a:xfrm>
+          <a:off x="0" y="0"/>
+          <a:ext cx="0" cy="0"/>
+          <a:chOff x="0" y="0"/>
+          <a:chExt cx="0" cy="0"/>
+        </a:xfrm>
+      </p:grpSpPr>
+      <p:sp>
+        <p:nvSpPr>
+          <p:cNvPr id="2" name="Title 1"/>
+          <p:cNvSpPr>
+            <a:spLocks noGrp="1"/>
+          </p:cNvSpPr>
+          <p:nvPr>
+            <p:ph type="title"/>
+          </p:nvPr>
+        </p:nvSpPr>
+        <p:spPr/>
+        <p:txBody>
+          <a:bodyPr/>
+          <a:lstStyle/>
+          <a:p>
+            <a:r>
+              <a:rPr lang="en-US" dirty="0" smtClean="0"/>
+              <a:t>Avoid using gratuitous context</a:t>
+            </a:r>
+            <a:endParaRPr lang="en-US" dirty="0"/>
+          </a:p>
+        </p:txBody>
+      </p:sp>
+      <p:sp>
+        <p:nvSpPr>
+          <p:cNvPr id="4" name="Slide Number Placeholder 3"/>
+          <p:cNvSpPr>
+            <a:spLocks noGrp="1"/>
+          </p:cNvSpPr>
+          <p:nvPr>
+            <p:ph type="sldNum" sz="quarter" idx="12"/>
+          </p:nvPr>
+        </p:nvSpPr>
+        <p:spPr/>
+        <p:txBody>
+          <a:bodyPr/>
+          <a:lstStyle/>
+          <a:p>
+            <a:fld id="{07167301-DA6A-464D-A35A-C5160C07AEDB}" type="slidenum">
+              <a:rPr lang="en-US" smtClean="0"/>
+              <a:pPr/>
+              <a:t>10</a:t>
+            </a:fld>
+            <a:endParaRPr lang="en-US" dirty="0"/>
+          </a:p>
+        </p:txBody>
+      </p:sp>
+      <p:sp>
+        <p:nvSpPr>
+          <p:cNvPr id="8" name="Title 1"/>
+          <p:cNvSpPr txBox="1">
+            <a:spLocks/>
+          </p:cNvSpPr>
+          <p:nvPr/>
+        </p:nvSpPr>
+        <p:spPr>
+          <a:xfrm>
+            <a:off x="0" y="3596826"/>
+            <a:ext cx="9143999" cy="1147579"/>
+          </a:xfrm>
+          <a:prstGeom prst="rect">
+            <a:avLst/>
+          </a:prstGeom>
+          <a:solidFill>
+            <a:schemeClr val="accent1">
+              <a:lumMod val="20000"/>
+              <a:lumOff val="80000"/>
+            </a:schemeClr>
+          </a:solidFill>
+        </p:spPr>
+        <p:txBody>
+          <a:bodyPr vert="horz" lIns="91440" tIns="45720" rIns="91440" bIns="45720" rtlCol="0" anchor="ctr">
+            <a:normAutofit/>
+          </a:bodyPr>
+          <a:lstStyle>
+            <a:lvl1pPr algn="l" defTabSz="914400" rtl="0" eaLnBrk="1" latinLnBrk="0" hangingPunct="1">
+              <a:lnSpc>
+                <a:spcPct val="90000"/>
+              </a:lnSpc>
+              <a:spcBef>
+                <a:spcPct val="0"/>
+              </a:spcBef>
+              <a:buNone/>
+              <a:defRPr sz="4800" kern="1200" spc="-120" baseline="0">
+                <a:solidFill>
+                  <a:schemeClr val="accent1"/>
+                </a:solidFill>
+                <a:latin typeface="+mj-lt"/>
+                <a:ea typeface="+mj-ea"/>
+                <a:cs typeface="+mj-cs"/>
+              </a:defRPr>
+            </a:lvl1pPr>
+          </a:lstStyle>
+          <a:p>
+            <a:r>
+              <a:rPr lang="en-US" dirty="0" smtClean="0"/>
+              <a:t>Final word</a:t>
+            </a:r>
+            <a:endParaRPr lang="en-US" dirty="0"/>
+          </a:p>
+        </p:txBody>
+      </p:sp>
+      <p:sp>
+        <p:nvSpPr>
+          <p:cNvPr id="11" name="Content Placeholder 2"/>
+          <p:cNvSpPr txBox="1">
+            <a:spLocks/>
+          </p:cNvSpPr>
+          <p:nvPr/>
+        </p:nvSpPr>
+        <p:spPr>
+          <a:xfrm>
+            <a:off x="304800" y="4744405"/>
+            <a:ext cx="8065294" cy="1992047"/>
+          </a:xfrm>
+          <a:prstGeom prst="rect">
+            <a:avLst/>
+          </a:prstGeom>
+        </p:spPr>
+        <p:txBody>
+          <a:bodyPr vert="horz" lIns="91440" tIns="45720" rIns="91440" bIns="45720" rtlCol="0">
+            <a:normAutofit/>
+          </a:bodyPr>
+          <a:lstStyle>
+            <a:lvl1pPr marL="91440" indent="-91440" algn="l" defTabSz="914400" rtl="0" eaLnBrk="1" latinLnBrk="0" hangingPunct="1">
+              <a:lnSpc>
+                <a:spcPct val="85000"/>
+              </a:lnSpc>
+              <a:spcBef>
+                <a:spcPts val="1300"/>
+              </a:spcBef>
+              <a:buFont typeface="Arial" pitchFamily="34" charset="0"/>
+              <a:buChar char=" "/>
+              <a:defRPr sz="2400" kern="1200">
+                <a:solidFill>
+                  <a:schemeClr val="tx1">
+                    <a:lumMod val="85000"/>
+                    <a:lumOff val="15000"/>
+                  </a:schemeClr>
+                </a:solidFill>
+                <a:latin typeface="+mn-lt"/>
+                <a:ea typeface="+mn-ea"/>
+                <a:cs typeface="+mn-cs"/>
+              </a:defRPr>
+            </a:lvl1pPr>
+            <a:lvl2pPr marL="274320" indent="-342900" algn="l" defTabSz="914400" rtl="0" eaLnBrk="1" latinLnBrk="0" hangingPunct="1">
+              <a:lnSpc>
+                <a:spcPct val="85000"/>
+              </a:lnSpc>
+              <a:spcBef>
+                <a:spcPts val="600"/>
+              </a:spcBef>
+              <a:buFont typeface="Wingdings" panose="05000000000000000000" pitchFamily="2" charset="2"/>
+              <a:buChar char="Ø"/>
+              <a:defRPr sz="2400" kern="1200">
+                <a:solidFill>
+                  <a:schemeClr val="tx1">
+                    <a:lumMod val="85000"/>
+                    <a:lumOff val="15000"/>
+                  </a:schemeClr>
+                </a:solidFill>
+                <a:latin typeface="+mn-lt"/>
+                <a:ea typeface="+mn-ea"/>
+                <a:cs typeface="+mn-cs"/>
+              </a:defRPr>
+            </a:lvl2pPr>
+            <a:lvl3pPr marL="548640" indent="-548640" algn="l" defTabSz="914400" rtl="0" eaLnBrk="1" latinLnBrk="0" hangingPunct="1">
+              <a:lnSpc>
+                <a:spcPct val="85000"/>
+              </a:lnSpc>
+              <a:spcBef>
+                <a:spcPts val="600"/>
+              </a:spcBef>
+              <a:buFont typeface="Arial" pitchFamily="34" charset="0"/>
+              <a:buChar char="•"/>
+              <a:defRPr sz="2000" i="1" kern="1200">
+                <a:solidFill>
+                  <a:schemeClr val="tx1">
+                    <a:lumMod val="85000"/>
+                    <a:lumOff val="15000"/>
+                  </a:schemeClr>
+                </a:solidFill>
+                <a:latin typeface="+mn-lt"/>
+                <a:ea typeface="+mn-ea"/>
+                <a:cs typeface="+mn-cs"/>
+              </a:defRPr>
+            </a:lvl3pPr>
+            <a:lvl4pPr marL="822960" indent="-822960" algn="l" defTabSz="914400" rtl="0" eaLnBrk="1" latinLnBrk="0" hangingPunct="1">
+              <a:lnSpc>
+                <a:spcPct val="85000"/>
+              </a:lnSpc>
+              <a:spcBef>
+                <a:spcPts val="600"/>
+              </a:spcBef>
+              <a:buFont typeface="Arial" pitchFamily="34" charset="0"/>
+              <a:buChar char=" "/>
+              <a:defRPr sz="1800" kern="1200">
+                <a:solidFill>
+                  <a:schemeClr val="tx1">
+                    <a:lumMod val="85000"/>
+                    <a:lumOff val="15000"/>
+                  </a:schemeClr>
+                </a:solidFill>
+                <a:latin typeface="+mn-lt"/>
+                <a:ea typeface="+mn-ea"/>
+                <a:cs typeface="+mn-cs"/>
+              </a:defRPr>
+            </a:lvl4pPr>
+            <a:lvl5pPr marL="1097280" indent="-1097280" algn="l" defTabSz="914400" rtl="0" eaLnBrk="1" latinLnBrk="0" hangingPunct="1">
+              <a:lnSpc>
+                <a:spcPct val="85000"/>
+              </a:lnSpc>
+              <a:spcBef>
+                <a:spcPts val="600"/>
+              </a:spcBef>
+              <a:buFont typeface="Arial" pitchFamily="34" charset="0"/>
+              <a:buChar char=" "/>
+              <a:defRPr sz="1800" kern="1200">
+                <a:solidFill>
+                  <a:schemeClr val="tx1">
+                    <a:lumMod val="85000"/>
+                    <a:lumOff val="15000"/>
+                  </a:schemeClr>
+                </a:solidFill>
+                <a:latin typeface="+mn-lt"/>
+                <a:ea typeface="+mn-ea"/>
+                <a:cs typeface="+mn-cs"/>
+              </a:defRPr>
+            </a:lvl5pPr>
+            <a:lvl6pPr marL="1200000" indent="-228600" algn="l" defTabSz="914400" rtl="0" eaLnBrk="1" latinLnBrk="0" hangingPunct="1">
+              <a:lnSpc>
+                <a:spcPct val="85000"/>
+              </a:lnSpc>
+              <a:spcBef>
+                <a:spcPts val="600"/>
+              </a:spcBef>
+              <a:buFont typeface="Arial" pitchFamily="34" charset="0"/>
+              <a:buChar char=" "/>
+              <a:defRPr sz="1800" kern="1200">
+                <a:solidFill>
+                  <a:schemeClr val="tx1">
+                    <a:lumMod val="85000"/>
+                    <a:lumOff val="15000"/>
+                  </a:schemeClr>
+                </a:solidFill>
+                <a:latin typeface="+mn-lt"/>
+                <a:ea typeface="+mn-ea"/>
+                <a:cs typeface="+mn-cs"/>
+              </a:defRPr>
+            </a:lvl6pPr>
+            <a:lvl7pPr marL="1400000" indent="-228600" algn="l" defTabSz="914400" rtl="0" eaLnBrk="1" latinLnBrk="0" hangingPunct="1">
+              <a:lnSpc>
+                <a:spcPct val="85000"/>
+              </a:lnSpc>
+              <a:spcBef>
+                <a:spcPts val="600"/>
+              </a:spcBef>
+              <a:buFont typeface="Arial" pitchFamily="34" charset="0"/>
+              <a:buChar char=" "/>
+              <a:defRPr sz="1800" kern="1200">
+                <a:solidFill>
+                  <a:schemeClr val="tx1">
+                    <a:lumMod val="85000"/>
+                    <a:lumOff val="15000"/>
+                  </a:schemeClr>
+                </a:solidFill>
+                <a:latin typeface="+mn-lt"/>
+                <a:ea typeface="+mn-ea"/>
+                <a:cs typeface="+mn-cs"/>
+              </a:defRPr>
+            </a:lvl7pPr>
+            <a:lvl8pPr marL="1600000" indent="-228600" algn="l" defTabSz="914400" rtl="0" eaLnBrk="1" latinLnBrk="0" hangingPunct="1">
+              <a:lnSpc>
+                <a:spcPct val="85000"/>
+              </a:lnSpc>
+              <a:spcBef>
+                <a:spcPts val="600"/>
+              </a:spcBef>
+              <a:buFont typeface="Arial" pitchFamily="34" charset="0"/>
+              <a:buChar char=" "/>
+              <a:defRPr sz="1800" kern="1200">
+                <a:solidFill>
+                  <a:schemeClr val="tx1">
+                    <a:lumMod val="85000"/>
+                    <a:lumOff val="15000"/>
+                  </a:schemeClr>
+                </a:solidFill>
+                <a:latin typeface="+mn-lt"/>
+                <a:ea typeface="+mn-ea"/>
+                <a:cs typeface="+mn-cs"/>
+              </a:defRPr>
+            </a:lvl8pPr>
+            <a:lvl9pPr marL="1800000" indent="-228600" algn="l" defTabSz="914400" rtl="0" eaLnBrk="1" latinLnBrk="0" hangingPunct="1">
+              <a:lnSpc>
+                <a:spcPct val="85000"/>
+              </a:lnSpc>
+              <a:spcBef>
+                <a:spcPts val="600"/>
+              </a:spcBef>
+              <a:buFont typeface="Arial" pitchFamily="34" charset="0"/>
+              <a:buChar char=" "/>
+              <a:defRPr sz="1800" kern="1200">
+                <a:solidFill>
+                  <a:schemeClr val="tx1">
+                    <a:lumMod val="85000"/>
+                    <a:lumOff val="15000"/>
+                  </a:schemeClr>
+                </a:solidFill>
+                <a:latin typeface="+mn-lt"/>
+                <a:ea typeface="+mn-ea"/>
+                <a:cs typeface="+mn-cs"/>
+              </a:defRPr>
+            </a:lvl9pPr>
+          </a:lstStyle>
+          <a:p>
+            <a:pPr lvl="1"/>
+            <a:endParaRPr lang="en-US" dirty="0" smtClean="0"/>
+          </a:p>
+        </p:txBody>
+      </p:sp>
+      <p:sp>
+        <p:nvSpPr>
+          <p:cNvPr id="9" name="Content Placeholder 2"/>
+          <p:cNvSpPr txBox="1">
+            <a:spLocks/>
+          </p:cNvSpPr>
+          <p:nvPr/>
+        </p:nvSpPr>
+        <p:spPr>
+          <a:xfrm>
+            <a:off x="381000" y="1598472"/>
+            <a:ext cx="8382000" cy="1992047"/>
+          </a:xfrm>
+          <a:prstGeom prst="rect">
+            <a:avLst/>
+          </a:prstGeom>
+        </p:spPr>
+        <p:txBody>
+          <a:bodyPr vert="horz" lIns="91440" tIns="45720" rIns="91440" bIns="45720" rtlCol="0">
+            <a:normAutofit/>
+          </a:bodyPr>
+          <a:lstStyle>
+            <a:lvl1pPr marL="91440" indent="-91440" algn="l" defTabSz="914400" rtl="0" eaLnBrk="1" latinLnBrk="0" hangingPunct="1">
+              <a:lnSpc>
+                <a:spcPct val="85000"/>
+              </a:lnSpc>
+              <a:spcBef>
+                <a:spcPts val="1300"/>
+              </a:spcBef>
+              <a:buFont typeface="Arial" pitchFamily="34" charset="0"/>
+              <a:buChar char=" "/>
+              <a:defRPr sz="2400" kern="1200">
+                <a:solidFill>
+                  <a:schemeClr val="tx1">
+                    <a:lumMod val="85000"/>
+                    <a:lumOff val="15000"/>
+                  </a:schemeClr>
+                </a:solidFill>
+                <a:latin typeface="+mn-lt"/>
+                <a:ea typeface="+mn-ea"/>
+                <a:cs typeface="+mn-cs"/>
+              </a:defRPr>
+            </a:lvl1pPr>
+            <a:lvl2pPr marL="274320" indent="-342900" algn="l" defTabSz="914400" rtl="0" eaLnBrk="1" latinLnBrk="0" hangingPunct="1">
+              <a:lnSpc>
+                <a:spcPct val="85000"/>
+              </a:lnSpc>
+              <a:spcBef>
+                <a:spcPts val="600"/>
+              </a:spcBef>
+              <a:buFont typeface="Wingdings" panose="05000000000000000000" pitchFamily="2" charset="2"/>
+              <a:buChar char="Ø"/>
+              <a:defRPr sz="2400" kern="1200">
+                <a:solidFill>
+                  <a:schemeClr val="tx1">
+                    <a:lumMod val="85000"/>
+                    <a:lumOff val="15000"/>
+                  </a:schemeClr>
+                </a:solidFill>
+                <a:latin typeface="+mn-lt"/>
+                <a:ea typeface="+mn-ea"/>
+                <a:cs typeface="+mn-cs"/>
+              </a:defRPr>
+            </a:lvl2pPr>
+            <a:lvl3pPr marL="548640" indent="-548640" algn="l" defTabSz="914400" rtl="0" eaLnBrk="1" latinLnBrk="0" hangingPunct="1">
+              <a:lnSpc>
+                <a:spcPct val="85000"/>
+              </a:lnSpc>
+              <a:spcBef>
+                <a:spcPts val="600"/>
+              </a:spcBef>
+              <a:buFont typeface="Arial" pitchFamily="34" charset="0"/>
+              <a:buChar char="•"/>
+              <a:defRPr sz="2000" i="1" kern="1200">
+                <a:solidFill>
+                  <a:schemeClr val="tx1">
+                    <a:lumMod val="85000"/>
+                    <a:lumOff val="15000"/>
+                  </a:schemeClr>
+                </a:solidFill>
+                <a:latin typeface="+mn-lt"/>
+                <a:ea typeface="+mn-ea"/>
+                <a:cs typeface="+mn-cs"/>
+              </a:defRPr>
+            </a:lvl3pPr>
+            <a:lvl4pPr marL="822960" indent="-822960" algn="l" defTabSz="914400" rtl="0" eaLnBrk="1" latinLnBrk="0" hangingPunct="1">
+              <a:lnSpc>
+                <a:spcPct val="85000"/>
+              </a:lnSpc>
+              <a:spcBef>
+                <a:spcPts val="600"/>
+              </a:spcBef>
+              <a:buFont typeface="Arial" pitchFamily="34" charset="0"/>
+              <a:buChar char=" "/>
+              <a:defRPr sz="1800" kern="1200">
+                <a:solidFill>
+                  <a:schemeClr val="tx1">
+                    <a:lumMod val="85000"/>
+                    <a:lumOff val="15000"/>
+                  </a:schemeClr>
+                </a:solidFill>
+                <a:latin typeface="+mn-lt"/>
+                <a:ea typeface="+mn-ea"/>
+                <a:cs typeface="+mn-cs"/>
+              </a:defRPr>
+            </a:lvl4pPr>
+            <a:lvl5pPr marL="1097280" indent="-1097280" algn="l" defTabSz="914400" rtl="0" eaLnBrk="1" latinLnBrk="0" hangingPunct="1">
+              <a:lnSpc>
+                <a:spcPct val="85000"/>
+              </a:lnSpc>
+              <a:spcBef>
+                <a:spcPts val="600"/>
+              </a:spcBef>
+              <a:buFont typeface="Arial" pitchFamily="34" charset="0"/>
+              <a:buChar char=" "/>
+              <a:defRPr sz="1800" kern="1200">
+                <a:solidFill>
+                  <a:schemeClr val="tx1">
+                    <a:lumMod val="85000"/>
+                    <a:lumOff val="15000"/>
+                  </a:schemeClr>
+                </a:solidFill>
+                <a:latin typeface="+mn-lt"/>
+                <a:ea typeface="+mn-ea"/>
+                <a:cs typeface="+mn-cs"/>
+              </a:defRPr>
+            </a:lvl5pPr>
+            <a:lvl6pPr marL="1200000" indent="-228600" algn="l" defTabSz="914400" rtl="0" eaLnBrk="1" latinLnBrk="0" hangingPunct="1">
+              <a:lnSpc>
+                <a:spcPct val="85000"/>
+              </a:lnSpc>
+              <a:spcBef>
+                <a:spcPts val="600"/>
+              </a:spcBef>
+              <a:buFont typeface="Arial" pitchFamily="34" charset="0"/>
+              <a:buChar char=" "/>
+              <a:defRPr sz="1800" kern="1200">
+                <a:solidFill>
+                  <a:schemeClr val="tx1">
+                    <a:lumMod val="85000"/>
+                    <a:lumOff val="15000"/>
+                  </a:schemeClr>
+                </a:solidFill>
+                <a:latin typeface="+mn-lt"/>
+                <a:ea typeface="+mn-ea"/>
+                <a:cs typeface="+mn-cs"/>
+              </a:defRPr>
+            </a:lvl6pPr>
+            <a:lvl7pPr marL="1400000" indent="-228600" algn="l" defTabSz="914400" rtl="0" eaLnBrk="1" latinLnBrk="0" hangingPunct="1">
+              <a:lnSpc>
+                <a:spcPct val="85000"/>
+              </a:lnSpc>
+              <a:spcBef>
+                <a:spcPts val="600"/>
+              </a:spcBef>
+              <a:buFont typeface="Arial" pitchFamily="34" charset="0"/>
+              <a:buChar char=" "/>
+              <a:defRPr sz="1800" kern="1200">
+                <a:solidFill>
+                  <a:schemeClr val="tx1">
+                    <a:lumMod val="85000"/>
+                    <a:lumOff val="15000"/>
+                  </a:schemeClr>
+                </a:solidFill>
+                <a:latin typeface="+mn-lt"/>
+                <a:ea typeface="+mn-ea"/>
+                <a:cs typeface="+mn-cs"/>
+              </a:defRPr>
+            </a:lvl7pPr>
+            <a:lvl8pPr marL="1600000" indent="-228600" algn="l" defTabSz="914400" rtl="0" eaLnBrk="1" latinLnBrk="0" hangingPunct="1">
+              <a:lnSpc>
+                <a:spcPct val="85000"/>
+              </a:lnSpc>
+              <a:spcBef>
+                <a:spcPts val="600"/>
+              </a:spcBef>
+              <a:buFont typeface="Arial" pitchFamily="34" charset="0"/>
+              <a:buChar char=" "/>
+              <a:defRPr sz="1800" kern="1200">
+                <a:solidFill>
+                  <a:schemeClr val="tx1">
+                    <a:lumMod val="85000"/>
+                    <a:lumOff val="15000"/>
+                  </a:schemeClr>
+                </a:solidFill>
+                <a:latin typeface="+mn-lt"/>
+                <a:ea typeface="+mn-ea"/>
+                <a:cs typeface="+mn-cs"/>
+              </a:defRPr>
+            </a:lvl8pPr>
+            <a:lvl9pPr marL="1800000" indent="-228600" algn="l" defTabSz="914400" rtl="0" eaLnBrk="1" latinLnBrk="0" hangingPunct="1">
+              <a:lnSpc>
+                <a:spcPct val="85000"/>
+              </a:lnSpc>
+              <a:spcBef>
+                <a:spcPts val="600"/>
+              </a:spcBef>
+              <a:buFont typeface="Arial" pitchFamily="34" charset="0"/>
+              <a:buChar char=" "/>
+              <a:defRPr sz="1800" kern="1200">
+                <a:solidFill>
+                  <a:schemeClr val="tx1">
+                    <a:lumMod val="85000"/>
+                    <a:lumOff val="15000"/>
+                  </a:schemeClr>
+                </a:solidFill>
+                <a:latin typeface="+mn-lt"/>
+                <a:ea typeface="+mn-ea"/>
+                <a:cs typeface="+mn-cs"/>
+              </a:defRPr>
+            </a:lvl9pPr>
+          </a:lstStyle>
+          <a:p>
+            <a:pPr lvl="1"/>
+            <a:r>
+              <a:rPr lang="en-US" dirty="0" smtClean="0"/>
+              <a:t>Shorter name is generally better than longer name, so long as they clear.</a:t>
+            </a:r>
+          </a:p>
+          <a:p>
+            <a:pPr lvl="1"/>
+            <a:r>
+              <a:rPr lang="en-US" dirty="0" smtClean="0"/>
+              <a:t>Class:</a:t>
+            </a:r>
+          </a:p>
+          <a:p>
+            <a:pPr lvl="2"/>
+            <a:r>
+              <a:rPr lang="en-US" dirty="0" err="1" smtClean="0"/>
+              <a:t>AgentAddress</a:t>
+            </a:r>
+            <a:endParaRPr lang="en-US" dirty="0" smtClean="0"/>
+          </a:p>
+          <a:p>
+            <a:pPr lvl="2"/>
+            <a:r>
+              <a:rPr lang="en-US" dirty="0" err="1" smtClean="0"/>
+              <a:t>CustomerAddress</a:t>
+            </a:r>
+            <a:endParaRPr lang="en-US" dirty="0" smtClean="0"/>
+          </a:p>
+        </p:txBody>
+      </p:sp>
+      <p:sp>
+        <p:nvSpPr>
+          <p:cNvPr id="7" name="Content Placeholder 2"/>
+          <p:cNvSpPr txBox="1">
+            <a:spLocks/>
+          </p:cNvSpPr>
+          <p:nvPr/>
+        </p:nvSpPr>
+        <p:spPr>
+          <a:xfrm>
+            <a:off x="381000" y="4746582"/>
+            <a:ext cx="8382000" cy="1992047"/>
+          </a:xfrm>
+          <a:prstGeom prst="rect">
+            <a:avLst/>
+          </a:prstGeom>
+        </p:spPr>
+        <p:txBody>
+          <a:bodyPr vert="horz" lIns="91440" tIns="45720" rIns="91440" bIns="45720" rtlCol="0">
+            <a:normAutofit/>
+          </a:bodyPr>
+          <a:lstStyle>
+            <a:lvl1pPr marL="91440" indent="-91440" algn="l" defTabSz="914400" rtl="0" eaLnBrk="1" latinLnBrk="0" hangingPunct="1">
+              <a:lnSpc>
+                <a:spcPct val="85000"/>
+              </a:lnSpc>
+              <a:spcBef>
+                <a:spcPts val="1300"/>
+              </a:spcBef>
+              <a:buFont typeface="Arial" pitchFamily="34" charset="0"/>
+              <a:buChar char=" "/>
+              <a:defRPr sz="2400" kern="1200">
+                <a:solidFill>
+                  <a:schemeClr val="tx1">
+                    <a:lumMod val="85000"/>
+                    <a:lumOff val="15000"/>
+                  </a:schemeClr>
+                </a:solidFill>
+                <a:latin typeface="+mn-lt"/>
+                <a:ea typeface="+mn-ea"/>
+                <a:cs typeface="+mn-cs"/>
+              </a:defRPr>
+            </a:lvl1pPr>
+            <a:lvl2pPr marL="274320" indent="-342900" algn="l" defTabSz="914400" rtl="0" eaLnBrk="1" latinLnBrk="0" hangingPunct="1">
+              <a:lnSpc>
+                <a:spcPct val="85000"/>
+              </a:lnSpc>
+              <a:spcBef>
+                <a:spcPts val="600"/>
+              </a:spcBef>
+              <a:buFont typeface="Wingdings" panose="05000000000000000000" pitchFamily="2" charset="2"/>
+              <a:buChar char="Ø"/>
+              <a:defRPr sz="2400" kern="1200">
+                <a:solidFill>
+                  <a:schemeClr val="tx1">
+                    <a:lumMod val="85000"/>
+                    <a:lumOff val="15000"/>
+                  </a:schemeClr>
+                </a:solidFill>
+                <a:latin typeface="+mn-lt"/>
+                <a:ea typeface="+mn-ea"/>
+                <a:cs typeface="+mn-cs"/>
+              </a:defRPr>
+            </a:lvl2pPr>
+            <a:lvl3pPr marL="548640" indent="-548640" algn="l" defTabSz="914400" rtl="0" eaLnBrk="1" latinLnBrk="0" hangingPunct="1">
+              <a:lnSpc>
+                <a:spcPct val="85000"/>
+              </a:lnSpc>
+              <a:spcBef>
+                <a:spcPts val="600"/>
+              </a:spcBef>
+              <a:buFont typeface="Arial" pitchFamily="34" charset="0"/>
+              <a:buChar char="•"/>
+              <a:defRPr sz="2000" i="1" kern="1200">
+                <a:solidFill>
+                  <a:schemeClr val="tx1">
+                    <a:lumMod val="85000"/>
+                    <a:lumOff val="15000"/>
+                  </a:schemeClr>
+                </a:solidFill>
+                <a:latin typeface="+mn-lt"/>
+                <a:ea typeface="+mn-ea"/>
+                <a:cs typeface="+mn-cs"/>
+              </a:defRPr>
+            </a:lvl3pPr>
+            <a:lvl4pPr marL="822960" indent="-822960" algn="l" defTabSz="914400" rtl="0" eaLnBrk="1" latinLnBrk="0" hangingPunct="1">
+              <a:lnSpc>
+                <a:spcPct val="85000"/>
+              </a:lnSpc>
+              <a:spcBef>
+                <a:spcPts val="600"/>
+              </a:spcBef>
+              <a:buFont typeface="Arial" pitchFamily="34" charset="0"/>
+              <a:buChar char=" "/>
+              <a:defRPr sz="1800" kern="1200">
+                <a:solidFill>
+                  <a:schemeClr val="tx1">
+                    <a:lumMod val="85000"/>
+                    <a:lumOff val="15000"/>
+                  </a:schemeClr>
+                </a:solidFill>
+                <a:latin typeface="+mn-lt"/>
+                <a:ea typeface="+mn-ea"/>
+                <a:cs typeface="+mn-cs"/>
+              </a:defRPr>
+            </a:lvl4pPr>
+            <a:lvl5pPr marL="1097280" indent="-1097280" algn="l" defTabSz="914400" rtl="0" eaLnBrk="1" latinLnBrk="0" hangingPunct="1">
+              <a:lnSpc>
+                <a:spcPct val="85000"/>
+              </a:lnSpc>
+              <a:spcBef>
+                <a:spcPts val="600"/>
+              </a:spcBef>
+              <a:buFont typeface="Arial" pitchFamily="34" charset="0"/>
+              <a:buChar char=" "/>
+              <a:defRPr sz="1800" kern="1200">
+                <a:solidFill>
+                  <a:schemeClr val="tx1">
+                    <a:lumMod val="85000"/>
+                    <a:lumOff val="15000"/>
+                  </a:schemeClr>
+                </a:solidFill>
+                <a:latin typeface="+mn-lt"/>
+                <a:ea typeface="+mn-ea"/>
+                <a:cs typeface="+mn-cs"/>
+              </a:defRPr>
+            </a:lvl5pPr>
+            <a:lvl6pPr marL="1200000" indent="-228600" algn="l" defTabSz="914400" rtl="0" eaLnBrk="1" latinLnBrk="0" hangingPunct="1">
+              <a:lnSpc>
+                <a:spcPct val="85000"/>
+              </a:lnSpc>
+              <a:spcBef>
+                <a:spcPts val="600"/>
+              </a:spcBef>
+              <a:buFont typeface="Arial" pitchFamily="34" charset="0"/>
+              <a:buChar char=" "/>
+              <a:defRPr sz="1800" kern="1200">
+                <a:solidFill>
+                  <a:schemeClr val="tx1">
+                    <a:lumMod val="85000"/>
+                    <a:lumOff val="15000"/>
+                  </a:schemeClr>
+                </a:solidFill>
+                <a:latin typeface="+mn-lt"/>
+                <a:ea typeface="+mn-ea"/>
+                <a:cs typeface="+mn-cs"/>
+              </a:defRPr>
+            </a:lvl6pPr>
+            <a:lvl7pPr marL="1400000" indent="-228600" algn="l" defTabSz="914400" rtl="0" eaLnBrk="1" latinLnBrk="0" hangingPunct="1">
+              <a:lnSpc>
+                <a:spcPct val="85000"/>
+              </a:lnSpc>
+              <a:spcBef>
+                <a:spcPts val="600"/>
+              </a:spcBef>
+              <a:buFont typeface="Arial" pitchFamily="34" charset="0"/>
+              <a:buChar char=" "/>
+              <a:defRPr sz="1800" kern="1200">
+                <a:solidFill>
+                  <a:schemeClr val="tx1">
+                    <a:lumMod val="85000"/>
+                    <a:lumOff val="15000"/>
+                  </a:schemeClr>
+                </a:solidFill>
+                <a:latin typeface="+mn-lt"/>
+                <a:ea typeface="+mn-ea"/>
+                <a:cs typeface="+mn-cs"/>
+              </a:defRPr>
+            </a:lvl7pPr>
+            <a:lvl8pPr marL="1600000" indent="-228600" algn="l" defTabSz="914400" rtl="0" eaLnBrk="1" latinLnBrk="0" hangingPunct="1">
+              <a:lnSpc>
+                <a:spcPct val="85000"/>
+              </a:lnSpc>
+              <a:spcBef>
+                <a:spcPts val="600"/>
+              </a:spcBef>
+              <a:buFont typeface="Arial" pitchFamily="34" charset="0"/>
+              <a:buChar char=" "/>
+              <a:defRPr sz="1800" kern="1200">
+                <a:solidFill>
+                  <a:schemeClr val="tx1">
+                    <a:lumMod val="85000"/>
+                    <a:lumOff val="15000"/>
+                  </a:schemeClr>
+                </a:solidFill>
+                <a:latin typeface="+mn-lt"/>
+                <a:ea typeface="+mn-ea"/>
+                <a:cs typeface="+mn-cs"/>
+              </a:defRPr>
+            </a:lvl8pPr>
+            <a:lvl9pPr marL="1800000" indent="-228600" algn="l" defTabSz="914400" rtl="0" eaLnBrk="1" latinLnBrk="0" hangingPunct="1">
+              <a:lnSpc>
+                <a:spcPct val="85000"/>
+              </a:lnSpc>
+              <a:spcBef>
+                <a:spcPts val="600"/>
+              </a:spcBef>
+              <a:buFont typeface="Arial" pitchFamily="34" charset="0"/>
+              <a:buChar char=" "/>
+              <a:defRPr sz="1800" kern="1200">
+                <a:solidFill>
+                  <a:schemeClr val="tx1">
+                    <a:lumMod val="85000"/>
+                    <a:lumOff val="15000"/>
+                  </a:schemeClr>
+                </a:solidFill>
+                <a:latin typeface="+mn-lt"/>
+                <a:ea typeface="+mn-ea"/>
+                <a:cs typeface="+mn-cs"/>
+              </a:defRPr>
+            </a:lvl9pPr>
+          </a:lstStyle>
+          <a:p>
+            <a:pPr lvl="1"/>
+            <a:r>
+              <a:rPr lang="en-US" dirty="0" smtClean="0"/>
+              <a:t>Good descriptive skills</a:t>
+            </a:r>
+          </a:p>
+          <a:p>
+            <a:pPr lvl="1"/>
+            <a:r>
+              <a:rPr lang="en-US" dirty="0" smtClean="0"/>
+              <a:t>Shared cultural background</a:t>
+            </a:r>
+            <a:endParaRPr lang="en-US" dirty="0" smtClean="0"/>
+          </a:p>
+          <a:p>
+            <a:pPr lvl="1"/>
+            <a:r>
+              <a:rPr lang="en-US" dirty="0" smtClean="0"/>
+              <a:t>People are afraid of renaming things for fear that the other developers will object.</a:t>
+            </a:r>
+            <a:endParaRPr lang="en-US" dirty="0" smtClean="0"/>
+          </a:p>
+        </p:txBody>
+      </p:sp>
+      <p:sp>
+        <p:nvSpPr>
+          <p:cNvPr id="3" name="Rectangle 2"/>
+          <p:cNvSpPr/>
+          <p:nvPr/>
+        </p:nvSpPr>
+        <p:spPr>
+          <a:xfrm>
+            <a:off x="5105400" y="2794437"/>
+            <a:ext cx="1524000" cy="457200"/>
+          </a:xfrm>
+          <a:prstGeom prst="rect">
+            <a:avLst/>
+          </a:prstGeom>
+        </p:spPr>
+        <p:style>
+          <a:lnRef idx="2">
+            <a:schemeClr val="accent1">
+              <a:shade val="50000"/>
+            </a:schemeClr>
+          </a:lnRef>
+          <a:fillRef idx="1">
+            <a:schemeClr val="accent1"/>
+          </a:fillRef>
+          <a:effectRef idx="0">
+            <a:schemeClr val="accent1"/>
+          </a:effectRef>
+          <a:fontRef idx="minor">
+            <a:schemeClr val="lt1"/>
+          </a:fontRef>
+        </p:style>
+        <p:txBody>
+          <a:bodyPr rtlCol="0" anchor="ctr"/>
+          <a:lstStyle/>
+          <a:p>
+            <a:pPr algn="ctr"/>
+            <a:r>
+              <a:rPr lang="en-US" dirty="0" smtClean="0"/>
+              <a:t>Address</a:t>
+            </a:r>
+            <a:endParaRPr lang="en-US" dirty="0"/>
+          </a:p>
+        </p:txBody>
+      </p:sp>
+      <p:sp>
+        <p:nvSpPr>
+          <p:cNvPr id="5" name="Right Arrow 4"/>
+          <p:cNvSpPr/>
+          <p:nvPr/>
+        </p:nvSpPr>
+        <p:spPr>
+          <a:xfrm>
+            <a:off x="3124200" y="2949595"/>
+            <a:ext cx="1828800" cy="177363"/>
+          </a:xfrm>
+          <a:prstGeom prst="rightArrow">
+            <a:avLst/>
+          </a:prstGeom>
+        </p:spPr>
+        <p:style>
+          <a:lnRef idx="2">
+            <a:schemeClr val="accent1">
+              <a:shade val="50000"/>
+            </a:schemeClr>
+          </a:lnRef>
+          <a:fillRef idx="1">
+            <a:schemeClr val="accent1"/>
+          </a:fillRef>
+          <a:effectRef idx="0">
+            <a:schemeClr val="accent1"/>
+          </a:effectRef>
+          <a:fontRef idx="minor">
+            <a:schemeClr val="lt1"/>
+          </a:fontRef>
+        </p:style>
+        <p:txBody>
+          <a:bodyPr rtlCol="0" anchor="ctr"/>
+          <a:lstStyle/>
+          <a:p>
+            <a:pPr algn="ctr"/>
+            <a:endParaRPr lang="en-US"/>
+          </a:p>
+        </p:txBody>
+      </p:sp>
+    </p:spTree>
+    <p:extLst>
+      <p:ext uri="{BB962C8B-B14F-4D97-AF65-F5344CB8AC3E}">
+        <p14:creationId xmlns:p14="http://schemas.microsoft.com/office/powerpoint/2010/main" val="3473684526"/>
+      </p:ext>
+    </p:extLst>
+  </p:cSld>
+  <p:clrMapOvr>
+    <a:masterClrMapping/>
+  </p:clrMapOvr>
+  <p:timing>
+    <p:tnLst>
+      <p:par>
+        <p:cTn id="1" dur="indefinite" restart="never" nodeType="tmRoot"/>
+      </p:par>
+    </p:tnLst>
+  </p:timing>
+</p:sld>
+</file>
+
 <file path=ppt/slides/slide2.xml><?xml version="1.0" encoding="utf-8"?>
 <p:sld xmlns:a="http://schemas.openxmlformats.org/drawingml/2006/main" xmlns:r="http://schemas.openxmlformats.org/officeDocument/2006/relationships" xmlns:p="http://schemas.openxmlformats.org/presentationml/2006/main">
   <p:cSld>
@@ -4311,12 +5457,14 @@
           <a:bodyPr/>
           <a:lstStyle/>
           <a:p>
-            <a:pPr algn="ctr"/>
             <a:r>
               <a:rPr lang="en-US" dirty="0" smtClean="0"/>
-              <a:t>Meaningful Names</a:t>
-            </a:r>
-            <a:endParaRPr lang="en-US" dirty="0"/>
+              <a:t>   Use </a:t>
+            </a:r>
+            <a:r>
+              <a:rPr lang="en-US" dirty="0"/>
+              <a:t>Intention – Revealing Name</a:t>
+            </a:r>
           </a:p>
         </p:txBody>
       </p:sp>
@@ -4335,13 +5483,35 @@
           <a:bodyPr/>
           <a:lstStyle/>
           <a:p>
-            <a:endParaRPr lang="en-US" dirty="0"/>
-          </a:p>
-        </p:txBody>
-      </p:sp>
-      <p:sp>
-        <p:nvSpPr>
-          <p:cNvPr id="4" name="Slide Number Placeholder 3"/>
+            <a:pPr lvl="1"/>
+            <a:r>
+              <a:rPr lang="en-US" dirty="0" smtClean="0"/>
+              <a:t>Name should reveal the intent</a:t>
+            </a:r>
+          </a:p>
+          <a:p>
+            <a:pPr lvl="1"/>
+            <a:r>
+              <a:rPr lang="en-US" dirty="0" smtClean="0"/>
+              <a:t>Choosing a good name may take times but it saves more than it takes</a:t>
+            </a:r>
+          </a:p>
+          <a:p>
+            <a:pPr lvl="1"/>
+            <a:r>
+              <a:rPr lang="en-US" dirty="0" smtClean="0"/>
+              <a:t>Name of function, class, variable should answer questions: Why, What, How</a:t>
+            </a:r>
+          </a:p>
+          <a:p>
+            <a:pPr lvl="1"/>
+            <a:endParaRPr lang="en-US" dirty="0" smtClean="0"/>
+          </a:p>
+        </p:txBody>
+      </p:sp>
+      <p:sp>
+        <p:nvSpPr>
+          <p:cNvPr id="5" name="Slide Number Placeholder 4"/>
           <p:cNvSpPr>
             <a:spLocks noGrp="1"/>
           </p:cNvSpPr>
@@ -4356,9 +5526,91 @@
           <a:p>
             <a:fld id="{07167301-DA6A-464D-A35A-C5160C07AEDB}" type="slidenum">
               <a:rPr lang="en-US" smtClean="0"/>
-              <a:pPr/>
               <a:t>3</a:t>
             </a:fld>
+            <a:endParaRPr lang="en-US"/>
+          </a:p>
+        </p:txBody>
+      </p:sp>
+      <p:sp>
+        <p:nvSpPr>
+          <p:cNvPr id="4" name="Rectangle 3"/>
+          <p:cNvSpPr/>
+          <p:nvPr/>
+        </p:nvSpPr>
+        <p:spPr>
+          <a:xfrm>
+            <a:off x="457200" y="5029199"/>
+            <a:ext cx="8229600" cy="1279525"/>
+          </a:xfrm>
+          <a:prstGeom prst="rect">
+            <a:avLst/>
+          </a:prstGeom>
+        </p:spPr>
+        <p:style>
+          <a:lnRef idx="1">
+            <a:schemeClr val="accent6"/>
+          </a:lnRef>
+          <a:fillRef idx="2">
+            <a:schemeClr val="accent6"/>
+          </a:fillRef>
+          <a:effectRef idx="1">
+            <a:schemeClr val="accent6"/>
+          </a:effectRef>
+          <a:fontRef idx="minor">
+            <a:schemeClr val="dk1"/>
+          </a:fontRef>
+        </p:style>
+        <p:txBody>
+          <a:bodyPr rtlCol="0" anchor="ctr"/>
+          <a:lstStyle/>
+          <a:p>
+            <a:r>
+              <a:rPr lang="en-US" b="1" dirty="0" smtClean="0"/>
+              <a:t>Example:</a:t>
+            </a:r>
+          </a:p>
+          <a:p>
+            <a:r>
+              <a:rPr lang="en-US" dirty="0"/>
+              <a:t>	</a:t>
+            </a:r>
+            <a:r>
+              <a:rPr lang="en-US" dirty="0" err="1" smtClean="0"/>
+              <a:t>int</a:t>
+            </a:r>
+            <a:r>
+              <a:rPr lang="en-US" dirty="0" smtClean="0"/>
+              <a:t> d; 	// Current time in days</a:t>
+            </a:r>
+          </a:p>
+          <a:p>
+            <a:r>
+              <a:rPr lang="en-US" dirty="0"/>
+              <a:t>	</a:t>
+            </a:r>
+            <a:r>
+              <a:rPr lang="en-US" dirty="0" err="1" smtClean="0"/>
+              <a:t>int</a:t>
+            </a:r>
+            <a:r>
+              <a:rPr lang="en-US" dirty="0" smtClean="0"/>
+              <a:t> m; 	// Current time in months</a:t>
+            </a:r>
+          </a:p>
+          <a:p>
+            <a:r>
+              <a:rPr lang="en-US" dirty="0"/>
+              <a:t>	</a:t>
+            </a:r>
+            <a:r>
+              <a:rPr lang="en-US" dirty="0" err="1" smtClean="0"/>
+              <a:t>int</a:t>
+            </a:r>
+            <a:r>
+              <a:rPr lang="en-US" dirty="0" smtClean="0"/>
+              <a:t> y; 	// Current time in years</a:t>
+            </a:r>
             <a:endParaRPr lang="en-US" dirty="0"/>
           </a:p>
         </p:txBody>
@@ -4366,7 +5618,7 @@
     </p:spTree>
     <p:extLst>
       <p:ext uri="{BB962C8B-B14F-4D97-AF65-F5344CB8AC3E}">
-        <p14:creationId xmlns:p14="http://schemas.microsoft.com/office/powerpoint/2010/main" val="2702489530"/>
+        <p14:creationId xmlns:p14="http://schemas.microsoft.com/office/powerpoint/2010/main" val="1239419676"/>
       </p:ext>
     </p:extLst>
   </p:cSld>
@@ -4417,216 +5669,6 @@
           <a:p>
             <a:r>
               <a:rPr lang="en-US" dirty="0" smtClean="0"/>
-              <a:t>   Use </a:t>
-            </a:r>
-            <a:r>
-              <a:rPr lang="en-US" dirty="0"/>
-              <a:t>Intention – Revealing Name</a:t>
-            </a:r>
-          </a:p>
-        </p:txBody>
-      </p:sp>
-      <p:sp>
-        <p:nvSpPr>
-          <p:cNvPr id="3" name="Content Placeholder 2"/>
-          <p:cNvSpPr>
-            <a:spLocks noGrp="1"/>
-          </p:cNvSpPr>
-          <p:nvPr>
-            <p:ph idx="1"/>
-          </p:nvPr>
-        </p:nvSpPr>
-        <p:spPr/>
-        <p:txBody>
-          <a:bodyPr/>
-          <a:lstStyle/>
-          <a:p>
-            <a:pPr lvl="1"/>
-            <a:r>
-              <a:rPr lang="en-US" dirty="0" smtClean="0"/>
-              <a:t>Name should reveal the intent</a:t>
-            </a:r>
-          </a:p>
-          <a:p>
-            <a:pPr lvl="1"/>
-            <a:r>
-              <a:rPr lang="en-US" dirty="0" smtClean="0"/>
-              <a:t>Choosing a good name may take times but it saves more than it takes</a:t>
-            </a:r>
-          </a:p>
-          <a:p>
-            <a:pPr lvl="1"/>
-            <a:r>
-              <a:rPr lang="en-US" dirty="0" smtClean="0"/>
-              <a:t>Name of function, class, variable should answer questions: Why, What, How</a:t>
-            </a:r>
-          </a:p>
-          <a:p>
-            <a:pPr lvl="1"/>
-            <a:endParaRPr lang="en-US" dirty="0" smtClean="0"/>
-          </a:p>
-        </p:txBody>
-      </p:sp>
-      <p:sp>
-        <p:nvSpPr>
-          <p:cNvPr id="5" name="Slide Number Placeholder 4"/>
-          <p:cNvSpPr>
-            <a:spLocks noGrp="1"/>
-          </p:cNvSpPr>
-          <p:nvPr>
-            <p:ph type="sldNum" sz="quarter" idx="12"/>
-          </p:nvPr>
-        </p:nvSpPr>
-        <p:spPr/>
-        <p:txBody>
-          <a:bodyPr/>
-          <a:lstStyle/>
-          <a:p>
-            <a:fld id="{07167301-DA6A-464D-A35A-C5160C07AEDB}" type="slidenum">
-              <a:rPr lang="en-US" smtClean="0"/>
-              <a:t>4</a:t>
-            </a:fld>
-            <a:endParaRPr lang="en-US"/>
-          </a:p>
-        </p:txBody>
-      </p:sp>
-      <p:sp>
-        <p:nvSpPr>
-          <p:cNvPr id="4" name="Rectangle 3"/>
-          <p:cNvSpPr/>
-          <p:nvPr/>
-        </p:nvSpPr>
-        <p:spPr>
-          <a:xfrm>
-            <a:off x="457200" y="5029199"/>
-            <a:ext cx="8229600" cy="1279525"/>
-          </a:xfrm>
-          <a:prstGeom prst="rect">
-            <a:avLst/>
-          </a:prstGeom>
-        </p:spPr>
-        <p:style>
-          <a:lnRef idx="1">
-            <a:schemeClr val="accent6"/>
-          </a:lnRef>
-          <a:fillRef idx="2">
-            <a:schemeClr val="accent6"/>
-          </a:fillRef>
-          <a:effectRef idx="1">
-            <a:schemeClr val="accent6"/>
-          </a:effectRef>
-          <a:fontRef idx="minor">
-            <a:schemeClr val="dk1"/>
-          </a:fontRef>
-        </p:style>
-        <p:txBody>
-          <a:bodyPr rtlCol="0" anchor="ctr"/>
-          <a:lstStyle/>
-          <a:p>
-            <a:r>
-              <a:rPr lang="en-US" b="1" dirty="0" smtClean="0"/>
-              <a:t>Example:</a:t>
-            </a:r>
-          </a:p>
-          <a:p>
-            <a:r>
-              <a:rPr lang="en-US" dirty="0"/>
-              <a:t>	</a:t>
-            </a:r>
-            <a:r>
-              <a:rPr lang="en-US" dirty="0" err="1" smtClean="0"/>
-              <a:t>int</a:t>
-            </a:r>
-            <a:r>
-              <a:rPr lang="en-US" dirty="0" smtClean="0"/>
-              <a:t> d; 	// Current time in days</a:t>
-            </a:r>
-          </a:p>
-          <a:p>
-            <a:r>
-              <a:rPr lang="en-US" dirty="0"/>
-              <a:t>	</a:t>
-            </a:r>
-            <a:r>
-              <a:rPr lang="en-US" dirty="0" err="1" smtClean="0"/>
-              <a:t>int</a:t>
-            </a:r>
-            <a:r>
-              <a:rPr lang="en-US" dirty="0" smtClean="0"/>
-              <a:t> m; 	// Current time in months</a:t>
-            </a:r>
-          </a:p>
-          <a:p>
-            <a:r>
-              <a:rPr lang="en-US" dirty="0"/>
-              <a:t>	</a:t>
-            </a:r>
-            <a:r>
-              <a:rPr lang="en-US" dirty="0" err="1" smtClean="0"/>
-              <a:t>int</a:t>
-            </a:r>
-            <a:r>
-              <a:rPr lang="en-US" dirty="0" smtClean="0"/>
-              <a:t> y; 	// Current time in years</a:t>
-            </a:r>
-            <a:endParaRPr lang="en-US" dirty="0"/>
-          </a:p>
-        </p:txBody>
-      </p:sp>
-    </p:spTree>
-    <p:extLst>
-      <p:ext uri="{BB962C8B-B14F-4D97-AF65-F5344CB8AC3E}">
-        <p14:creationId xmlns:p14="http://schemas.microsoft.com/office/powerpoint/2010/main" val="1239419676"/>
-      </p:ext>
-    </p:extLst>
-  </p:cSld>
-  <p:clrMapOvr>
-    <a:masterClrMapping/>
-  </p:clrMapOvr>
-  <p:timing>
-    <p:tnLst>
-      <p:par>
-        <p:cTn id="1" dur="indefinite" restart="never" nodeType="tmRoot"/>
-      </p:par>
-    </p:tnLst>
-  </p:timing>
-</p:sld>
-</file>
-
-<file path=ppt/slides/slide5.xml><?xml version="1.0" encoding="utf-8"?>
-<p:sld xmlns:a="http://schemas.openxmlformats.org/drawingml/2006/main" xmlns:r="http://schemas.openxmlformats.org/officeDocument/2006/relationships" xmlns:p="http://schemas.openxmlformats.org/presentationml/2006/main">
-  <p:cSld>
-    <p:spTree>
-      <p:nvGrpSpPr>
-        <p:cNvPr id="1" name=""/>
-        <p:cNvGrpSpPr/>
-        <p:nvPr/>
-      </p:nvGrpSpPr>
-      <p:grpSpPr>
-        <a:xfrm>
-          <a:off x="0" y="0"/>
-          <a:ext cx="0" cy="0"/>
-          <a:chOff x="0" y="0"/>
-          <a:chExt cx="0" cy="0"/>
-        </a:xfrm>
-      </p:grpSpPr>
-      <p:sp>
-        <p:nvSpPr>
-          <p:cNvPr id="2" name="Title 1"/>
-          <p:cNvSpPr>
-            <a:spLocks noGrp="1"/>
-          </p:cNvSpPr>
-          <p:nvPr>
-            <p:ph type="title"/>
-          </p:nvPr>
-        </p:nvSpPr>
-        <p:spPr/>
-        <p:txBody>
-          <a:bodyPr/>
-          <a:lstStyle/>
-          <a:p>
-            <a:r>
-              <a:rPr lang="en-US" dirty="0" smtClean="0"/>
               <a:t>   Avoid Disinformation</a:t>
             </a:r>
             <a:endParaRPr lang="en-US" dirty="0"/>
@@ -4734,7 +5776,7 @@
           <a:p>
             <a:fld id="{07167301-DA6A-464D-A35A-C5160C07AEDB}" type="slidenum">
               <a:rPr lang="en-US" smtClean="0"/>
-              <a:t>5</a:t>
+              <a:t>4</a:t>
             </a:fld>
             <a:endParaRPr lang="en-US"/>
           </a:p>
@@ -4784,7 +5826,7 @@
 </p:sld>
 </file>
 
-<file path=ppt/slides/slide6.xml><?xml version="1.0" encoding="utf-8"?>
+<file path=ppt/slides/slide5.xml><?xml version="1.0" encoding="utf-8"?>
 <p:sld xmlns:a="http://schemas.openxmlformats.org/drawingml/2006/main" xmlns:r="http://schemas.openxmlformats.org/officeDocument/2006/relationships" xmlns:p="http://schemas.openxmlformats.org/presentationml/2006/main">
   <p:cSld>
     <p:spTree>
@@ -4916,7 +5958,7 @@
             <a:fld id="{07167301-DA6A-464D-A35A-C5160C07AEDB}" type="slidenum">
               <a:rPr lang="en-US" smtClean="0"/>
               <a:pPr/>
-              <a:t>6</a:t>
+              <a:t>5</a:t>
             </a:fld>
             <a:endParaRPr lang="en-US" dirty="0"/>
           </a:p>
@@ -4966,7 +6008,7 @@
 </p:sld>
 </file>
 
-<file path=ppt/slides/slide7.xml><?xml version="1.0" encoding="utf-8"?>
+<file path=ppt/slides/slide6.xml><?xml version="1.0" encoding="utf-8"?>
 <p:sld xmlns:a="http://schemas.openxmlformats.org/drawingml/2006/main" xmlns:r="http://schemas.openxmlformats.org/officeDocument/2006/relationships" xmlns:p="http://schemas.openxmlformats.org/presentationml/2006/main">
   <p:cSld>
     <p:spTree>
@@ -5024,7 +6066,7 @@
             <a:fld id="{07167301-DA6A-464D-A35A-C5160C07AEDB}" type="slidenum">
               <a:rPr lang="en-US" smtClean="0"/>
               <a:pPr/>
-              <a:t>7</a:t>
+              <a:t>6</a:t>
             </a:fld>
             <a:endParaRPr lang="en-US" dirty="0"/>
           </a:p>
@@ -5354,6 +6396,1312 @@
       </p:par>
     </p:tnLst>
   </p:timing>
+</p:sld>
+</file>
+
+<file path=ppt/slides/slide7.xml><?xml version="1.0" encoding="utf-8"?>
+<p:sld xmlns:a="http://schemas.openxmlformats.org/drawingml/2006/main" xmlns:r="http://schemas.openxmlformats.org/officeDocument/2006/relationships" xmlns:p="http://schemas.openxmlformats.org/presentationml/2006/main">
+  <p:cSld>
+    <p:spTree>
+      <p:nvGrpSpPr>
+        <p:cNvPr id="1" name=""/>
+        <p:cNvGrpSpPr/>
+        <p:nvPr/>
+      </p:nvGrpSpPr>
+      <p:grpSpPr>
+        <a:xfrm>
+          <a:off x="0" y="0"/>
+          <a:ext cx="0" cy="0"/>
+          <a:chOff x="0" y="0"/>
+          <a:chExt cx="0" cy="0"/>
+        </a:xfrm>
+      </p:grpSpPr>
+      <p:sp>
+        <p:nvSpPr>
+          <p:cNvPr id="2" name="Title 1"/>
+          <p:cNvSpPr>
+            <a:spLocks noGrp="1"/>
+          </p:cNvSpPr>
+          <p:nvPr>
+            <p:ph type="title"/>
+          </p:nvPr>
+        </p:nvSpPr>
+        <p:spPr/>
+        <p:txBody>
+          <a:bodyPr/>
+          <a:lstStyle/>
+          <a:p>
+            <a:r>
+              <a:rPr lang="en-US" dirty="0" smtClean="0"/>
+              <a:t>Avoid Encodings</a:t>
+            </a:r>
+            <a:endParaRPr lang="en-US" dirty="0"/>
+          </a:p>
+        </p:txBody>
+      </p:sp>
+      <p:sp>
+        <p:nvSpPr>
+          <p:cNvPr id="3" name="Content Placeholder 2"/>
+          <p:cNvSpPr>
+            <a:spLocks noGrp="1"/>
+          </p:cNvSpPr>
+          <p:nvPr>
+            <p:ph idx="1"/>
+          </p:nvPr>
+        </p:nvSpPr>
+        <p:spPr/>
+        <p:txBody>
+          <a:bodyPr>
+            <a:normAutofit/>
+          </a:bodyPr>
+          <a:lstStyle/>
+          <a:p>
+            <a:endParaRPr lang="en-US" dirty="0" smtClean="0"/>
+          </a:p>
+          <a:p>
+            <a:endParaRPr lang="en-US" dirty="0"/>
+          </a:p>
+          <a:p>
+            <a:endParaRPr lang="en-US" dirty="0" smtClean="0"/>
+          </a:p>
+          <a:p>
+            <a:r>
+              <a:rPr lang="en-US" b="1" dirty="0" smtClean="0"/>
+              <a:t>Avoid:</a:t>
+            </a:r>
+          </a:p>
+          <a:p>
+            <a:pPr lvl="1"/>
+            <a:r>
+              <a:rPr lang="en-US" dirty="0" smtClean="0"/>
+              <a:t>Mental mapping name</a:t>
+            </a:r>
+          </a:p>
+          <a:p>
+            <a:pPr lvl="2"/>
+            <a:r>
+              <a:rPr lang="en-US" dirty="0" smtClean="0"/>
+              <a:t>IE: </a:t>
+            </a:r>
+            <a:r>
+              <a:rPr lang="en-US" dirty="0" err="1" smtClean="0"/>
+              <a:t>x,y,z</a:t>
+            </a:r>
+            <a:r>
+              <a:rPr lang="en-US" dirty="0" smtClean="0"/>
+              <a:t> as an iterator</a:t>
+            </a:r>
+          </a:p>
+          <a:p>
+            <a:pPr lvl="1"/>
+            <a:endParaRPr lang="en-US" dirty="0" smtClean="0"/>
+          </a:p>
+          <a:p>
+            <a:pPr lvl="1"/>
+            <a:r>
+              <a:rPr lang="en-US" dirty="0" smtClean="0"/>
+              <a:t>Use slang words:</a:t>
+            </a:r>
+          </a:p>
+          <a:p>
+            <a:pPr lvl="2"/>
+            <a:r>
+              <a:rPr lang="en-US" dirty="0" err="1" smtClean="0"/>
+              <a:t>whackProcess</a:t>
+            </a:r>
+            <a:r>
+              <a:rPr lang="en-US" dirty="0" smtClean="0"/>
+              <a:t> = </a:t>
+            </a:r>
+            <a:r>
+              <a:rPr lang="en-US" dirty="0" err="1" smtClean="0"/>
+              <a:t>killProcess</a:t>
+            </a:r>
+            <a:endParaRPr lang="en-US" dirty="0" smtClean="0"/>
+          </a:p>
+          <a:p>
+            <a:pPr lvl="2"/>
+            <a:endParaRPr lang="en-US" dirty="0"/>
+          </a:p>
+        </p:txBody>
+      </p:sp>
+      <p:sp>
+        <p:nvSpPr>
+          <p:cNvPr id="4" name="Slide Number Placeholder 3"/>
+          <p:cNvSpPr>
+            <a:spLocks noGrp="1"/>
+          </p:cNvSpPr>
+          <p:nvPr>
+            <p:ph type="sldNum" sz="quarter" idx="12"/>
+          </p:nvPr>
+        </p:nvSpPr>
+        <p:spPr/>
+        <p:txBody>
+          <a:bodyPr/>
+          <a:lstStyle/>
+          <a:p>
+            <a:fld id="{07167301-DA6A-464D-A35A-C5160C07AEDB}" type="slidenum">
+              <a:rPr lang="en-US" smtClean="0"/>
+              <a:pPr/>
+              <a:t>7</a:t>
+            </a:fld>
+            <a:endParaRPr lang="en-US" dirty="0"/>
+          </a:p>
+        </p:txBody>
+      </p:sp>
+      <p:sp>
+        <p:nvSpPr>
+          <p:cNvPr id="6" name="Rounded Rectangle 5"/>
+          <p:cNvSpPr/>
+          <p:nvPr/>
+        </p:nvSpPr>
+        <p:spPr>
+          <a:xfrm>
+            <a:off x="304800" y="1828800"/>
+            <a:ext cx="8305800" cy="1371600"/>
+          </a:xfrm>
+          <a:prstGeom prst="roundRect">
+            <a:avLst/>
+          </a:prstGeom>
+        </p:spPr>
+        <p:style>
+          <a:lnRef idx="2">
+            <a:schemeClr val="accent1">
+              <a:shade val="50000"/>
+            </a:schemeClr>
+          </a:lnRef>
+          <a:fillRef idx="1">
+            <a:schemeClr val="accent1"/>
+          </a:fillRef>
+          <a:effectRef idx="0">
+            <a:schemeClr val="accent1"/>
+          </a:effectRef>
+          <a:fontRef idx="minor">
+            <a:schemeClr val="lt1"/>
+          </a:fontRef>
+        </p:style>
+        <p:txBody>
+          <a:bodyPr rtlCol="0" anchor="ctr"/>
+          <a:lstStyle/>
+          <a:p>
+            <a:pPr algn="ctr"/>
+            <a:r>
+              <a:rPr lang="en-US" sz="2000" i="1" dirty="0"/>
+              <a:t>“One difference between a smart programmer and a professional programmer is that the professional understands that clarity is king. Professionals use their powers for </a:t>
+            </a:r>
+            <a:r>
+              <a:rPr lang="en-US" sz="2000" i="1" dirty="0" smtClean="0"/>
+              <a:t>good and </a:t>
+            </a:r>
+            <a:r>
+              <a:rPr lang="en-US" sz="2000" i="1" dirty="0"/>
+              <a:t>write code that others can understand. </a:t>
+            </a:r>
+            <a:r>
+              <a:rPr lang="en-US" sz="2000" i="1" dirty="0" smtClean="0"/>
+              <a:t>“</a:t>
+            </a:r>
+            <a:endParaRPr lang="en-US" sz="2000" dirty="0"/>
+          </a:p>
+        </p:txBody>
+      </p:sp>
+    </p:spTree>
+    <p:extLst>
+      <p:ext uri="{BB962C8B-B14F-4D97-AF65-F5344CB8AC3E}">
+        <p14:creationId xmlns:p14="http://schemas.microsoft.com/office/powerpoint/2010/main" val="508500380"/>
+      </p:ext>
+    </p:extLst>
+  </p:cSld>
+  <p:clrMapOvr>
+    <a:masterClrMapping/>
+  </p:clrMapOvr>
+</p:sld>
+</file>
+
+<file path=ppt/slides/slide8.xml><?xml version="1.0" encoding="utf-8"?>
+<p:sld xmlns:a="http://schemas.openxmlformats.org/drawingml/2006/main" xmlns:r="http://schemas.openxmlformats.org/officeDocument/2006/relationships" xmlns:p="http://schemas.openxmlformats.org/presentationml/2006/main">
+  <p:cSld>
+    <p:spTree>
+      <p:nvGrpSpPr>
+        <p:cNvPr id="1" name=""/>
+        <p:cNvGrpSpPr/>
+        <p:nvPr/>
+      </p:nvGrpSpPr>
+      <p:grpSpPr>
+        <a:xfrm>
+          <a:off x="0" y="0"/>
+          <a:ext cx="0" cy="0"/>
+          <a:chOff x="0" y="0"/>
+          <a:chExt cx="0" cy="0"/>
+        </a:xfrm>
+      </p:grpSpPr>
+      <p:sp>
+        <p:nvSpPr>
+          <p:cNvPr id="2" name="Title 1"/>
+          <p:cNvSpPr>
+            <a:spLocks noGrp="1"/>
+          </p:cNvSpPr>
+          <p:nvPr>
+            <p:ph type="title"/>
+          </p:nvPr>
+        </p:nvSpPr>
+        <p:spPr/>
+        <p:txBody>
+          <a:bodyPr/>
+          <a:lstStyle/>
+          <a:p>
+            <a:r>
+              <a:rPr lang="en-US" dirty="0" smtClean="0"/>
+              <a:t>Pick one word per concept</a:t>
+            </a:r>
+            <a:endParaRPr lang="en-US" dirty="0"/>
+          </a:p>
+        </p:txBody>
+      </p:sp>
+      <p:sp>
+        <p:nvSpPr>
+          <p:cNvPr id="4" name="Slide Number Placeholder 3"/>
+          <p:cNvSpPr>
+            <a:spLocks noGrp="1"/>
+          </p:cNvSpPr>
+          <p:nvPr>
+            <p:ph type="sldNum" sz="quarter" idx="12"/>
+          </p:nvPr>
+        </p:nvSpPr>
+        <p:spPr/>
+        <p:txBody>
+          <a:bodyPr/>
+          <a:lstStyle/>
+          <a:p>
+            <a:fld id="{07167301-DA6A-464D-A35A-C5160C07AEDB}" type="slidenum">
+              <a:rPr lang="en-US" smtClean="0"/>
+              <a:pPr/>
+              <a:t>8</a:t>
+            </a:fld>
+            <a:endParaRPr lang="en-US" dirty="0"/>
+          </a:p>
+        </p:txBody>
+      </p:sp>
+      <p:sp>
+        <p:nvSpPr>
+          <p:cNvPr id="8" name="Title 1"/>
+          <p:cNvSpPr txBox="1">
+            <a:spLocks/>
+          </p:cNvSpPr>
+          <p:nvPr/>
+        </p:nvSpPr>
+        <p:spPr>
+          <a:xfrm>
+            <a:off x="0" y="3596826"/>
+            <a:ext cx="9143999" cy="1147579"/>
+          </a:xfrm>
+          <a:prstGeom prst="rect">
+            <a:avLst/>
+          </a:prstGeom>
+          <a:solidFill>
+            <a:schemeClr val="accent1">
+              <a:lumMod val="20000"/>
+              <a:lumOff val="80000"/>
+            </a:schemeClr>
+          </a:solidFill>
+        </p:spPr>
+        <p:txBody>
+          <a:bodyPr vert="horz" lIns="91440" tIns="45720" rIns="91440" bIns="45720" rtlCol="0" anchor="ctr">
+            <a:normAutofit/>
+          </a:bodyPr>
+          <a:lstStyle>
+            <a:lvl1pPr algn="l" defTabSz="914400" rtl="0" eaLnBrk="1" latinLnBrk="0" hangingPunct="1">
+              <a:lnSpc>
+                <a:spcPct val="90000"/>
+              </a:lnSpc>
+              <a:spcBef>
+                <a:spcPct val="0"/>
+              </a:spcBef>
+              <a:buNone/>
+              <a:defRPr sz="4800" kern="1200" spc="-120" baseline="0">
+                <a:solidFill>
+                  <a:schemeClr val="accent1"/>
+                </a:solidFill>
+                <a:latin typeface="+mj-lt"/>
+                <a:ea typeface="+mj-ea"/>
+                <a:cs typeface="+mj-cs"/>
+              </a:defRPr>
+            </a:lvl1pPr>
+          </a:lstStyle>
+          <a:p>
+            <a:r>
+              <a:rPr lang="en-US" dirty="0" smtClean="0"/>
+              <a:t>Don’t pun</a:t>
+            </a:r>
+            <a:endParaRPr lang="en-US" dirty="0"/>
+          </a:p>
+        </p:txBody>
+      </p:sp>
+      <p:sp>
+        <p:nvSpPr>
+          <p:cNvPr id="11" name="Content Placeholder 2"/>
+          <p:cNvSpPr txBox="1">
+            <a:spLocks/>
+          </p:cNvSpPr>
+          <p:nvPr/>
+        </p:nvSpPr>
+        <p:spPr>
+          <a:xfrm>
+            <a:off x="304800" y="4744405"/>
+            <a:ext cx="8065294" cy="1992047"/>
+          </a:xfrm>
+          <a:prstGeom prst="rect">
+            <a:avLst/>
+          </a:prstGeom>
+        </p:spPr>
+        <p:txBody>
+          <a:bodyPr vert="horz" lIns="91440" tIns="45720" rIns="91440" bIns="45720" rtlCol="0">
+            <a:normAutofit/>
+          </a:bodyPr>
+          <a:lstStyle>
+            <a:lvl1pPr marL="91440" indent="-91440" algn="l" defTabSz="914400" rtl="0" eaLnBrk="1" latinLnBrk="0" hangingPunct="1">
+              <a:lnSpc>
+                <a:spcPct val="85000"/>
+              </a:lnSpc>
+              <a:spcBef>
+                <a:spcPts val="1300"/>
+              </a:spcBef>
+              <a:buFont typeface="Arial" pitchFamily="34" charset="0"/>
+              <a:buChar char=" "/>
+              <a:defRPr sz="2400" kern="1200">
+                <a:solidFill>
+                  <a:schemeClr val="tx1">
+                    <a:lumMod val="85000"/>
+                    <a:lumOff val="15000"/>
+                  </a:schemeClr>
+                </a:solidFill>
+                <a:latin typeface="+mn-lt"/>
+                <a:ea typeface="+mn-ea"/>
+                <a:cs typeface="+mn-cs"/>
+              </a:defRPr>
+            </a:lvl1pPr>
+            <a:lvl2pPr marL="274320" indent="-342900" algn="l" defTabSz="914400" rtl="0" eaLnBrk="1" latinLnBrk="0" hangingPunct="1">
+              <a:lnSpc>
+                <a:spcPct val="85000"/>
+              </a:lnSpc>
+              <a:spcBef>
+                <a:spcPts val="600"/>
+              </a:spcBef>
+              <a:buFont typeface="Wingdings" panose="05000000000000000000" pitchFamily="2" charset="2"/>
+              <a:buChar char="Ø"/>
+              <a:defRPr sz="2400" kern="1200">
+                <a:solidFill>
+                  <a:schemeClr val="tx1">
+                    <a:lumMod val="85000"/>
+                    <a:lumOff val="15000"/>
+                  </a:schemeClr>
+                </a:solidFill>
+                <a:latin typeface="+mn-lt"/>
+                <a:ea typeface="+mn-ea"/>
+                <a:cs typeface="+mn-cs"/>
+              </a:defRPr>
+            </a:lvl2pPr>
+            <a:lvl3pPr marL="548640" indent="-548640" algn="l" defTabSz="914400" rtl="0" eaLnBrk="1" latinLnBrk="0" hangingPunct="1">
+              <a:lnSpc>
+                <a:spcPct val="85000"/>
+              </a:lnSpc>
+              <a:spcBef>
+                <a:spcPts val="600"/>
+              </a:spcBef>
+              <a:buFont typeface="Arial" pitchFamily="34" charset="0"/>
+              <a:buChar char="•"/>
+              <a:defRPr sz="2000" i="1" kern="1200">
+                <a:solidFill>
+                  <a:schemeClr val="tx1">
+                    <a:lumMod val="85000"/>
+                    <a:lumOff val="15000"/>
+                  </a:schemeClr>
+                </a:solidFill>
+                <a:latin typeface="+mn-lt"/>
+                <a:ea typeface="+mn-ea"/>
+                <a:cs typeface="+mn-cs"/>
+              </a:defRPr>
+            </a:lvl3pPr>
+            <a:lvl4pPr marL="822960" indent="-822960" algn="l" defTabSz="914400" rtl="0" eaLnBrk="1" latinLnBrk="0" hangingPunct="1">
+              <a:lnSpc>
+                <a:spcPct val="85000"/>
+              </a:lnSpc>
+              <a:spcBef>
+                <a:spcPts val="600"/>
+              </a:spcBef>
+              <a:buFont typeface="Arial" pitchFamily="34" charset="0"/>
+              <a:buChar char=" "/>
+              <a:defRPr sz="1800" kern="1200">
+                <a:solidFill>
+                  <a:schemeClr val="tx1">
+                    <a:lumMod val="85000"/>
+                    <a:lumOff val="15000"/>
+                  </a:schemeClr>
+                </a:solidFill>
+                <a:latin typeface="+mn-lt"/>
+                <a:ea typeface="+mn-ea"/>
+                <a:cs typeface="+mn-cs"/>
+              </a:defRPr>
+            </a:lvl4pPr>
+            <a:lvl5pPr marL="1097280" indent="-1097280" algn="l" defTabSz="914400" rtl="0" eaLnBrk="1" latinLnBrk="0" hangingPunct="1">
+              <a:lnSpc>
+                <a:spcPct val="85000"/>
+              </a:lnSpc>
+              <a:spcBef>
+                <a:spcPts val="600"/>
+              </a:spcBef>
+              <a:buFont typeface="Arial" pitchFamily="34" charset="0"/>
+              <a:buChar char=" "/>
+              <a:defRPr sz="1800" kern="1200">
+                <a:solidFill>
+                  <a:schemeClr val="tx1">
+                    <a:lumMod val="85000"/>
+                    <a:lumOff val="15000"/>
+                  </a:schemeClr>
+                </a:solidFill>
+                <a:latin typeface="+mn-lt"/>
+                <a:ea typeface="+mn-ea"/>
+                <a:cs typeface="+mn-cs"/>
+              </a:defRPr>
+            </a:lvl5pPr>
+            <a:lvl6pPr marL="1200000" indent="-228600" algn="l" defTabSz="914400" rtl="0" eaLnBrk="1" latinLnBrk="0" hangingPunct="1">
+              <a:lnSpc>
+                <a:spcPct val="85000"/>
+              </a:lnSpc>
+              <a:spcBef>
+                <a:spcPts val="600"/>
+              </a:spcBef>
+              <a:buFont typeface="Arial" pitchFamily="34" charset="0"/>
+              <a:buChar char=" "/>
+              <a:defRPr sz="1800" kern="1200">
+                <a:solidFill>
+                  <a:schemeClr val="tx1">
+                    <a:lumMod val="85000"/>
+                    <a:lumOff val="15000"/>
+                  </a:schemeClr>
+                </a:solidFill>
+                <a:latin typeface="+mn-lt"/>
+                <a:ea typeface="+mn-ea"/>
+                <a:cs typeface="+mn-cs"/>
+              </a:defRPr>
+            </a:lvl6pPr>
+            <a:lvl7pPr marL="1400000" indent="-228600" algn="l" defTabSz="914400" rtl="0" eaLnBrk="1" latinLnBrk="0" hangingPunct="1">
+              <a:lnSpc>
+                <a:spcPct val="85000"/>
+              </a:lnSpc>
+              <a:spcBef>
+                <a:spcPts val="600"/>
+              </a:spcBef>
+              <a:buFont typeface="Arial" pitchFamily="34" charset="0"/>
+              <a:buChar char=" "/>
+              <a:defRPr sz="1800" kern="1200">
+                <a:solidFill>
+                  <a:schemeClr val="tx1">
+                    <a:lumMod val="85000"/>
+                    <a:lumOff val="15000"/>
+                  </a:schemeClr>
+                </a:solidFill>
+                <a:latin typeface="+mn-lt"/>
+                <a:ea typeface="+mn-ea"/>
+                <a:cs typeface="+mn-cs"/>
+              </a:defRPr>
+            </a:lvl7pPr>
+            <a:lvl8pPr marL="1600000" indent="-228600" algn="l" defTabSz="914400" rtl="0" eaLnBrk="1" latinLnBrk="0" hangingPunct="1">
+              <a:lnSpc>
+                <a:spcPct val="85000"/>
+              </a:lnSpc>
+              <a:spcBef>
+                <a:spcPts val="600"/>
+              </a:spcBef>
+              <a:buFont typeface="Arial" pitchFamily="34" charset="0"/>
+              <a:buChar char=" "/>
+              <a:defRPr sz="1800" kern="1200">
+                <a:solidFill>
+                  <a:schemeClr val="tx1">
+                    <a:lumMod val="85000"/>
+                    <a:lumOff val="15000"/>
+                  </a:schemeClr>
+                </a:solidFill>
+                <a:latin typeface="+mn-lt"/>
+                <a:ea typeface="+mn-ea"/>
+                <a:cs typeface="+mn-cs"/>
+              </a:defRPr>
+            </a:lvl8pPr>
+            <a:lvl9pPr marL="1800000" indent="-228600" algn="l" defTabSz="914400" rtl="0" eaLnBrk="1" latinLnBrk="0" hangingPunct="1">
+              <a:lnSpc>
+                <a:spcPct val="85000"/>
+              </a:lnSpc>
+              <a:spcBef>
+                <a:spcPts val="600"/>
+              </a:spcBef>
+              <a:buFont typeface="Arial" pitchFamily="34" charset="0"/>
+              <a:buChar char=" "/>
+              <a:defRPr sz="1800" kern="1200">
+                <a:solidFill>
+                  <a:schemeClr val="tx1">
+                    <a:lumMod val="85000"/>
+                    <a:lumOff val="15000"/>
+                  </a:schemeClr>
+                </a:solidFill>
+                <a:latin typeface="+mn-lt"/>
+                <a:ea typeface="+mn-ea"/>
+                <a:cs typeface="+mn-cs"/>
+              </a:defRPr>
+            </a:lvl9pPr>
+          </a:lstStyle>
+          <a:p>
+            <a:pPr lvl="1"/>
+            <a:endParaRPr lang="en-US" dirty="0" smtClean="0"/>
+          </a:p>
+        </p:txBody>
+      </p:sp>
+      <p:sp>
+        <p:nvSpPr>
+          <p:cNvPr id="9" name="Content Placeholder 2"/>
+          <p:cNvSpPr txBox="1">
+            <a:spLocks/>
+          </p:cNvSpPr>
+          <p:nvPr/>
+        </p:nvSpPr>
+        <p:spPr>
+          <a:xfrm>
+            <a:off x="381000" y="1598472"/>
+            <a:ext cx="8382000" cy="1992047"/>
+          </a:xfrm>
+          <a:prstGeom prst="rect">
+            <a:avLst/>
+          </a:prstGeom>
+        </p:spPr>
+        <p:txBody>
+          <a:bodyPr vert="horz" lIns="91440" tIns="45720" rIns="91440" bIns="45720" rtlCol="0">
+            <a:normAutofit/>
+          </a:bodyPr>
+          <a:lstStyle>
+            <a:lvl1pPr marL="91440" indent="-91440" algn="l" defTabSz="914400" rtl="0" eaLnBrk="1" latinLnBrk="0" hangingPunct="1">
+              <a:lnSpc>
+                <a:spcPct val="85000"/>
+              </a:lnSpc>
+              <a:spcBef>
+                <a:spcPts val="1300"/>
+              </a:spcBef>
+              <a:buFont typeface="Arial" pitchFamily="34" charset="0"/>
+              <a:buChar char=" "/>
+              <a:defRPr sz="2400" kern="1200">
+                <a:solidFill>
+                  <a:schemeClr val="tx1">
+                    <a:lumMod val="85000"/>
+                    <a:lumOff val="15000"/>
+                  </a:schemeClr>
+                </a:solidFill>
+                <a:latin typeface="+mn-lt"/>
+                <a:ea typeface="+mn-ea"/>
+                <a:cs typeface="+mn-cs"/>
+              </a:defRPr>
+            </a:lvl1pPr>
+            <a:lvl2pPr marL="274320" indent="-342900" algn="l" defTabSz="914400" rtl="0" eaLnBrk="1" latinLnBrk="0" hangingPunct="1">
+              <a:lnSpc>
+                <a:spcPct val="85000"/>
+              </a:lnSpc>
+              <a:spcBef>
+                <a:spcPts val="600"/>
+              </a:spcBef>
+              <a:buFont typeface="Wingdings" panose="05000000000000000000" pitchFamily="2" charset="2"/>
+              <a:buChar char="Ø"/>
+              <a:defRPr sz="2400" kern="1200">
+                <a:solidFill>
+                  <a:schemeClr val="tx1">
+                    <a:lumMod val="85000"/>
+                    <a:lumOff val="15000"/>
+                  </a:schemeClr>
+                </a:solidFill>
+                <a:latin typeface="+mn-lt"/>
+                <a:ea typeface="+mn-ea"/>
+                <a:cs typeface="+mn-cs"/>
+              </a:defRPr>
+            </a:lvl2pPr>
+            <a:lvl3pPr marL="548640" indent="-548640" algn="l" defTabSz="914400" rtl="0" eaLnBrk="1" latinLnBrk="0" hangingPunct="1">
+              <a:lnSpc>
+                <a:spcPct val="85000"/>
+              </a:lnSpc>
+              <a:spcBef>
+                <a:spcPts val="600"/>
+              </a:spcBef>
+              <a:buFont typeface="Arial" pitchFamily="34" charset="0"/>
+              <a:buChar char="•"/>
+              <a:defRPr sz="2000" i="1" kern="1200">
+                <a:solidFill>
+                  <a:schemeClr val="tx1">
+                    <a:lumMod val="85000"/>
+                    <a:lumOff val="15000"/>
+                  </a:schemeClr>
+                </a:solidFill>
+                <a:latin typeface="+mn-lt"/>
+                <a:ea typeface="+mn-ea"/>
+                <a:cs typeface="+mn-cs"/>
+              </a:defRPr>
+            </a:lvl3pPr>
+            <a:lvl4pPr marL="822960" indent="-822960" algn="l" defTabSz="914400" rtl="0" eaLnBrk="1" latinLnBrk="0" hangingPunct="1">
+              <a:lnSpc>
+                <a:spcPct val="85000"/>
+              </a:lnSpc>
+              <a:spcBef>
+                <a:spcPts val="600"/>
+              </a:spcBef>
+              <a:buFont typeface="Arial" pitchFamily="34" charset="0"/>
+              <a:buChar char=" "/>
+              <a:defRPr sz="1800" kern="1200">
+                <a:solidFill>
+                  <a:schemeClr val="tx1">
+                    <a:lumMod val="85000"/>
+                    <a:lumOff val="15000"/>
+                  </a:schemeClr>
+                </a:solidFill>
+                <a:latin typeface="+mn-lt"/>
+                <a:ea typeface="+mn-ea"/>
+                <a:cs typeface="+mn-cs"/>
+              </a:defRPr>
+            </a:lvl4pPr>
+            <a:lvl5pPr marL="1097280" indent="-1097280" algn="l" defTabSz="914400" rtl="0" eaLnBrk="1" latinLnBrk="0" hangingPunct="1">
+              <a:lnSpc>
+                <a:spcPct val="85000"/>
+              </a:lnSpc>
+              <a:spcBef>
+                <a:spcPts val="600"/>
+              </a:spcBef>
+              <a:buFont typeface="Arial" pitchFamily="34" charset="0"/>
+              <a:buChar char=" "/>
+              <a:defRPr sz="1800" kern="1200">
+                <a:solidFill>
+                  <a:schemeClr val="tx1">
+                    <a:lumMod val="85000"/>
+                    <a:lumOff val="15000"/>
+                  </a:schemeClr>
+                </a:solidFill>
+                <a:latin typeface="+mn-lt"/>
+                <a:ea typeface="+mn-ea"/>
+                <a:cs typeface="+mn-cs"/>
+              </a:defRPr>
+            </a:lvl5pPr>
+            <a:lvl6pPr marL="1200000" indent="-228600" algn="l" defTabSz="914400" rtl="0" eaLnBrk="1" latinLnBrk="0" hangingPunct="1">
+              <a:lnSpc>
+                <a:spcPct val="85000"/>
+              </a:lnSpc>
+              <a:spcBef>
+                <a:spcPts val="600"/>
+              </a:spcBef>
+              <a:buFont typeface="Arial" pitchFamily="34" charset="0"/>
+              <a:buChar char=" "/>
+              <a:defRPr sz="1800" kern="1200">
+                <a:solidFill>
+                  <a:schemeClr val="tx1">
+                    <a:lumMod val="85000"/>
+                    <a:lumOff val="15000"/>
+                  </a:schemeClr>
+                </a:solidFill>
+                <a:latin typeface="+mn-lt"/>
+                <a:ea typeface="+mn-ea"/>
+                <a:cs typeface="+mn-cs"/>
+              </a:defRPr>
+            </a:lvl6pPr>
+            <a:lvl7pPr marL="1400000" indent="-228600" algn="l" defTabSz="914400" rtl="0" eaLnBrk="1" latinLnBrk="0" hangingPunct="1">
+              <a:lnSpc>
+                <a:spcPct val="85000"/>
+              </a:lnSpc>
+              <a:spcBef>
+                <a:spcPts val="600"/>
+              </a:spcBef>
+              <a:buFont typeface="Arial" pitchFamily="34" charset="0"/>
+              <a:buChar char=" "/>
+              <a:defRPr sz="1800" kern="1200">
+                <a:solidFill>
+                  <a:schemeClr val="tx1">
+                    <a:lumMod val="85000"/>
+                    <a:lumOff val="15000"/>
+                  </a:schemeClr>
+                </a:solidFill>
+                <a:latin typeface="+mn-lt"/>
+                <a:ea typeface="+mn-ea"/>
+                <a:cs typeface="+mn-cs"/>
+              </a:defRPr>
+            </a:lvl7pPr>
+            <a:lvl8pPr marL="1600000" indent="-228600" algn="l" defTabSz="914400" rtl="0" eaLnBrk="1" latinLnBrk="0" hangingPunct="1">
+              <a:lnSpc>
+                <a:spcPct val="85000"/>
+              </a:lnSpc>
+              <a:spcBef>
+                <a:spcPts val="600"/>
+              </a:spcBef>
+              <a:buFont typeface="Arial" pitchFamily="34" charset="0"/>
+              <a:buChar char=" "/>
+              <a:defRPr sz="1800" kern="1200">
+                <a:solidFill>
+                  <a:schemeClr val="tx1">
+                    <a:lumMod val="85000"/>
+                    <a:lumOff val="15000"/>
+                  </a:schemeClr>
+                </a:solidFill>
+                <a:latin typeface="+mn-lt"/>
+                <a:ea typeface="+mn-ea"/>
+                <a:cs typeface="+mn-cs"/>
+              </a:defRPr>
+            </a:lvl8pPr>
+            <a:lvl9pPr marL="1800000" indent="-228600" algn="l" defTabSz="914400" rtl="0" eaLnBrk="1" latinLnBrk="0" hangingPunct="1">
+              <a:lnSpc>
+                <a:spcPct val="85000"/>
+              </a:lnSpc>
+              <a:spcBef>
+                <a:spcPts val="600"/>
+              </a:spcBef>
+              <a:buFont typeface="Arial" pitchFamily="34" charset="0"/>
+              <a:buChar char=" "/>
+              <a:defRPr sz="1800" kern="1200">
+                <a:solidFill>
+                  <a:schemeClr val="tx1">
+                    <a:lumMod val="85000"/>
+                    <a:lumOff val="15000"/>
+                  </a:schemeClr>
+                </a:solidFill>
+                <a:latin typeface="+mn-lt"/>
+                <a:ea typeface="+mn-ea"/>
+                <a:cs typeface="+mn-cs"/>
+              </a:defRPr>
+            </a:lvl9pPr>
+          </a:lstStyle>
+          <a:p>
+            <a:pPr lvl="1"/>
+            <a:r>
+              <a:rPr lang="en-US" dirty="0" smtClean="0"/>
+              <a:t>Pick </a:t>
+            </a:r>
+            <a:r>
+              <a:rPr lang="en-US" dirty="0"/>
+              <a:t>one word for one abstract concept and stick with </a:t>
+            </a:r>
+            <a:r>
+              <a:rPr lang="en-US" dirty="0" smtClean="0"/>
+              <a:t>it</a:t>
+            </a:r>
+          </a:p>
+          <a:p>
+            <a:pPr lvl="2"/>
+            <a:r>
+              <a:rPr lang="en-US" dirty="0" err="1" smtClean="0"/>
+              <a:t>fetchData</a:t>
+            </a:r>
+            <a:endParaRPr lang="en-US" dirty="0" smtClean="0"/>
+          </a:p>
+          <a:p>
+            <a:pPr lvl="2"/>
+            <a:r>
+              <a:rPr lang="en-US" dirty="0" err="1" smtClean="0"/>
+              <a:t>retrivePackages</a:t>
+            </a:r>
+            <a:endParaRPr lang="en-US" dirty="0" smtClean="0"/>
+          </a:p>
+          <a:p>
+            <a:pPr lvl="2"/>
+            <a:r>
+              <a:rPr lang="en-US" dirty="0" err="1" smtClean="0"/>
+              <a:t>getItems</a:t>
+            </a:r>
+            <a:endParaRPr lang="en-US" dirty="0" smtClean="0"/>
+          </a:p>
+        </p:txBody>
+      </p:sp>
+      <p:sp>
+        <p:nvSpPr>
+          <p:cNvPr id="7" name="Content Placeholder 2"/>
+          <p:cNvSpPr txBox="1">
+            <a:spLocks/>
+          </p:cNvSpPr>
+          <p:nvPr/>
+        </p:nvSpPr>
+        <p:spPr>
+          <a:xfrm>
+            <a:off x="381000" y="4746582"/>
+            <a:ext cx="8382000" cy="1992047"/>
+          </a:xfrm>
+          <a:prstGeom prst="rect">
+            <a:avLst/>
+          </a:prstGeom>
+        </p:spPr>
+        <p:txBody>
+          <a:bodyPr vert="horz" lIns="91440" tIns="45720" rIns="91440" bIns="45720" rtlCol="0">
+            <a:normAutofit/>
+          </a:bodyPr>
+          <a:lstStyle>
+            <a:lvl1pPr marL="91440" indent="-91440" algn="l" defTabSz="914400" rtl="0" eaLnBrk="1" latinLnBrk="0" hangingPunct="1">
+              <a:lnSpc>
+                <a:spcPct val="85000"/>
+              </a:lnSpc>
+              <a:spcBef>
+                <a:spcPts val="1300"/>
+              </a:spcBef>
+              <a:buFont typeface="Arial" pitchFamily="34" charset="0"/>
+              <a:buChar char=" "/>
+              <a:defRPr sz="2400" kern="1200">
+                <a:solidFill>
+                  <a:schemeClr val="tx1">
+                    <a:lumMod val="85000"/>
+                    <a:lumOff val="15000"/>
+                  </a:schemeClr>
+                </a:solidFill>
+                <a:latin typeface="+mn-lt"/>
+                <a:ea typeface="+mn-ea"/>
+                <a:cs typeface="+mn-cs"/>
+              </a:defRPr>
+            </a:lvl1pPr>
+            <a:lvl2pPr marL="274320" indent="-342900" algn="l" defTabSz="914400" rtl="0" eaLnBrk="1" latinLnBrk="0" hangingPunct="1">
+              <a:lnSpc>
+                <a:spcPct val="85000"/>
+              </a:lnSpc>
+              <a:spcBef>
+                <a:spcPts val="600"/>
+              </a:spcBef>
+              <a:buFont typeface="Wingdings" panose="05000000000000000000" pitchFamily="2" charset="2"/>
+              <a:buChar char="Ø"/>
+              <a:defRPr sz="2400" kern="1200">
+                <a:solidFill>
+                  <a:schemeClr val="tx1">
+                    <a:lumMod val="85000"/>
+                    <a:lumOff val="15000"/>
+                  </a:schemeClr>
+                </a:solidFill>
+                <a:latin typeface="+mn-lt"/>
+                <a:ea typeface="+mn-ea"/>
+                <a:cs typeface="+mn-cs"/>
+              </a:defRPr>
+            </a:lvl2pPr>
+            <a:lvl3pPr marL="548640" indent="-548640" algn="l" defTabSz="914400" rtl="0" eaLnBrk="1" latinLnBrk="0" hangingPunct="1">
+              <a:lnSpc>
+                <a:spcPct val="85000"/>
+              </a:lnSpc>
+              <a:spcBef>
+                <a:spcPts val="600"/>
+              </a:spcBef>
+              <a:buFont typeface="Arial" pitchFamily="34" charset="0"/>
+              <a:buChar char="•"/>
+              <a:defRPr sz="2000" i="1" kern="1200">
+                <a:solidFill>
+                  <a:schemeClr val="tx1">
+                    <a:lumMod val="85000"/>
+                    <a:lumOff val="15000"/>
+                  </a:schemeClr>
+                </a:solidFill>
+                <a:latin typeface="+mn-lt"/>
+                <a:ea typeface="+mn-ea"/>
+                <a:cs typeface="+mn-cs"/>
+              </a:defRPr>
+            </a:lvl3pPr>
+            <a:lvl4pPr marL="822960" indent="-822960" algn="l" defTabSz="914400" rtl="0" eaLnBrk="1" latinLnBrk="0" hangingPunct="1">
+              <a:lnSpc>
+                <a:spcPct val="85000"/>
+              </a:lnSpc>
+              <a:spcBef>
+                <a:spcPts val="600"/>
+              </a:spcBef>
+              <a:buFont typeface="Arial" pitchFamily="34" charset="0"/>
+              <a:buChar char=" "/>
+              <a:defRPr sz="1800" kern="1200">
+                <a:solidFill>
+                  <a:schemeClr val="tx1">
+                    <a:lumMod val="85000"/>
+                    <a:lumOff val="15000"/>
+                  </a:schemeClr>
+                </a:solidFill>
+                <a:latin typeface="+mn-lt"/>
+                <a:ea typeface="+mn-ea"/>
+                <a:cs typeface="+mn-cs"/>
+              </a:defRPr>
+            </a:lvl4pPr>
+            <a:lvl5pPr marL="1097280" indent="-1097280" algn="l" defTabSz="914400" rtl="0" eaLnBrk="1" latinLnBrk="0" hangingPunct="1">
+              <a:lnSpc>
+                <a:spcPct val="85000"/>
+              </a:lnSpc>
+              <a:spcBef>
+                <a:spcPts val="600"/>
+              </a:spcBef>
+              <a:buFont typeface="Arial" pitchFamily="34" charset="0"/>
+              <a:buChar char=" "/>
+              <a:defRPr sz="1800" kern="1200">
+                <a:solidFill>
+                  <a:schemeClr val="tx1">
+                    <a:lumMod val="85000"/>
+                    <a:lumOff val="15000"/>
+                  </a:schemeClr>
+                </a:solidFill>
+                <a:latin typeface="+mn-lt"/>
+                <a:ea typeface="+mn-ea"/>
+                <a:cs typeface="+mn-cs"/>
+              </a:defRPr>
+            </a:lvl5pPr>
+            <a:lvl6pPr marL="1200000" indent="-228600" algn="l" defTabSz="914400" rtl="0" eaLnBrk="1" latinLnBrk="0" hangingPunct="1">
+              <a:lnSpc>
+                <a:spcPct val="85000"/>
+              </a:lnSpc>
+              <a:spcBef>
+                <a:spcPts val="600"/>
+              </a:spcBef>
+              <a:buFont typeface="Arial" pitchFamily="34" charset="0"/>
+              <a:buChar char=" "/>
+              <a:defRPr sz="1800" kern="1200">
+                <a:solidFill>
+                  <a:schemeClr val="tx1">
+                    <a:lumMod val="85000"/>
+                    <a:lumOff val="15000"/>
+                  </a:schemeClr>
+                </a:solidFill>
+                <a:latin typeface="+mn-lt"/>
+                <a:ea typeface="+mn-ea"/>
+                <a:cs typeface="+mn-cs"/>
+              </a:defRPr>
+            </a:lvl6pPr>
+            <a:lvl7pPr marL="1400000" indent="-228600" algn="l" defTabSz="914400" rtl="0" eaLnBrk="1" latinLnBrk="0" hangingPunct="1">
+              <a:lnSpc>
+                <a:spcPct val="85000"/>
+              </a:lnSpc>
+              <a:spcBef>
+                <a:spcPts val="600"/>
+              </a:spcBef>
+              <a:buFont typeface="Arial" pitchFamily="34" charset="0"/>
+              <a:buChar char=" "/>
+              <a:defRPr sz="1800" kern="1200">
+                <a:solidFill>
+                  <a:schemeClr val="tx1">
+                    <a:lumMod val="85000"/>
+                    <a:lumOff val="15000"/>
+                  </a:schemeClr>
+                </a:solidFill>
+                <a:latin typeface="+mn-lt"/>
+                <a:ea typeface="+mn-ea"/>
+                <a:cs typeface="+mn-cs"/>
+              </a:defRPr>
+            </a:lvl7pPr>
+            <a:lvl8pPr marL="1600000" indent="-228600" algn="l" defTabSz="914400" rtl="0" eaLnBrk="1" latinLnBrk="0" hangingPunct="1">
+              <a:lnSpc>
+                <a:spcPct val="85000"/>
+              </a:lnSpc>
+              <a:spcBef>
+                <a:spcPts val="600"/>
+              </a:spcBef>
+              <a:buFont typeface="Arial" pitchFamily="34" charset="0"/>
+              <a:buChar char=" "/>
+              <a:defRPr sz="1800" kern="1200">
+                <a:solidFill>
+                  <a:schemeClr val="tx1">
+                    <a:lumMod val="85000"/>
+                    <a:lumOff val="15000"/>
+                  </a:schemeClr>
+                </a:solidFill>
+                <a:latin typeface="+mn-lt"/>
+                <a:ea typeface="+mn-ea"/>
+                <a:cs typeface="+mn-cs"/>
+              </a:defRPr>
+            </a:lvl8pPr>
+            <a:lvl9pPr marL="1800000" indent="-228600" algn="l" defTabSz="914400" rtl="0" eaLnBrk="1" latinLnBrk="0" hangingPunct="1">
+              <a:lnSpc>
+                <a:spcPct val="85000"/>
+              </a:lnSpc>
+              <a:spcBef>
+                <a:spcPts val="600"/>
+              </a:spcBef>
+              <a:buFont typeface="Arial" pitchFamily="34" charset="0"/>
+              <a:buChar char=" "/>
+              <a:defRPr sz="1800" kern="1200">
+                <a:solidFill>
+                  <a:schemeClr val="tx1">
+                    <a:lumMod val="85000"/>
+                    <a:lumOff val="15000"/>
+                  </a:schemeClr>
+                </a:solidFill>
+                <a:latin typeface="+mn-lt"/>
+                <a:ea typeface="+mn-ea"/>
+                <a:cs typeface="+mn-cs"/>
+              </a:defRPr>
+            </a:lvl9pPr>
+          </a:lstStyle>
+          <a:p>
+            <a:pPr lvl="1"/>
+            <a:r>
+              <a:rPr lang="en-US" dirty="0" smtClean="0"/>
+              <a:t>Avoid using the same word for two purposes. Using the same term for two different ideas is especially a pun.</a:t>
+            </a:r>
+          </a:p>
+          <a:p>
+            <a:pPr lvl="2"/>
+            <a:r>
+              <a:rPr lang="en-US" dirty="0" err="1" smtClean="0"/>
+              <a:t>AddElem</a:t>
+            </a:r>
+            <a:endParaRPr lang="en-US" dirty="0" smtClean="0"/>
+          </a:p>
+          <a:p>
+            <a:pPr lvl="2"/>
+            <a:r>
+              <a:rPr lang="en-US" dirty="0"/>
+              <a:t>v</a:t>
+            </a:r>
+            <a:r>
+              <a:rPr lang="en-US" dirty="0" smtClean="0"/>
+              <a:t>s </a:t>
+            </a:r>
+            <a:r>
+              <a:rPr lang="en-US" dirty="0" err="1" smtClean="0"/>
+              <a:t>InsertElem</a:t>
+            </a:r>
+            <a:endParaRPr lang="en-US" dirty="0" smtClean="0"/>
+          </a:p>
+          <a:p>
+            <a:pPr lvl="2"/>
+            <a:r>
+              <a:rPr lang="en-US" dirty="0"/>
+              <a:t>v</a:t>
+            </a:r>
+            <a:r>
+              <a:rPr lang="en-US" dirty="0" smtClean="0"/>
+              <a:t>s </a:t>
+            </a:r>
+            <a:r>
+              <a:rPr lang="en-US" dirty="0" err="1" smtClean="0"/>
+              <a:t>AppendElem</a:t>
+            </a:r>
+            <a:endParaRPr lang="en-US" dirty="0" smtClean="0"/>
+          </a:p>
+        </p:txBody>
+      </p:sp>
+    </p:spTree>
+    <p:extLst>
+      <p:ext uri="{BB962C8B-B14F-4D97-AF65-F5344CB8AC3E}">
+        <p14:creationId xmlns:p14="http://schemas.microsoft.com/office/powerpoint/2010/main" val="1037846639"/>
+      </p:ext>
+    </p:extLst>
+  </p:cSld>
+  <p:clrMapOvr>
+    <a:masterClrMapping/>
+  </p:clrMapOvr>
+  <p:timing>
+    <p:tnLst>
+      <p:par>
+        <p:cTn id="1" dur="indefinite" restart="never" nodeType="tmRoot"/>
+      </p:par>
+    </p:tnLst>
+  </p:timing>
+</p:sld>
+</file>
+
+<file path=ppt/slides/slide9.xml><?xml version="1.0" encoding="utf-8"?>
+<p:sld xmlns:a="http://schemas.openxmlformats.org/drawingml/2006/main" xmlns:r="http://schemas.openxmlformats.org/officeDocument/2006/relationships" xmlns:p="http://schemas.openxmlformats.org/presentationml/2006/main">
+  <p:cSld>
+    <p:spTree>
+      <p:nvGrpSpPr>
+        <p:cNvPr id="1" name=""/>
+        <p:cNvGrpSpPr/>
+        <p:nvPr/>
+      </p:nvGrpSpPr>
+      <p:grpSpPr>
+        <a:xfrm>
+          <a:off x="0" y="0"/>
+          <a:ext cx="0" cy="0"/>
+          <a:chOff x="0" y="0"/>
+          <a:chExt cx="0" cy="0"/>
+        </a:xfrm>
+      </p:grpSpPr>
+      <p:sp>
+        <p:nvSpPr>
+          <p:cNvPr id="2" name="Title 1"/>
+          <p:cNvSpPr>
+            <a:spLocks noGrp="1"/>
+          </p:cNvSpPr>
+          <p:nvPr>
+            <p:ph type="title"/>
+          </p:nvPr>
+        </p:nvSpPr>
+        <p:spPr/>
+        <p:txBody>
+          <a:bodyPr/>
+          <a:lstStyle/>
+          <a:p>
+            <a:r>
+              <a:rPr lang="en-US" dirty="0" smtClean="0"/>
+              <a:t>Add meaningful context</a:t>
+            </a:r>
+            <a:endParaRPr lang="en-US" dirty="0"/>
+          </a:p>
+        </p:txBody>
+      </p:sp>
+      <p:sp>
+        <p:nvSpPr>
+          <p:cNvPr id="3" name="Content Placeholder 2"/>
+          <p:cNvSpPr>
+            <a:spLocks noGrp="1"/>
+          </p:cNvSpPr>
+          <p:nvPr>
+            <p:ph idx="1"/>
+          </p:nvPr>
+        </p:nvSpPr>
+        <p:spPr>
+          <a:xfrm>
+            <a:off x="486013" y="1905000"/>
+            <a:ext cx="8065294" cy="3766185"/>
+          </a:xfrm>
+        </p:spPr>
+        <p:txBody>
+          <a:bodyPr>
+            <a:normAutofit/>
+          </a:bodyPr>
+          <a:lstStyle/>
+          <a:p>
+            <a:pPr lvl="2"/>
+            <a:r>
+              <a:rPr lang="en-US" dirty="0" smtClean="0"/>
+              <a:t>Age, Height, Weight, …</a:t>
+            </a:r>
+            <a:endParaRPr lang="en-US" dirty="0"/>
+          </a:p>
+        </p:txBody>
+      </p:sp>
+      <p:sp>
+        <p:nvSpPr>
+          <p:cNvPr id="4" name="Slide Number Placeholder 3"/>
+          <p:cNvSpPr>
+            <a:spLocks noGrp="1"/>
+          </p:cNvSpPr>
+          <p:nvPr>
+            <p:ph type="sldNum" sz="quarter" idx="12"/>
+          </p:nvPr>
+        </p:nvSpPr>
+        <p:spPr/>
+        <p:txBody>
+          <a:bodyPr/>
+          <a:lstStyle/>
+          <a:p>
+            <a:fld id="{07167301-DA6A-464D-A35A-C5160C07AEDB}" type="slidenum">
+              <a:rPr lang="en-US" smtClean="0"/>
+              <a:pPr/>
+              <a:t>9</a:t>
+            </a:fld>
+            <a:endParaRPr lang="en-US" dirty="0"/>
+          </a:p>
+        </p:txBody>
+      </p:sp>
+      <p:sp>
+        <p:nvSpPr>
+          <p:cNvPr id="6" name="Rectangle 5"/>
+          <p:cNvSpPr/>
+          <p:nvPr/>
+        </p:nvSpPr>
+        <p:spPr>
+          <a:xfrm>
+            <a:off x="4465318" y="1918298"/>
+            <a:ext cx="3992881" cy="304800"/>
+          </a:xfrm>
+          <a:prstGeom prst="rect">
+            <a:avLst/>
+          </a:prstGeom>
+        </p:spPr>
+        <p:style>
+          <a:lnRef idx="2">
+            <a:schemeClr val="accent1">
+              <a:shade val="50000"/>
+            </a:schemeClr>
+          </a:lnRef>
+          <a:fillRef idx="1">
+            <a:schemeClr val="accent1"/>
+          </a:fillRef>
+          <a:effectRef idx="0">
+            <a:schemeClr val="accent1"/>
+          </a:effectRef>
+          <a:fontRef idx="minor">
+            <a:schemeClr val="lt1"/>
+          </a:fontRef>
+        </p:style>
+        <p:txBody>
+          <a:bodyPr rtlCol="0" anchor="ctr"/>
+          <a:lstStyle/>
+          <a:p>
+            <a:pPr algn="ctr"/>
+            <a:r>
+              <a:rPr lang="en-US" dirty="0" err="1" smtClean="0"/>
+              <a:t>PersonAge</a:t>
+            </a:r>
+            <a:r>
+              <a:rPr lang="en-US" dirty="0" smtClean="0"/>
+              <a:t>, </a:t>
+            </a:r>
+            <a:r>
+              <a:rPr lang="en-US" dirty="0" err="1" smtClean="0"/>
+              <a:t>PersonHeight</a:t>
+            </a:r>
+            <a:r>
+              <a:rPr lang="en-US" dirty="0" smtClean="0"/>
+              <a:t>, </a:t>
+            </a:r>
+            <a:r>
+              <a:rPr lang="en-US" dirty="0" err="1" smtClean="0"/>
+              <a:t>PersonWeight</a:t>
+            </a:r>
+            <a:endParaRPr lang="en-US" dirty="0"/>
+          </a:p>
+        </p:txBody>
+      </p:sp>
+      <p:pic>
+        <p:nvPicPr>
+          <p:cNvPr id="7" name="Picture 6"/>
+          <p:cNvPicPr>
+            <a:picLocks noChangeAspect="1"/>
+          </p:cNvPicPr>
+          <p:nvPr/>
+        </p:nvPicPr>
+        <p:blipFill>
+          <a:blip r:embed="rId2"/>
+          <a:stretch>
+            <a:fillRect/>
+          </a:stretch>
+        </p:blipFill>
+        <p:spPr>
+          <a:xfrm>
+            <a:off x="4572001" y="2400938"/>
+            <a:ext cx="4574176" cy="4380861"/>
+          </a:xfrm>
+          <a:prstGeom prst="rect">
+            <a:avLst/>
+          </a:prstGeom>
+        </p:spPr>
+      </p:pic>
+      <p:pic>
+        <p:nvPicPr>
+          <p:cNvPr id="8" name="Picture 7"/>
+          <p:cNvPicPr>
+            <a:picLocks noChangeAspect="1"/>
+          </p:cNvPicPr>
+          <p:nvPr/>
+        </p:nvPicPr>
+        <p:blipFill>
+          <a:blip r:embed="rId3"/>
+          <a:stretch>
+            <a:fillRect/>
+          </a:stretch>
+        </p:blipFill>
+        <p:spPr>
+          <a:xfrm>
+            <a:off x="85725" y="2368280"/>
+            <a:ext cx="4379593" cy="4413519"/>
+          </a:xfrm>
+          <a:prstGeom prst="rect">
+            <a:avLst/>
+          </a:prstGeom>
+        </p:spPr>
+      </p:pic>
+    </p:spTree>
+    <p:extLst>
+      <p:ext uri="{BB962C8B-B14F-4D97-AF65-F5344CB8AC3E}">
+        <p14:creationId xmlns:p14="http://schemas.microsoft.com/office/powerpoint/2010/main" val="2327649945"/>
+      </p:ext>
+    </p:extLst>
+  </p:cSld>
+  <p:clrMapOvr>
+    <a:masterClrMapping/>
+  </p:clrMapOvr>
 </p:sld>
 </file>
 

--- a/CleanCode.pptx
+++ b/CleanCode.pptx
@@ -5,7 +5,7 @@
     <p:sldMasterId id="2147483672" r:id="rId1"/>
   </p:sldMasterIdLst>
   <p:notesMasterIdLst>
-    <p:notesMasterId r:id="rId12"/>
+    <p:notesMasterId r:id="rId31"/>
   </p:notesMasterIdLst>
   <p:sldIdLst>
     <p:sldId id="256" r:id="rId2"/>
@@ -18,6 +18,25 @@
     <p:sldId id="267" r:id="rId9"/>
     <p:sldId id="266" r:id="rId10"/>
     <p:sldId id="268" r:id="rId11"/>
+    <p:sldId id="270" r:id="rId12"/>
+    <p:sldId id="274" r:id="rId13"/>
+    <p:sldId id="275" r:id="rId14"/>
+    <p:sldId id="276" r:id="rId15"/>
+    <p:sldId id="271" r:id="rId16"/>
+    <p:sldId id="273" r:id="rId17"/>
+    <p:sldId id="277" r:id="rId18"/>
+    <p:sldId id="280" r:id="rId19"/>
+    <p:sldId id="279" r:id="rId20"/>
+    <p:sldId id="281" r:id="rId21"/>
+    <p:sldId id="282" r:id="rId22"/>
+    <p:sldId id="284" r:id="rId23"/>
+    <p:sldId id="283" r:id="rId24"/>
+    <p:sldId id="286" r:id="rId25"/>
+    <p:sldId id="288" r:id="rId26"/>
+    <p:sldId id="291" r:id="rId27"/>
+    <p:sldId id="292" r:id="rId28"/>
+    <p:sldId id="293" r:id="rId29"/>
+    <p:sldId id="290" r:id="rId30"/>
   </p:sldIdLst>
   <p:sldSz cx="9144000" cy="6858000" type="screen4x3"/>
   <p:notesSz cx="6858000" cy="9144000"/>
@@ -131,6 +150,25 @@
             <p14:sldId id="267"/>
             <p14:sldId id="266"/>
             <p14:sldId id="268"/>
+            <p14:sldId id="270"/>
+            <p14:sldId id="274"/>
+            <p14:sldId id="275"/>
+            <p14:sldId id="276"/>
+            <p14:sldId id="271"/>
+            <p14:sldId id="273"/>
+            <p14:sldId id="277"/>
+            <p14:sldId id="280"/>
+            <p14:sldId id="279"/>
+            <p14:sldId id="281"/>
+            <p14:sldId id="282"/>
+            <p14:sldId id="284"/>
+            <p14:sldId id="283"/>
+            <p14:sldId id="286"/>
+            <p14:sldId id="288"/>
+            <p14:sldId id="291"/>
+            <p14:sldId id="292"/>
+            <p14:sldId id="293"/>
+            <p14:sldId id="290"/>
           </p14:sldIdLst>
         </p14:section>
       </p14:sectionLst>
@@ -235,7 +273,7 @@
           <a:p>
             <a:fld id="{AD1869D8-4BAB-4448-8A83-C72AF21C573F}" type="datetimeFigureOut">
               <a:rPr lang="en-US" smtClean="0"/>
-              <a:t>11/14/2016</a:t>
+              <a:t>12/20/2016</a:t>
             </a:fld>
             <a:endParaRPr lang="en-US"/>
           </a:p>
@@ -587,6 +625,604 @@
 </p:notes>
 </file>
 
+<file path=ppt/notesSlides/notesSlide10.xml><?xml version="1.0" encoding="utf-8"?>
+<p:notes xmlns:a="http://schemas.openxmlformats.org/drawingml/2006/main" xmlns:r="http://schemas.openxmlformats.org/officeDocument/2006/relationships" xmlns:p="http://schemas.openxmlformats.org/presentationml/2006/main">
+  <p:cSld>
+    <p:spTree>
+      <p:nvGrpSpPr>
+        <p:cNvPr id="1" name=""/>
+        <p:cNvGrpSpPr/>
+        <p:nvPr/>
+      </p:nvGrpSpPr>
+      <p:grpSpPr>
+        <a:xfrm>
+          <a:off x="0" y="0"/>
+          <a:ext cx="0" cy="0"/>
+          <a:chOff x="0" y="0"/>
+          <a:chExt cx="0" cy="0"/>
+        </a:xfrm>
+      </p:grpSpPr>
+      <p:sp>
+        <p:nvSpPr>
+          <p:cNvPr id="2" name="Slide Image Placeholder 1"/>
+          <p:cNvSpPr>
+            <a:spLocks noGrp="1" noRot="1" noChangeAspect="1"/>
+          </p:cNvSpPr>
+          <p:nvPr>
+            <p:ph type="sldImg"/>
+          </p:nvPr>
+        </p:nvSpPr>
+        <p:spPr/>
+      </p:sp>
+      <p:sp>
+        <p:nvSpPr>
+          <p:cNvPr id="3" name="Notes Placeholder 2"/>
+          <p:cNvSpPr>
+            <a:spLocks noGrp="1"/>
+          </p:cNvSpPr>
+          <p:nvPr>
+            <p:ph type="body" idx="1"/>
+          </p:nvPr>
+        </p:nvSpPr>
+        <p:spPr/>
+        <p:txBody>
+          <a:bodyPr/>
+          <a:lstStyle/>
+          <a:p>
+            <a:endParaRPr lang="en-US" dirty="0"/>
+          </a:p>
+        </p:txBody>
+      </p:sp>
+      <p:sp>
+        <p:nvSpPr>
+          <p:cNvPr id="4" name="Slide Number Placeholder 3"/>
+          <p:cNvSpPr>
+            <a:spLocks noGrp="1"/>
+          </p:cNvSpPr>
+          <p:nvPr>
+            <p:ph type="sldNum" sz="quarter" idx="10"/>
+          </p:nvPr>
+        </p:nvSpPr>
+        <p:spPr/>
+        <p:txBody>
+          <a:bodyPr/>
+          <a:lstStyle/>
+          <a:p>
+            <a:fld id="{C1697B50-64C7-4E76-8560-6369BC871B28}" type="slidenum">
+              <a:rPr lang="en-US" smtClean="0"/>
+              <a:t>17</a:t>
+            </a:fld>
+            <a:endParaRPr lang="en-US"/>
+          </a:p>
+        </p:txBody>
+      </p:sp>
+    </p:spTree>
+    <p:extLst>
+      <p:ext uri="{BB962C8B-B14F-4D97-AF65-F5344CB8AC3E}">
+        <p14:creationId xmlns:p14="http://schemas.microsoft.com/office/powerpoint/2010/main" val="2883394787"/>
+      </p:ext>
+    </p:extLst>
+  </p:cSld>
+  <p:clrMapOvr>
+    <a:masterClrMapping/>
+  </p:clrMapOvr>
+</p:notes>
+</file>
+
+<file path=ppt/notesSlides/notesSlide11.xml><?xml version="1.0" encoding="utf-8"?>
+<p:notes xmlns:a="http://schemas.openxmlformats.org/drawingml/2006/main" xmlns:r="http://schemas.openxmlformats.org/officeDocument/2006/relationships" xmlns:p="http://schemas.openxmlformats.org/presentationml/2006/main">
+  <p:cSld>
+    <p:spTree>
+      <p:nvGrpSpPr>
+        <p:cNvPr id="1" name=""/>
+        <p:cNvGrpSpPr/>
+        <p:nvPr/>
+      </p:nvGrpSpPr>
+      <p:grpSpPr>
+        <a:xfrm>
+          <a:off x="0" y="0"/>
+          <a:ext cx="0" cy="0"/>
+          <a:chOff x="0" y="0"/>
+          <a:chExt cx="0" cy="0"/>
+        </a:xfrm>
+      </p:grpSpPr>
+      <p:sp>
+        <p:nvSpPr>
+          <p:cNvPr id="2" name="Slide Image Placeholder 1"/>
+          <p:cNvSpPr>
+            <a:spLocks noGrp="1" noRot="1" noChangeAspect="1"/>
+          </p:cNvSpPr>
+          <p:nvPr>
+            <p:ph type="sldImg"/>
+          </p:nvPr>
+        </p:nvSpPr>
+        <p:spPr/>
+      </p:sp>
+      <p:sp>
+        <p:nvSpPr>
+          <p:cNvPr id="3" name="Notes Placeholder 2"/>
+          <p:cNvSpPr>
+            <a:spLocks noGrp="1"/>
+          </p:cNvSpPr>
+          <p:nvPr>
+            <p:ph type="body" idx="1"/>
+          </p:nvPr>
+        </p:nvSpPr>
+        <p:spPr/>
+        <p:txBody>
+          <a:bodyPr/>
+          <a:lstStyle/>
+          <a:p>
+            <a:endParaRPr lang="en-US" dirty="0"/>
+          </a:p>
+        </p:txBody>
+      </p:sp>
+      <p:sp>
+        <p:nvSpPr>
+          <p:cNvPr id="4" name="Slide Number Placeholder 3"/>
+          <p:cNvSpPr>
+            <a:spLocks noGrp="1"/>
+          </p:cNvSpPr>
+          <p:nvPr>
+            <p:ph type="sldNum" sz="quarter" idx="10"/>
+          </p:nvPr>
+        </p:nvSpPr>
+        <p:spPr/>
+        <p:txBody>
+          <a:bodyPr/>
+          <a:lstStyle/>
+          <a:p>
+            <a:fld id="{C1697B50-64C7-4E76-8560-6369BC871B28}" type="slidenum">
+              <a:rPr lang="en-US" smtClean="0"/>
+              <a:t>18</a:t>
+            </a:fld>
+            <a:endParaRPr lang="en-US"/>
+          </a:p>
+        </p:txBody>
+      </p:sp>
+    </p:spTree>
+    <p:extLst>
+      <p:ext uri="{BB962C8B-B14F-4D97-AF65-F5344CB8AC3E}">
+        <p14:creationId xmlns:p14="http://schemas.microsoft.com/office/powerpoint/2010/main" val="2752297807"/>
+      </p:ext>
+    </p:extLst>
+  </p:cSld>
+  <p:clrMapOvr>
+    <a:masterClrMapping/>
+  </p:clrMapOvr>
+</p:notes>
+</file>
+
+<file path=ppt/notesSlides/notesSlide12.xml><?xml version="1.0" encoding="utf-8"?>
+<p:notes xmlns:a="http://schemas.openxmlformats.org/drawingml/2006/main" xmlns:r="http://schemas.openxmlformats.org/officeDocument/2006/relationships" xmlns:p="http://schemas.openxmlformats.org/presentationml/2006/main">
+  <p:cSld>
+    <p:spTree>
+      <p:nvGrpSpPr>
+        <p:cNvPr id="1" name=""/>
+        <p:cNvGrpSpPr/>
+        <p:nvPr/>
+      </p:nvGrpSpPr>
+      <p:grpSpPr>
+        <a:xfrm>
+          <a:off x="0" y="0"/>
+          <a:ext cx="0" cy="0"/>
+          <a:chOff x="0" y="0"/>
+          <a:chExt cx="0" cy="0"/>
+        </a:xfrm>
+      </p:grpSpPr>
+      <p:sp>
+        <p:nvSpPr>
+          <p:cNvPr id="2" name="Slide Image Placeholder 1"/>
+          <p:cNvSpPr>
+            <a:spLocks noGrp="1" noRot="1" noChangeAspect="1"/>
+          </p:cNvSpPr>
+          <p:nvPr>
+            <p:ph type="sldImg"/>
+          </p:nvPr>
+        </p:nvSpPr>
+        <p:spPr/>
+      </p:sp>
+      <p:sp>
+        <p:nvSpPr>
+          <p:cNvPr id="3" name="Notes Placeholder 2"/>
+          <p:cNvSpPr>
+            <a:spLocks noGrp="1"/>
+          </p:cNvSpPr>
+          <p:nvPr>
+            <p:ph type="body" idx="1"/>
+          </p:nvPr>
+        </p:nvSpPr>
+        <p:spPr/>
+        <p:txBody>
+          <a:bodyPr/>
+          <a:lstStyle/>
+          <a:p>
+            <a:endParaRPr lang="en-US" dirty="0"/>
+          </a:p>
+        </p:txBody>
+      </p:sp>
+      <p:sp>
+        <p:nvSpPr>
+          <p:cNvPr id="4" name="Slide Number Placeholder 3"/>
+          <p:cNvSpPr>
+            <a:spLocks noGrp="1"/>
+          </p:cNvSpPr>
+          <p:nvPr>
+            <p:ph type="sldNum" sz="quarter" idx="10"/>
+          </p:nvPr>
+        </p:nvSpPr>
+        <p:spPr/>
+        <p:txBody>
+          <a:bodyPr/>
+          <a:lstStyle/>
+          <a:p>
+            <a:fld id="{C1697B50-64C7-4E76-8560-6369BC871B28}" type="slidenum">
+              <a:rPr lang="en-US" smtClean="0"/>
+              <a:t>19</a:t>
+            </a:fld>
+            <a:endParaRPr lang="en-US"/>
+          </a:p>
+        </p:txBody>
+      </p:sp>
+    </p:spTree>
+    <p:extLst>
+      <p:ext uri="{BB962C8B-B14F-4D97-AF65-F5344CB8AC3E}">
+        <p14:creationId xmlns:p14="http://schemas.microsoft.com/office/powerpoint/2010/main" val="703425486"/>
+      </p:ext>
+    </p:extLst>
+  </p:cSld>
+  <p:clrMapOvr>
+    <a:masterClrMapping/>
+  </p:clrMapOvr>
+</p:notes>
+</file>
+
+<file path=ppt/notesSlides/notesSlide13.xml><?xml version="1.0" encoding="utf-8"?>
+<p:notes xmlns:a="http://schemas.openxmlformats.org/drawingml/2006/main" xmlns:r="http://schemas.openxmlformats.org/officeDocument/2006/relationships" xmlns:p="http://schemas.openxmlformats.org/presentationml/2006/main">
+  <p:cSld>
+    <p:spTree>
+      <p:nvGrpSpPr>
+        <p:cNvPr id="1" name=""/>
+        <p:cNvGrpSpPr/>
+        <p:nvPr/>
+      </p:nvGrpSpPr>
+      <p:grpSpPr>
+        <a:xfrm>
+          <a:off x="0" y="0"/>
+          <a:ext cx="0" cy="0"/>
+          <a:chOff x="0" y="0"/>
+          <a:chExt cx="0" cy="0"/>
+        </a:xfrm>
+      </p:grpSpPr>
+      <p:sp>
+        <p:nvSpPr>
+          <p:cNvPr id="2" name="Slide Image Placeholder 1"/>
+          <p:cNvSpPr>
+            <a:spLocks noGrp="1" noRot="1" noChangeAspect="1"/>
+          </p:cNvSpPr>
+          <p:nvPr>
+            <p:ph type="sldImg"/>
+          </p:nvPr>
+        </p:nvSpPr>
+        <p:spPr/>
+      </p:sp>
+      <p:sp>
+        <p:nvSpPr>
+          <p:cNvPr id="3" name="Notes Placeholder 2"/>
+          <p:cNvSpPr>
+            <a:spLocks noGrp="1"/>
+          </p:cNvSpPr>
+          <p:nvPr>
+            <p:ph type="body" idx="1"/>
+          </p:nvPr>
+        </p:nvSpPr>
+        <p:spPr/>
+        <p:txBody>
+          <a:bodyPr/>
+          <a:lstStyle/>
+          <a:p>
+            <a:r>
+              <a:rPr lang="en-US" dirty="0" smtClean="0"/>
+              <a:t>Temporal coupling</a:t>
+            </a:r>
+          </a:p>
+          <a:p>
+            <a:r>
+              <a:rPr lang="en-US" dirty="0" smtClean="0"/>
+              <a:t>	When two actions are bundled together into one module just because they happen to occur at the same time.</a:t>
+            </a:r>
+            <a:endParaRPr lang="en-US" dirty="0"/>
+          </a:p>
+        </p:txBody>
+      </p:sp>
+      <p:sp>
+        <p:nvSpPr>
+          <p:cNvPr id="4" name="Slide Number Placeholder 3"/>
+          <p:cNvSpPr>
+            <a:spLocks noGrp="1"/>
+          </p:cNvSpPr>
+          <p:nvPr>
+            <p:ph type="sldNum" sz="quarter" idx="10"/>
+          </p:nvPr>
+        </p:nvSpPr>
+        <p:spPr/>
+        <p:txBody>
+          <a:bodyPr/>
+          <a:lstStyle/>
+          <a:p>
+            <a:fld id="{C1697B50-64C7-4E76-8560-6369BC871B28}" type="slidenum">
+              <a:rPr lang="en-US" smtClean="0"/>
+              <a:t>20</a:t>
+            </a:fld>
+            <a:endParaRPr lang="en-US"/>
+          </a:p>
+        </p:txBody>
+      </p:sp>
+    </p:spTree>
+    <p:extLst>
+      <p:ext uri="{BB962C8B-B14F-4D97-AF65-F5344CB8AC3E}">
+        <p14:creationId xmlns:p14="http://schemas.microsoft.com/office/powerpoint/2010/main" val="3045745069"/>
+      </p:ext>
+    </p:extLst>
+  </p:cSld>
+  <p:clrMapOvr>
+    <a:masterClrMapping/>
+  </p:clrMapOvr>
+</p:notes>
+</file>
+
+<file path=ppt/notesSlides/notesSlide14.xml><?xml version="1.0" encoding="utf-8"?>
+<p:notes xmlns:a="http://schemas.openxmlformats.org/drawingml/2006/main" xmlns:r="http://schemas.openxmlformats.org/officeDocument/2006/relationships" xmlns:p="http://schemas.openxmlformats.org/presentationml/2006/main">
+  <p:cSld>
+    <p:spTree>
+      <p:nvGrpSpPr>
+        <p:cNvPr id="1" name=""/>
+        <p:cNvGrpSpPr/>
+        <p:nvPr/>
+      </p:nvGrpSpPr>
+      <p:grpSpPr>
+        <a:xfrm>
+          <a:off x="0" y="0"/>
+          <a:ext cx="0" cy="0"/>
+          <a:chOff x="0" y="0"/>
+          <a:chExt cx="0" cy="0"/>
+        </a:xfrm>
+      </p:grpSpPr>
+      <p:sp>
+        <p:nvSpPr>
+          <p:cNvPr id="2" name="Slide Image Placeholder 1"/>
+          <p:cNvSpPr>
+            <a:spLocks noGrp="1" noRot="1" noChangeAspect="1"/>
+          </p:cNvSpPr>
+          <p:nvPr>
+            <p:ph type="sldImg"/>
+          </p:nvPr>
+        </p:nvSpPr>
+        <p:spPr/>
+      </p:sp>
+      <p:sp>
+        <p:nvSpPr>
+          <p:cNvPr id="3" name="Notes Placeholder 2"/>
+          <p:cNvSpPr>
+            <a:spLocks noGrp="1"/>
+          </p:cNvSpPr>
+          <p:nvPr>
+            <p:ph type="body" idx="1"/>
+          </p:nvPr>
+        </p:nvSpPr>
+        <p:spPr/>
+        <p:txBody>
+          <a:bodyPr/>
+          <a:lstStyle/>
+          <a:p>
+            <a:endParaRPr lang="en-US" dirty="0"/>
+          </a:p>
+        </p:txBody>
+      </p:sp>
+      <p:sp>
+        <p:nvSpPr>
+          <p:cNvPr id="4" name="Slide Number Placeholder 3"/>
+          <p:cNvSpPr>
+            <a:spLocks noGrp="1"/>
+          </p:cNvSpPr>
+          <p:nvPr>
+            <p:ph type="sldNum" sz="quarter" idx="10"/>
+          </p:nvPr>
+        </p:nvSpPr>
+        <p:spPr/>
+        <p:txBody>
+          <a:bodyPr/>
+          <a:lstStyle/>
+          <a:p>
+            <a:fld id="{C1697B50-64C7-4E76-8560-6369BC871B28}" type="slidenum">
+              <a:rPr lang="en-US" smtClean="0"/>
+              <a:t>21</a:t>
+            </a:fld>
+            <a:endParaRPr lang="en-US"/>
+          </a:p>
+        </p:txBody>
+      </p:sp>
+    </p:spTree>
+    <p:extLst>
+      <p:ext uri="{BB962C8B-B14F-4D97-AF65-F5344CB8AC3E}">
+        <p14:creationId xmlns:p14="http://schemas.microsoft.com/office/powerpoint/2010/main" val="3250142600"/>
+      </p:ext>
+    </p:extLst>
+  </p:cSld>
+  <p:clrMapOvr>
+    <a:masterClrMapping/>
+  </p:clrMapOvr>
+</p:notes>
+</file>
+
+<file path=ppt/notesSlides/notesSlide15.xml><?xml version="1.0" encoding="utf-8"?>
+<p:notes xmlns:a="http://schemas.openxmlformats.org/drawingml/2006/main" xmlns:r="http://schemas.openxmlformats.org/officeDocument/2006/relationships" xmlns:p="http://schemas.openxmlformats.org/presentationml/2006/main">
+  <p:cSld>
+    <p:spTree>
+      <p:nvGrpSpPr>
+        <p:cNvPr id="1" name=""/>
+        <p:cNvGrpSpPr/>
+        <p:nvPr/>
+      </p:nvGrpSpPr>
+      <p:grpSpPr>
+        <a:xfrm>
+          <a:off x="0" y="0"/>
+          <a:ext cx="0" cy="0"/>
+          <a:chOff x="0" y="0"/>
+          <a:chExt cx="0" cy="0"/>
+        </a:xfrm>
+      </p:grpSpPr>
+      <p:sp>
+        <p:nvSpPr>
+          <p:cNvPr id="2" name="Slide Image Placeholder 1"/>
+          <p:cNvSpPr>
+            <a:spLocks noGrp="1" noRot="1" noChangeAspect="1"/>
+          </p:cNvSpPr>
+          <p:nvPr>
+            <p:ph type="sldImg"/>
+          </p:nvPr>
+        </p:nvSpPr>
+        <p:spPr/>
+      </p:sp>
+      <p:sp>
+        <p:nvSpPr>
+          <p:cNvPr id="3" name="Notes Placeholder 2"/>
+          <p:cNvSpPr>
+            <a:spLocks noGrp="1"/>
+          </p:cNvSpPr>
+          <p:nvPr>
+            <p:ph type="body" idx="1"/>
+          </p:nvPr>
+        </p:nvSpPr>
+        <p:spPr/>
+        <p:txBody>
+          <a:bodyPr/>
+          <a:lstStyle/>
+          <a:p>
+            <a:endParaRPr lang="en-US" dirty="0"/>
+          </a:p>
+        </p:txBody>
+      </p:sp>
+      <p:sp>
+        <p:nvSpPr>
+          <p:cNvPr id="4" name="Slide Number Placeholder 3"/>
+          <p:cNvSpPr>
+            <a:spLocks noGrp="1"/>
+          </p:cNvSpPr>
+          <p:nvPr>
+            <p:ph type="sldNum" sz="quarter" idx="10"/>
+          </p:nvPr>
+        </p:nvSpPr>
+        <p:spPr/>
+        <p:txBody>
+          <a:bodyPr/>
+          <a:lstStyle/>
+          <a:p>
+            <a:fld id="{C1697B50-64C7-4E76-8560-6369BC871B28}" type="slidenum">
+              <a:rPr lang="en-US" smtClean="0"/>
+              <a:t>22</a:t>
+            </a:fld>
+            <a:endParaRPr lang="en-US"/>
+          </a:p>
+        </p:txBody>
+      </p:sp>
+    </p:spTree>
+    <p:extLst>
+      <p:ext uri="{BB962C8B-B14F-4D97-AF65-F5344CB8AC3E}">
+        <p14:creationId xmlns:p14="http://schemas.microsoft.com/office/powerpoint/2010/main" val="2223045823"/>
+      </p:ext>
+    </p:extLst>
+  </p:cSld>
+  <p:clrMapOvr>
+    <a:masterClrMapping/>
+  </p:clrMapOvr>
+</p:notes>
+</file>
+
+<file path=ppt/notesSlides/notesSlide16.xml><?xml version="1.0" encoding="utf-8"?>
+<p:notes xmlns:a="http://schemas.openxmlformats.org/drawingml/2006/main" xmlns:r="http://schemas.openxmlformats.org/officeDocument/2006/relationships" xmlns:p="http://schemas.openxmlformats.org/presentationml/2006/main">
+  <p:cSld>
+    <p:spTree>
+      <p:nvGrpSpPr>
+        <p:cNvPr id="1" name=""/>
+        <p:cNvGrpSpPr/>
+        <p:nvPr/>
+      </p:nvGrpSpPr>
+      <p:grpSpPr>
+        <a:xfrm>
+          <a:off x="0" y="0"/>
+          <a:ext cx="0" cy="0"/>
+          <a:chOff x="0" y="0"/>
+          <a:chExt cx="0" cy="0"/>
+        </a:xfrm>
+      </p:grpSpPr>
+      <p:sp>
+        <p:nvSpPr>
+          <p:cNvPr id="2" name="Slide Image Placeholder 1"/>
+          <p:cNvSpPr>
+            <a:spLocks noGrp="1" noRot="1" noChangeAspect="1"/>
+          </p:cNvSpPr>
+          <p:nvPr>
+            <p:ph type="sldImg"/>
+          </p:nvPr>
+        </p:nvSpPr>
+        <p:spPr/>
+      </p:sp>
+      <p:sp>
+        <p:nvSpPr>
+          <p:cNvPr id="3" name="Notes Placeholder 2"/>
+          <p:cNvSpPr>
+            <a:spLocks noGrp="1"/>
+          </p:cNvSpPr>
+          <p:nvPr>
+            <p:ph type="body" idx="1"/>
+          </p:nvPr>
+        </p:nvSpPr>
+        <p:spPr/>
+        <p:txBody>
+          <a:bodyPr/>
+          <a:lstStyle/>
+          <a:p>
+            <a:endParaRPr lang="en-US" dirty="0"/>
+          </a:p>
+        </p:txBody>
+      </p:sp>
+      <p:sp>
+        <p:nvSpPr>
+          <p:cNvPr id="4" name="Slide Number Placeholder 3"/>
+          <p:cNvSpPr>
+            <a:spLocks noGrp="1"/>
+          </p:cNvSpPr>
+          <p:nvPr>
+            <p:ph type="sldNum" sz="quarter" idx="10"/>
+          </p:nvPr>
+        </p:nvSpPr>
+        <p:spPr/>
+        <p:txBody>
+          <a:bodyPr/>
+          <a:lstStyle/>
+          <a:p>
+            <a:fld id="{C1697B50-64C7-4E76-8560-6369BC871B28}" type="slidenum">
+              <a:rPr lang="en-US" smtClean="0"/>
+              <a:t>23</a:t>
+            </a:fld>
+            <a:endParaRPr lang="en-US"/>
+          </a:p>
+        </p:txBody>
+      </p:sp>
+    </p:spTree>
+    <p:extLst>
+      <p:ext uri="{BB962C8B-B14F-4D97-AF65-F5344CB8AC3E}">
+        <p14:creationId xmlns:p14="http://schemas.microsoft.com/office/powerpoint/2010/main" val="454710398"/>
+      </p:ext>
+    </p:extLst>
+  </p:cSld>
+  <p:clrMapOvr>
+    <a:masterClrMapping/>
+  </p:clrMapOvr>
+</p:notes>
+</file>
+
 <file path=ppt/notesSlides/notesSlide2.xml><?xml version="1.0" encoding="utf-8"?>
 <p:notes xmlns:a="http://schemas.openxmlformats.org/drawingml/2006/main" xmlns:r="http://schemas.openxmlformats.org/officeDocument/2006/relationships" xmlns:p="http://schemas.openxmlformats.org/presentationml/2006/main">
   <p:cSld>
@@ -917,6 +1553,463 @@
     <p:extLst>
       <p:ext uri="{BB962C8B-B14F-4D97-AF65-F5344CB8AC3E}">
         <p14:creationId xmlns:p14="http://schemas.microsoft.com/office/powerpoint/2010/main" val="2900668809"/>
+      </p:ext>
+    </p:extLst>
+  </p:cSld>
+  <p:clrMapOvr>
+    <a:masterClrMapping/>
+  </p:clrMapOvr>
+</p:notes>
+</file>
+
+<file path=ppt/notesSlides/notesSlide5.xml><?xml version="1.0" encoding="utf-8"?>
+<p:notes xmlns:a="http://schemas.openxmlformats.org/drawingml/2006/main" xmlns:r="http://schemas.openxmlformats.org/officeDocument/2006/relationships" xmlns:p="http://schemas.openxmlformats.org/presentationml/2006/main">
+  <p:cSld>
+    <p:spTree>
+      <p:nvGrpSpPr>
+        <p:cNvPr id="1" name=""/>
+        <p:cNvGrpSpPr/>
+        <p:nvPr/>
+      </p:nvGrpSpPr>
+      <p:grpSpPr>
+        <a:xfrm>
+          <a:off x="0" y="0"/>
+          <a:ext cx="0" cy="0"/>
+          <a:chOff x="0" y="0"/>
+          <a:chExt cx="0" cy="0"/>
+        </a:xfrm>
+      </p:grpSpPr>
+      <p:sp>
+        <p:nvSpPr>
+          <p:cNvPr id="2" name="Slide Image Placeholder 1"/>
+          <p:cNvSpPr>
+            <a:spLocks noGrp="1" noRot="1" noChangeAspect="1"/>
+          </p:cNvSpPr>
+          <p:nvPr>
+            <p:ph type="sldImg"/>
+          </p:nvPr>
+        </p:nvSpPr>
+        <p:spPr/>
+      </p:sp>
+      <p:sp>
+        <p:nvSpPr>
+          <p:cNvPr id="3" name="Notes Placeholder 2"/>
+          <p:cNvSpPr>
+            <a:spLocks noGrp="1"/>
+          </p:cNvSpPr>
+          <p:nvPr>
+            <p:ph type="body" idx="1"/>
+          </p:nvPr>
+        </p:nvSpPr>
+        <p:spPr/>
+        <p:txBody>
+          <a:bodyPr/>
+          <a:lstStyle/>
+          <a:p>
+            <a:endParaRPr lang="en-US" dirty="0"/>
+          </a:p>
+        </p:txBody>
+      </p:sp>
+      <p:sp>
+        <p:nvSpPr>
+          <p:cNvPr id="4" name="Slide Number Placeholder 3"/>
+          <p:cNvSpPr>
+            <a:spLocks noGrp="1"/>
+          </p:cNvSpPr>
+          <p:nvPr>
+            <p:ph type="sldNum" sz="quarter" idx="10"/>
+          </p:nvPr>
+        </p:nvSpPr>
+        <p:spPr/>
+        <p:txBody>
+          <a:bodyPr/>
+          <a:lstStyle/>
+          <a:p>
+            <a:fld id="{C1697B50-64C7-4E76-8560-6369BC871B28}" type="slidenum">
+              <a:rPr lang="en-US" smtClean="0"/>
+              <a:t>12</a:t>
+            </a:fld>
+            <a:endParaRPr lang="en-US"/>
+          </a:p>
+        </p:txBody>
+      </p:sp>
+    </p:spTree>
+    <p:extLst>
+      <p:ext uri="{BB962C8B-B14F-4D97-AF65-F5344CB8AC3E}">
+        <p14:creationId xmlns:p14="http://schemas.microsoft.com/office/powerpoint/2010/main" val="2364087487"/>
+      </p:ext>
+    </p:extLst>
+  </p:cSld>
+  <p:clrMapOvr>
+    <a:masterClrMapping/>
+  </p:clrMapOvr>
+</p:notes>
+</file>
+
+<file path=ppt/notesSlides/notesSlide6.xml><?xml version="1.0" encoding="utf-8"?>
+<p:notes xmlns:a="http://schemas.openxmlformats.org/drawingml/2006/main" xmlns:r="http://schemas.openxmlformats.org/officeDocument/2006/relationships" xmlns:p="http://schemas.openxmlformats.org/presentationml/2006/main">
+  <p:cSld>
+    <p:spTree>
+      <p:nvGrpSpPr>
+        <p:cNvPr id="1" name=""/>
+        <p:cNvGrpSpPr/>
+        <p:nvPr/>
+      </p:nvGrpSpPr>
+      <p:grpSpPr>
+        <a:xfrm>
+          <a:off x="0" y="0"/>
+          <a:ext cx="0" cy="0"/>
+          <a:chOff x="0" y="0"/>
+          <a:chExt cx="0" cy="0"/>
+        </a:xfrm>
+      </p:grpSpPr>
+      <p:sp>
+        <p:nvSpPr>
+          <p:cNvPr id="2" name="Slide Image Placeholder 1"/>
+          <p:cNvSpPr>
+            <a:spLocks noGrp="1" noRot="1" noChangeAspect="1"/>
+          </p:cNvSpPr>
+          <p:nvPr>
+            <p:ph type="sldImg"/>
+          </p:nvPr>
+        </p:nvSpPr>
+        <p:spPr/>
+      </p:sp>
+      <p:sp>
+        <p:nvSpPr>
+          <p:cNvPr id="3" name="Notes Placeholder 2"/>
+          <p:cNvSpPr>
+            <a:spLocks noGrp="1"/>
+          </p:cNvSpPr>
+          <p:nvPr>
+            <p:ph type="body" idx="1"/>
+          </p:nvPr>
+        </p:nvSpPr>
+        <p:spPr/>
+        <p:txBody>
+          <a:bodyPr/>
+          <a:lstStyle/>
+          <a:p>
+            <a:endParaRPr lang="en-US" dirty="0"/>
+          </a:p>
+        </p:txBody>
+      </p:sp>
+      <p:sp>
+        <p:nvSpPr>
+          <p:cNvPr id="4" name="Slide Number Placeholder 3"/>
+          <p:cNvSpPr>
+            <a:spLocks noGrp="1"/>
+          </p:cNvSpPr>
+          <p:nvPr>
+            <p:ph type="sldNum" sz="quarter" idx="10"/>
+          </p:nvPr>
+        </p:nvSpPr>
+        <p:spPr/>
+        <p:txBody>
+          <a:bodyPr/>
+          <a:lstStyle/>
+          <a:p>
+            <a:fld id="{C1697B50-64C7-4E76-8560-6369BC871B28}" type="slidenum">
+              <a:rPr lang="en-US" smtClean="0"/>
+              <a:t>13</a:t>
+            </a:fld>
+            <a:endParaRPr lang="en-US"/>
+          </a:p>
+        </p:txBody>
+      </p:sp>
+    </p:spTree>
+    <p:extLst>
+      <p:ext uri="{BB962C8B-B14F-4D97-AF65-F5344CB8AC3E}">
+        <p14:creationId xmlns:p14="http://schemas.microsoft.com/office/powerpoint/2010/main" val="3347930217"/>
+      </p:ext>
+    </p:extLst>
+  </p:cSld>
+  <p:clrMapOvr>
+    <a:masterClrMapping/>
+  </p:clrMapOvr>
+</p:notes>
+</file>
+
+<file path=ppt/notesSlides/notesSlide7.xml><?xml version="1.0" encoding="utf-8"?>
+<p:notes xmlns:a="http://schemas.openxmlformats.org/drawingml/2006/main" xmlns:r="http://schemas.openxmlformats.org/officeDocument/2006/relationships" xmlns:p="http://schemas.openxmlformats.org/presentationml/2006/main">
+  <p:cSld>
+    <p:spTree>
+      <p:nvGrpSpPr>
+        <p:cNvPr id="1" name=""/>
+        <p:cNvGrpSpPr/>
+        <p:nvPr/>
+      </p:nvGrpSpPr>
+      <p:grpSpPr>
+        <a:xfrm>
+          <a:off x="0" y="0"/>
+          <a:ext cx="0" cy="0"/>
+          <a:chOff x="0" y="0"/>
+          <a:chExt cx="0" cy="0"/>
+        </a:xfrm>
+      </p:grpSpPr>
+      <p:sp>
+        <p:nvSpPr>
+          <p:cNvPr id="2" name="Slide Image Placeholder 1"/>
+          <p:cNvSpPr>
+            <a:spLocks noGrp="1" noRot="1" noChangeAspect="1"/>
+          </p:cNvSpPr>
+          <p:nvPr>
+            <p:ph type="sldImg"/>
+          </p:nvPr>
+        </p:nvSpPr>
+        <p:spPr/>
+      </p:sp>
+      <p:sp>
+        <p:nvSpPr>
+          <p:cNvPr id="3" name="Notes Placeholder 2"/>
+          <p:cNvSpPr>
+            <a:spLocks noGrp="1"/>
+          </p:cNvSpPr>
+          <p:nvPr>
+            <p:ph type="body" idx="1"/>
+          </p:nvPr>
+        </p:nvSpPr>
+        <p:spPr/>
+        <p:txBody>
+          <a:bodyPr/>
+          <a:lstStyle/>
+          <a:p>
+            <a:endParaRPr lang="en-US" dirty="0"/>
+          </a:p>
+        </p:txBody>
+      </p:sp>
+      <p:sp>
+        <p:nvSpPr>
+          <p:cNvPr id="4" name="Slide Number Placeholder 3"/>
+          <p:cNvSpPr>
+            <a:spLocks noGrp="1"/>
+          </p:cNvSpPr>
+          <p:nvPr>
+            <p:ph type="sldNum" sz="quarter" idx="10"/>
+          </p:nvPr>
+        </p:nvSpPr>
+        <p:spPr/>
+        <p:txBody>
+          <a:bodyPr/>
+          <a:lstStyle/>
+          <a:p>
+            <a:fld id="{C1697B50-64C7-4E76-8560-6369BC871B28}" type="slidenum">
+              <a:rPr lang="en-US" smtClean="0"/>
+              <a:t>14</a:t>
+            </a:fld>
+            <a:endParaRPr lang="en-US"/>
+          </a:p>
+        </p:txBody>
+      </p:sp>
+    </p:spTree>
+    <p:extLst>
+      <p:ext uri="{BB962C8B-B14F-4D97-AF65-F5344CB8AC3E}">
+        <p14:creationId xmlns:p14="http://schemas.microsoft.com/office/powerpoint/2010/main" val="3769592782"/>
+      </p:ext>
+    </p:extLst>
+  </p:cSld>
+  <p:clrMapOvr>
+    <a:masterClrMapping/>
+  </p:clrMapOvr>
+</p:notes>
+</file>
+
+<file path=ppt/notesSlides/notesSlide8.xml><?xml version="1.0" encoding="utf-8"?>
+<p:notes xmlns:a="http://schemas.openxmlformats.org/drawingml/2006/main" xmlns:r="http://schemas.openxmlformats.org/officeDocument/2006/relationships" xmlns:p="http://schemas.openxmlformats.org/presentationml/2006/main">
+  <p:cSld>
+    <p:spTree>
+      <p:nvGrpSpPr>
+        <p:cNvPr id="1" name=""/>
+        <p:cNvGrpSpPr/>
+        <p:nvPr/>
+      </p:nvGrpSpPr>
+      <p:grpSpPr>
+        <a:xfrm>
+          <a:off x="0" y="0"/>
+          <a:ext cx="0" cy="0"/>
+          <a:chOff x="0" y="0"/>
+          <a:chExt cx="0" cy="0"/>
+        </a:xfrm>
+      </p:grpSpPr>
+      <p:sp>
+        <p:nvSpPr>
+          <p:cNvPr id="2" name="Slide Image Placeholder 1"/>
+          <p:cNvSpPr>
+            <a:spLocks noGrp="1" noRot="1" noChangeAspect="1"/>
+          </p:cNvSpPr>
+          <p:nvPr>
+            <p:ph type="sldImg"/>
+          </p:nvPr>
+        </p:nvSpPr>
+        <p:spPr/>
+      </p:sp>
+      <p:sp>
+        <p:nvSpPr>
+          <p:cNvPr id="3" name="Notes Placeholder 2"/>
+          <p:cNvSpPr>
+            <a:spLocks noGrp="1"/>
+          </p:cNvSpPr>
+          <p:nvPr>
+            <p:ph type="body" idx="1"/>
+          </p:nvPr>
+        </p:nvSpPr>
+        <p:spPr/>
+        <p:txBody>
+          <a:bodyPr/>
+          <a:lstStyle/>
+          <a:p>
+            <a:r>
+              <a:rPr lang="en-US" dirty="0" smtClean="0"/>
+              <a:t>Example: </a:t>
+            </a:r>
+            <a:r>
+              <a:rPr lang="en-US" dirty="0" err="1" smtClean="0"/>
+              <a:t>LoginWithPassword</a:t>
+            </a:r>
+            <a:endParaRPr lang="en-US" dirty="0" smtClean="0"/>
+          </a:p>
+          <a:p>
+            <a:r>
+              <a:rPr lang="en-US" dirty="0" smtClean="0"/>
+              <a:t>Create connection</a:t>
+            </a:r>
+          </a:p>
+          <a:p>
+            <a:r>
+              <a:rPr lang="en-US" dirty="0" smtClean="0"/>
+              <a:t>Type username and password</a:t>
+            </a:r>
+          </a:p>
+          <a:p>
+            <a:r>
+              <a:rPr lang="en-US" dirty="0" smtClean="0"/>
+              <a:t>Initialize the</a:t>
+            </a:r>
+            <a:r>
+              <a:rPr lang="en-US" baseline="0" dirty="0" smtClean="0"/>
+              <a:t> environment</a:t>
+            </a:r>
+          </a:p>
+          <a:p>
+            <a:r>
+              <a:rPr lang="en-US" baseline="0" dirty="0" smtClean="0"/>
+              <a:t>Return</a:t>
+            </a:r>
+            <a:endParaRPr lang="en-US" dirty="0" smtClean="0"/>
+          </a:p>
+        </p:txBody>
+      </p:sp>
+      <p:sp>
+        <p:nvSpPr>
+          <p:cNvPr id="4" name="Slide Number Placeholder 3"/>
+          <p:cNvSpPr>
+            <a:spLocks noGrp="1"/>
+          </p:cNvSpPr>
+          <p:nvPr>
+            <p:ph type="sldNum" sz="quarter" idx="10"/>
+          </p:nvPr>
+        </p:nvSpPr>
+        <p:spPr/>
+        <p:txBody>
+          <a:bodyPr/>
+          <a:lstStyle/>
+          <a:p>
+            <a:fld id="{C1697B50-64C7-4E76-8560-6369BC871B28}" type="slidenum">
+              <a:rPr lang="en-US" smtClean="0"/>
+              <a:t>15</a:t>
+            </a:fld>
+            <a:endParaRPr lang="en-US"/>
+          </a:p>
+        </p:txBody>
+      </p:sp>
+    </p:spTree>
+    <p:extLst>
+      <p:ext uri="{BB962C8B-B14F-4D97-AF65-F5344CB8AC3E}">
+        <p14:creationId xmlns:p14="http://schemas.microsoft.com/office/powerpoint/2010/main" val="2492697109"/>
+      </p:ext>
+    </p:extLst>
+  </p:cSld>
+  <p:clrMapOvr>
+    <a:masterClrMapping/>
+  </p:clrMapOvr>
+</p:notes>
+</file>
+
+<file path=ppt/notesSlides/notesSlide9.xml><?xml version="1.0" encoding="utf-8"?>
+<p:notes xmlns:a="http://schemas.openxmlformats.org/drawingml/2006/main" xmlns:r="http://schemas.openxmlformats.org/officeDocument/2006/relationships" xmlns:p="http://schemas.openxmlformats.org/presentationml/2006/main">
+  <p:cSld>
+    <p:spTree>
+      <p:nvGrpSpPr>
+        <p:cNvPr id="1" name=""/>
+        <p:cNvGrpSpPr/>
+        <p:nvPr/>
+      </p:nvGrpSpPr>
+      <p:grpSpPr>
+        <a:xfrm>
+          <a:off x="0" y="0"/>
+          <a:ext cx="0" cy="0"/>
+          <a:chOff x="0" y="0"/>
+          <a:chExt cx="0" cy="0"/>
+        </a:xfrm>
+      </p:grpSpPr>
+      <p:sp>
+        <p:nvSpPr>
+          <p:cNvPr id="2" name="Slide Image Placeholder 1"/>
+          <p:cNvSpPr>
+            <a:spLocks noGrp="1" noRot="1" noChangeAspect="1"/>
+          </p:cNvSpPr>
+          <p:nvPr>
+            <p:ph type="sldImg"/>
+          </p:nvPr>
+        </p:nvSpPr>
+        <p:spPr/>
+      </p:sp>
+      <p:sp>
+        <p:nvSpPr>
+          <p:cNvPr id="3" name="Notes Placeholder 2"/>
+          <p:cNvSpPr>
+            <a:spLocks noGrp="1"/>
+          </p:cNvSpPr>
+          <p:nvPr>
+            <p:ph type="body" idx="1"/>
+          </p:nvPr>
+        </p:nvSpPr>
+        <p:spPr/>
+        <p:txBody>
+          <a:bodyPr/>
+          <a:lstStyle/>
+          <a:p>
+            <a:endParaRPr lang="en-US" dirty="0"/>
+          </a:p>
+        </p:txBody>
+      </p:sp>
+      <p:sp>
+        <p:nvSpPr>
+          <p:cNvPr id="4" name="Slide Number Placeholder 3"/>
+          <p:cNvSpPr>
+            <a:spLocks noGrp="1"/>
+          </p:cNvSpPr>
+          <p:nvPr>
+            <p:ph type="sldNum" sz="quarter" idx="10"/>
+          </p:nvPr>
+        </p:nvSpPr>
+        <p:spPr/>
+        <p:txBody>
+          <a:bodyPr/>
+          <a:lstStyle/>
+          <a:p>
+            <a:fld id="{C1697B50-64C7-4E76-8560-6369BC871B28}" type="slidenum">
+              <a:rPr lang="en-US" smtClean="0"/>
+              <a:t>16</a:t>
+            </a:fld>
+            <a:endParaRPr lang="en-US"/>
+          </a:p>
+        </p:txBody>
+      </p:sp>
+    </p:spTree>
+    <p:extLst>
+      <p:ext uri="{BB962C8B-B14F-4D97-AF65-F5344CB8AC3E}">
+        <p14:creationId xmlns:p14="http://schemas.microsoft.com/office/powerpoint/2010/main" val="706873758"/>
       </p:ext>
     </p:extLst>
   </p:cSld>
@@ -1126,7 +2219,7 @@
           <a:p>
             <a:fld id="{6E99747C-F514-4A83-9701-54085F85C0DE}" type="datetime1">
               <a:rPr lang="en-US" smtClean="0"/>
-              <a:t>11/14/2016</a:t>
+              <a:t>12/20/2016</a:t>
             </a:fld>
             <a:endParaRPr lang="en-US"/>
           </a:p>
@@ -1323,7 +2416,7 @@
           <a:p>
             <a:fld id="{8BEB3C37-D7AE-4844-8988-814EE9ED43E6}" type="datetime1">
               <a:rPr lang="en-US" smtClean="0"/>
-              <a:t>11/14/2016</a:t>
+              <a:t>12/20/2016</a:t>
             </a:fld>
             <a:endParaRPr lang="en-US"/>
           </a:p>
@@ -1381,6 +2474,13 @@
   <p:clrMapOvr>
     <a:masterClrMapping/>
   </p:clrMapOvr>
+  <p:timing>
+    <p:tnLst>
+      <p:par>
+        <p:cTn id="1" dur="indefinite" restart="never" nodeType="tmRoot"/>
+      </p:par>
+    </p:tnLst>
+  </p:timing>
 </p:sldLayout>
 </file>
 
@@ -1503,7 +2603,7 @@
           <a:p>
             <a:fld id="{43FABF10-A6A7-4767-B0C0-2F249381002B}" type="datetime1">
               <a:rPr lang="en-US" smtClean="0"/>
-              <a:t>11/14/2016</a:t>
+              <a:t>12/20/2016</a:t>
             </a:fld>
             <a:endParaRPr lang="en-US"/>
           </a:p>
@@ -1561,6 +2661,13 @@
   <p:clrMapOvr>
     <a:masterClrMapping/>
   </p:clrMapOvr>
+  <p:timing>
+    <p:tnLst>
+      <p:par>
+        <p:cTn id="1" dur="indefinite" restart="never" nodeType="tmRoot"/>
+      </p:par>
+    </p:tnLst>
+  </p:timing>
 </p:sldLayout>
 </file>
 
@@ -1593,8 +2700,8 @@
         </p:nvSpPr>
         <p:spPr>
           <a:xfrm>
-            <a:off x="0" y="457200"/>
-            <a:ext cx="9143999" cy="1147579"/>
+            <a:off x="0" y="228600"/>
+            <a:ext cx="9143999" cy="741074"/>
           </a:xfrm>
           <a:solidFill>
             <a:schemeClr val="accent1">
@@ -1629,13 +2736,21 @@
             <p:ph idx="1"/>
           </p:nvPr>
         </p:nvSpPr>
-        <p:spPr/>
+        <p:spPr>
+          <a:xfrm>
+            <a:off x="304800" y="1295401"/>
+            <a:ext cx="8534400" cy="4464178"/>
+          </a:xfrm>
+        </p:spPr>
         <p:txBody>
           <a:bodyPr/>
           <a:lstStyle>
             <a:lvl2pPr marL="274320" indent="-342900">
+              <a:buClr>
+                <a:srgbClr val="00B0F0"/>
+              </a:buClr>
               <a:buFont typeface="Wingdings" panose="05000000000000000000" pitchFamily="2" charset="2"/>
-              <a:buChar char="Ø"/>
+              <a:buChar char="ü"/>
               <a:defRPr/>
             </a:lvl2pPr>
             <a:lvl3pPr marL="548640" indent="-548640">
@@ -1699,7 +2814,7 @@
           <a:p>
             <a:fld id="{01030FC1-3B78-4712-A3B2-E635A0B33C8D}" type="datetime1">
               <a:rPr lang="en-US" smtClean="0"/>
-              <a:t>11/14/2016</a:t>
+              <a:t>12/20/2016</a:t>
             </a:fld>
             <a:endParaRPr lang="en-US"/>
           </a:p>
@@ -1972,7 +3087,7 @@
           <a:p>
             <a:fld id="{6C5DC38F-A6C6-49CC-896F-16677699B0AA}" type="datetime1">
               <a:rPr lang="en-US" smtClean="0"/>
-              <a:t>11/14/2016</a:t>
+              <a:t>12/20/2016</a:t>
             </a:fld>
             <a:endParaRPr lang="en-US"/>
           </a:p>
@@ -2267,7 +3382,7 @@
           <a:p>
             <a:fld id="{82D3CB62-6A61-419B-84EE-7C7D49FA1B7B}" type="datetime1">
               <a:rPr lang="en-US" smtClean="0"/>
-              <a:t>11/14/2016</a:t>
+              <a:t>12/20/2016</a:t>
             </a:fld>
             <a:endParaRPr lang="en-US"/>
           </a:p>
@@ -2712,7 +3827,7 @@
           <a:p>
             <a:fld id="{A2CE2738-913C-4604-9203-8C6531570189}" type="datetime1">
               <a:rPr lang="en-US" smtClean="0"/>
-              <a:t>11/14/2016</a:t>
+              <a:t>12/20/2016</a:t>
             </a:fld>
             <a:endParaRPr lang="en-US"/>
           </a:p>
@@ -2837,7 +3952,7 @@
           <a:p>
             <a:fld id="{0871C0CF-B633-4B3E-8B69-443C1275756C}" type="datetime1">
               <a:rPr lang="en-US" smtClean="0"/>
-              <a:t>11/14/2016</a:t>
+              <a:t>12/20/2016</a:t>
             </a:fld>
             <a:endParaRPr lang="en-US"/>
           </a:p>
@@ -2895,6 +4010,13 @@
   <p:clrMapOvr>
     <a:masterClrMapping/>
   </p:clrMapOvr>
+  <p:timing>
+    <p:tnLst>
+      <p:par>
+        <p:cTn id="1" dur="indefinite" restart="never" nodeType="tmRoot"/>
+      </p:par>
+    </p:tnLst>
+  </p:timing>
 </p:sldLayout>
 </file>
 
@@ -2932,7 +4054,7 @@
           <a:p>
             <a:fld id="{E071472C-FDCE-4CAE-8368-77DECAB2D24F}" type="datetime1">
               <a:rPr lang="en-US" smtClean="0"/>
-              <a:t>11/14/2016</a:t>
+              <a:t>12/20/2016</a:t>
             </a:fld>
             <a:endParaRPr lang="en-US"/>
           </a:p>
@@ -3288,7 +4410,7 @@
           <a:p>
             <a:fld id="{E34F714D-4203-4CC2-83F3-0AF14D4EDF64}" type="datetime1">
               <a:rPr lang="en-US" smtClean="0"/>
-              <a:t>11/14/2016</a:t>
+              <a:t>12/20/2016</a:t>
             </a:fld>
             <a:endParaRPr lang="en-US"/>
           </a:p>
@@ -3607,7 +4729,7 @@
           <a:p>
             <a:fld id="{CD124E96-3E5C-4ED4-9520-24DC69E55E00}" type="datetime1">
               <a:rPr lang="en-US" smtClean="0"/>
-              <a:t>11/14/2016</a:t>
+              <a:t>12/20/2016</a:t>
             </a:fld>
             <a:endParaRPr lang="en-US"/>
           </a:p>
@@ -3840,7 +4962,7 @@
           <a:p>
             <a:fld id="{7144AE48-8CBA-46B8-A1FD-E0DC24F3FDC9}" type="datetime1">
               <a:rPr lang="en-US" smtClean="0"/>
-              <a:t>11/14/2016</a:t>
+              <a:t>12/20/2016</a:t>
             </a:fld>
             <a:endParaRPr lang="en-US"/>
           </a:p>
@@ -4402,7 +5524,9 @@
         </p:nvSpPr>
         <p:spPr/>
         <p:txBody>
-          <a:bodyPr/>
+          <a:bodyPr>
+            <a:normAutofit fontScale="90000"/>
+          </a:bodyPr>
           <a:lstStyle/>
           <a:p>
             <a:r>
@@ -5179,7 +6303,6 @@
               <a:rPr lang="en-US" dirty="0" smtClean="0"/>
               <a:t>Shared cultural background</a:t>
             </a:r>
-            <a:endParaRPr lang="en-US" dirty="0" smtClean="0"/>
           </a:p>
           <a:p>
             <a:pPr lvl="1"/>
@@ -5187,7 +6310,6 @@
               <a:rPr lang="en-US" dirty="0" smtClean="0"/>
               <a:t>People are afraid of renaming things for fear that the other developers will object.</a:t>
             </a:r>
-            <a:endParaRPr lang="en-US" dirty="0" smtClean="0"/>
           </a:p>
         </p:txBody>
       </p:sp>
@@ -5279,6 +6401,2656 @@
     <p:extLst>
       <p:ext uri="{BB962C8B-B14F-4D97-AF65-F5344CB8AC3E}">
         <p14:creationId xmlns:p14="http://schemas.microsoft.com/office/powerpoint/2010/main" val="3473684526"/>
+      </p:ext>
+    </p:extLst>
+  </p:cSld>
+  <p:clrMapOvr>
+    <a:masterClrMapping/>
+  </p:clrMapOvr>
+  <p:timing>
+    <p:tnLst>
+      <p:par>
+        <p:cTn id="1" dur="indefinite" restart="never" nodeType="tmRoot"/>
+      </p:par>
+    </p:tnLst>
+  </p:timing>
+</p:sld>
+</file>
+
+<file path=ppt/slides/slide11.xml><?xml version="1.0" encoding="utf-8"?>
+<p:sld xmlns:a="http://schemas.openxmlformats.org/drawingml/2006/main" xmlns:r="http://schemas.openxmlformats.org/officeDocument/2006/relationships" xmlns:p="http://schemas.openxmlformats.org/presentationml/2006/main">
+  <p:cSld>
+    <p:spTree>
+      <p:nvGrpSpPr>
+        <p:cNvPr id="1" name=""/>
+        <p:cNvGrpSpPr/>
+        <p:nvPr/>
+      </p:nvGrpSpPr>
+      <p:grpSpPr>
+        <a:xfrm>
+          <a:off x="0" y="0"/>
+          <a:ext cx="0" cy="0"/>
+          <a:chOff x="0" y="0"/>
+          <a:chExt cx="0" cy="0"/>
+        </a:xfrm>
+      </p:grpSpPr>
+      <p:sp>
+        <p:nvSpPr>
+          <p:cNvPr id="10" name="Title 9"/>
+          <p:cNvSpPr>
+            <a:spLocks noGrp="1"/>
+          </p:cNvSpPr>
+          <p:nvPr>
+            <p:ph type="title"/>
+          </p:nvPr>
+        </p:nvSpPr>
+        <p:spPr/>
+        <p:txBody>
+          <a:bodyPr/>
+          <a:lstStyle/>
+          <a:p>
+            <a:r>
+              <a:rPr lang="en-US" dirty="0" smtClean="0"/>
+              <a:t>Functions</a:t>
+            </a:r>
+            <a:endParaRPr lang="en-US" dirty="0"/>
+          </a:p>
+        </p:txBody>
+      </p:sp>
+      <p:sp>
+        <p:nvSpPr>
+          <p:cNvPr id="11" name="Content Placeholder 10"/>
+          <p:cNvSpPr>
+            <a:spLocks noGrp="1"/>
+          </p:cNvSpPr>
+          <p:nvPr>
+            <p:ph idx="1"/>
+          </p:nvPr>
+        </p:nvSpPr>
+        <p:spPr/>
+        <p:txBody>
+          <a:bodyPr/>
+          <a:lstStyle/>
+          <a:p>
+            <a:endParaRPr lang="en-US"/>
+          </a:p>
+        </p:txBody>
+      </p:sp>
+      <p:sp>
+        <p:nvSpPr>
+          <p:cNvPr id="12" name="Text Placeholder 11"/>
+          <p:cNvSpPr>
+            <a:spLocks noGrp="1"/>
+          </p:cNvSpPr>
+          <p:nvPr>
+            <p:ph type="body" sz="half" idx="2"/>
+          </p:nvPr>
+        </p:nvSpPr>
+        <p:spPr/>
+        <p:txBody>
+          <a:bodyPr/>
+          <a:lstStyle/>
+          <a:p>
+            <a:endParaRPr lang="en-US"/>
+          </a:p>
+        </p:txBody>
+      </p:sp>
+      <p:sp>
+        <p:nvSpPr>
+          <p:cNvPr id="4" name="Slide Number Placeholder 3"/>
+          <p:cNvSpPr>
+            <a:spLocks noGrp="1"/>
+          </p:cNvSpPr>
+          <p:nvPr>
+            <p:ph type="sldNum" sz="quarter" idx="12"/>
+          </p:nvPr>
+        </p:nvSpPr>
+        <p:spPr/>
+        <p:txBody>
+          <a:bodyPr/>
+          <a:lstStyle/>
+          <a:p>
+            <a:fld id="{07167301-DA6A-464D-A35A-C5160C07AEDB}" type="slidenum">
+              <a:rPr lang="en-US" smtClean="0"/>
+              <a:pPr/>
+              <a:t>11</a:t>
+            </a:fld>
+            <a:endParaRPr lang="en-US" dirty="0"/>
+          </a:p>
+        </p:txBody>
+      </p:sp>
+    </p:spTree>
+    <p:extLst>
+      <p:ext uri="{BB962C8B-B14F-4D97-AF65-F5344CB8AC3E}">
+        <p14:creationId xmlns:p14="http://schemas.microsoft.com/office/powerpoint/2010/main" val="158826605"/>
+      </p:ext>
+    </p:extLst>
+  </p:cSld>
+  <p:clrMapOvr>
+    <a:masterClrMapping/>
+  </p:clrMapOvr>
+  <p:timing>
+    <p:tnLst>
+      <p:par>
+        <p:cTn id="1" dur="indefinite" restart="never" nodeType="tmRoot"/>
+      </p:par>
+    </p:tnLst>
+  </p:timing>
+</p:sld>
+</file>
+
+<file path=ppt/slides/slide12.xml><?xml version="1.0" encoding="utf-8"?>
+<p:sld xmlns:a="http://schemas.openxmlformats.org/drawingml/2006/main" xmlns:r="http://schemas.openxmlformats.org/officeDocument/2006/relationships" xmlns:p="http://schemas.openxmlformats.org/presentationml/2006/main">
+  <p:cSld>
+    <p:spTree>
+      <p:nvGrpSpPr>
+        <p:cNvPr id="1" name=""/>
+        <p:cNvGrpSpPr/>
+        <p:nvPr/>
+      </p:nvGrpSpPr>
+      <p:grpSpPr>
+        <a:xfrm>
+          <a:off x="0" y="0"/>
+          <a:ext cx="0" cy="0"/>
+          <a:chOff x="0" y="0"/>
+          <a:chExt cx="0" cy="0"/>
+        </a:xfrm>
+      </p:grpSpPr>
+      <p:sp>
+        <p:nvSpPr>
+          <p:cNvPr id="2" name="Title 1"/>
+          <p:cNvSpPr>
+            <a:spLocks noGrp="1"/>
+          </p:cNvSpPr>
+          <p:nvPr>
+            <p:ph type="title"/>
+          </p:nvPr>
+        </p:nvSpPr>
+        <p:spPr>
+          <a:xfrm>
+            <a:off x="1" y="381000"/>
+            <a:ext cx="9143999" cy="685800"/>
+          </a:xfrm>
+        </p:spPr>
+        <p:txBody>
+          <a:bodyPr>
+            <a:normAutofit fontScale="90000"/>
+          </a:bodyPr>
+          <a:lstStyle/>
+          <a:p>
+            <a:r>
+              <a:rPr lang="en-US" dirty="0" smtClean="0"/>
+              <a:t>Small</a:t>
+            </a:r>
+            <a:endParaRPr lang="en-US" dirty="0"/>
+          </a:p>
+        </p:txBody>
+      </p:sp>
+      <p:sp>
+        <p:nvSpPr>
+          <p:cNvPr id="3" name="Content Placeholder 2"/>
+          <p:cNvSpPr>
+            <a:spLocks noGrp="1"/>
+          </p:cNvSpPr>
+          <p:nvPr>
+            <p:ph idx="1"/>
+          </p:nvPr>
+        </p:nvSpPr>
+        <p:spPr>
+          <a:xfrm>
+            <a:off x="457200" y="1462087"/>
+            <a:ext cx="8065294" cy="3766185"/>
+          </a:xfrm>
+        </p:spPr>
+        <p:txBody>
+          <a:bodyPr>
+            <a:normAutofit fontScale="92500"/>
+          </a:bodyPr>
+          <a:lstStyle/>
+          <a:p>
+            <a:r>
+              <a:rPr lang="en-US" dirty="0" smtClean="0"/>
+              <a:t>Rule:</a:t>
+            </a:r>
+          </a:p>
+          <a:p>
+            <a:pPr marL="388620" lvl="1" indent="-457200">
+              <a:buFont typeface="+mj-lt"/>
+              <a:buAutoNum type="arabicPeriod"/>
+            </a:pPr>
+            <a:r>
+              <a:rPr lang="en-US" dirty="0" smtClean="0"/>
+              <a:t>The function should be </a:t>
+            </a:r>
+            <a:r>
+              <a:rPr lang="en-US" dirty="0" smtClean="0"/>
+              <a:t>small.</a:t>
+            </a:r>
+            <a:endParaRPr lang="en-US" dirty="0" smtClean="0"/>
+          </a:p>
+          <a:p>
+            <a:pPr marL="388620" lvl="1" indent="-457200">
+              <a:buFont typeface="+mj-lt"/>
+              <a:buAutoNum type="arabicPeriod"/>
+            </a:pPr>
+            <a:r>
+              <a:rPr lang="en-US" dirty="0" smtClean="0"/>
+              <a:t>They should be smaller than that.</a:t>
+            </a:r>
+          </a:p>
+          <a:p>
+            <a:pPr lvl="1"/>
+            <a:endParaRPr lang="en-US" dirty="0"/>
+          </a:p>
+          <a:p>
+            <a:pPr lvl="1"/>
+            <a:endParaRPr lang="en-US" dirty="0" smtClean="0"/>
+          </a:p>
+          <a:p>
+            <a:pPr lvl="1"/>
+            <a:endParaRPr lang="en-US" dirty="0"/>
+          </a:p>
+          <a:p>
+            <a:pPr lvl="1"/>
+            <a:endParaRPr lang="en-US" dirty="0" smtClean="0"/>
+          </a:p>
+          <a:p>
+            <a:pPr lvl="1"/>
+            <a:endParaRPr lang="en-US" dirty="0" smtClean="0"/>
+          </a:p>
+          <a:p>
+            <a:pPr lvl="1">
+              <a:buFont typeface="Wingdings" panose="05000000000000000000" pitchFamily="2" charset="2"/>
+              <a:buChar char="ü"/>
+            </a:pPr>
+            <a:r>
+              <a:rPr lang="en-US" dirty="0" smtClean="0"/>
+              <a:t>The block within </a:t>
+            </a:r>
+            <a:r>
+              <a:rPr lang="en-US" i="1" dirty="0" smtClean="0"/>
+              <a:t>if, else, while</a:t>
+            </a:r>
+            <a:r>
+              <a:rPr lang="en-US" dirty="0" smtClean="0"/>
+              <a:t> statements should be one line long.</a:t>
+            </a:r>
+          </a:p>
+          <a:p>
+            <a:pPr lvl="1">
+              <a:buFont typeface="Wingdings" panose="05000000000000000000" pitchFamily="2" charset="2"/>
+              <a:buChar char="ü"/>
+            </a:pPr>
+            <a:r>
+              <a:rPr lang="en-US" dirty="0" smtClean="0"/>
+              <a:t>Probably that line should be a function call.</a:t>
+            </a:r>
+            <a:endParaRPr lang="en-US" dirty="0"/>
+          </a:p>
+        </p:txBody>
+      </p:sp>
+      <p:sp>
+        <p:nvSpPr>
+          <p:cNvPr id="4" name="Slide Number Placeholder 3"/>
+          <p:cNvSpPr>
+            <a:spLocks noGrp="1"/>
+          </p:cNvSpPr>
+          <p:nvPr>
+            <p:ph type="sldNum" sz="quarter" idx="12"/>
+          </p:nvPr>
+        </p:nvSpPr>
+        <p:spPr/>
+        <p:txBody>
+          <a:bodyPr/>
+          <a:lstStyle/>
+          <a:p>
+            <a:fld id="{07167301-DA6A-464D-A35A-C5160C07AEDB}" type="slidenum">
+              <a:rPr lang="en-US" smtClean="0"/>
+              <a:pPr/>
+              <a:t>12</a:t>
+            </a:fld>
+            <a:endParaRPr lang="en-US" dirty="0"/>
+          </a:p>
+        </p:txBody>
+      </p:sp>
+      <p:sp>
+        <p:nvSpPr>
+          <p:cNvPr id="5" name="Title 1"/>
+          <p:cNvSpPr txBox="1">
+            <a:spLocks/>
+          </p:cNvSpPr>
+          <p:nvPr/>
+        </p:nvSpPr>
+        <p:spPr>
+          <a:xfrm>
+            <a:off x="0" y="3345179"/>
+            <a:ext cx="9143999" cy="685800"/>
+          </a:xfrm>
+          <a:prstGeom prst="rect">
+            <a:avLst/>
+          </a:prstGeom>
+          <a:solidFill>
+            <a:schemeClr val="accent1">
+              <a:lumMod val="20000"/>
+              <a:lumOff val="80000"/>
+            </a:schemeClr>
+          </a:solidFill>
+        </p:spPr>
+        <p:txBody>
+          <a:bodyPr vert="horz" lIns="91440" tIns="45720" rIns="91440" bIns="45720" rtlCol="0" anchor="ctr">
+            <a:normAutofit fontScale="97500" lnSpcReduction="10000"/>
+          </a:bodyPr>
+          <a:lstStyle>
+            <a:lvl1pPr algn="l" defTabSz="914400" rtl="0" eaLnBrk="1" latinLnBrk="0" hangingPunct="1">
+              <a:lnSpc>
+                <a:spcPct val="90000"/>
+              </a:lnSpc>
+              <a:spcBef>
+                <a:spcPct val="0"/>
+              </a:spcBef>
+              <a:buNone/>
+              <a:defRPr sz="4800" kern="1200" spc="-120" baseline="0">
+                <a:solidFill>
+                  <a:schemeClr val="accent1"/>
+                </a:solidFill>
+                <a:latin typeface="+mj-lt"/>
+                <a:ea typeface="+mj-ea"/>
+                <a:cs typeface="+mj-cs"/>
+              </a:defRPr>
+            </a:lvl1pPr>
+          </a:lstStyle>
+          <a:p>
+            <a:r>
+              <a:rPr lang="en-US" dirty="0" smtClean="0"/>
+              <a:t>Blocks and indenting</a:t>
+            </a:r>
+            <a:endParaRPr lang="en-US" dirty="0"/>
+          </a:p>
+        </p:txBody>
+      </p:sp>
+    </p:spTree>
+    <p:extLst>
+      <p:ext uri="{BB962C8B-B14F-4D97-AF65-F5344CB8AC3E}">
+        <p14:creationId xmlns:p14="http://schemas.microsoft.com/office/powerpoint/2010/main" val="4283533916"/>
+      </p:ext>
+    </p:extLst>
+  </p:cSld>
+  <p:clrMapOvr>
+    <a:masterClrMapping/>
+  </p:clrMapOvr>
+  <p:timing>
+    <p:tnLst>
+      <p:par>
+        <p:cTn id="1" dur="indefinite" restart="never" nodeType="tmRoot"/>
+      </p:par>
+    </p:tnLst>
+  </p:timing>
+</p:sld>
+</file>
+
+<file path=ppt/slides/slide13.xml><?xml version="1.0" encoding="utf-8"?>
+<p:sld xmlns:a="http://schemas.openxmlformats.org/drawingml/2006/main" xmlns:r="http://schemas.openxmlformats.org/officeDocument/2006/relationships" xmlns:p="http://schemas.openxmlformats.org/presentationml/2006/main">
+  <p:cSld>
+    <p:spTree>
+      <p:nvGrpSpPr>
+        <p:cNvPr id="1" name=""/>
+        <p:cNvGrpSpPr/>
+        <p:nvPr/>
+      </p:nvGrpSpPr>
+      <p:grpSpPr>
+        <a:xfrm>
+          <a:off x="0" y="0"/>
+          <a:ext cx="0" cy="0"/>
+          <a:chOff x="0" y="0"/>
+          <a:chExt cx="0" cy="0"/>
+        </a:xfrm>
+      </p:grpSpPr>
+      <p:sp>
+        <p:nvSpPr>
+          <p:cNvPr id="2" name="Title 1"/>
+          <p:cNvSpPr>
+            <a:spLocks noGrp="1"/>
+          </p:cNvSpPr>
+          <p:nvPr>
+            <p:ph type="title"/>
+          </p:nvPr>
+        </p:nvSpPr>
+        <p:spPr>
+          <a:xfrm>
+            <a:off x="1" y="381000"/>
+            <a:ext cx="9143999" cy="685800"/>
+          </a:xfrm>
+        </p:spPr>
+        <p:txBody>
+          <a:bodyPr>
+            <a:normAutofit fontScale="90000"/>
+          </a:bodyPr>
+          <a:lstStyle/>
+          <a:p>
+            <a:r>
+              <a:rPr lang="en-US" dirty="0" smtClean="0"/>
+              <a:t>Example F.1</a:t>
+            </a:r>
+            <a:endParaRPr lang="en-US" dirty="0"/>
+          </a:p>
+        </p:txBody>
+      </p:sp>
+      <p:sp>
+        <p:nvSpPr>
+          <p:cNvPr id="3" name="Content Placeholder 2"/>
+          <p:cNvSpPr>
+            <a:spLocks noGrp="1"/>
+          </p:cNvSpPr>
+          <p:nvPr>
+            <p:ph idx="1"/>
+          </p:nvPr>
+        </p:nvSpPr>
+        <p:spPr>
+          <a:xfrm>
+            <a:off x="457200" y="1462087"/>
+            <a:ext cx="8065294" cy="3766185"/>
+          </a:xfrm>
+        </p:spPr>
+        <p:txBody>
+          <a:bodyPr/>
+          <a:lstStyle/>
+          <a:p>
+            <a:endParaRPr lang="en-US" dirty="0"/>
+          </a:p>
+        </p:txBody>
+      </p:sp>
+      <p:sp>
+        <p:nvSpPr>
+          <p:cNvPr id="4" name="Slide Number Placeholder 3"/>
+          <p:cNvSpPr>
+            <a:spLocks noGrp="1"/>
+          </p:cNvSpPr>
+          <p:nvPr>
+            <p:ph type="sldNum" sz="quarter" idx="12"/>
+          </p:nvPr>
+        </p:nvSpPr>
+        <p:spPr/>
+        <p:txBody>
+          <a:bodyPr/>
+          <a:lstStyle/>
+          <a:p>
+            <a:fld id="{07167301-DA6A-464D-A35A-C5160C07AEDB}" type="slidenum">
+              <a:rPr lang="en-US" smtClean="0"/>
+              <a:pPr/>
+              <a:t>13</a:t>
+            </a:fld>
+            <a:endParaRPr lang="en-US" dirty="0"/>
+          </a:p>
+        </p:txBody>
+      </p:sp>
+      <p:sp>
+        <p:nvSpPr>
+          <p:cNvPr id="5" name="Title 1"/>
+          <p:cNvSpPr txBox="1">
+            <a:spLocks/>
+          </p:cNvSpPr>
+          <p:nvPr/>
+        </p:nvSpPr>
+        <p:spPr>
+          <a:xfrm>
+            <a:off x="0" y="3345179"/>
+            <a:ext cx="9143999" cy="685800"/>
+          </a:xfrm>
+          <a:prstGeom prst="rect">
+            <a:avLst/>
+          </a:prstGeom>
+          <a:solidFill>
+            <a:schemeClr val="accent1">
+              <a:lumMod val="20000"/>
+              <a:lumOff val="80000"/>
+            </a:schemeClr>
+          </a:solidFill>
+        </p:spPr>
+        <p:txBody>
+          <a:bodyPr vert="horz" lIns="91440" tIns="45720" rIns="91440" bIns="45720" rtlCol="0" anchor="ctr">
+            <a:normAutofit fontScale="97500" lnSpcReduction="10000"/>
+          </a:bodyPr>
+          <a:lstStyle>
+            <a:lvl1pPr algn="l" defTabSz="914400" rtl="0" eaLnBrk="1" latinLnBrk="0" hangingPunct="1">
+              <a:lnSpc>
+                <a:spcPct val="90000"/>
+              </a:lnSpc>
+              <a:spcBef>
+                <a:spcPct val="0"/>
+              </a:spcBef>
+              <a:buNone/>
+              <a:defRPr sz="4800" kern="1200" spc="-120" baseline="0">
+                <a:solidFill>
+                  <a:schemeClr val="accent1"/>
+                </a:solidFill>
+                <a:latin typeface="+mj-lt"/>
+                <a:ea typeface="+mj-ea"/>
+                <a:cs typeface="+mj-cs"/>
+              </a:defRPr>
+            </a:lvl1pPr>
+          </a:lstStyle>
+          <a:p>
+            <a:endParaRPr lang="en-US" dirty="0"/>
+          </a:p>
+        </p:txBody>
+      </p:sp>
+      <p:pic>
+        <p:nvPicPr>
+          <p:cNvPr id="6" name="Picture 5"/>
+          <p:cNvPicPr>
+            <a:picLocks noChangeAspect="1"/>
+          </p:cNvPicPr>
+          <p:nvPr/>
+        </p:nvPicPr>
+        <p:blipFill>
+          <a:blip r:embed="rId3"/>
+          <a:stretch>
+            <a:fillRect/>
+          </a:stretch>
+        </p:blipFill>
+        <p:spPr>
+          <a:xfrm>
+            <a:off x="457200" y="1066800"/>
+            <a:ext cx="8065294" cy="5410200"/>
+          </a:xfrm>
+          <a:prstGeom prst="rect">
+            <a:avLst/>
+          </a:prstGeom>
+        </p:spPr>
+      </p:pic>
+    </p:spTree>
+    <p:extLst>
+      <p:ext uri="{BB962C8B-B14F-4D97-AF65-F5344CB8AC3E}">
+        <p14:creationId xmlns:p14="http://schemas.microsoft.com/office/powerpoint/2010/main" val="514387587"/>
+      </p:ext>
+    </p:extLst>
+  </p:cSld>
+  <p:clrMapOvr>
+    <a:masterClrMapping/>
+  </p:clrMapOvr>
+  <p:timing>
+    <p:tnLst>
+      <p:par>
+        <p:cTn id="1" dur="indefinite" restart="never" nodeType="tmRoot"/>
+      </p:par>
+    </p:tnLst>
+  </p:timing>
+</p:sld>
+</file>
+
+<file path=ppt/slides/slide14.xml><?xml version="1.0" encoding="utf-8"?>
+<p:sld xmlns:a="http://schemas.openxmlformats.org/drawingml/2006/main" xmlns:r="http://schemas.openxmlformats.org/officeDocument/2006/relationships" xmlns:p="http://schemas.openxmlformats.org/presentationml/2006/main">
+  <p:cSld>
+    <p:spTree>
+      <p:nvGrpSpPr>
+        <p:cNvPr id="1" name=""/>
+        <p:cNvGrpSpPr/>
+        <p:nvPr/>
+      </p:nvGrpSpPr>
+      <p:grpSpPr>
+        <a:xfrm>
+          <a:off x="0" y="0"/>
+          <a:ext cx="0" cy="0"/>
+          <a:chOff x="0" y="0"/>
+          <a:chExt cx="0" cy="0"/>
+        </a:xfrm>
+      </p:grpSpPr>
+      <p:sp>
+        <p:nvSpPr>
+          <p:cNvPr id="2" name="Title 1"/>
+          <p:cNvSpPr>
+            <a:spLocks noGrp="1"/>
+          </p:cNvSpPr>
+          <p:nvPr>
+            <p:ph type="title"/>
+          </p:nvPr>
+        </p:nvSpPr>
+        <p:spPr>
+          <a:xfrm>
+            <a:off x="1" y="381000"/>
+            <a:ext cx="9143999" cy="685800"/>
+          </a:xfrm>
+        </p:spPr>
+        <p:txBody>
+          <a:bodyPr>
+            <a:normAutofit fontScale="90000"/>
+          </a:bodyPr>
+          <a:lstStyle/>
+          <a:p>
+            <a:r>
+              <a:rPr lang="en-US" dirty="0" smtClean="0"/>
+              <a:t>Example F.2</a:t>
+            </a:r>
+            <a:endParaRPr lang="en-US" dirty="0"/>
+          </a:p>
+        </p:txBody>
+      </p:sp>
+      <p:sp>
+        <p:nvSpPr>
+          <p:cNvPr id="3" name="Content Placeholder 2"/>
+          <p:cNvSpPr>
+            <a:spLocks noGrp="1"/>
+          </p:cNvSpPr>
+          <p:nvPr>
+            <p:ph idx="1"/>
+          </p:nvPr>
+        </p:nvSpPr>
+        <p:spPr>
+          <a:xfrm>
+            <a:off x="457200" y="1462087"/>
+            <a:ext cx="8065294" cy="3766185"/>
+          </a:xfrm>
+        </p:spPr>
+        <p:txBody>
+          <a:bodyPr/>
+          <a:lstStyle/>
+          <a:p>
+            <a:endParaRPr lang="en-US" dirty="0"/>
+          </a:p>
+        </p:txBody>
+      </p:sp>
+      <p:sp>
+        <p:nvSpPr>
+          <p:cNvPr id="4" name="Slide Number Placeholder 3"/>
+          <p:cNvSpPr>
+            <a:spLocks noGrp="1"/>
+          </p:cNvSpPr>
+          <p:nvPr>
+            <p:ph type="sldNum" sz="quarter" idx="12"/>
+          </p:nvPr>
+        </p:nvSpPr>
+        <p:spPr/>
+        <p:txBody>
+          <a:bodyPr/>
+          <a:lstStyle/>
+          <a:p>
+            <a:fld id="{07167301-DA6A-464D-A35A-C5160C07AEDB}" type="slidenum">
+              <a:rPr lang="en-US" smtClean="0"/>
+              <a:pPr/>
+              <a:t>14</a:t>
+            </a:fld>
+            <a:endParaRPr lang="en-US" dirty="0"/>
+          </a:p>
+        </p:txBody>
+      </p:sp>
+      <p:sp>
+        <p:nvSpPr>
+          <p:cNvPr id="5" name="Title 1"/>
+          <p:cNvSpPr txBox="1">
+            <a:spLocks/>
+          </p:cNvSpPr>
+          <p:nvPr/>
+        </p:nvSpPr>
+        <p:spPr>
+          <a:xfrm>
+            <a:off x="0" y="3345179"/>
+            <a:ext cx="9143999" cy="685800"/>
+          </a:xfrm>
+          <a:prstGeom prst="rect">
+            <a:avLst/>
+          </a:prstGeom>
+          <a:solidFill>
+            <a:schemeClr val="accent1">
+              <a:lumMod val="20000"/>
+              <a:lumOff val="80000"/>
+            </a:schemeClr>
+          </a:solidFill>
+        </p:spPr>
+        <p:txBody>
+          <a:bodyPr vert="horz" lIns="91440" tIns="45720" rIns="91440" bIns="45720" rtlCol="0" anchor="ctr">
+            <a:normAutofit fontScale="97500" lnSpcReduction="10000"/>
+          </a:bodyPr>
+          <a:lstStyle>
+            <a:lvl1pPr algn="l" defTabSz="914400" rtl="0" eaLnBrk="1" latinLnBrk="0" hangingPunct="1">
+              <a:lnSpc>
+                <a:spcPct val="90000"/>
+              </a:lnSpc>
+              <a:spcBef>
+                <a:spcPct val="0"/>
+              </a:spcBef>
+              <a:buNone/>
+              <a:defRPr sz="4800" kern="1200" spc="-120" baseline="0">
+                <a:solidFill>
+                  <a:schemeClr val="accent1"/>
+                </a:solidFill>
+                <a:latin typeface="+mj-lt"/>
+                <a:ea typeface="+mj-ea"/>
+                <a:cs typeface="+mj-cs"/>
+              </a:defRPr>
+            </a:lvl1pPr>
+          </a:lstStyle>
+          <a:p>
+            <a:endParaRPr lang="en-US" dirty="0"/>
+          </a:p>
+        </p:txBody>
+      </p:sp>
+      <p:pic>
+        <p:nvPicPr>
+          <p:cNvPr id="8" name="Picture 7"/>
+          <p:cNvPicPr>
+            <a:picLocks noChangeAspect="1"/>
+          </p:cNvPicPr>
+          <p:nvPr/>
+        </p:nvPicPr>
+        <p:blipFill>
+          <a:blip r:embed="rId3"/>
+          <a:stretch>
+            <a:fillRect/>
+          </a:stretch>
+        </p:blipFill>
+        <p:spPr>
+          <a:xfrm>
+            <a:off x="457201" y="1612650"/>
+            <a:ext cx="8065294" cy="2514600"/>
+          </a:xfrm>
+          <a:prstGeom prst="rect">
+            <a:avLst/>
+          </a:prstGeom>
+        </p:spPr>
+      </p:pic>
+    </p:spTree>
+    <p:extLst>
+      <p:ext uri="{BB962C8B-B14F-4D97-AF65-F5344CB8AC3E}">
+        <p14:creationId xmlns:p14="http://schemas.microsoft.com/office/powerpoint/2010/main" val="794190994"/>
+      </p:ext>
+    </p:extLst>
+  </p:cSld>
+  <p:clrMapOvr>
+    <a:masterClrMapping/>
+  </p:clrMapOvr>
+  <p:timing>
+    <p:tnLst>
+      <p:par>
+        <p:cTn id="1" dur="indefinite" restart="never" nodeType="tmRoot"/>
+      </p:par>
+    </p:tnLst>
+  </p:timing>
+</p:sld>
+</file>
+
+<file path=ppt/slides/slide15.xml><?xml version="1.0" encoding="utf-8"?>
+<p:sld xmlns:a="http://schemas.openxmlformats.org/drawingml/2006/main" xmlns:r="http://schemas.openxmlformats.org/officeDocument/2006/relationships" xmlns:p="http://schemas.openxmlformats.org/presentationml/2006/main">
+  <p:cSld>
+    <p:spTree>
+      <p:nvGrpSpPr>
+        <p:cNvPr id="1" name=""/>
+        <p:cNvGrpSpPr/>
+        <p:nvPr/>
+      </p:nvGrpSpPr>
+      <p:grpSpPr>
+        <a:xfrm>
+          <a:off x="0" y="0"/>
+          <a:ext cx="0" cy="0"/>
+          <a:chOff x="0" y="0"/>
+          <a:chExt cx="0" cy="0"/>
+        </a:xfrm>
+      </p:grpSpPr>
+      <p:sp>
+        <p:nvSpPr>
+          <p:cNvPr id="2" name="Title 1"/>
+          <p:cNvSpPr>
+            <a:spLocks noGrp="1"/>
+          </p:cNvSpPr>
+          <p:nvPr>
+            <p:ph type="title"/>
+          </p:nvPr>
+        </p:nvSpPr>
+        <p:spPr>
+          <a:xfrm>
+            <a:off x="1" y="381000"/>
+            <a:ext cx="9143999" cy="685800"/>
+          </a:xfrm>
+        </p:spPr>
+        <p:txBody>
+          <a:bodyPr>
+            <a:normAutofit fontScale="90000"/>
+          </a:bodyPr>
+          <a:lstStyle/>
+          <a:p>
+            <a:r>
+              <a:rPr lang="en-US" dirty="0" smtClean="0"/>
+              <a:t>Do one thing</a:t>
+            </a:r>
+            <a:endParaRPr lang="en-US" dirty="0"/>
+          </a:p>
+        </p:txBody>
+      </p:sp>
+      <p:sp>
+        <p:nvSpPr>
+          <p:cNvPr id="3" name="Content Placeholder 2"/>
+          <p:cNvSpPr>
+            <a:spLocks noGrp="1"/>
+          </p:cNvSpPr>
+          <p:nvPr>
+            <p:ph idx="1"/>
+          </p:nvPr>
+        </p:nvSpPr>
+        <p:spPr>
+          <a:xfrm>
+            <a:off x="228599" y="1462087"/>
+            <a:ext cx="8915399" cy="3766185"/>
+          </a:xfrm>
+        </p:spPr>
+        <p:txBody>
+          <a:bodyPr/>
+          <a:lstStyle/>
+          <a:p>
+            <a:pPr lvl="1"/>
+            <a:endParaRPr lang="en-US" dirty="0"/>
+          </a:p>
+          <a:p>
+            <a:pPr lvl="1"/>
+            <a:endParaRPr lang="en-US" dirty="0" smtClean="0"/>
+          </a:p>
+          <a:p>
+            <a:pPr lvl="1"/>
+            <a:endParaRPr lang="en-US" dirty="0"/>
+          </a:p>
+          <a:p>
+            <a:pPr lvl="1"/>
+            <a:endParaRPr lang="en-US" dirty="0" smtClean="0"/>
+          </a:p>
+        </p:txBody>
+      </p:sp>
+      <p:sp>
+        <p:nvSpPr>
+          <p:cNvPr id="4" name="Slide Number Placeholder 3"/>
+          <p:cNvSpPr>
+            <a:spLocks noGrp="1"/>
+          </p:cNvSpPr>
+          <p:nvPr>
+            <p:ph type="sldNum" sz="quarter" idx="12"/>
+          </p:nvPr>
+        </p:nvSpPr>
+        <p:spPr/>
+        <p:txBody>
+          <a:bodyPr/>
+          <a:lstStyle/>
+          <a:p>
+            <a:fld id="{07167301-DA6A-464D-A35A-C5160C07AEDB}" type="slidenum">
+              <a:rPr lang="en-US" smtClean="0"/>
+              <a:pPr/>
+              <a:t>15</a:t>
+            </a:fld>
+            <a:endParaRPr lang="en-US" dirty="0"/>
+          </a:p>
+        </p:txBody>
+      </p:sp>
+      <p:pic>
+        <p:nvPicPr>
+          <p:cNvPr id="10" name="Picture 9"/>
+          <p:cNvPicPr>
+            <a:picLocks noChangeAspect="1"/>
+          </p:cNvPicPr>
+          <p:nvPr/>
+        </p:nvPicPr>
+        <p:blipFill>
+          <a:blip r:embed="rId3"/>
+          <a:stretch>
+            <a:fillRect/>
+          </a:stretch>
+        </p:blipFill>
+        <p:spPr>
+          <a:xfrm>
+            <a:off x="0" y="1752600"/>
+            <a:ext cx="6705599" cy="704850"/>
+          </a:xfrm>
+          <a:prstGeom prst="rect">
+            <a:avLst/>
+          </a:prstGeom>
+        </p:spPr>
+      </p:pic>
+      <p:pic>
+        <p:nvPicPr>
+          <p:cNvPr id="9" name="Picture 8"/>
+          <p:cNvPicPr>
+            <a:picLocks noChangeAspect="1"/>
+          </p:cNvPicPr>
+          <p:nvPr/>
+        </p:nvPicPr>
+        <p:blipFill>
+          <a:blip r:embed="rId4"/>
+          <a:stretch>
+            <a:fillRect/>
+          </a:stretch>
+        </p:blipFill>
+        <p:spPr>
+          <a:xfrm>
+            <a:off x="5915025" y="1462087"/>
+            <a:ext cx="3228975" cy="2600325"/>
+          </a:xfrm>
+          <a:prstGeom prst="rect">
+            <a:avLst/>
+          </a:prstGeom>
+        </p:spPr>
+      </p:pic>
+      <p:sp>
+        <p:nvSpPr>
+          <p:cNvPr id="11" name="Rectangle 10"/>
+          <p:cNvSpPr/>
+          <p:nvPr/>
+        </p:nvSpPr>
+        <p:spPr>
+          <a:xfrm>
+            <a:off x="533400" y="3809999"/>
+            <a:ext cx="8305800" cy="2062163"/>
+          </a:xfrm>
+          <a:prstGeom prst="rect">
+            <a:avLst/>
+          </a:prstGeom>
+        </p:spPr>
+        <p:style>
+          <a:lnRef idx="2">
+            <a:schemeClr val="accent1"/>
+          </a:lnRef>
+          <a:fillRef idx="1">
+            <a:schemeClr val="lt1"/>
+          </a:fillRef>
+          <a:effectRef idx="0">
+            <a:schemeClr val="accent1"/>
+          </a:effectRef>
+          <a:fontRef idx="minor">
+            <a:schemeClr val="dk1"/>
+          </a:fontRef>
+        </p:style>
+        <p:txBody>
+          <a:bodyPr rtlCol="0" anchor="ctr"/>
+          <a:lstStyle/>
+          <a:p>
+            <a:r>
+              <a:rPr lang="en-US" dirty="0" smtClean="0">
+                <a:latin typeface="Arial" panose="020B0604020202020204" pitchFamily="34" charset="0"/>
+                <a:cs typeface="Arial" panose="020B0604020202020204" pitchFamily="34" charset="0"/>
+              </a:rPr>
+              <a:t>The reason why write function is to decompose a larger concept into a set of steps at the next level of abstraction.</a:t>
+            </a:r>
+          </a:p>
+          <a:p>
+            <a:endParaRPr lang="en-US" dirty="0" smtClean="0">
+              <a:latin typeface="Arial" panose="020B0604020202020204" pitchFamily="34" charset="0"/>
+              <a:cs typeface="Arial" panose="020B0604020202020204" pitchFamily="34" charset="0"/>
+            </a:endParaRPr>
+          </a:p>
+          <a:p>
+            <a:pPr marL="285750" indent="-285750">
+              <a:buFont typeface="Wingdings" panose="05000000000000000000" pitchFamily="2" charset="2"/>
+              <a:buChar char="ü"/>
+            </a:pPr>
+            <a:r>
+              <a:rPr lang="en-US" dirty="0" smtClean="0">
+                <a:latin typeface="Arial" panose="020B0604020202020204" pitchFamily="34" charset="0"/>
+                <a:cs typeface="Arial" panose="020B0604020202020204" pitchFamily="34" charset="0"/>
+              </a:rPr>
+              <a:t>The way to know </a:t>
+            </a:r>
+            <a:r>
+              <a:rPr lang="en-US" dirty="0">
+                <a:latin typeface="Arial" panose="020B0604020202020204" pitchFamily="34" charset="0"/>
+                <a:cs typeface="Arial" panose="020B0604020202020204" pitchFamily="34" charset="0"/>
+              </a:rPr>
+              <a:t>that a function is doing more than “one thing” is if you </a:t>
+            </a:r>
+            <a:r>
+              <a:rPr lang="en-US" dirty="0" smtClean="0">
+                <a:latin typeface="Arial" panose="020B0604020202020204" pitchFamily="34" charset="0"/>
+                <a:cs typeface="Arial" panose="020B0604020202020204" pitchFamily="34" charset="0"/>
+              </a:rPr>
+              <a:t>can extract </a:t>
+            </a:r>
+            <a:r>
+              <a:rPr lang="en-US" dirty="0">
+                <a:latin typeface="Arial" panose="020B0604020202020204" pitchFamily="34" charset="0"/>
+                <a:cs typeface="Arial" panose="020B0604020202020204" pitchFamily="34" charset="0"/>
+              </a:rPr>
+              <a:t>another function from it with a name that is not merely a restatement of its </a:t>
+            </a:r>
+            <a:r>
+              <a:rPr lang="en-US" dirty="0" smtClean="0">
+                <a:latin typeface="Arial" panose="020B0604020202020204" pitchFamily="34" charset="0"/>
+                <a:cs typeface="Arial" panose="020B0604020202020204" pitchFamily="34" charset="0"/>
+              </a:rPr>
+              <a:t>implementation.</a:t>
+            </a:r>
+            <a:endParaRPr lang="en-US" dirty="0"/>
+          </a:p>
+        </p:txBody>
+      </p:sp>
+    </p:spTree>
+    <p:extLst>
+      <p:ext uri="{BB962C8B-B14F-4D97-AF65-F5344CB8AC3E}">
+        <p14:creationId xmlns:p14="http://schemas.microsoft.com/office/powerpoint/2010/main" val="188829566"/>
+      </p:ext>
+    </p:extLst>
+  </p:cSld>
+  <p:clrMapOvr>
+    <a:masterClrMapping/>
+  </p:clrMapOvr>
+  <p:timing>
+    <p:tnLst>
+      <p:par>
+        <p:cTn id="1" dur="indefinite" restart="never" nodeType="tmRoot"/>
+      </p:par>
+    </p:tnLst>
+  </p:timing>
+</p:sld>
+</file>
+
+<file path=ppt/slides/slide16.xml><?xml version="1.0" encoding="utf-8"?>
+<p:sld xmlns:a="http://schemas.openxmlformats.org/drawingml/2006/main" xmlns:r="http://schemas.openxmlformats.org/officeDocument/2006/relationships" xmlns:p="http://schemas.openxmlformats.org/presentationml/2006/main">
+  <p:cSld>
+    <p:spTree>
+      <p:nvGrpSpPr>
+        <p:cNvPr id="1" name=""/>
+        <p:cNvGrpSpPr/>
+        <p:nvPr/>
+      </p:nvGrpSpPr>
+      <p:grpSpPr>
+        <a:xfrm>
+          <a:off x="0" y="0"/>
+          <a:ext cx="0" cy="0"/>
+          <a:chOff x="0" y="0"/>
+          <a:chExt cx="0" cy="0"/>
+        </a:xfrm>
+      </p:grpSpPr>
+      <p:sp>
+        <p:nvSpPr>
+          <p:cNvPr id="2" name="Title 1"/>
+          <p:cNvSpPr>
+            <a:spLocks noGrp="1"/>
+          </p:cNvSpPr>
+          <p:nvPr>
+            <p:ph type="title"/>
+          </p:nvPr>
+        </p:nvSpPr>
+        <p:spPr>
+          <a:xfrm>
+            <a:off x="1" y="381000"/>
+            <a:ext cx="9143999" cy="685800"/>
+          </a:xfrm>
+        </p:spPr>
+        <p:txBody>
+          <a:bodyPr>
+            <a:normAutofit fontScale="90000"/>
+          </a:bodyPr>
+          <a:lstStyle/>
+          <a:p>
+            <a:endParaRPr lang="en-US" dirty="0"/>
+          </a:p>
+        </p:txBody>
+      </p:sp>
+      <p:sp>
+        <p:nvSpPr>
+          <p:cNvPr id="3" name="Content Placeholder 2"/>
+          <p:cNvSpPr>
+            <a:spLocks noGrp="1"/>
+          </p:cNvSpPr>
+          <p:nvPr>
+            <p:ph idx="1"/>
+          </p:nvPr>
+        </p:nvSpPr>
+        <p:spPr>
+          <a:xfrm>
+            <a:off x="457200" y="1462087"/>
+            <a:ext cx="8065294" cy="3766185"/>
+          </a:xfrm>
+        </p:spPr>
+        <p:txBody>
+          <a:bodyPr/>
+          <a:lstStyle/>
+          <a:p>
+            <a:endParaRPr lang="en-US" dirty="0"/>
+          </a:p>
+        </p:txBody>
+      </p:sp>
+      <p:sp>
+        <p:nvSpPr>
+          <p:cNvPr id="4" name="Slide Number Placeholder 3"/>
+          <p:cNvSpPr>
+            <a:spLocks noGrp="1"/>
+          </p:cNvSpPr>
+          <p:nvPr>
+            <p:ph type="sldNum" sz="quarter" idx="12"/>
+          </p:nvPr>
+        </p:nvSpPr>
+        <p:spPr/>
+        <p:txBody>
+          <a:bodyPr/>
+          <a:lstStyle/>
+          <a:p>
+            <a:fld id="{07167301-DA6A-464D-A35A-C5160C07AEDB}" type="slidenum">
+              <a:rPr lang="en-US" smtClean="0"/>
+              <a:pPr/>
+              <a:t>16</a:t>
+            </a:fld>
+            <a:endParaRPr lang="en-US" dirty="0"/>
+          </a:p>
+        </p:txBody>
+      </p:sp>
+      <p:sp>
+        <p:nvSpPr>
+          <p:cNvPr id="5" name="Title 1"/>
+          <p:cNvSpPr txBox="1">
+            <a:spLocks/>
+          </p:cNvSpPr>
+          <p:nvPr/>
+        </p:nvSpPr>
+        <p:spPr>
+          <a:xfrm>
+            <a:off x="0" y="3345179"/>
+            <a:ext cx="9143999" cy="685800"/>
+          </a:xfrm>
+          <a:prstGeom prst="rect">
+            <a:avLst/>
+          </a:prstGeom>
+          <a:solidFill>
+            <a:schemeClr val="accent1">
+              <a:lumMod val="20000"/>
+              <a:lumOff val="80000"/>
+            </a:schemeClr>
+          </a:solidFill>
+        </p:spPr>
+        <p:txBody>
+          <a:bodyPr vert="horz" lIns="91440" tIns="45720" rIns="91440" bIns="45720" rtlCol="0" anchor="ctr">
+            <a:normAutofit fontScale="97500" lnSpcReduction="10000"/>
+          </a:bodyPr>
+          <a:lstStyle>
+            <a:lvl1pPr algn="l" defTabSz="914400" rtl="0" eaLnBrk="1" latinLnBrk="0" hangingPunct="1">
+              <a:lnSpc>
+                <a:spcPct val="90000"/>
+              </a:lnSpc>
+              <a:spcBef>
+                <a:spcPct val="0"/>
+              </a:spcBef>
+              <a:buNone/>
+              <a:defRPr sz="4800" kern="1200" spc="-120" baseline="0">
+                <a:solidFill>
+                  <a:schemeClr val="accent1"/>
+                </a:solidFill>
+                <a:latin typeface="+mj-lt"/>
+                <a:ea typeface="+mj-ea"/>
+                <a:cs typeface="+mj-cs"/>
+              </a:defRPr>
+            </a:lvl1pPr>
+          </a:lstStyle>
+          <a:p>
+            <a:endParaRPr lang="en-US" dirty="0"/>
+          </a:p>
+        </p:txBody>
+      </p:sp>
+      <p:pic>
+        <p:nvPicPr>
+          <p:cNvPr id="7" name="Picture 6"/>
+          <p:cNvPicPr>
+            <a:picLocks noChangeAspect="1"/>
+          </p:cNvPicPr>
+          <p:nvPr/>
+        </p:nvPicPr>
+        <p:blipFill>
+          <a:blip r:embed="rId3"/>
+          <a:stretch>
+            <a:fillRect/>
+          </a:stretch>
+        </p:blipFill>
+        <p:spPr>
+          <a:xfrm>
+            <a:off x="0" y="228600"/>
+            <a:ext cx="9144000" cy="6477000"/>
+          </a:xfrm>
+          <a:prstGeom prst="rect">
+            <a:avLst/>
+          </a:prstGeom>
+        </p:spPr>
+      </p:pic>
+    </p:spTree>
+    <p:extLst>
+      <p:ext uri="{BB962C8B-B14F-4D97-AF65-F5344CB8AC3E}">
+        <p14:creationId xmlns:p14="http://schemas.microsoft.com/office/powerpoint/2010/main" val="1545139097"/>
+      </p:ext>
+    </p:extLst>
+  </p:cSld>
+  <p:clrMapOvr>
+    <a:masterClrMapping/>
+  </p:clrMapOvr>
+  <p:timing>
+    <p:tnLst>
+      <p:par>
+        <p:cTn id="1" dur="indefinite" restart="never" nodeType="tmRoot"/>
+      </p:par>
+    </p:tnLst>
+  </p:timing>
+</p:sld>
+</file>
+
+<file path=ppt/slides/slide17.xml><?xml version="1.0" encoding="utf-8"?>
+<p:sld xmlns:a="http://schemas.openxmlformats.org/drawingml/2006/main" xmlns:r="http://schemas.openxmlformats.org/officeDocument/2006/relationships" xmlns:p="http://schemas.openxmlformats.org/presentationml/2006/main">
+  <p:cSld>
+    <p:spTree>
+      <p:nvGrpSpPr>
+        <p:cNvPr id="1" name=""/>
+        <p:cNvGrpSpPr/>
+        <p:nvPr/>
+      </p:nvGrpSpPr>
+      <p:grpSpPr>
+        <a:xfrm>
+          <a:off x="0" y="0"/>
+          <a:ext cx="0" cy="0"/>
+          <a:chOff x="0" y="0"/>
+          <a:chExt cx="0" cy="0"/>
+        </a:xfrm>
+      </p:grpSpPr>
+      <p:sp>
+        <p:nvSpPr>
+          <p:cNvPr id="2" name="Title 1"/>
+          <p:cNvSpPr>
+            <a:spLocks noGrp="1"/>
+          </p:cNvSpPr>
+          <p:nvPr>
+            <p:ph type="title"/>
+          </p:nvPr>
+        </p:nvSpPr>
+        <p:spPr>
+          <a:xfrm>
+            <a:off x="1" y="381000"/>
+            <a:ext cx="9143999" cy="685800"/>
+          </a:xfrm>
+        </p:spPr>
+        <p:txBody>
+          <a:bodyPr>
+            <a:normAutofit fontScale="90000"/>
+          </a:bodyPr>
+          <a:lstStyle/>
+          <a:p>
+            <a:r>
+              <a:rPr lang="en-US" dirty="0" smtClean="0"/>
+              <a:t>One level of abstraction</a:t>
+            </a:r>
+            <a:endParaRPr lang="en-US" dirty="0"/>
+          </a:p>
+        </p:txBody>
+      </p:sp>
+      <p:sp>
+        <p:nvSpPr>
+          <p:cNvPr id="3" name="Content Placeholder 2"/>
+          <p:cNvSpPr>
+            <a:spLocks noGrp="1"/>
+          </p:cNvSpPr>
+          <p:nvPr>
+            <p:ph idx="1"/>
+          </p:nvPr>
+        </p:nvSpPr>
+        <p:spPr>
+          <a:xfrm>
+            <a:off x="228599" y="1462087"/>
+            <a:ext cx="8915399" cy="5167313"/>
+          </a:xfrm>
+        </p:spPr>
+        <p:txBody>
+          <a:bodyPr>
+            <a:normAutofit/>
+          </a:bodyPr>
+          <a:lstStyle/>
+          <a:p>
+            <a:pPr lvl="1"/>
+            <a:r>
+              <a:rPr lang="en-US" dirty="0" smtClean="0"/>
+              <a:t>Mixing level of abstraction within functions are always confusing.</a:t>
+            </a:r>
+          </a:p>
+          <a:p>
+            <a:pPr lvl="1">
+              <a:buFont typeface="Wingdings" panose="05000000000000000000" pitchFamily="2" charset="2"/>
+              <a:buChar char="ü"/>
+            </a:pPr>
+            <a:r>
+              <a:rPr lang="en-US" dirty="0"/>
+              <a:t>In order to make sure function is doing “one thing”, we need to make sure that the statements should be all the same level of abstraction</a:t>
+            </a:r>
+          </a:p>
+          <a:p>
+            <a:pPr lvl="1"/>
+            <a:endParaRPr lang="en-US" dirty="0"/>
+          </a:p>
+          <a:p>
+            <a:pPr lvl="1"/>
+            <a:endParaRPr lang="en-US" dirty="0" smtClean="0"/>
+          </a:p>
+          <a:p>
+            <a:pPr lvl="1"/>
+            <a:endParaRPr lang="en-US" dirty="0"/>
+          </a:p>
+          <a:p>
+            <a:pPr lvl="1"/>
+            <a:endParaRPr lang="en-US" dirty="0" smtClean="0"/>
+          </a:p>
+          <a:p>
+            <a:pPr lvl="1"/>
+            <a:r>
+              <a:rPr lang="en-US" dirty="0" smtClean="0"/>
+              <a:t>Choosing a descriptive names will clarify the design of module in your mind and help you improve it.</a:t>
+            </a:r>
+            <a:endParaRPr lang="en-US" dirty="0"/>
+          </a:p>
+          <a:p>
+            <a:pPr lvl="1">
+              <a:buFont typeface="Wingdings" panose="05000000000000000000" pitchFamily="2" charset="2"/>
+              <a:buChar char="ü"/>
+            </a:pPr>
+            <a:r>
+              <a:rPr lang="en-US" dirty="0" smtClean="0"/>
+              <a:t>The smaller and more focused are the function, the easier it is to choose a descriptive name.</a:t>
+            </a:r>
+          </a:p>
+          <a:p>
+            <a:pPr lvl="1"/>
+            <a:endParaRPr lang="en-US" dirty="0"/>
+          </a:p>
+          <a:p>
+            <a:pPr lvl="1"/>
+            <a:endParaRPr lang="en-US" dirty="0" smtClean="0"/>
+          </a:p>
+        </p:txBody>
+      </p:sp>
+      <p:sp>
+        <p:nvSpPr>
+          <p:cNvPr id="4" name="Slide Number Placeholder 3"/>
+          <p:cNvSpPr>
+            <a:spLocks noGrp="1"/>
+          </p:cNvSpPr>
+          <p:nvPr>
+            <p:ph type="sldNum" sz="quarter" idx="12"/>
+          </p:nvPr>
+        </p:nvSpPr>
+        <p:spPr/>
+        <p:txBody>
+          <a:bodyPr/>
+          <a:lstStyle/>
+          <a:p>
+            <a:fld id="{07167301-DA6A-464D-A35A-C5160C07AEDB}" type="slidenum">
+              <a:rPr lang="en-US" smtClean="0"/>
+              <a:pPr/>
+              <a:t>17</a:t>
+            </a:fld>
+            <a:endParaRPr lang="en-US" dirty="0"/>
+          </a:p>
+        </p:txBody>
+      </p:sp>
+      <p:sp>
+        <p:nvSpPr>
+          <p:cNvPr id="8" name="Content Placeholder 2"/>
+          <p:cNvSpPr txBox="1">
+            <a:spLocks/>
+          </p:cNvSpPr>
+          <p:nvPr/>
+        </p:nvSpPr>
+        <p:spPr>
+          <a:xfrm>
+            <a:off x="507206" y="1993393"/>
+            <a:ext cx="8065294" cy="3766185"/>
+          </a:xfrm>
+          <a:prstGeom prst="rect">
+            <a:avLst/>
+          </a:prstGeom>
+        </p:spPr>
+        <p:txBody>
+          <a:bodyPr vert="horz" lIns="91440" tIns="45720" rIns="91440" bIns="45720" rtlCol="0">
+            <a:normAutofit/>
+          </a:bodyPr>
+          <a:lstStyle>
+            <a:lvl1pPr marL="91440" indent="-91440" algn="l" defTabSz="914400" rtl="0" eaLnBrk="1" latinLnBrk="0" hangingPunct="1">
+              <a:lnSpc>
+                <a:spcPct val="85000"/>
+              </a:lnSpc>
+              <a:spcBef>
+                <a:spcPts val="1300"/>
+              </a:spcBef>
+              <a:buFont typeface="Arial" pitchFamily="34" charset="0"/>
+              <a:buChar char=" "/>
+              <a:defRPr sz="2400" kern="1200">
+                <a:solidFill>
+                  <a:schemeClr val="tx1">
+                    <a:lumMod val="85000"/>
+                    <a:lumOff val="15000"/>
+                  </a:schemeClr>
+                </a:solidFill>
+                <a:latin typeface="+mn-lt"/>
+                <a:ea typeface="+mn-ea"/>
+                <a:cs typeface="+mn-cs"/>
+              </a:defRPr>
+            </a:lvl1pPr>
+            <a:lvl2pPr marL="274320" indent="-342900" algn="l" defTabSz="914400" rtl="0" eaLnBrk="1" latinLnBrk="0" hangingPunct="1">
+              <a:lnSpc>
+                <a:spcPct val="85000"/>
+              </a:lnSpc>
+              <a:spcBef>
+                <a:spcPts val="600"/>
+              </a:spcBef>
+              <a:buFont typeface="Wingdings" panose="05000000000000000000" pitchFamily="2" charset="2"/>
+              <a:buChar char="Ø"/>
+              <a:defRPr sz="2400" kern="1200">
+                <a:solidFill>
+                  <a:schemeClr val="tx1">
+                    <a:lumMod val="85000"/>
+                    <a:lumOff val="15000"/>
+                  </a:schemeClr>
+                </a:solidFill>
+                <a:latin typeface="+mn-lt"/>
+                <a:ea typeface="+mn-ea"/>
+                <a:cs typeface="+mn-cs"/>
+              </a:defRPr>
+            </a:lvl2pPr>
+            <a:lvl3pPr marL="548640" indent="-548640" algn="l" defTabSz="914400" rtl="0" eaLnBrk="1" latinLnBrk="0" hangingPunct="1">
+              <a:lnSpc>
+                <a:spcPct val="85000"/>
+              </a:lnSpc>
+              <a:spcBef>
+                <a:spcPts val="600"/>
+              </a:spcBef>
+              <a:buFont typeface="Arial" pitchFamily="34" charset="0"/>
+              <a:buChar char="•"/>
+              <a:defRPr sz="2000" i="1" kern="1200">
+                <a:solidFill>
+                  <a:schemeClr val="tx1">
+                    <a:lumMod val="85000"/>
+                    <a:lumOff val="15000"/>
+                  </a:schemeClr>
+                </a:solidFill>
+                <a:latin typeface="+mn-lt"/>
+                <a:ea typeface="+mn-ea"/>
+                <a:cs typeface="+mn-cs"/>
+              </a:defRPr>
+            </a:lvl3pPr>
+            <a:lvl4pPr marL="822960" indent="-822960" algn="l" defTabSz="914400" rtl="0" eaLnBrk="1" latinLnBrk="0" hangingPunct="1">
+              <a:lnSpc>
+                <a:spcPct val="85000"/>
+              </a:lnSpc>
+              <a:spcBef>
+                <a:spcPts val="600"/>
+              </a:spcBef>
+              <a:buFont typeface="Arial" pitchFamily="34" charset="0"/>
+              <a:buChar char=" "/>
+              <a:defRPr sz="1800" kern="1200">
+                <a:solidFill>
+                  <a:schemeClr val="tx1">
+                    <a:lumMod val="85000"/>
+                    <a:lumOff val="15000"/>
+                  </a:schemeClr>
+                </a:solidFill>
+                <a:latin typeface="+mn-lt"/>
+                <a:ea typeface="+mn-ea"/>
+                <a:cs typeface="+mn-cs"/>
+              </a:defRPr>
+            </a:lvl4pPr>
+            <a:lvl5pPr marL="1097280" indent="-1097280" algn="l" defTabSz="914400" rtl="0" eaLnBrk="1" latinLnBrk="0" hangingPunct="1">
+              <a:lnSpc>
+                <a:spcPct val="85000"/>
+              </a:lnSpc>
+              <a:spcBef>
+                <a:spcPts val="600"/>
+              </a:spcBef>
+              <a:buFont typeface="Arial" pitchFamily="34" charset="0"/>
+              <a:buChar char=" "/>
+              <a:defRPr sz="1800" kern="1200">
+                <a:solidFill>
+                  <a:schemeClr val="tx1">
+                    <a:lumMod val="85000"/>
+                    <a:lumOff val="15000"/>
+                  </a:schemeClr>
+                </a:solidFill>
+                <a:latin typeface="+mn-lt"/>
+                <a:ea typeface="+mn-ea"/>
+                <a:cs typeface="+mn-cs"/>
+              </a:defRPr>
+            </a:lvl5pPr>
+            <a:lvl6pPr marL="1200000" indent="-228600" algn="l" defTabSz="914400" rtl="0" eaLnBrk="1" latinLnBrk="0" hangingPunct="1">
+              <a:lnSpc>
+                <a:spcPct val="85000"/>
+              </a:lnSpc>
+              <a:spcBef>
+                <a:spcPts val="600"/>
+              </a:spcBef>
+              <a:buFont typeface="Arial" pitchFamily="34" charset="0"/>
+              <a:buChar char=" "/>
+              <a:defRPr sz="1800" kern="1200">
+                <a:solidFill>
+                  <a:schemeClr val="tx1">
+                    <a:lumMod val="85000"/>
+                    <a:lumOff val="15000"/>
+                  </a:schemeClr>
+                </a:solidFill>
+                <a:latin typeface="+mn-lt"/>
+                <a:ea typeface="+mn-ea"/>
+                <a:cs typeface="+mn-cs"/>
+              </a:defRPr>
+            </a:lvl6pPr>
+            <a:lvl7pPr marL="1400000" indent="-228600" algn="l" defTabSz="914400" rtl="0" eaLnBrk="1" latinLnBrk="0" hangingPunct="1">
+              <a:lnSpc>
+                <a:spcPct val="85000"/>
+              </a:lnSpc>
+              <a:spcBef>
+                <a:spcPts val="600"/>
+              </a:spcBef>
+              <a:buFont typeface="Arial" pitchFamily="34" charset="0"/>
+              <a:buChar char=" "/>
+              <a:defRPr sz="1800" kern="1200">
+                <a:solidFill>
+                  <a:schemeClr val="tx1">
+                    <a:lumMod val="85000"/>
+                    <a:lumOff val="15000"/>
+                  </a:schemeClr>
+                </a:solidFill>
+                <a:latin typeface="+mn-lt"/>
+                <a:ea typeface="+mn-ea"/>
+                <a:cs typeface="+mn-cs"/>
+              </a:defRPr>
+            </a:lvl7pPr>
+            <a:lvl8pPr marL="1600000" indent="-228600" algn="l" defTabSz="914400" rtl="0" eaLnBrk="1" latinLnBrk="0" hangingPunct="1">
+              <a:lnSpc>
+                <a:spcPct val="85000"/>
+              </a:lnSpc>
+              <a:spcBef>
+                <a:spcPts val="600"/>
+              </a:spcBef>
+              <a:buFont typeface="Arial" pitchFamily="34" charset="0"/>
+              <a:buChar char=" "/>
+              <a:defRPr sz="1800" kern="1200">
+                <a:solidFill>
+                  <a:schemeClr val="tx1">
+                    <a:lumMod val="85000"/>
+                    <a:lumOff val="15000"/>
+                  </a:schemeClr>
+                </a:solidFill>
+                <a:latin typeface="+mn-lt"/>
+                <a:ea typeface="+mn-ea"/>
+                <a:cs typeface="+mn-cs"/>
+              </a:defRPr>
+            </a:lvl8pPr>
+            <a:lvl9pPr marL="1800000" indent="-228600" algn="l" defTabSz="914400" rtl="0" eaLnBrk="1" latinLnBrk="0" hangingPunct="1">
+              <a:lnSpc>
+                <a:spcPct val="85000"/>
+              </a:lnSpc>
+              <a:spcBef>
+                <a:spcPts val="600"/>
+              </a:spcBef>
+              <a:buFont typeface="Arial" pitchFamily="34" charset="0"/>
+              <a:buChar char=" "/>
+              <a:defRPr sz="1800" kern="1200">
+                <a:solidFill>
+                  <a:schemeClr val="tx1">
+                    <a:lumMod val="85000"/>
+                    <a:lumOff val="15000"/>
+                  </a:schemeClr>
+                </a:solidFill>
+                <a:latin typeface="+mn-lt"/>
+                <a:ea typeface="+mn-ea"/>
+                <a:cs typeface="+mn-cs"/>
+              </a:defRPr>
+            </a:lvl9pPr>
+          </a:lstStyle>
+          <a:p>
+            <a:endParaRPr lang="en-US" dirty="0"/>
+          </a:p>
+        </p:txBody>
+      </p:sp>
+      <p:sp>
+        <p:nvSpPr>
+          <p:cNvPr id="12" name="Title 1"/>
+          <p:cNvSpPr txBox="1">
+            <a:spLocks/>
+          </p:cNvSpPr>
+          <p:nvPr/>
+        </p:nvSpPr>
+        <p:spPr>
+          <a:xfrm>
+            <a:off x="1" y="3533585"/>
+            <a:ext cx="9143999" cy="685800"/>
+          </a:xfrm>
+          <a:prstGeom prst="rect">
+            <a:avLst/>
+          </a:prstGeom>
+          <a:solidFill>
+            <a:schemeClr val="accent1">
+              <a:lumMod val="20000"/>
+              <a:lumOff val="80000"/>
+            </a:schemeClr>
+          </a:solidFill>
+        </p:spPr>
+        <p:txBody>
+          <a:bodyPr vert="horz" lIns="91440" tIns="45720" rIns="91440" bIns="45720" rtlCol="0" anchor="ctr">
+            <a:normAutofit fontScale="97500" lnSpcReduction="10000"/>
+          </a:bodyPr>
+          <a:lstStyle>
+            <a:lvl1pPr algn="l" defTabSz="914400" rtl="0" eaLnBrk="1" latinLnBrk="0" hangingPunct="1">
+              <a:lnSpc>
+                <a:spcPct val="90000"/>
+              </a:lnSpc>
+              <a:spcBef>
+                <a:spcPct val="0"/>
+              </a:spcBef>
+              <a:buNone/>
+              <a:defRPr sz="4800" kern="1200" spc="-120" baseline="0">
+                <a:solidFill>
+                  <a:schemeClr val="accent1"/>
+                </a:solidFill>
+                <a:latin typeface="+mj-lt"/>
+                <a:ea typeface="+mj-ea"/>
+                <a:cs typeface="+mj-cs"/>
+              </a:defRPr>
+            </a:lvl1pPr>
+          </a:lstStyle>
+          <a:p>
+            <a:r>
+              <a:rPr lang="en-US" dirty="0" smtClean="0"/>
+              <a:t>Descriptive name</a:t>
+            </a:r>
+            <a:endParaRPr lang="en-US" dirty="0"/>
+          </a:p>
+        </p:txBody>
+      </p:sp>
+    </p:spTree>
+    <p:extLst>
+      <p:ext uri="{BB962C8B-B14F-4D97-AF65-F5344CB8AC3E}">
+        <p14:creationId xmlns:p14="http://schemas.microsoft.com/office/powerpoint/2010/main" val="1419248429"/>
+      </p:ext>
+    </p:extLst>
+  </p:cSld>
+  <p:clrMapOvr>
+    <a:masterClrMapping/>
+  </p:clrMapOvr>
+  <p:timing>
+    <p:tnLst>
+      <p:par>
+        <p:cTn id="1" dur="indefinite" restart="never" nodeType="tmRoot"/>
+      </p:par>
+    </p:tnLst>
+  </p:timing>
+</p:sld>
+</file>
+
+<file path=ppt/slides/slide18.xml><?xml version="1.0" encoding="utf-8"?>
+<p:sld xmlns:a="http://schemas.openxmlformats.org/drawingml/2006/main" xmlns:r="http://schemas.openxmlformats.org/officeDocument/2006/relationships" xmlns:p="http://schemas.openxmlformats.org/presentationml/2006/main">
+  <p:cSld>
+    <p:spTree>
+      <p:nvGrpSpPr>
+        <p:cNvPr id="1" name=""/>
+        <p:cNvGrpSpPr/>
+        <p:nvPr/>
+      </p:nvGrpSpPr>
+      <p:grpSpPr>
+        <a:xfrm>
+          <a:off x="0" y="0"/>
+          <a:ext cx="0" cy="0"/>
+          <a:chOff x="0" y="0"/>
+          <a:chExt cx="0" cy="0"/>
+        </a:xfrm>
+      </p:grpSpPr>
+      <p:sp>
+        <p:nvSpPr>
+          <p:cNvPr id="2" name="Title 1"/>
+          <p:cNvSpPr>
+            <a:spLocks noGrp="1"/>
+          </p:cNvSpPr>
+          <p:nvPr>
+            <p:ph type="title"/>
+          </p:nvPr>
+        </p:nvSpPr>
+        <p:spPr>
+          <a:xfrm>
+            <a:off x="1" y="381000"/>
+            <a:ext cx="9143999" cy="685800"/>
+          </a:xfrm>
+        </p:spPr>
+        <p:txBody>
+          <a:bodyPr>
+            <a:normAutofit fontScale="90000"/>
+          </a:bodyPr>
+          <a:lstStyle/>
+          <a:p>
+            <a:r>
+              <a:rPr lang="en-US" dirty="0" smtClean="0"/>
+              <a:t>Function arguments</a:t>
+            </a:r>
+            <a:endParaRPr lang="en-US" dirty="0"/>
+          </a:p>
+        </p:txBody>
+      </p:sp>
+      <p:sp>
+        <p:nvSpPr>
+          <p:cNvPr id="3" name="Content Placeholder 2"/>
+          <p:cNvSpPr>
+            <a:spLocks noGrp="1"/>
+          </p:cNvSpPr>
+          <p:nvPr>
+            <p:ph idx="1"/>
+          </p:nvPr>
+        </p:nvSpPr>
+        <p:spPr>
+          <a:xfrm>
+            <a:off x="228599" y="1462087"/>
+            <a:ext cx="8915399" cy="5167313"/>
+          </a:xfrm>
+        </p:spPr>
+        <p:txBody>
+          <a:bodyPr>
+            <a:normAutofit/>
+          </a:bodyPr>
+          <a:lstStyle/>
+          <a:p>
+            <a:pPr lvl="1"/>
+            <a:r>
+              <a:rPr lang="en-US" dirty="0" smtClean="0"/>
+              <a:t>Number of function arguments:</a:t>
+            </a:r>
+          </a:p>
+          <a:p>
+            <a:pPr lvl="2"/>
+            <a:r>
+              <a:rPr lang="en-US" dirty="0" smtClean="0"/>
+              <a:t>Zero =&gt; Idea</a:t>
+            </a:r>
+          </a:p>
+          <a:p>
+            <a:pPr lvl="2"/>
+            <a:r>
+              <a:rPr lang="en-US" dirty="0" smtClean="0"/>
+              <a:t>One, Two =&gt; Fine</a:t>
+            </a:r>
+          </a:p>
+          <a:p>
+            <a:pPr lvl="2"/>
+            <a:r>
+              <a:rPr lang="en-US" dirty="0" smtClean="0"/>
+              <a:t>Three =&gt; Should be avoided</a:t>
+            </a:r>
+            <a:endParaRPr lang="en-US" dirty="0"/>
+          </a:p>
+          <a:p>
+            <a:pPr lvl="1"/>
+            <a:r>
+              <a:rPr lang="en-US" dirty="0" smtClean="0"/>
+              <a:t>Argument are even harder from testing point of view</a:t>
+            </a:r>
+          </a:p>
+          <a:p>
+            <a:pPr lvl="2"/>
+            <a:r>
+              <a:rPr lang="en-US" dirty="0" smtClean="0"/>
+              <a:t>It need to check a various combination of argument to make sure it work properly.</a:t>
+            </a:r>
+          </a:p>
+          <a:p>
+            <a:pPr lvl="1"/>
+            <a:r>
+              <a:rPr lang="en-US" dirty="0" smtClean="0"/>
+              <a:t>Output arguments is harder to understand than input argument.</a:t>
+            </a:r>
+          </a:p>
+          <a:p>
+            <a:pPr lvl="2"/>
+            <a:r>
+              <a:rPr lang="en-US" dirty="0" err="1" smtClean="0"/>
+              <a:t>appendFooter</a:t>
+            </a:r>
+            <a:r>
+              <a:rPr lang="en-US" dirty="0" smtClean="0"/>
+              <a:t>(s)</a:t>
+            </a:r>
+          </a:p>
+          <a:p>
+            <a:pPr lvl="2"/>
+            <a:endParaRPr lang="en-US" dirty="0"/>
+          </a:p>
+          <a:p>
+            <a:pPr lvl="1"/>
+            <a:endParaRPr lang="en-US" dirty="0" smtClean="0"/>
+          </a:p>
+          <a:p>
+            <a:pPr lvl="1"/>
+            <a:endParaRPr lang="en-US" dirty="0"/>
+          </a:p>
+          <a:p>
+            <a:pPr lvl="1"/>
+            <a:r>
+              <a:rPr lang="en-US" dirty="0" smtClean="0"/>
+              <a:t>Passing a Boolean into a function is truly terrible practice.</a:t>
+            </a:r>
+          </a:p>
+          <a:p>
+            <a:pPr lvl="1">
+              <a:buFont typeface="Wingdings" panose="05000000000000000000" pitchFamily="2" charset="2"/>
+              <a:buChar char="ü"/>
+            </a:pPr>
+            <a:r>
+              <a:rPr lang="en-US" dirty="0" smtClean="0"/>
+              <a:t>Split it into smaller function instead.</a:t>
+            </a:r>
+          </a:p>
+        </p:txBody>
+      </p:sp>
+      <p:sp>
+        <p:nvSpPr>
+          <p:cNvPr id="4" name="Slide Number Placeholder 3"/>
+          <p:cNvSpPr>
+            <a:spLocks noGrp="1"/>
+          </p:cNvSpPr>
+          <p:nvPr>
+            <p:ph type="sldNum" sz="quarter" idx="12"/>
+          </p:nvPr>
+        </p:nvSpPr>
+        <p:spPr/>
+        <p:txBody>
+          <a:bodyPr/>
+          <a:lstStyle/>
+          <a:p>
+            <a:fld id="{07167301-DA6A-464D-A35A-C5160C07AEDB}" type="slidenum">
+              <a:rPr lang="en-US" smtClean="0"/>
+              <a:pPr/>
+              <a:t>18</a:t>
+            </a:fld>
+            <a:endParaRPr lang="en-US" dirty="0"/>
+          </a:p>
+        </p:txBody>
+      </p:sp>
+      <p:sp>
+        <p:nvSpPr>
+          <p:cNvPr id="8" name="Content Placeholder 2"/>
+          <p:cNvSpPr txBox="1">
+            <a:spLocks/>
+          </p:cNvSpPr>
+          <p:nvPr/>
+        </p:nvSpPr>
+        <p:spPr>
+          <a:xfrm>
+            <a:off x="507206" y="1993393"/>
+            <a:ext cx="8065294" cy="3766185"/>
+          </a:xfrm>
+          <a:prstGeom prst="rect">
+            <a:avLst/>
+          </a:prstGeom>
+        </p:spPr>
+        <p:txBody>
+          <a:bodyPr vert="horz" lIns="91440" tIns="45720" rIns="91440" bIns="45720" rtlCol="0">
+            <a:normAutofit/>
+          </a:bodyPr>
+          <a:lstStyle>
+            <a:lvl1pPr marL="91440" indent="-91440" algn="l" defTabSz="914400" rtl="0" eaLnBrk="1" latinLnBrk="0" hangingPunct="1">
+              <a:lnSpc>
+                <a:spcPct val="85000"/>
+              </a:lnSpc>
+              <a:spcBef>
+                <a:spcPts val="1300"/>
+              </a:spcBef>
+              <a:buFont typeface="Arial" pitchFamily="34" charset="0"/>
+              <a:buChar char=" "/>
+              <a:defRPr sz="2400" kern="1200">
+                <a:solidFill>
+                  <a:schemeClr val="tx1">
+                    <a:lumMod val="85000"/>
+                    <a:lumOff val="15000"/>
+                  </a:schemeClr>
+                </a:solidFill>
+                <a:latin typeface="+mn-lt"/>
+                <a:ea typeface="+mn-ea"/>
+                <a:cs typeface="+mn-cs"/>
+              </a:defRPr>
+            </a:lvl1pPr>
+            <a:lvl2pPr marL="274320" indent="-342900" algn="l" defTabSz="914400" rtl="0" eaLnBrk="1" latinLnBrk="0" hangingPunct="1">
+              <a:lnSpc>
+                <a:spcPct val="85000"/>
+              </a:lnSpc>
+              <a:spcBef>
+                <a:spcPts val="600"/>
+              </a:spcBef>
+              <a:buFont typeface="Wingdings" panose="05000000000000000000" pitchFamily="2" charset="2"/>
+              <a:buChar char="Ø"/>
+              <a:defRPr sz="2400" kern="1200">
+                <a:solidFill>
+                  <a:schemeClr val="tx1">
+                    <a:lumMod val="85000"/>
+                    <a:lumOff val="15000"/>
+                  </a:schemeClr>
+                </a:solidFill>
+                <a:latin typeface="+mn-lt"/>
+                <a:ea typeface="+mn-ea"/>
+                <a:cs typeface="+mn-cs"/>
+              </a:defRPr>
+            </a:lvl2pPr>
+            <a:lvl3pPr marL="548640" indent="-548640" algn="l" defTabSz="914400" rtl="0" eaLnBrk="1" latinLnBrk="0" hangingPunct="1">
+              <a:lnSpc>
+                <a:spcPct val="85000"/>
+              </a:lnSpc>
+              <a:spcBef>
+                <a:spcPts val="600"/>
+              </a:spcBef>
+              <a:buFont typeface="Arial" pitchFamily="34" charset="0"/>
+              <a:buChar char="•"/>
+              <a:defRPr sz="2000" i="1" kern="1200">
+                <a:solidFill>
+                  <a:schemeClr val="tx1">
+                    <a:lumMod val="85000"/>
+                    <a:lumOff val="15000"/>
+                  </a:schemeClr>
+                </a:solidFill>
+                <a:latin typeface="+mn-lt"/>
+                <a:ea typeface="+mn-ea"/>
+                <a:cs typeface="+mn-cs"/>
+              </a:defRPr>
+            </a:lvl3pPr>
+            <a:lvl4pPr marL="822960" indent="-822960" algn="l" defTabSz="914400" rtl="0" eaLnBrk="1" latinLnBrk="0" hangingPunct="1">
+              <a:lnSpc>
+                <a:spcPct val="85000"/>
+              </a:lnSpc>
+              <a:spcBef>
+                <a:spcPts val="600"/>
+              </a:spcBef>
+              <a:buFont typeface="Arial" pitchFamily="34" charset="0"/>
+              <a:buChar char=" "/>
+              <a:defRPr sz="1800" kern="1200">
+                <a:solidFill>
+                  <a:schemeClr val="tx1">
+                    <a:lumMod val="85000"/>
+                    <a:lumOff val="15000"/>
+                  </a:schemeClr>
+                </a:solidFill>
+                <a:latin typeface="+mn-lt"/>
+                <a:ea typeface="+mn-ea"/>
+                <a:cs typeface="+mn-cs"/>
+              </a:defRPr>
+            </a:lvl4pPr>
+            <a:lvl5pPr marL="1097280" indent="-1097280" algn="l" defTabSz="914400" rtl="0" eaLnBrk="1" latinLnBrk="0" hangingPunct="1">
+              <a:lnSpc>
+                <a:spcPct val="85000"/>
+              </a:lnSpc>
+              <a:spcBef>
+                <a:spcPts val="600"/>
+              </a:spcBef>
+              <a:buFont typeface="Arial" pitchFamily="34" charset="0"/>
+              <a:buChar char=" "/>
+              <a:defRPr sz="1800" kern="1200">
+                <a:solidFill>
+                  <a:schemeClr val="tx1">
+                    <a:lumMod val="85000"/>
+                    <a:lumOff val="15000"/>
+                  </a:schemeClr>
+                </a:solidFill>
+                <a:latin typeface="+mn-lt"/>
+                <a:ea typeface="+mn-ea"/>
+                <a:cs typeface="+mn-cs"/>
+              </a:defRPr>
+            </a:lvl5pPr>
+            <a:lvl6pPr marL="1200000" indent="-228600" algn="l" defTabSz="914400" rtl="0" eaLnBrk="1" latinLnBrk="0" hangingPunct="1">
+              <a:lnSpc>
+                <a:spcPct val="85000"/>
+              </a:lnSpc>
+              <a:spcBef>
+                <a:spcPts val="600"/>
+              </a:spcBef>
+              <a:buFont typeface="Arial" pitchFamily="34" charset="0"/>
+              <a:buChar char=" "/>
+              <a:defRPr sz="1800" kern="1200">
+                <a:solidFill>
+                  <a:schemeClr val="tx1">
+                    <a:lumMod val="85000"/>
+                    <a:lumOff val="15000"/>
+                  </a:schemeClr>
+                </a:solidFill>
+                <a:latin typeface="+mn-lt"/>
+                <a:ea typeface="+mn-ea"/>
+                <a:cs typeface="+mn-cs"/>
+              </a:defRPr>
+            </a:lvl6pPr>
+            <a:lvl7pPr marL="1400000" indent="-228600" algn="l" defTabSz="914400" rtl="0" eaLnBrk="1" latinLnBrk="0" hangingPunct="1">
+              <a:lnSpc>
+                <a:spcPct val="85000"/>
+              </a:lnSpc>
+              <a:spcBef>
+                <a:spcPts val="600"/>
+              </a:spcBef>
+              <a:buFont typeface="Arial" pitchFamily="34" charset="0"/>
+              <a:buChar char=" "/>
+              <a:defRPr sz="1800" kern="1200">
+                <a:solidFill>
+                  <a:schemeClr val="tx1">
+                    <a:lumMod val="85000"/>
+                    <a:lumOff val="15000"/>
+                  </a:schemeClr>
+                </a:solidFill>
+                <a:latin typeface="+mn-lt"/>
+                <a:ea typeface="+mn-ea"/>
+                <a:cs typeface="+mn-cs"/>
+              </a:defRPr>
+            </a:lvl7pPr>
+            <a:lvl8pPr marL="1600000" indent="-228600" algn="l" defTabSz="914400" rtl="0" eaLnBrk="1" latinLnBrk="0" hangingPunct="1">
+              <a:lnSpc>
+                <a:spcPct val="85000"/>
+              </a:lnSpc>
+              <a:spcBef>
+                <a:spcPts val="600"/>
+              </a:spcBef>
+              <a:buFont typeface="Arial" pitchFamily="34" charset="0"/>
+              <a:buChar char=" "/>
+              <a:defRPr sz="1800" kern="1200">
+                <a:solidFill>
+                  <a:schemeClr val="tx1">
+                    <a:lumMod val="85000"/>
+                    <a:lumOff val="15000"/>
+                  </a:schemeClr>
+                </a:solidFill>
+                <a:latin typeface="+mn-lt"/>
+                <a:ea typeface="+mn-ea"/>
+                <a:cs typeface="+mn-cs"/>
+              </a:defRPr>
+            </a:lvl8pPr>
+            <a:lvl9pPr marL="1800000" indent="-228600" algn="l" defTabSz="914400" rtl="0" eaLnBrk="1" latinLnBrk="0" hangingPunct="1">
+              <a:lnSpc>
+                <a:spcPct val="85000"/>
+              </a:lnSpc>
+              <a:spcBef>
+                <a:spcPts val="600"/>
+              </a:spcBef>
+              <a:buFont typeface="Arial" pitchFamily="34" charset="0"/>
+              <a:buChar char=" "/>
+              <a:defRPr sz="1800" kern="1200">
+                <a:solidFill>
+                  <a:schemeClr val="tx1">
+                    <a:lumMod val="85000"/>
+                    <a:lumOff val="15000"/>
+                  </a:schemeClr>
+                </a:solidFill>
+                <a:latin typeface="+mn-lt"/>
+                <a:ea typeface="+mn-ea"/>
+                <a:cs typeface="+mn-cs"/>
+              </a:defRPr>
+            </a:lvl9pPr>
+          </a:lstStyle>
+          <a:p>
+            <a:endParaRPr lang="en-US" dirty="0"/>
+          </a:p>
+        </p:txBody>
+      </p:sp>
+      <p:sp>
+        <p:nvSpPr>
+          <p:cNvPr id="7" name="Title 1"/>
+          <p:cNvSpPr txBox="1">
+            <a:spLocks/>
+          </p:cNvSpPr>
+          <p:nvPr/>
+        </p:nvSpPr>
+        <p:spPr>
+          <a:xfrm>
+            <a:off x="1" y="4842523"/>
+            <a:ext cx="9143999" cy="685800"/>
+          </a:xfrm>
+          <a:prstGeom prst="rect">
+            <a:avLst/>
+          </a:prstGeom>
+          <a:solidFill>
+            <a:schemeClr val="accent1">
+              <a:lumMod val="20000"/>
+              <a:lumOff val="80000"/>
+            </a:schemeClr>
+          </a:solidFill>
+        </p:spPr>
+        <p:txBody>
+          <a:bodyPr vert="horz" lIns="91440" tIns="45720" rIns="91440" bIns="45720" rtlCol="0" anchor="ctr">
+            <a:noAutofit/>
+          </a:bodyPr>
+          <a:lstStyle>
+            <a:lvl1pPr algn="l" defTabSz="914400" rtl="0" eaLnBrk="1" latinLnBrk="0" hangingPunct="1">
+              <a:lnSpc>
+                <a:spcPct val="90000"/>
+              </a:lnSpc>
+              <a:spcBef>
+                <a:spcPct val="0"/>
+              </a:spcBef>
+              <a:buNone/>
+              <a:defRPr sz="4800" kern="1200" spc="-120" baseline="0">
+                <a:solidFill>
+                  <a:schemeClr val="accent1"/>
+                </a:solidFill>
+                <a:latin typeface="+mj-lt"/>
+                <a:ea typeface="+mj-ea"/>
+                <a:cs typeface="+mj-cs"/>
+              </a:defRPr>
+            </a:lvl1pPr>
+          </a:lstStyle>
+          <a:p>
+            <a:r>
+              <a:rPr lang="en-US" sz="4300" dirty="0" smtClean="0"/>
+              <a:t>Flag arguments</a:t>
+            </a:r>
+            <a:endParaRPr lang="en-US" sz="4300" dirty="0"/>
+          </a:p>
+        </p:txBody>
+      </p:sp>
+    </p:spTree>
+    <p:extLst>
+      <p:ext uri="{BB962C8B-B14F-4D97-AF65-F5344CB8AC3E}">
+        <p14:creationId xmlns:p14="http://schemas.microsoft.com/office/powerpoint/2010/main" val="1742951229"/>
+      </p:ext>
+    </p:extLst>
+  </p:cSld>
+  <p:clrMapOvr>
+    <a:masterClrMapping/>
+  </p:clrMapOvr>
+  <p:timing>
+    <p:tnLst>
+      <p:par>
+        <p:cTn id="1" dur="indefinite" restart="never" nodeType="tmRoot"/>
+      </p:par>
+    </p:tnLst>
+  </p:timing>
+</p:sld>
+</file>
+
+<file path=ppt/slides/slide19.xml><?xml version="1.0" encoding="utf-8"?>
+<p:sld xmlns:a="http://schemas.openxmlformats.org/drawingml/2006/main" xmlns:r="http://schemas.openxmlformats.org/officeDocument/2006/relationships" xmlns:p="http://schemas.openxmlformats.org/presentationml/2006/main">
+  <p:cSld>
+    <p:spTree>
+      <p:nvGrpSpPr>
+        <p:cNvPr id="1" name=""/>
+        <p:cNvGrpSpPr/>
+        <p:nvPr/>
+      </p:nvGrpSpPr>
+      <p:grpSpPr>
+        <a:xfrm>
+          <a:off x="0" y="0"/>
+          <a:ext cx="0" cy="0"/>
+          <a:chOff x="0" y="0"/>
+          <a:chExt cx="0" cy="0"/>
+        </a:xfrm>
+      </p:grpSpPr>
+      <p:sp>
+        <p:nvSpPr>
+          <p:cNvPr id="2" name="Title 1"/>
+          <p:cNvSpPr>
+            <a:spLocks noGrp="1"/>
+          </p:cNvSpPr>
+          <p:nvPr>
+            <p:ph type="title"/>
+          </p:nvPr>
+        </p:nvSpPr>
+        <p:spPr>
+          <a:xfrm>
+            <a:off x="1" y="381000"/>
+            <a:ext cx="9143999" cy="685800"/>
+          </a:xfrm>
+        </p:spPr>
+        <p:txBody>
+          <a:bodyPr>
+            <a:normAutofit fontScale="90000"/>
+          </a:bodyPr>
+          <a:lstStyle/>
+          <a:p>
+            <a:r>
+              <a:rPr lang="en-US" dirty="0" smtClean="0"/>
+              <a:t>Monadic functions</a:t>
+            </a:r>
+            <a:endParaRPr lang="en-US" dirty="0"/>
+          </a:p>
+        </p:txBody>
+      </p:sp>
+      <p:sp>
+        <p:nvSpPr>
+          <p:cNvPr id="3" name="Content Placeholder 2"/>
+          <p:cNvSpPr>
+            <a:spLocks noGrp="1"/>
+          </p:cNvSpPr>
+          <p:nvPr>
+            <p:ph idx="1"/>
+          </p:nvPr>
+        </p:nvSpPr>
+        <p:spPr>
+          <a:xfrm>
+            <a:off x="228600" y="1292828"/>
+            <a:ext cx="8915399" cy="5167313"/>
+          </a:xfrm>
+        </p:spPr>
+        <p:txBody>
+          <a:bodyPr>
+            <a:normAutofit/>
+          </a:bodyPr>
+          <a:lstStyle/>
+          <a:p>
+            <a:pPr lvl="1"/>
+            <a:r>
+              <a:rPr lang="en-US" dirty="0" smtClean="0"/>
+              <a:t>Common forms of monadic function:</a:t>
+            </a:r>
+          </a:p>
+          <a:p>
+            <a:pPr lvl="2"/>
+            <a:r>
+              <a:rPr lang="en-US" i="0" dirty="0" smtClean="0"/>
+              <a:t>Ask a question – </a:t>
+            </a:r>
+            <a:r>
+              <a:rPr lang="en-US" i="0" dirty="0" err="1" smtClean="0"/>
+              <a:t>isFileExist</a:t>
+            </a:r>
+            <a:r>
+              <a:rPr lang="en-US" i="0" dirty="0" smtClean="0"/>
+              <a:t>(“</a:t>
+            </a:r>
+            <a:r>
+              <a:rPr lang="en-US" i="0" dirty="0" err="1" smtClean="0"/>
+              <a:t>FilePath</a:t>
+            </a:r>
+            <a:r>
+              <a:rPr lang="en-US" i="0" dirty="0" smtClean="0"/>
+              <a:t>”);</a:t>
+            </a:r>
+          </a:p>
+          <a:p>
+            <a:pPr lvl="2"/>
+            <a:r>
+              <a:rPr lang="en-US" i="0" dirty="0" smtClean="0"/>
+              <a:t>Transforming it into something else and return it – String </a:t>
+            </a:r>
+            <a:r>
+              <a:rPr lang="en-US" i="0" dirty="0" err="1" smtClean="0"/>
+              <a:t>getHostName</a:t>
+            </a:r>
+            <a:r>
+              <a:rPr lang="en-US" i="0" dirty="0" smtClean="0"/>
+              <a:t>(</a:t>
+            </a:r>
+            <a:r>
+              <a:rPr lang="en-US" i="0" dirty="0" err="1" smtClean="0"/>
+              <a:t>int</a:t>
+            </a:r>
+            <a:r>
+              <a:rPr lang="en-US" i="0" dirty="0" smtClean="0"/>
+              <a:t> host)</a:t>
+            </a:r>
+          </a:p>
+          <a:p>
+            <a:pPr lvl="2"/>
+            <a:r>
+              <a:rPr lang="en-US" dirty="0" smtClean="0"/>
+              <a:t>Event – </a:t>
+            </a:r>
+            <a:r>
+              <a:rPr lang="en-US" dirty="0" err="1" smtClean="0"/>
+              <a:t>setNewStatus</a:t>
+            </a:r>
+            <a:r>
+              <a:rPr lang="en-US" dirty="0" smtClean="0"/>
+              <a:t>(bool </a:t>
+            </a:r>
+            <a:r>
+              <a:rPr lang="en-US" dirty="0" err="1" smtClean="0"/>
+              <a:t>newStatus</a:t>
+            </a:r>
+            <a:r>
+              <a:rPr lang="en-US" dirty="0" smtClean="0"/>
+              <a:t>)</a:t>
+            </a:r>
+          </a:p>
+          <a:p>
+            <a:pPr lvl="2"/>
+            <a:endParaRPr lang="en-US" dirty="0"/>
+          </a:p>
+          <a:p>
+            <a:pPr lvl="2"/>
+            <a:endParaRPr lang="en-US" dirty="0" smtClean="0"/>
+          </a:p>
+          <a:p>
+            <a:pPr lvl="2"/>
+            <a:endParaRPr lang="en-US" dirty="0"/>
+          </a:p>
+          <a:p>
+            <a:pPr lvl="1"/>
+            <a:r>
+              <a:rPr lang="en-US" dirty="0" smtClean="0"/>
+              <a:t>Functions with 2 argument is harder to understand than monadic function.</a:t>
+            </a:r>
+          </a:p>
+          <a:p>
+            <a:pPr lvl="2"/>
+            <a:r>
+              <a:rPr lang="en-US" dirty="0" err="1" smtClean="0"/>
+              <a:t>assertEquals</a:t>
+            </a:r>
+            <a:r>
+              <a:rPr lang="en-US" dirty="0" smtClean="0"/>
+              <a:t>(expected, </a:t>
+            </a:r>
+            <a:r>
+              <a:rPr lang="en-US" dirty="0"/>
+              <a:t>actual</a:t>
+            </a:r>
+            <a:r>
+              <a:rPr lang="en-US" dirty="0" smtClean="0"/>
+              <a:t>)</a:t>
+            </a:r>
+          </a:p>
+          <a:p>
+            <a:pPr lvl="2"/>
+            <a:r>
+              <a:rPr lang="en-US" dirty="0" err="1" smtClean="0"/>
+              <a:t>assertExpectedEqualActual</a:t>
+            </a:r>
+            <a:r>
+              <a:rPr lang="en-US" dirty="0" smtClean="0"/>
+              <a:t>(expected, actual)</a:t>
+            </a:r>
+          </a:p>
+          <a:p>
+            <a:pPr lvl="1">
+              <a:buFont typeface="Wingdings" panose="05000000000000000000" pitchFamily="2" charset="2"/>
+              <a:buChar char="ü"/>
+            </a:pPr>
+            <a:r>
+              <a:rPr lang="en-US" dirty="0" smtClean="0"/>
+              <a:t>If it’s possible then try to convert it into monadic function</a:t>
+            </a:r>
+          </a:p>
+          <a:p>
+            <a:pPr lvl="1"/>
+            <a:endParaRPr lang="en-US" dirty="0" smtClean="0"/>
+          </a:p>
+        </p:txBody>
+      </p:sp>
+      <p:sp>
+        <p:nvSpPr>
+          <p:cNvPr id="4" name="Slide Number Placeholder 3"/>
+          <p:cNvSpPr>
+            <a:spLocks noGrp="1"/>
+          </p:cNvSpPr>
+          <p:nvPr>
+            <p:ph type="sldNum" sz="quarter" idx="12"/>
+          </p:nvPr>
+        </p:nvSpPr>
+        <p:spPr/>
+        <p:txBody>
+          <a:bodyPr/>
+          <a:lstStyle/>
+          <a:p>
+            <a:fld id="{07167301-DA6A-464D-A35A-C5160C07AEDB}" type="slidenum">
+              <a:rPr lang="en-US" smtClean="0"/>
+              <a:pPr/>
+              <a:t>19</a:t>
+            </a:fld>
+            <a:endParaRPr lang="en-US" dirty="0"/>
+          </a:p>
+        </p:txBody>
+      </p:sp>
+      <p:sp>
+        <p:nvSpPr>
+          <p:cNvPr id="8" name="Content Placeholder 2"/>
+          <p:cNvSpPr txBox="1">
+            <a:spLocks/>
+          </p:cNvSpPr>
+          <p:nvPr/>
+        </p:nvSpPr>
+        <p:spPr>
+          <a:xfrm>
+            <a:off x="507206" y="1993393"/>
+            <a:ext cx="8065294" cy="3766185"/>
+          </a:xfrm>
+          <a:prstGeom prst="rect">
+            <a:avLst/>
+          </a:prstGeom>
+        </p:spPr>
+        <p:txBody>
+          <a:bodyPr vert="horz" lIns="91440" tIns="45720" rIns="91440" bIns="45720" rtlCol="0">
+            <a:normAutofit/>
+          </a:bodyPr>
+          <a:lstStyle>
+            <a:lvl1pPr marL="91440" indent="-91440" algn="l" defTabSz="914400" rtl="0" eaLnBrk="1" latinLnBrk="0" hangingPunct="1">
+              <a:lnSpc>
+                <a:spcPct val="85000"/>
+              </a:lnSpc>
+              <a:spcBef>
+                <a:spcPts val="1300"/>
+              </a:spcBef>
+              <a:buFont typeface="Arial" pitchFamily="34" charset="0"/>
+              <a:buChar char=" "/>
+              <a:defRPr sz="2400" kern="1200">
+                <a:solidFill>
+                  <a:schemeClr val="tx1">
+                    <a:lumMod val="85000"/>
+                    <a:lumOff val="15000"/>
+                  </a:schemeClr>
+                </a:solidFill>
+                <a:latin typeface="+mn-lt"/>
+                <a:ea typeface="+mn-ea"/>
+                <a:cs typeface="+mn-cs"/>
+              </a:defRPr>
+            </a:lvl1pPr>
+            <a:lvl2pPr marL="274320" indent="-342900" algn="l" defTabSz="914400" rtl="0" eaLnBrk="1" latinLnBrk="0" hangingPunct="1">
+              <a:lnSpc>
+                <a:spcPct val="85000"/>
+              </a:lnSpc>
+              <a:spcBef>
+                <a:spcPts val="600"/>
+              </a:spcBef>
+              <a:buFont typeface="Wingdings" panose="05000000000000000000" pitchFamily="2" charset="2"/>
+              <a:buChar char="Ø"/>
+              <a:defRPr sz="2400" kern="1200">
+                <a:solidFill>
+                  <a:schemeClr val="tx1">
+                    <a:lumMod val="85000"/>
+                    <a:lumOff val="15000"/>
+                  </a:schemeClr>
+                </a:solidFill>
+                <a:latin typeface="+mn-lt"/>
+                <a:ea typeface="+mn-ea"/>
+                <a:cs typeface="+mn-cs"/>
+              </a:defRPr>
+            </a:lvl2pPr>
+            <a:lvl3pPr marL="548640" indent="-548640" algn="l" defTabSz="914400" rtl="0" eaLnBrk="1" latinLnBrk="0" hangingPunct="1">
+              <a:lnSpc>
+                <a:spcPct val="85000"/>
+              </a:lnSpc>
+              <a:spcBef>
+                <a:spcPts val="600"/>
+              </a:spcBef>
+              <a:buFont typeface="Arial" pitchFamily="34" charset="0"/>
+              <a:buChar char="•"/>
+              <a:defRPr sz="2000" i="1" kern="1200">
+                <a:solidFill>
+                  <a:schemeClr val="tx1">
+                    <a:lumMod val="85000"/>
+                    <a:lumOff val="15000"/>
+                  </a:schemeClr>
+                </a:solidFill>
+                <a:latin typeface="+mn-lt"/>
+                <a:ea typeface="+mn-ea"/>
+                <a:cs typeface="+mn-cs"/>
+              </a:defRPr>
+            </a:lvl3pPr>
+            <a:lvl4pPr marL="822960" indent="-822960" algn="l" defTabSz="914400" rtl="0" eaLnBrk="1" latinLnBrk="0" hangingPunct="1">
+              <a:lnSpc>
+                <a:spcPct val="85000"/>
+              </a:lnSpc>
+              <a:spcBef>
+                <a:spcPts val="600"/>
+              </a:spcBef>
+              <a:buFont typeface="Arial" pitchFamily="34" charset="0"/>
+              <a:buChar char=" "/>
+              <a:defRPr sz="1800" kern="1200">
+                <a:solidFill>
+                  <a:schemeClr val="tx1">
+                    <a:lumMod val="85000"/>
+                    <a:lumOff val="15000"/>
+                  </a:schemeClr>
+                </a:solidFill>
+                <a:latin typeface="+mn-lt"/>
+                <a:ea typeface="+mn-ea"/>
+                <a:cs typeface="+mn-cs"/>
+              </a:defRPr>
+            </a:lvl4pPr>
+            <a:lvl5pPr marL="1097280" indent="-1097280" algn="l" defTabSz="914400" rtl="0" eaLnBrk="1" latinLnBrk="0" hangingPunct="1">
+              <a:lnSpc>
+                <a:spcPct val="85000"/>
+              </a:lnSpc>
+              <a:spcBef>
+                <a:spcPts val="600"/>
+              </a:spcBef>
+              <a:buFont typeface="Arial" pitchFamily="34" charset="0"/>
+              <a:buChar char=" "/>
+              <a:defRPr sz="1800" kern="1200">
+                <a:solidFill>
+                  <a:schemeClr val="tx1">
+                    <a:lumMod val="85000"/>
+                    <a:lumOff val="15000"/>
+                  </a:schemeClr>
+                </a:solidFill>
+                <a:latin typeface="+mn-lt"/>
+                <a:ea typeface="+mn-ea"/>
+                <a:cs typeface="+mn-cs"/>
+              </a:defRPr>
+            </a:lvl5pPr>
+            <a:lvl6pPr marL="1200000" indent="-228600" algn="l" defTabSz="914400" rtl="0" eaLnBrk="1" latinLnBrk="0" hangingPunct="1">
+              <a:lnSpc>
+                <a:spcPct val="85000"/>
+              </a:lnSpc>
+              <a:spcBef>
+                <a:spcPts val="600"/>
+              </a:spcBef>
+              <a:buFont typeface="Arial" pitchFamily="34" charset="0"/>
+              <a:buChar char=" "/>
+              <a:defRPr sz="1800" kern="1200">
+                <a:solidFill>
+                  <a:schemeClr val="tx1">
+                    <a:lumMod val="85000"/>
+                    <a:lumOff val="15000"/>
+                  </a:schemeClr>
+                </a:solidFill>
+                <a:latin typeface="+mn-lt"/>
+                <a:ea typeface="+mn-ea"/>
+                <a:cs typeface="+mn-cs"/>
+              </a:defRPr>
+            </a:lvl6pPr>
+            <a:lvl7pPr marL="1400000" indent="-228600" algn="l" defTabSz="914400" rtl="0" eaLnBrk="1" latinLnBrk="0" hangingPunct="1">
+              <a:lnSpc>
+                <a:spcPct val="85000"/>
+              </a:lnSpc>
+              <a:spcBef>
+                <a:spcPts val="600"/>
+              </a:spcBef>
+              <a:buFont typeface="Arial" pitchFamily="34" charset="0"/>
+              <a:buChar char=" "/>
+              <a:defRPr sz="1800" kern="1200">
+                <a:solidFill>
+                  <a:schemeClr val="tx1">
+                    <a:lumMod val="85000"/>
+                    <a:lumOff val="15000"/>
+                  </a:schemeClr>
+                </a:solidFill>
+                <a:latin typeface="+mn-lt"/>
+                <a:ea typeface="+mn-ea"/>
+                <a:cs typeface="+mn-cs"/>
+              </a:defRPr>
+            </a:lvl7pPr>
+            <a:lvl8pPr marL="1600000" indent="-228600" algn="l" defTabSz="914400" rtl="0" eaLnBrk="1" latinLnBrk="0" hangingPunct="1">
+              <a:lnSpc>
+                <a:spcPct val="85000"/>
+              </a:lnSpc>
+              <a:spcBef>
+                <a:spcPts val="600"/>
+              </a:spcBef>
+              <a:buFont typeface="Arial" pitchFamily="34" charset="0"/>
+              <a:buChar char=" "/>
+              <a:defRPr sz="1800" kern="1200">
+                <a:solidFill>
+                  <a:schemeClr val="tx1">
+                    <a:lumMod val="85000"/>
+                    <a:lumOff val="15000"/>
+                  </a:schemeClr>
+                </a:solidFill>
+                <a:latin typeface="+mn-lt"/>
+                <a:ea typeface="+mn-ea"/>
+                <a:cs typeface="+mn-cs"/>
+              </a:defRPr>
+            </a:lvl8pPr>
+            <a:lvl9pPr marL="1800000" indent="-228600" algn="l" defTabSz="914400" rtl="0" eaLnBrk="1" latinLnBrk="0" hangingPunct="1">
+              <a:lnSpc>
+                <a:spcPct val="85000"/>
+              </a:lnSpc>
+              <a:spcBef>
+                <a:spcPts val="600"/>
+              </a:spcBef>
+              <a:buFont typeface="Arial" pitchFamily="34" charset="0"/>
+              <a:buChar char=" "/>
+              <a:defRPr sz="1800" kern="1200">
+                <a:solidFill>
+                  <a:schemeClr val="tx1">
+                    <a:lumMod val="85000"/>
+                    <a:lumOff val="15000"/>
+                  </a:schemeClr>
+                </a:solidFill>
+                <a:latin typeface="+mn-lt"/>
+                <a:ea typeface="+mn-ea"/>
+                <a:cs typeface="+mn-cs"/>
+              </a:defRPr>
+            </a:lvl9pPr>
+          </a:lstStyle>
+          <a:p>
+            <a:endParaRPr lang="en-US" dirty="0"/>
+          </a:p>
+        </p:txBody>
+      </p:sp>
+      <p:sp>
+        <p:nvSpPr>
+          <p:cNvPr id="7" name="Title 1"/>
+          <p:cNvSpPr txBox="1">
+            <a:spLocks/>
+          </p:cNvSpPr>
+          <p:nvPr/>
+        </p:nvSpPr>
+        <p:spPr>
+          <a:xfrm>
+            <a:off x="1" y="2819400"/>
+            <a:ext cx="9143999" cy="685800"/>
+          </a:xfrm>
+          <a:prstGeom prst="rect">
+            <a:avLst/>
+          </a:prstGeom>
+          <a:solidFill>
+            <a:schemeClr val="accent1">
+              <a:lumMod val="20000"/>
+              <a:lumOff val="80000"/>
+            </a:schemeClr>
+          </a:solidFill>
+        </p:spPr>
+        <p:txBody>
+          <a:bodyPr vert="horz" lIns="91440" tIns="45720" rIns="91440" bIns="45720" rtlCol="0" anchor="ctr">
+            <a:noAutofit/>
+          </a:bodyPr>
+          <a:lstStyle>
+            <a:lvl1pPr algn="l" defTabSz="914400" rtl="0" eaLnBrk="1" latinLnBrk="0" hangingPunct="1">
+              <a:lnSpc>
+                <a:spcPct val="90000"/>
+              </a:lnSpc>
+              <a:spcBef>
+                <a:spcPct val="0"/>
+              </a:spcBef>
+              <a:buNone/>
+              <a:defRPr sz="4800" kern="1200" spc="-120" baseline="0">
+                <a:solidFill>
+                  <a:schemeClr val="accent1"/>
+                </a:solidFill>
+                <a:latin typeface="+mj-lt"/>
+                <a:ea typeface="+mj-ea"/>
+                <a:cs typeface="+mj-cs"/>
+              </a:defRPr>
+            </a:lvl1pPr>
+          </a:lstStyle>
+          <a:p>
+            <a:r>
+              <a:rPr lang="en-US" sz="4300" dirty="0" smtClean="0"/>
+              <a:t>Dyadic functions</a:t>
+            </a:r>
+            <a:endParaRPr lang="en-US" sz="4300" dirty="0"/>
+          </a:p>
+        </p:txBody>
+      </p:sp>
+    </p:spTree>
+    <p:extLst>
+      <p:ext uri="{BB962C8B-B14F-4D97-AF65-F5344CB8AC3E}">
+        <p14:creationId xmlns:p14="http://schemas.microsoft.com/office/powerpoint/2010/main" val="2200594660"/>
       </p:ext>
     </p:extLst>
   </p:cSld>
@@ -5322,16 +9094,78 @@
             <p:ph type="title"/>
           </p:nvPr>
         </p:nvSpPr>
-        <p:spPr/>
-        <p:txBody>
-          <a:bodyPr/>
+        <p:spPr>
+          <a:solidFill>
+            <a:schemeClr val="bg1">
+              <a:lumMod val="50000"/>
+            </a:schemeClr>
+          </a:solidFill>
+        </p:spPr>
+        <p:txBody>
+          <a:bodyPr>
+            <a:normAutofit fontScale="90000"/>
+          </a:bodyPr>
           <a:lstStyle/>
           <a:p>
             <a:r>
-              <a:rPr lang="en-US" dirty="0" smtClean="0"/>
+              <a:rPr lang="en-US" b="1" spc="0" dirty="0" smtClean="0">
+                <a:ln w="12700">
+                  <a:solidFill>
+                    <a:schemeClr val="tx2">
+                      <a:lumMod val="75000"/>
+                    </a:schemeClr>
+                  </a:solidFill>
+                  <a:prstDash val="solid"/>
+                </a:ln>
+                <a:pattFill prst="dkUpDiag">
+                  <a:fgClr>
+                    <a:schemeClr val="tx2"/>
+                  </a:fgClr>
+                  <a:bgClr>
+                    <a:schemeClr val="tx2">
+                      <a:lumMod val="20000"/>
+                      <a:lumOff val="80000"/>
+                    </a:schemeClr>
+                  </a:bgClr>
+                </a:pattFill>
+                <a:effectLst>
+                  <a:outerShdw dist="38100" dir="2640000" algn="bl" rotWithShape="0">
+                    <a:schemeClr val="tx2">
+                      <a:lumMod val="75000"/>
+                    </a:schemeClr>
+                  </a:outerShdw>
+                </a:effectLst>
+              </a:rPr>
               <a:t>   Bad code</a:t>
             </a:r>
-            <a:endParaRPr lang="en-US" dirty="0"/>
+            <a:endParaRPr lang="en-US" b="1" spc="0" dirty="0">
+              <a:ln w="12700">
+                <a:solidFill>
+                  <a:schemeClr val="tx2">
+                    <a:lumMod val="75000"/>
+                  </a:schemeClr>
+                </a:solidFill>
+                <a:prstDash val="solid"/>
+              </a:ln>
+              <a:pattFill prst="dkUpDiag">
+                <a:fgClr>
+                  <a:schemeClr val="tx2"/>
+                </a:fgClr>
+                <a:bgClr>
+                  <a:schemeClr val="tx2">
+                    <a:lumMod val="20000"/>
+                    <a:lumOff val="80000"/>
+                  </a:schemeClr>
+                </a:bgClr>
+              </a:pattFill>
+              <a:effectLst>
+                <a:outerShdw dist="38100" dir="2640000" algn="bl" rotWithShape="0">
+                  <a:schemeClr val="tx2">
+                    <a:lumMod val="75000"/>
+                  </a:schemeClr>
+                </a:outerShdw>
+              </a:effectLst>
+            </a:endParaRPr>
           </a:p>
         </p:txBody>
       </p:sp>
@@ -5409,6 +9243,4906 @@
     <p:extLst>
       <p:ext uri="{BB962C8B-B14F-4D97-AF65-F5344CB8AC3E}">
         <p14:creationId xmlns:p14="http://schemas.microsoft.com/office/powerpoint/2010/main" val="241989323"/>
+      </p:ext>
+    </p:extLst>
+  </p:cSld>
+  <p:clrMapOvr>
+    <a:masterClrMapping/>
+  </p:clrMapOvr>
+  <p:timing>
+    <p:tnLst>
+      <p:par>
+        <p:cTn id="1" dur="indefinite" restart="never" nodeType="tmRoot"/>
+      </p:par>
+    </p:tnLst>
+  </p:timing>
+</p:sld>
+</file>
+
+<file path=ppt/slides/slide20.xml><?xml version="1.0" encoding="utf-8"?>
+<p:sld xmlns:a="http://schemas.openxmlformats.org/drawingml/2006/main" xmlns:r="http://schemas.openxmlformats.org/officeDocument/2006/relationships" xmlns:p="http://schemas.openxmlformats.org/presentationml/2006/main">
+  <p:cSld>
+    <p:spTree>
+      <p:nvGrpSpPr>
+        <p:cNvPr id="1" name=""/>
+        <p:cNvGrpSpPr/>
+        <p:nvPr/>
+      </p:nvGrpSpPr>
+      <p:grpSpPr>
+        <a:xfrm>
+          <a:off x="0" y="0"/>
+          <a:ext cx="0" cy="0"/>
+          <a:chOff x="0" y="0"/>
+          <a:chExt cx="0" cy="0"/>
+        </a:xfrm>
+      </p:grpSpPr>
+      <p:sp>
+        <p:nvSpPr>
+          <p:cNvPr id="2" name="Title 1"/>
+          <p:cNvSpPr>
+            <a:spLocks noGrp="1"/>
+          </p:cNvSpPr>
+          <p:nvPr>
+            <p:ph type="title"/>
+          </p:nvPr>
+        </p:nvSpPr>
+        <p:spPr>
+          <a:xfrm>
+            <a:off x="1" y="381000"/>
+            <a:ext cx="9143999" cy="685800"/>
+          </a:xfrm>
+        </p:spPr>
+        <p:txBody>
+          <a:bodyPr>
+            <a:normAutofit fontScale="90000"/>
+          </a:bodyPr>
+          <a:lstStyle/>
+          <a:p>
+            <a:r>
+              <a:rPr lang="en-US" dirty="0" smtClean="0"/>
+              <a:t>Have no side affect</a:t>
+            </a:r>
+            <a:endParaRPr lang="en-US" dirty="0"/>
+          </a:p>
+        </p:txBody>
+      </p:sp>
+      <p:pic>
+        <p:nvPicPr>
+          <p:cNvPr id="5" name="Content Placeholder 4"/>
+          <p:cNvPicPr>
+            <a:picLocks noGrp="1" noChangeAspect="1"/>
+          </p:cNvPicPr>
+          <p:nvPr>
+            <p:ph idx="1"/>
+          </p:nvPr>
+        </p:nvPicPr>
+        <p:blipFill>
+          <a:blip r:embed="rId3"/>
+          <a:stretch>
+            <a:fillRect/>
+          </a:stretch>
+        </p:blipFill>
+        <p:spPr>
+          <a:xfrm>
+            <a:off x="3352800" y="1295400"/>
+            <a:ext cx="5527549" cy="1981200"/>
+          </a:xfrm>
+          <a:prstGeom prst="rect">
+            <a:avLst/>
+          </a:prstGeom>
+        </p:spPr>
+      </p:pic>
+      <p:sp>
+        <p:nvSpPr>
+          <p:cNvPr id="4" name="Slide Number Placeholder 3"/>
+          <p:cNvSpPr>
+            <a:spLocks noGrp="1"/>
+          </p:cNvSpPr>
+          <p:nvPr>
+            <p:ph type="sldNum" sz="quarter" idx="12"/>
+          </p:nvPr>
+        </p:nvSpPr>
+        <p:spPr/>
+        <p:txBody>
+          <a:bodyPr/>
+          <a:lstStyle/>
+          <a:p>
+            <a:fld id="{07167301-DA6A-464D-A35A-C5160C07AEDB}" type="slidenum">
+              <a:rPr lang="en-US" smtClean="0"/>
+              <a:pPr/>
+              <a:t>20</a:t>
+            </a:fld>
+            <a:endParaRPr lang="en-US" dirty="0"/>
+          </a:p>
+        </p:txBody>
+      </p:sp>
+      <p:sp>
+        <p:nvSpPr>
+          <p:cNvPr id="8" name="Content Placeholder 2"/>
+          <p:cNvSpPr txBox="1">
+            <a:spLocks/>
+          </p:cNvSpPr>
+          <p:nvPr/>
+        </p:nvSpPr>
+        <p:spPr>
+          <a:xfrm>
+            <a:off x="76200" y="1295400"/>
+            <a:ext cx="8065294" cy="4247729"/>
+          </a:xfrm>
+          <a:prstGeom prst="rect">
+            <a:avLst/>
+          </a:prstGeom>
+        </p:spPr>
+        <p:txBody>
+          <a:bodyPr vert="horz" lIns="91440" tIns="45720" rIns="91440" bIns="45720" rtlCol="0">
+            <a:normAutofit/>
+          </a:bodyPr>
+          <a:lstStyle>
+            <a:lvl1pPr marL="91440" indent="-91440" algn="l" defTabSz="914400" rtl="0" eaLnBrk="1" latinLnBrk="0" hangingPunct="1">
+              <a:lnSpc>
+                <a:spcPct val="85000"/>
+              </a:lnSpc>
+              <a:spcBef>
+                <a:spcPts val="1300"/>
+              </a:spcBef>
+              <a:buFont typeface="Arial" pitchFamily="34" charset="0"/>
+              <a:buChar char=" "/>
+              <a:defRPr sz="2400" kern="1200">
+                <a:solidFill>
+                  <a:schemeClr val="tx1">
+                    <a:lumMod val="85000"/>
+                    <a:lumOff val="15000"/>
+                  </a:schemeClr>
+                </a:solidFill>
+                <a:latin typeface="+mn-lt"/>
+                <a:ea typeface="+mn-ea"/>
+                <a:cs typeface="+mn-cs"/>
+              </a:defRPr>
+            </a:lvl1pPr>
+            <a:lvl2pPr marL="274320" indent="-342900" algn="l" defTabSz="914400" rtl="0" eaLnBrk="1" latinLnBrk="0" hangingPunct="1">
+              <a:lnSpc>
+                <a:spcPct val="85000"/>
+              </a:lnSpc>
+              <a:spcBef>
+                <a:spcPts val="600"/>
+              </a:spcBef>
+              <a:buFont typeface="Wingdings" panose="05000000000000000000" pitchFamily="2" charset="2"/>
+              <a:buChar char="Ø"/>
+              <a:defRPr sz="2400" kern="1200">
+                <a:solidFill>
+                  <a:schemeClr val="tx1">
+                    <a:lumMod val="85000"/>
+                    <a:lumOff val="15000"/>
+                  </a:schemeClr>
+                </a:solidFill>
+                <a:latin typeface="+mn-lt"/>
+                <a:ea typeface="+mn-ea"/>
+                <a:cs typeface="+mn-cs"/>
+              </a:defRPr>
+            </a:lvl2pPr>
+            <a:lvl3pPr marL="548640" indent="-548640" algn="l" defTabSz="914400" rtl="0" eaLnBrk="1" latinLnBrk="0" hangingPunct="1">
+              <a:lnSpc>
+                <a:spcPct val="85000"/>
+              </a:lnSpc>
+              <a:spcBef>
+                <a:spcPts val="600"/>
+              </a:spcBef>
+              <a:buFont typeface="Arial" pitchFamily="34" charset="0"/>
+              <a:buChar char="•"/>
+              <a:defRPr sz="2000" i="1" kern="1200">
+                <a:solidFill>
+                  <a:schemeClr val="tx1">
+                    <a:lumMod val="85000"/>
+                    <a:lumOff val="15000"/>
+                  </a:schemeClr>
+                </a:solidFill>
+                <a:latin typeface="+mn-lt"/>
+                <a:ea typeface="+mn-ea"/>
+                <a:cs typeface="+mn-cs"/>
+              </a:defRPr>
+            </a:lvl3pPr>
+            <a:lvl4pPr marL="822960" indent="-822960" algn="l" defTabSz="914400" rtl="0" eaLnBrk="1" latinLnBrk="0" hangingPunct="1">
+              <a:lnSpc>
+                <a:spcPct val="85000"/>
+              </a:lnSpc>
+              <a:spcBef>
+                <a:spcPts val="600"/>
+              </a:spcBef>
+              <a:buFont typeface="Arial" pitchFamily="34" charset="0"/>
+              <a:buChar char=" "/>
+              <a:defRPr sz="1800" kern="1200">
+                <a:solidFill>
+                  <a:schemeClr val="tx1">
+                    <a:lumMod val="85000"/>
+                    <a:lumOff val="15000"/>
+                  </a:schemeClr>
+                </a:solidFill>
+                <a:latin typeface="+mn-lt"/>
+                <a:ea typeface="+mn-ea"/>
+                <a:cs typeface="+mn-cs"/>
+              </a:defRPr>
+            </a:lvl4pPr>
+            <a:lvl5pPr marL="1097280" indent="-1097280" algn="l" defTabSz="914400" rtl="0" eaLnBrk="1" latinLnBrk="0" hangingPunct="1">
+              <a:lnSpc>
+                <a:spcPct val="85000"/>
+              </a:lnSpc>
+              <a:spcBef>
+                <a:spcPts val="600"/>
+              </a:spcBef>
+              <a:buFont typeface="Arial" pitchFamily="34" charset="0"/>
+              <a:buChar char=" "/>
+              <a:defRPr sz="1800" kern="1200">
+                <a:solidFill>
+                  <a:schemeClr val="tx1">
+                    <a:lumMod val="85000"/>
+                    <a:lumOff val="15000"/>
+                  </a:schemeClr>
+                </a:solidFill>
+                <a:latin typeface="+mn-lt"/>
+                <a:ea typeface="+mn-ea"/>
+                <a:cs typeface="+mn-cs"/>
+              </a:defRPr>
+            </a:lvl5pPr>
+            <a:lvl6pPr marL="1200000" indent="-228600" algn="l" defTabSz="914400" rtl="0" eaLnBrk="1" latinLnBrk="0" hangingPunct="1">
+              <a:lnSpc>
+                <a:spcPct val="85000"/>
+              </a:lnSpc>
+              <a:spcBef>
+                <a:spcPts val="600"/>
+              </a:spcBef>
+              <a:buFont typeface="Arial" pitchFamily="34" charset="0"/>
+              <a:buChar char=" "/>
+              <a:defRPr sz="1800" kern="1200">
+                <a:solidFill>
+                  <a:schemeClr val="tx1">
+                    <a:lumMod val="85000"/>
+                    <a:lumOff val="15000"/>
+                  </a:schemeClr>
+                </a:solidFill>
+                <a:latin typeface="+mn-lt"/>
+                <a:ea typeface="+mn-ea"/>
+                <a:cs typeface="+mn-cs"/>
+              </a:defRPr>
+            </a:lvl6pPr>
+            <a:lvl7pPr marL="1400000" indent="-228600" algn="l" defTabSz="914400" rtl="0" eaLnBrk="1" latinLnBrk="0" hangingPunct="1">
+              <a:lnSpc>
+                <a:spcPct val="85000"/>
+              </a:lnSpc>
+              <a:spcBef>
+                <a:spcPts val="600"/>
+              </a:spcBef>
+              <a:buFont typeface="Arial" pitchFamily="34" charset="0"/>
+              <a:buChar char=" "/>
+              <a:defRPr sz="1800" kern="1200">
+                <a:solidFill>
+                  <a:schemeClr val="tx1">
+                    <a:lumMod val="85000"/>
+                    <a:lumOff val="15000"/>
+                  </a:schemeClr>
+                </a:solidFill>
+                <a:latin typeface="+mn-lt"/>
+                <a:ea typeface="+mn-ea"/>
+                <a:cs typeface="+mn-cs"/>
+              </a:defRPr>
+            </a:lvl7pPr>
+            <a:lvl8pPr marL="1600000" indent="-228600" algn="l" defTabSz="914400" rtl="0" eaLnBrk="1" latinLnBrk="0" hangingPunct="1">
+              <a:lnSpc>
+                <a:spcPct val="85000"/>
+              </a:lnSpc>
+              <a:spcBef>
+                <a:spcPts val="600"/>
+              </a:spcBef>
+              <a:buFont typeface="Arial" pitchFamily="34" charset="0"/>
+              <a:buChar char=" "/>
+              <a:defRPr sz="1800" kern="1200">
+                <a:solidFill>
+                  <a:schemeClr val="tx1">
+                    <a:lumMod val="85000"/>
+                    <a:lumOff val="15000"/>
+                  </a:schemeClr>
+                </a:solidFill>
+                <a:latin typeface="+mn-lt"/>
+                <a:ea typeface="+mn-ea"/>
+                <a:cs typeface="+mn-cs"/>
+              </a:defRPr>
+            </a:lvl8pPr>
+            <a:lvl9pPr marL="1800000" indent="-228600" algn="l" defTabSz="914400" rtl="0" eaLnBrk="1" latinLnBrk="0" hangingPunct="1">
+              <a:lnSpc>
+                <a:spcPct val="85000"/>
+              </a:lnSpc>
+              <a:spcBef>
+                <a:spcPts val="600"/>
+              </a:spcBef>
+              <a:buFont typeface="Arial" pitchFamily="34" charset="0"/>
+              <a:buChar char=" "/>
+              <a:defRPr sz="1800" kern="1200">
+                <a:solidFill>
+                  <a:schemeClr val="tx1">
+                    <a:lumMod val="85000"/>
+                    <a:lumOff val="15000"/>
+                  </a:schemeClr>
+                </a:solidFill>
+                <a:latin typeface="+mn-lt"/>
+                <a:ea typeface="+mn-ea"/>
+                <a:cs typeface="+mn-cs"/>
+              </a:defRPr>
+            </a:lvl9pPr>
+          </a:lstStyle>
+          <a:p>
+            <a:r>
+              <a:rPr lang="en-US" dirty="0" smtClean="0"/>
+              <a:t>Can you spot it?</a:t>
+            </a:r>
+          </a:p>
+          <a:p>
+            <a:endParaRPr lang="en-US" dirty="0"/>
+          </a:p>
+          <a:p>
+            <a:endParaRPr lang="en-US" dirty="0" smtClean="0"/>
+          </a:p>
+          <a:p>
+            <a:endParaRPr lang="en-US" dirty="0"/>
+          </a:p>
+          <a:p>
+            <a:endParaRPr lang="en-US" dirty="0" smtClean="0"/>
+          </a:p>
+          <a:p>
+            <a:endParaRPr lang="en-US" dirty="0"/>
+          </a:p>
+          <a:p>
+            <a:endParaRPr lang="en-US" dirty="0" smtClean="0"/>
+          </a:p>
+          <a:p>
+            <a:pPr>
+              <a:buFont typeface="Wingdings" panose="05000000000000000000" pitchFamily="2" charset="2"/>
+              <a:buChar char="ü"/>
+            </a:pPr>
+            <a:r>
+              <a:rPr lang="en-US" dirty="0" smtClean="0"/>
+              <a:t>Function should either do something or answer something, but not both</a:t>
+            </a:r>
+          </a:p>
+        </p:txBody>
+      </p:sp>
+      <p:sp>
+        <p:nvSpPr>
+          <p:cNvPr id="3" name="TextBox 2"/>
+          <p:cNvSpPr txBox="1"/>
+          <p:nvPr/>
+        </p:nvSpPr>
+        <p:spPr>
+          <a:xfrm>
+            <a:off x="4622164" y="1695661"/>
+            <a:ext cx="2362200" cy="215444"/>
+          </a:xfrm>
+          <a:prstGeom prst="rect">
+            <a:avLst/>
+          </a:prstGeom>
+          <a:noFill/>
+        </p:spPr>
+        <p:txBody>
+          <a:bodyPr wrap="square" rtlCol="0">
+            <a:spAutoFit/>
+          </a:bodyPr>
+          <a:lstStyle/>
+          <a:p>
+            <a:r>
+              <a:rPr lang="en-US" sz="800" b="1" dirty="0" err="1" smtClean="0"/>
+              <a:t>checkPasswordAndInitializeSession</a:t>
+            </a:r>
+            <a:endParaRPr lang="en-US" sz="800" b="1" dirty="0"/>
+          </a:p>
+        </p:txBody>
+      </p:sp>
+      <p:cxnSp>
+        <p:nvCxnSpPr>
+          <p:cNvPr id="7" name="Straight Connector 6"/>
+          <p:cNvCxnSpPr/>
+          <p:nvPr/>
+        </p:nvCxnSpPr>
+        <p:spPr>
+          <a:xfrm flipV="1">
+            <a:off x="4724400" y="1863480"/>
+            <a:ext cx="838200" cy="76200"/>
+          </a:xfrm>
+          <a:prstGeom prst="line">
+            <a:avLst/>
+          </a:prstGeom>
+          <a:ln>
+            <a:solidFill>
+              <a:srgbClr val="FF0000"/>
+            </a:solidFill>
+          </a:ln>
+        </p:spPr>
+        <p:style>
+          <a:lnRef idx="1">
+            <a:schemeClr val="accent1"/>
+          </a:lnRef>
+          <a:fillRef idx="0">
+            <a:schemeClr val="accent1"/>
+          </a:fillRef>
+          <a:effectRef idx="0">
+            <a:schemeClr val="accent1"/>
+          </a:effectRef>
+          <a:fontRef idx="minor">
+            <a:schemeClr val="tx1"/>
+          </a:fontRef>
+        </p:style>
+      </p:cxnSp>
+      <p:cxnSp>
+        <p:nvCxnSpPr>
+          <p:cNvPr id="11" name="Straight Connector 10"/>
+          <p:cNvCxnSpPr/>
+          <p:nvPr/>
+        </p:nvCxnSpPr>
+        <p:spPr>
+          <a:xfrm>
+            <a:off x="4724400" y="1863480"/>
+            <a:ext cx="838200" cy="76200"/>
+          </a:xfrm>
+          <a:prstGeom prst="line">
+            <a:avLst/>
+          </a:prstGeom>
+          <a:ln>
+            <a:solidFill>
+              <a:srgbClr val="FF0000"/>
+            </a:solidFill>
+          </a:ln>
+        </p:spPr>
+        <p:style>
+          <a:lnRef idx="1">
+            <a:schemeClr val="accent1"/>
+          </a:lnRef>
+          <a:fillRef idx="0">
+            <a:schemeClr val="accent1"/>
+          </a:fillRef>
+          <a:effectRef idx="0">
+            <a:schemeClr val="accent1"/>
+          </a:effectRef>
+          <a:fontRef idx="minor">
+            <a:schemeClr val="tx1"/>
+          </a:fontRef>
+        </p:style>
+      </p:cxnSp>
+      <p:sp>
+        <p:nvSpPr>
+          <p:cNvPr id="14" name="Title 1"/>
+          <p:cNvSpPr txBox="1">
+            <a:spLocks/>
+          </p:cNvSpPr>
+          <p:nvPr/>
+        </p:nvSpPr>
+        <p:spPr>
+          <a:xfrm>
+            <a:off x="1" y="3602160"/>
+            <a:ext cx="9143999" cy="685800"/>
+          </a:xfrm>
+          <a:prstGeom prst="rect">
+            <a:avLst/>
+          </a:prstGeom>
+          <a:solidFill>
+            <a:schemeClr val="accent1">
+              <a:lumMod val="20000"/>
+              <a:lumOff val="80000"/>
+            </a:schemeClr>
+          </a:solidFill>
+        </p:spPr>
+        <p:txBody>
+          <a:bodyPr vert="horz" lIns="91440" tIns="45720" rIns="91440" bIns="45720" rtlCol="0" anchor="ctr">
+            <a:normAutofit fontScale="97500" lnSpcReduction="10000"/>
+          </a:bodyPr>
+          <a:lstStyle>
+            <a:lvl1pPr algn="l" defTabSz="914400" rtl="0" eaLnBrk="1" latinLnBrk="0" hangingPunct="1">
+              <a:lnSpc>
+                <a:spcPct val="90000"/>
+              </a:lnSpc>
+              <a:spcBef>
+                <a:spcPct val="0"/>
+              </a:spcBef>
+              <a:buNone/>
+              <a:defRPr sz="4800" kern="1200" spc="-120" baseline="0">
+                <a:solidFill>
+                  <a:schemeClr val="accent1"/>
+                </a:solidFill>
+                <a:latin typeface="+mj-lt"/>
+                <a:ea typeface="+mj-ea"/>
+                <a:cs typeface="+mj-cs"/>
+              </a:defRPr>
+            </a:lvl1pPr>
+          </a:lstStyle>
+          <a:p>
+            <a:r>
+              <a:rPr lang="en-US" dirty="0" smtClean="0"/>
+              <a:t>Command query separation</a:t>
+            </a:r>
+            <a:endParaRPr lang="en-US" dirty="0"/>
+          </a:p>
+        </p:txBody>
+      </p:sp>
+      <p:sp>
+        <p:nvSpPr>
+          <p:cNvPr id="15" name="TextBox 14"/>
+          <p:cNvSpPr txBox="1"/>
+          <p:nvPr/>
+        </p:nvSpPr>
+        <p:spPr>
+          <a:xfrm>
+            <a:off x="228600" y="5427797"/>
+            <a:ext cx="3341299" cy="369332"/>
+          </a:xfrm>
+          <a:prstGeom prst="rect">
+            <a:avLst/>
+          </a:prstGeom>
+          <a:noFill/>
+        </p:spPr>
+        <p:txBody>
+          <a:bodyPr wrap="none" rtlCol="0">
+            <a:spAutoFit/>
+          </a:bodyPr>
+          <a:lstStyle/>
+          <a:p>
+            <a:r>
+              <a:rPr lang="en-US" dirty="0" smtClean="0"/>
+              <a:t>if (set(“username”, “</a:t>
+            </a:r>
+            <a:r>
+              <a:rPr lang="en-US" dirty="0" err="1" smtClean="0"/>
+              <a:t>uncleBob</a:t>
+            </a:r>
+            <a:r>
+              <a:rPr lang="en-US" dirty="0" smtClean="0"/>
+              <a:t>”))…</a:t>
+            </a:r>
+            <a:endParaRPr lang="en-US" dirty="0"/>
+          </a:p>
+        </p:txBody>
+      </p:sp>
+      <p:sp>
+        <p:nvSpPr>
+          <p:cNvPr id="16" name="TextBox 15"/>
+          <p:cNvSpPr txBox="1"/>
+          <p:nvPr/>
+        </p:nvSpPr>
+        <p:spPr>
+          <a:xfrm>
+            <a:off x="4419600" y="5427797"/>
+            <a:ext cx="4340034" cy="369332"/>
+          </a:xfrm>
+          <a:prstGeom prst="rect">
+            <a:avLst/>
+          </a:prstGeom>
+          <a:noFill/>
+        </p:spPr>
+        <p:txBody>
+          <a:bodyPr wrap="none" rtlCol="0">
+            <a:spAutoFit/>
+          </a:bodyPr>
+          <a:lstStyle/>
+          <a:p>
+            <a:r>
+              <a:rPr lang="en-US" dirty="0" smtClean="0"/>
+              <a:t>public bool set(String attribute, String value);</a:t>
+            </a:r>
+            <a:endParaRPr lang="en-US" dirty="0"/>
+          </a:p>
+        </p:txBody>
+      </p:sp>
+    </p:spTree>
+    <p:extLst>
+      <p:ext uri="{BB962C8B-B14F-4D97-AF65-F5344CB8AC3E}">
+        <p14:creationId xmlns:p14="http://schemas.microsoft.com/office/powerpoint/2010/main" val="3413036715"/>
+      </p:ext>
+    </p:extLst>
+  </p:cSld>
+  <p:clrMapOvr>
+    <a:masterClrMapping/>
+  </p:clrMapOvr>
+  <p:timing>
+    <p:tnLst>
+      <p:par>
+        <p:cTn id="1" dur="indefinite" restart="never" nodeType="tmRoot">
+          <p:childTnLst>
+            <p:seq concurrent="1" nextAc="seek">
+              <p:cTn id="2" dur="indefinite" nodeType="mainSeq">
+                <p:childTnLst>
+                  <p:par>
+                    <p:cTn id="3" fill="hold">
+                      <p:stCondLst>
+                        <p:cond delay="indefinite"/>
+                      </p:stCondLst>
+                      <p:childTnLst>
+                        <p:par>
+                          <p:cTn id="4" fill="hold">
+                            <p:stCondLst>
+                              <p:cond delay="0"/>
+                            </p:stCondLst>
+                            <p:childTnLst>
+                              <p:par>
+                                <p:cTn id="5" presetID="10" presetClass="entr" presetSubtype="0" fill="hold" nodeType="clickEffect">
+                                  <p:stCondLst>
+                                    <p:cond delay="0"/>
+                                  </p:stCondLst>
+                                  <p:childTnLst>
+                                    <p:set>
+                                      <p:cBhvr>
+                                        <p:cTn id="6" dur="1" fill="hold">
+                                          <p:stCondLst>
+                                            <p:cond delay="0"/>
+                                          </p:stCondLst>
+                                        </p:cTn>
+                                        <p:tgtEl>
+                                          <p:spTgt spid="11"/>
+                                        </p:tgtEl>
+                                        <p:attrNameLst>
+                                          <p:attrName>style.visibility</p:attrName>
+                                        </p:attrNameLst>
+                                      </p:cBhvr>
+                                      <p:to>
+                                        <p:strVal val="visible"/>
+                                      </p:to>
+                                    </p:set>
+                                    <p:animEffect transition="in" filter="fade">
+                                      <p:cBhvr>
+                                        <p:cTn id="7" dur="500"/>
+                                        <p:tgtEl>
+                                          <p:spTgt spid="11"/>
+                                        </p:tgtEl>
+                                      </p:cBhvr>
+                                    </p:animEffect>
+                                  </p:childTnLst>
+                                </p:cTn>
+                              </p:par>
+                              <p:par>
+                                <p:cTn id="8" presetID="10" presetClass="entr" presetSubtype="0" fill="hold" nodeType="withEffect">
+                                  <p:stCondLst>
+                                    <p:cond delay="0"/>
+                                  </p:stCondLst>
+                                  <p:childTnLst>
+                                    <p:set>
+                                      <p:cBhvr>
+                                        <p:cTn id="9" dur="1" fill="hold">
+                                          <p:stCondLst>
+                                            <p:cond delay="0"/>
+                                          </p:stCondLst>
+                                        </p:cTn>
+                                        <p:tgtEl>
+                                          <p:spTgt spid="7"/>
+                                        </p:tgtEl>
+                                        <p:attrNameLst>
+                                          <p:attrName>style.visibility</p:attrName>
+                                        </p:attrNameLst>
+                                      </p:cBhvr>
+                                      <p:to>
+                                        <p:strVal val="visible"/>
+                                      </p:to>
+                                    </p:set>
+                                    <p:animEffect transition="in" filter="fade">
+                                      <p:cBhvr>
+                                        <p:cTn id="10" dur="500"/>
+                                        <p:tgtEl>
+                                          <p:spTgt spid="7"/>
+                                        </p:tgtEl>
+                                      </p:cBhvr>
+                                    </p:animEffect>
+                                  </p:childTnLst>
+                                </p:cTn>
+                              </p:par>
+                              <p:par>
+                                <p:cTn id="11" presetID="10" presetClass="entr" presetSubtype="0" fill="hold" grpId="0" nodeType="withEffect">
+                                  <p:stCondLst>
+                                    <p:cond delay="0"/>
+                                  </p:stCondLst>
+                                  <p:childTnLst>
+                                    <p:set>
+                                      <p:cBhvr>
+                                        <p:cTn id="12" dur="1" fill="hold">
+                                          <p:stCondLst>
+                                            <p:cond delay="0"/>
+                                          </p:stCondLst>
+                                        </p:cTn>
+                                        <p:tgtEl>
+                                          <p:spTgt spid="3"/>
+                                        </p:tgtEl>
+                                        <p:attrNameLst>
+                                          <p:attrName>style.visibility</p:attrName>
+                                        </p:attrNameLst>
+                                      </p:cBhvr>
+                                      <p:to>
+                                        <p:strVal val="visible"/>
+                                      </p:to>
+                                    </p:set>
+                                    <p:animEffect transition="in" filter="fade">
+                                      <p:cBhvr>
+                                        <p:cTn id="13" dur="500"/>
+                                        <p:tgtEl>
+                                          <p:spTgt spid="3"/>
+                                        </p:tgtEl>
+                                      </p:cBhvr>
+                                    </p:animEffect>
+                                  </p:childTnLst>
+                                </p:cTn>
+                              </p:par>
+                            </p:childTnLst>
+                          </p:cTn>
+                        </p:par>
+                      </p:childTnLst>
+                    </p:cTn>
+                  </p:par>
+                  <p:par>
+                    <p:cTn id="14" fill="hold">
+                      <p:stCondLst>
+                        <p:cond delay="indefinite"/>
+                      </p:stCondLst>
+                      <p:childTnLst>
+                        <p:par>
+                          <p:cTn id="15" fill="hold">
+                            <p:stCondLst>
+                              <p:cond delay="0"/>
+                            </p:stCondLst>
+                            <p:childTnLst>
+                              <p:par>
+                                <p:cTn id="16" presetID="10" presetClass="entr" presetSubtype="0" fill="hold" grpId="0" nodeType="clickEffect">
+                                  <p:stCondLst>
+                                    <p:cond delay="0"/>
+                                  </p:stCondLst>
+                                  <p:childTnLst>
+                                    <p:set>
+                                      <p:cBhvr>
+                                        <p:cTn id="17" dur="1" fill="hold">
+                                          <p:stCondLst>
+                                            <p:cond delay="0"/>
+                                          </p:stCondLst>
+                                        </p:cTn>
+                                        <p:tgtEl>
+                                          <p:spTgt spid="15"/>
+                                        </p:tgtEl>
+                                        <p:attrNameLst>
+                                          <p:attrName>style.visibility</p:attrName>
+                                        </p:attrNameLst>
+                                      </p:cBhvr>
+                                      <p:to>
+                                        <p:strVal val="visible"/>
+                                      </p:to>
+                                    </p:set>
+                                    <p:animEffect transition="in" filter="fade">
+                                      <p:cBhvr>
+                                        <p:cTn id="18" dur="500"/>
+                                        <p:tgtEl>
+                                          <p:spTgt spid="15"/>
+                                        </p:tgtEl>
+                                      </p:cBhvr>
+                                    </p:animEffect>
+                                  </p:childTnLst>
+                                </p:cTn>
+                              </p:par>
+                            </p:childTnLst>
+                          </p:cTn>
+                        </p:par>
+                      </p:childTnLst>
+                    </p:cTn>
+                  </p:par>
+                  <p:par>
+                    <p:cTn id="19" fill="hold">
+                      <p:stCondLst>
+                        <p:cond delay="indefinite"/>
+                      </p:stCondLst>
+                      <p:childTnLst>
+                        <p:par>
+                          <p:cTn id="20" fill="hold">
+                            <p:stCondLst>
+                              <p:cond delay="0"/>
+                            </p:stCondLst>
+                            <p:childTnLst>
+                              <p:par>
+                                <p:cTn id="21" presetID="10" presetClass="entr" presetSubtype="0" fill="hold" grpId="0" nodeType="clickEffect">
+                                  <p:stCondLst>
+                                    <p:cond delay="0"/>
+                                  </p:stCondLst>
+                                  <p:childTnLst>
+                                    <p:set>
+                                      <p:cBhvr>
+                                        <p:cTn id="22" dur="1" fill="hold">
+                                          <p:stCondLst>
+                                            <p:cond delay="0"/>
+                                          </p:stCondLst>
+                                        </p:cTn>
+                                        <p:tgtEl>
+                                          <p:spTgt spid="16"/>
+                                        </p:tgtEl>
+                                        <p:attrNameLst>
+                                          <p:attrName>style.visibility</p:attrName>
+                                        </p:attrNameLst>
+                                      </p:cBhvr>
+                                      <p:to>
+                                        <p:strVal val="visible"/>
+                                      </p:to>
+                                    </p:set>
+                                    <p:animEffect transition="in" filter="fade">
+                                      <p:cBhvr>
+                                        <p:cTn id="23" dur="500"/>
+                                        <p:tgtEl>
+                                          <p:spTgt spid="16"/>
+                                        </p:tgtEl>
+                                      </p:cBhvr>
+                                    </p:animEffect>
+                                  </p:childTnLst>
+                                </p:cTn>
+                              </p:par>
+                            </p:childTnLst>
+                          </p:cTn>
+                        </p:par>
+                      </p:childTnLst>
+                    </p:cTn>
+                  </p:par>
+                  <p:par>
+                    <p:cTn id="24" fill="hold">
+                      <p:stCondLst>
+                        <p:cond delay="indefinite"/>
+                      </p:stCondLst>
+                      <p:childTnLst>
+                        <p:par>
+                          <p:cTn id="25" fill="hold">
+                            <p:stCondLst>
+                              <p:cond delay="0"/>
+                            </p:stCondLst>
+                            <p:childTnLst>
+                              <p:par>
+                                <p:cTn id="26" presetID="10" presetClass="entr" presetSubtype="0" fill="hold" nodeType="clickEffect">
+                                  <p:stCondLst>
+                                    <p:cond delay="0"/>
+                                  </p:stCondLst>
+                                  <p:childTnLst>
+                                    <p:set>
+                                      <p:cBhvr>
+                                        <p:cTn id="27" dur="1" fill="hold">
+                                          <p:stCondLst>
+                                            <p:cond delay="0"/>
+                                          </p:stCondLst>
+                                        </p:cTn>
+                                        <p:tgtEl>
+                                          <p:spTgt spid="8">
+                                            <p:txEl>
+                                              <p:pRg st="7" end="7"/>
+                                            </p:txEl>
+                                          </p:spTgt>
+                                        </p:tgtEl>
+                                        <p:attrNameLst>
+                                          <p:attrName>style.visibility</p:attrName>
+                                        </p:attrNameLst>
+                                      </p:cBhvr>
+                                      <p:to>
+                                        <p:strVal val="visible"/>
+                                      </p:to>
+                                    </p:set>
+                                    <p:animEffect transition="in" filter="fade">
+                                      <p:cBhvr>
+                                        <p:cTn id="28" dur="500"/>
+                                        <p:tgtEl>
+                                          <p:spTgt spid="8">
+                                            <p:txEl>
+                                              <p:pRg st="7" end="7"/>
+                                            </p:txEl>
+                                          </p:spTgt>
+                                        </p:tgtEl>
+                                      </p:cBhvr>
+                                    </p:animEffect>
+                                  </p:childTnLst>
+                                </p:cTn>
+                              </p:par>
+                              <p:par>
+                                <p:cTn id="29" presetID="10" presetClass="entr" presetSubtype="0" fill="hold" nodeType="withEffect">
+                                  <p:stCondLst>
+                                    <p:cond delay="0"/>
+                                  </p:stCondLst>
+                                  <p:childTnLst>
+                                    <p:set>
+                                      <p:cBhvr>
+                                        <p:cTn id="30" dur="1" fill="hold">
+                                          <p:stCondLst>
+                                            <p:cond delay="0"/>
+                                          </p:stCondLst>
+                                        </p:cTn>
+                                        <p:tgtEl>
+                                          <p:spTgt spid="14">
+                                            <p:txEl>
+                                              <p:pRg st="0" end="0"/>
+                                            </p:txEl>
+                                          </p:spTgt>
+                                        </p:tgtEl>
+                                        <p:attrNameLst>
+                                          <p:attrName>style.visibility</p:attrName>
+                                        </p:attrNameLst>
+                                      </p:cBhvr>
+                                      <p:to>
+                                        <p:strVal val="visible"/>
+                                      </p:to>
+                                    </p:set>
+                                    <p:animEffect transition="in" filter="fade">
+                                      <p:cBhvr>
+                                        <p:cTn id="31" dur="500"/>
+                                        <p:tgtEl>
+                                          <p:spTgt spid="14">
+                                            <p:txEl>
+                                              <p:pRg st="0" end="0"/>
+                                            </p:txEl>
+                                          </p:spTgt>
+                                        </p:tgtEl>
+                                      </p:cBhvr>
+                                    </p:animEffect>
+                                  </p:childTnLst>
+                                </p:cTn>
+                              </p:par>
+                            </p:childTnLst>
+                          </p:cTn>
+                        </p:par>
+                      </p:childTnLst>
+                    </p:cTn>
+                  </p:par>
+                </p:childTnLst>
+              </p:cTn>
+              <p:prevCondLst>
+                <p:cond evt="onPrev" delay="0">
+                  <p:tgtEl>
+                    <p:sldTgt/>
+                  </p:tgtEl>
+                </p:cond>
+              </p:prevCondLst>
+              <p:nextCondLst>
+                <p:cond evt="onNext" delay="0">
+                  <p:tgtEl>
+                    <p:sldTgt/>
+                  </p:tgtEl>
+                </p:cond>
+              </p:nextCondLst>
+            </p:seq>
+          </p:childTnLst>
+        </p:cTn>
+      </p:par>
+    </p:tnLst>
+    <p:bldLst>
+      <p:bldP spid="3" grpId="0"/>
+      <p:bldP spid="15" grpId="0"/>
+      <p:bldP spid="16" grpId="0"/>
+    </p:bldLst>
+  </p:timing>
+</p:sld>
+</file>
+
+<file path=ppt/slides/slide21.xml><?xml version="1.0" encoding="utf-8"?>
+<p:sld xmlns:a="http://schemas.openxmlformats.org/drawingml/2006/main" xmlns:r="http://schemas.openxmlformats.org/officeDocument/2006/relationships" xmlns:p="http://schemas.openxmlformats.org/presentationml/2006/main">
+  <p:cSld>
+    <p:spTree>
+      <p:nvGrpSpPr>
+        <p:cNvPr id="1" name=""/>
+        <p:cNvGrpSpPr/>
+        <p:nvPr/>
+      </p:nvGrpSpPr>
+      <p:grpSpPr>
+        <a:xfrm>
+          <a:off x="0" y="0"/>
+          <a:ext cx="0" cy="0"/>
+          <a:chOff x="0" y="0"/>
+          <a:chExt cx="0" cy="0"/>
+        </a:xfrm>
+      </p:grpSpPr>
+      <p:sp>
+        <p:nvSpPr>
+          <p:cNvPr id="2" name="Title 1"/>
+          <p:cNvSpPr>
+            <a:spLocks noGrp="1"/>
+          </p:cNvSpPr>
+          <p:nvPr>
+            <p:ph type="title"/>
+          </p:nvPr>
+        </p:nvSpPr>
+        <p:spPr>
+          <a:xfrm>
+            <a:off x="-6531" y="135256"/>
+            <a:ext cx="9143999" cy="685800"/>
+          </a:xfrm>
+        </p:spPr>
+        <p:txBody>
+          <a:bodyPr>
+            <a:normAutofit fontScale="90000"/>
+          </a:bodyPr>
+          <a:lstStyle/>
+          <a:p>
+            <a:r>
+              <a:rPr lang="en-US" dirty="0" smtClean="0"/>
+              <a:t>Prefer exception to runtime error code</a:t>
+            </a:r>
+            <a:endParaRPr lang="en-US" dirty="0"/>
+          </a:p>
+        </p:txBody>
+      </p:sp>
+      <p:sp>
+        <p:nvSpPr>
+          <p:cNvPr id="4" name="Slide Number Placeholder 3"/>
+          <p:cNvSpPr>
+            <a:spLocks noGrp="1"/>
+          </p:cNvSpPr>
+          <p:nvPr>
+            <p:ph type="sldNum" sz="quarter" idx="12"/>
+          </p:nvPr>
+        </p:nvSpPr>
+        <p:spPr/>
+        <p:txBody>
+          <a:bodyPr/>
+          <a:lstStyle/>
+          <a:p>
+            <a:fld id="{07167301-DA6A-464D-A35A-C5160C07AEDB}" type="slidenum">
+              <a:rPr lang="en-US" smtClean="0"/>
+              <a:pPr/>
+              <a:t>21</a:t>
+            </a:fld>
+            <a:endParaRPr lang="en-US" dirty="0"/>
+          </a:p>
+        </p:txBody>
+      </p:sp>
+      <p:sp>
+        <p:nvSpPr>
+          <p:cNvPr id="8" name="Content Placeholder 2"/>
+          <p:cNvSpPr txBox="1">
+            <a:spLocks/>
+          </p:cNvSpPr>
+          <p:nvPr/>
+        </p:nvSpPr>
+        <p:spPr>
+          <a:xfrm>
+            <a:off x="507206" y="1993393"/>
+            <a:ext cx="8065294" cy="3766185"/>
+          </a:xfrm>
+          <a:prstGeom prst="rect">
+            <a:avLst/>
+          </a:prstGeom>
+        </p:spPr>
+        <p:txBody>
+          <a:bodyPr vert="horz" lIns="91440" tIns="45720" rIns="91440" bIns="45720" rtlCol="0">
+            <a:normAutofit/>
+          </a:bodyPr>
+          <a:lstStyle>
+            <a:lvl1pPr marL="91440" indent="-91440" algn="l" defTabSz="914400" rtl="0" eaLnBrk="1" latinLnBrk="0" hangingPunct="1">
+              <a:lnSpc>
+                <a:spcPct val="85000"/>
+              </a:lnSpc>
+              <a:spcBef>
+                <a:spcPts val="1300"/>
+              </a:spcBef>
+              <a:buFont typeface="Arial" pitchFamily="34" charset="0"/>
+              <a:buChar char=" "/>
+              <a:defRPr sz="2400" kern="1200">
+                <a:solidFill>
+                  <a:schemeClr val="tx1">
+                    <a:lumMod val="85000"/>
+                    <a:lumOff val="15000"/>
+                  </a:schemeClr>
+                </a:solidFill>
+                <a:latin typeface="+mn-lt"/>
+                <a:ea typeface="+mn-ea"/>
+                <a:cs typeface="+mn-cs"/>
+              </a:defRPr>
+            </a:lvl1pPr>
+            <a:lvl2pPr marL="274320" indent="-342900" algn="l" defTabSz="914400" rtl="0" eaLnBrk="1" latinLnBrk="0" hangingPunct="1">
+              <a:lnSpc>
+                <a:spcPct val="85000"/>
+              </a:lnSpc>
+              <a:spcBef>
+                <a:spcPts val="600"/>
+              </a:spcBef>
+              <a:buFont typeface="Wingdings" panose="05000000000000000000" pitchFamily="2" charset="2"/>
+              <a:buChar char="Ø"/>
+              <a:defRPr sz="2400" kern="1200">
+                <a:solidFill>
+                  <a:schemeClr val="tx1">
+                    <a:lumMod val="85000"/>
+                    <a:lumOff val="15000"/>
+                  </a:schemeClr>
+                </a:solidFill>
+                <a:latin typeface="+mn-lt"/>
+                <a:ea typeface="+mn-ea"/>
+                <a:cs typeface="+mn-cs"/>
+              </a:defRPr>
+            </a:lvl2pPr>
+            <a:lvl3pPr marL="548640" indent="-548640" algn="l" defTabSz="914400" rtl="0" eaLnBrk="1" latinLnBrk="0" hangingPunct="1">
+              <a:lnSpc>
+                <a:spcPct val="85000"/>
+              </a:lnSpc>
+              <a:spcBef>
+                <a:spcPts val="600"/>
+              </a:spcBef>
+              <a:buFont typeface="Arial" pitchFamily="34" charset="0"/>
+              <a:buChar char="•"/>
+              <a:defRPr sz="2000" i="1" kern="1200">
+                <a:solidFill>
+                  <a:schemeClr val="tx1">
+                    <a:lumMod val="85000"/>
+                    <a:lumOff val="15000"/>
+                  </a:schemeClr>
+                </a:solidFill>
+                <a:latin typeface="+mn-lt"/>
+                <a:ea typeface="+mn-ea"/>
+                <a:cs typeface="+mn-cs"/>
+              </a:defRPr>
+            </a:lvl3pPr>
+            <a:lvl4pPr marL="822960" indent="-822960" algn="l" defTabSz="914400" rtl="0" eaLnBrk="1" latinLnBrk="0" hangingPunct="1">
+              <a:lnSpc>
+                <a:spcPct val="85000"/>
+              </a:lnSpc>
+              <a:spcBef>
+                <a:spcPts val="600"/>
+              </a:spcBef>
+              <a:buFont typeface="Arial" pitchFamily="34" charset="0"/>
+              <a:buChar char=" "/>
+              <a:defRPr sz="1800" kern="1200">
+                <a:solidFill>
+                  <a:schemeClr val="tx1">
+                    <a:lumMod val="85000"/>
+                    <a:lumOff val="15000"/>
+                  </a:schemeClr>
+                </a:solidFill>
+                <a:latin typeface="+mn-lt"/>
+                <a:ea typeface="+mn-ea"/>
+                <a:cs typeface="+mn-cs"/>
+              </a:defRPr>
+            </a:lvl4pPr>
+            <a:lvl5pPr marL="1097280" indent="-1097280" algn="l" defTabSz="914400" rtl="0" eaLnBrk="1" latinLnBrk="0" hangingPunct="1">
+              <a:lnSpc>
+                <a:spcPct val="85000"/>
+              </a:lnSpc>
+              <a:spcBef>
+                <a:spcPts val="600"/>
+              </a:spcBef>
+              <a:buFont typeface="Arial" pitchFamily="34" charset="0"/>
+              <a:buChar char=" "/>
+              <a:defRPr sz="1800" kern="1200">
+                <a:solidFill>
+                  <a:schemeClr val="tx1">
+                    <a:lumMod val="85000"/>
+                    <a:lumOff val="15000"/>
+                  </a:schemeClr>
+                </a:solidFill>
+                <a:latin typeface="+mn-lt"/>
+                <a:ea typeface="+mn-ea"/>
+                <a:cs typeface="+mn-cs"/>
+              </a:defRPr>
+            </a:lvl5pPr>
+            <a:lvl6pPr marL="1200000" indent="-228600" algn="l" defTabSz="914400" rtl="0" eaLnBrk="1" latinLnBrk="0" hangingPunct="1">
+              <a:lnSpc>
+                <a:spcPct val="85000"/>
+              </a:lnSpc>
+              <a:spcBef>
+                <a:spcPts val="600"/>
+              </a:spcBef>
+              <a:buFont typeface="Arial" pitchFamily="34" charset="0"/>
+              <a:buChar char=" "/>
+              <a:defRPr sz="1800" kern="1200">
+                <a:solidFill>
+                  <a:schemeClr val="tx1">
+                    <a:lumMod val="85000"/>
+                    <a:lumOff val="15000"/>
+                  </a:schemeClr>
+                </a:solidFill>
+                <a:latin typeface="+mn-lt"/>
+                <a:ea typeface="+mn-ea"/>
+                <a:cs typeface="+mn-cs"/>
+              </a:defRPr>
+            </a:lvl6pPr>
+            <a:lvl7pPr marL="1400000" indent="-228600" algn="l" defTabSz="914400" rtl="0" eaLnBrk="1" latinLnBrk="0" hangingPunct="1">
+              <a:lnSpc>
+                <a:spcPct val="85000"/>
+              </a:lnSpc>
+              <a:spcBef>
+                <a:spcPts val="600"/>
+              </a:spcBef>
+              <a:buFont typeface="Arial" pitchFamily="34" charset="0"/>
+              <a:buChar char=" "/>
+              <a:defRPr sz="1800" kern="1200">
+                <a:solidFill>
+                  <a:schemeClr val="tx1">
+                    <a:lumMod val="85000"/>
+                    <a:lumOff val="15000"/>
+                  </a:schemeClr>
+                </a:solidFill>
+                <a:latin typeface="+mn-lt"/>
+                <a:ea typeface="+mn-ea"/>
+                <a:cs typeface="+mn-cs"/>
+              </a:defRPr>
+            </a:lvl7pPr>
+            <a:lvl8pPr marL="1600000" indent="-228600" algn="l" defTabSz="914400" rtl="0" eaLnBrk="1" latinLnBrk="0" hangingPunct="1">
+              <a:lnSpc>
+                <a:spcPct val="85000"/>
+              </a:lnSpc>
+              <a:spcBef>
+                <a:spcPts val="600"/>
+              </a:spcBef>
+              <a:buFont typeface="Arial" pitchFamily="34" charset="0"/>
+              <a:buChar char=" "/>
+              <a:defRPr sz="1800" kern="1200">
+                <a:solidFill>
+                  <a:schemeClr val="tx1">
+                    <a:lumMod val="85000"/>
+                    <a:lumOff val="15000"/>
+                  </a:schemeClr>
+                </a:solidFill>
+                <a:latin typeface="+mn-lt"/>
+                <a:ea typeface="+mn-ea"/>
+                <a:cs typeface="+mn-cs"/>
+              </a:defRPr>
+            </a:lvl8pPr>
+            <a:lvl9pPr marL="1800000" indent="-228600" algn="l" defTabSz="914400" rtl="0" eaLnBrk="1" latinLnBrk="0" hangingPunct="1">
+              <a:lnSpc>
+                <a:spcPct val="85000"/>
+              </a:lnSpc>
+              <a:spcBef>
+                <a:spcPts val="600"/>
+              </a:spcBef>
+              <a:buFont typeface="Arial" pitchFamily="34" charset="0"/>
+              <a:buChar char=" "/>
+              <a:defRPr sz="1800" kern="1200">
+                <a:solidFill>
+                  <a:schemeClr val="tx1">
+                    <a:lumMod val="85000"/>
+                    <a:lumOff val="15000"/>
+                  </a:schemeClr>
+                </a:solidFill>
+                <a:latin typeface="+mn-lt"/>
+                <a:ea typeface="+mn-ea"/>
+                <a:cs typeface="+mn-cs"/>
+              </a:defRPr>
+            </a:lvl9pPr>
+          </a:lstStyle>
+          <a:p>
+            <a:endParaRPr lang="en-US" dirty="0"/>
+          </a:p>
+        </p:txBody>
+      </p:sp>
+      <p:pic>
+        <p:nvPicPr>
+          <p:cNvPr id="7" name="Content Placeholder 6"/>
+          <p:cNvPicPr>
+            <a:picLocks noGrp="1" noChangeAspect="1"/>
+          </p:cNvPicPr>
+          <p:nvPr>
+            <p:ph idx="1"/>
+          </p:nvPr>
+        </p:nvPicPr>
+        <p:blipFill>
+          <a:blip r:embed="rId3"/>
+          <a:stretch>
+            <a:fillRect/>
+          </a:stretch>
+        </p:blipFill>
+        <p:spPr>
+          <a:xfrm>
+            <a:off x="5346518" y="973457"/>
+            <a:ext cx="3505200" cy="2057400"/>
+          </a:xfrm>
+          <a:prstGeom prst="rect">
+            <a:avLst/>
+          </a:prstGeom>
+          <a:ln>
+            <a:noFill/>
+          </a:ln>
+          <a:effectLst>
+            <a:outerShdw blurRad="190500" algn="tl" rotWithShape="0">
+              <a:srgbClr val="000000">
+                <a:alpha val="70000"/>
+              </a:srgbClr>
+            </a:outerShdw>
+          </a:effectLst>
+        </p:spPr>
+      </p:pic>
+      <p:pic>
+        <p:nvPicPr>
+          <p:cNvPr id="6" name="Picture 5"/>
+          <p:cNvPicPr>
+            <a:picLocks noChangeAspect="1"/>
+          </p:cNvPicPr>
+          <p:nvPr/>
+        </p:nvPicPr>
+        <p:blipFill>
+          <a:blip r:embed="rId4"/>
+          <a:stretch>
+            <a:fillRect/>
+          </a:stretch>
+        </p:blipFill>
+        <p:spPr>
+          <a:xfrm>
+            <a:off x="69668" y="973457"/>
+            <a:ext cx="5029199" cy="2438399"/>
+          </a:xfrm>
+          <a:prstGeom prst="rect">
+            <a:avLst/>
+          </a:prstGeom>
+          <a:ln>
+            <a:noFill/>
+          </a:ln>
+          <a:effectLst>
+            <a:outerShdw blurRad="190500" algn="tl" rotWithShape="0">
+              <a:srgbClr val="000000">
+                <a:alpha val="70000"/>
+              </a:srgbClr>
+            </a:outerShdw>
+          </a:effectLst>
+        </p:spPr>
+      </p:pic>
+      <p:sp>
+        <p:nvSpPr>
+          <p:cNvPr id="9" name="Title 1"/>
+          <p:cNvSpPr txBox="1">
+            <a:spLocks/>
+          </p:cNvSpPr>
+          <p:nvPr/>
+        </p:nvSpPr>
+        <p:spPr>
+          <a:xfrm>
+            <a:off x="1" y="3642835"/>
+            <a:ext cx="9143999" cy="685800"/>
+          </a:xfrm>
+          <a:prstGeom prst="rect">
+            <a:avLst/>
+          </a:prstGeom>
+          <a:solidFill>
+            <a:schemeClr val="accent1">
+              <a:lumMod val="20000"/>
+              <a:lumOff val="80000"/>
+            </a:schemeClr>
+          </a:solidFill>
+        </p:spPr>
+        <p:txBody>
+          <a:bodyPr vert="horz" lIns="91440" tIns="45720" rIns="91440" bIns="45720" rtlCol="0" anchor="ctr">
+            <a:normAutofit fontScale="97500" lnSpcReduction="10000"/>
+          </a:bodyPr>
+          <a:lstStyle>
+            <a:lvl1pPr algn="l" defTabSz="914400" rtl="0" eaLnBrk="1" latinLnBrk="0" hangingPunct="1">
+              <a:lnSpc>
+                <a:spcPct val="90000"/>
+              </a:lnSpc>
+              <a:spcBef>
+                <a:spcPct val="0"/>
+              </a:spcBef>
+              <a:buNone/>
+              <a:defRPr sz="4800" kern="1200" spc="-120" baseline="0">
+                <a:solidFill>
+                  <a:schemeClr val="accent1"/>
+                </a:solidFill>
+                <a:latin typeface="+mj-lt"/>
+                <a:ea typeface="+mj-ea"/>
+                <a:cs typeface="+mj-cs"/>
+              </a:defRPr>
+            </a:lvl1pPr>
+          </a:lstStyle>
+          <a:p>
+            <a:r>
+              <a:rPr lang="en-US" dirty="0" smtClean="0"/>
+              <a:t>Extract try/catch blocks</a:t>
+            </a:r>
+            <a:endParaRPr lang="en-US" dirty="0"/>
+          </a:p>
+        </p:txBody>
+      </p:sp>
+      <p:pic>
+        <p:nvPicPr>
+          <p:cNvPr id="10" name="Picture 9"/>
+          <p:cNvPicPr>
+            <a:picLocks noChangeAspect="1"/>
+          </p:cNvPicPr>
+          <p:nvPr/>
+        </p:nvPicPr>
+        <p:blipFill>
+          <a:blip r:embed="rId5"/>
+          <a:stretch>
+            <a:fillRect/>
+          </a:stretch>
+        </p:blipFill>
+        <p:spPr>
+          <a:xfrm>
+            <a:off x="4495447" y="4476750"/>
+            <a:ext cx="4504234" cy="2171699"/>
+          </a:xfrm>
+          <a:prstGeom prst="rect">
+            <a:avLst/>
+          </a:prstGeom>
+          <a:ln>
+            <a:noFill/>
+          </a:ln>
+          <a:effectLst>
+            <a:outerShdw blurRad="190500" algn="tl" rotWithShape="0">
+              <a:srgbClr val="000000">
+                <a:alpha val="70000"/>
+              </a:srgbClr>
+            </a:outerShdw>
+          </a:effectLst>
+        </p:spPr>
+      </p:pic>
+      <p:sp>
+        <p:nvSpPr>
+          <p:cNvPr id="11" name="TextBox 10"/>
+          <p:cNvSpPr txBox="1"/>
+          <p:nvPr/>
+        </p:nvSpPr>
+        <p:spPr>
+          <a:xfrm>
+            <a:off x="227987" y="4448641"/>
+            <a:ext cx="3840279" cy="923330"/>
+          </a:xfrm>
+          <a:prstGeom prst="rect">
+            <a:avLst/>
+          </a:prstGeom>
+          <a:noFill/>
+        </p:spPr>
+        <p:txBody>
+          <a:bodyPr wrap="square" rtlCol="0">
+            <a:spAutoFit/>
+          </a:bodyPr>
+          <a:lstStyle/>
+          <a:p>
+            <a:pPr marL="285750" indent="-285750">
+              <a:buFont typeface="Wingdings" panose="05000000000000000000" pitchFamily="2" charset="2"/>
+              <a:buChar char="ü"/>
+            </a:pPr>
+            <a:r>
+              <a:rPr lang="en-US" dirty="0" smtClean="0"/>
+              <a:t>It is better to extract the bodies of </a:t>
+            </a:r>
+          </a:p>
+          <a:p>
+            <a:r>
+              <a:rPr lang="en-US" dirty="0" smtClean="0"/>
+              <a:t>try and catch blocks out into functions of their own.</a:t>
+            </a:r>
+            <a:endParaRPr lang="en-US" dirty="0"/>
+          </a:p>
+        </p:txBody>
+      </p:sp>
+    </p:spTree>
+    <p:extLst>
+      <p:ext uri="{BB962C8B-B14F-4D97-AF65-F5344CB8AC3E}">
+        <p14:creationId xmlns:p14="http://schemas.microsoft.com/office/powerpoint/2010/main" val="3022367899"/>
+      </p:ext>
+    </p:extLst>
+  </p:cSld>
+  <p:clrMapOvr>
+    <a:masterClrMapping/>
+  </p:clrMapOvr>
+  <p:timing>
+    <p:tnLst>
+      <p:par>
+        <p:cTn id="1" dur="indefinite" restart="never" nodeType="tmRoot"/>
+      </p:par>
+    </p:tnLst>
+  </p:timing>
+</p:sld>
+</file>
+
+<file path=ppt/slides/slide22.xml><?xml version="1.0" encoding="utf-8"?>
+<p:sld xmlns:a="http://schemas.openxmlformats.org/drawingml/2006/main" xmlns:r="http://schemas.openxmlformats.org/officeDocument/2006/relationships" xmlns:p="http://schemas.openxmlformats.org/presentationml/2006/main">
+  <p:cSld>
+    <p:spTree>
+      <p:nvGrpSpPr>
+        <p:cNvPr id="1" name=""/>
+        <p:cNvGrpSpPr/>
+        <p:nvPr/>
+      </p:nvGrpSpPr>
+      <p:grpSpPr>
+        <a:xfrm>
+          <a:off x="0" y="0"/>
+          <a:ext cx="0" cy="0"/>
+          <a:chOff x="0" y="0"/>
+          <a:chExt cx="0" cy="0"/>
+        </a:xfrm>
+      </p:grpSpPr>
+      <p:sp>
+        <p:nvSpPr>
+          <p:cNvPr id="2" name="Title 1"/>
+          <p:cNvSpPr>
+            <a:spLocks noGrp="1"/>
+          </p:cNvSpPr>
+          <p:nvPr>
+            <p:ph type="title"/>
+          </p:nvPr>
+        </p:nvSpPr>
+        <p:spPr>
+          <a:xfrm>
+            <a:off x="-6531" y="135256"/>
+            <a:ext cx="9143999" cy="685800"/>
+          </a:xfrm>
+        </p:spPr>
+        <p:txBody>
+          <a:bodyPr>
+            <a:normAutofit fontScale="90000"/>
+          </a:bodyPr>
+          <a:lstStyle/>
+          <a:p>
+            <a:r>
+              <a:rPr lang="en-US" dirty="0" smtClean="0"/>
+              <a:t>Dependency magnet</a:t>
+            </a:r>
+            <a:endParaRPr lang="en-US" dirty="0"/>
+          </a:p>
+        </p:txBody>
+      </p:sp>
+      <p:sp>
+        <p:nvSpPr>
+          <p:cNvPr id="4" name="Slide Number Placeholder 3"/>
+          <p:cNvSpPr>
+            <a:spLocks noGrp="1"/>
+          </p:cNvSpPr>
+          <p:nvPr>
+            <p:ph type="sldNum" sz="quarter" idx="12"/>
+          </p:nvPr>
+        </p:nvSpPr>
+        <p:spPr/>
+        <p:txBody>
+          <a:bodyPr/>
+          <a:lstStyle/>
+          <a:p>
+            <a:fld id="{07167301-DA6A-464D-A35A-C5160C07AEDB}" type="slidenum">
+              <a:rPr lang="en-US" smtClean="0"/>
+              <a:pPr/>
+              <a:t>22</a:t>
+            </a:fld>
+            <a:endParaRPr lang="en-US" dirty="0"/>
+          </a:p>
+        </p:txBody>
+      </p:sp>
+      <p:sp>
+        <p:nvSpPr>
+          <p:cNvPr id="8" name="Content Placeholder 2"/>
+          <p:cNvSpPr txBox="1">
+            <a:spLocks/>
+          </p:cNvSpPr>
+          <p:nvPr/>
+        </p:nvSpPr>
+        <p:spPr>
+          <a:xfrm>
+            <a:off x="507206" y="1993393"/>
+            <a:ext cx="8065294" cy="3766185"/>
+          </a:xfrm>
+          <a:prstGeom prst="rect">
+            <a:avLst/>
+          </a:prstGeom>
+        </p:spPr>
+        <p:txBody>
+          <a:bodyPr vert="horz" lIns="91440" tIns="45720" rIns="91440" bIns="45720" rtlCol="0">
+            <a:normAutofit/>
+          </a:bodyPr>
+          <a:lstStyle>
+            <a:lvl1pPr marL="91440" indent="-91440" algn="l" defTabSz="914400" rtl="0" eaLnBrk="1" latinLnBrk="0" hangingPunct="1">
+              <a:lnSpc>
+                <a:spcPct val="85000"/>
+              </a:lnSpc>
+              <a:spcBef>
+                <a:spcPts val="1300"/>
+              </a:spcBef>
+              <a:buFont typeface="Arial" pitchFamily="34" charset="0"/>
+              <a:buChar char=" "/>
+              <a:defRPr sz="2400" kern="1200">
+                <a:solidFill>
+                  <a:schemeClr val="tx1">
+                    <a:lumMod val="85000"/>
+                    <a:lumOff val="15000"/>
+                  </a:schemeClr>
+                </a:solidFill>
+                <a:latin typeface="+mn-lt"/>
+                <a:ea typeface="+mn-ea"/>
+                <a:cs typeface="+mn-cs"/>
+              </a:defRPr>
+            </a:lvl1pPr>
+            <a:lvl2pPr marL="274320" indent="-342900" algn="l" defTabSz="914400" rtl="0" eaLnBrk="1" latinLnBrk="0" hangingPunct="1">
+              <a:lnSpc>
+                <a:spcPct val="85000"/>
+              </a:lnSpc>
+              <a:spcBef>
+                <a:spcPts val="600"/>
+              </a:spcBef>
+              <a:buFont typeface="Wingdings" panose="05000000000000000000" pitchFamily="2" charset="2"/>
+              <a:buChar char="Ø"/>
+              <a:defRPr sz="2400" kern="1200">
+                <a:solidFill>
+                  <a:schemeClr val="tx1">
+                    <a:lumMod val="85000"/>
+                    <a:lumOff val="15000"/>
+                  </a:schemeClr>
+                </a:solidFill>
+                <a:latin typeface="+mn-lt"/>
+                <a:ea typeface="+mn-ea"/>
+                <a:cs typeface="+mn-cs"/>
+              </a:defRPr>
+            </a:lvl2pPr>
+            <a:lvl3pPr marL="548640" indent="-548640" algn="l" defTabSz="914400" rtl="0" eaLnBrk="1" latinLnBrk="0" hangingPunct="1">
+              <a:lnSpc>
+                <a:spcPct val="85000"/>
+              </a:lnSpc>
+              <a:spcBef>
+                <a:spcPts val="600"/>
+              </a:spcBef>
+              <a:buFont typeface="Arial" pitchFamily="34" charset="0"/>
+              <a:buChar char="•"/>
+              <a:defRPr sz="2000" i="1" kern="1200">
+                <a:solidFill>
+                  <a:schemeClr val="tx1">
+                    <a:lumMod val="85000"/>
+                    <a:lumOff val="15000"/>
+                  </a:schemeClr>
+                </a:solidFill>
+                <a:latin typeface="+mn-lt"/>
+                <a:ea typeface="+mn-ea"/>
+                <a:cs typeface="+mn-cs"/>
+              </a:defRPr>
+            </a:lvl3pPr>
+            <a:lvl4pPr marL="822960" indent="-822960" algn="l" defTabSz="914400" rtl="0" eaLnBrk="1" latinLnBrk="0" hangingPunct="1">
+              <a:lnSpc>
+                <a:spcPct val="85000"/>
+              </a:lnSpc>
+              <a:spcBef>
+                <a:spcPts val="600"/>
+              </a:spcBef>
+              <a:buFont typeface="Arial" pitchFamily="34" charset="0"/>
+              <a:buChar char=" "/>
+              <a:defRPr sz="1800" kern="1200">
+                <a:solidFill>
+                  <a:schemeClr val="tx1">
+                    <a:lumMod val="85000"/>
+                    <a:lumOff val="15000"/>
+                  </a:schemeClr>
+                </a:solidFill>
+                <a:latin typeface="+mn-lt"/>
+                <a:ea typeface="+mn-ea"/>
+                <a:cs typeface="+mn-cs"/>
+              </a:defRPr>
+            </a:lvl4pPr>
+            <a:lvl5pPr marL="1097280" indent="-1097280" algn="l" defTabSz="914400" rtl="0" eaLnBrk="1" latinLnBrk="0" hangingPunct="1">
+              <a:lnSpc>
+                <a:spcPct val="85000"/>
+              </a:lnSpc>
+              <a:spcBef>
+                <a:spcPts val="600"/>
+              </a:spcBef>
+              <a:buFont typeface="Arial" pitchFamily="34" charset="0"/>
+              <a:buChar char=" "/>
+              <a:defRPr sz="1800" kern="1200">
+                <a:solidFill>
+                  <a:schemeClr val="tx1">
+                    <a:lumMod val="85000"/>
+                    <a:lumOff val="15000"/>
+                  </a:schemeClr>
+                </a:solidFill>
+                <a:latin typeface="+mn-lt"/>
+                <a:ea typeface="+mn-ea"/>
+                <a:cs typeface="+mn-cs"/>
+              </a:defRPr>
+            </a:lvl5pPr>
+            <a:lvl6pPr marL="1200000" indent="-228600" algn="l" defTabSz="914400" rtl="0" eaLnBrk="1" latinLnBrk="0" hangingPunct="1">
+              <a:lnSpc>
+                <a:spcPct val="85000"/>
+              </a:lnSpc>
+              <a:spcBef>
+                <a:spcPts val="600"/>
+              </a:spcBef>
+              <a:buFont typeface="Arial" pitchFamily="34" charset="0"/>
+              <a:buChar char=" "/>
+              <a:defRPr sz="1800" kern="1200">
+                <a:solidFill>
+                  <a:schemeClr val="tx1">
+                    <a:lumMod val="85000"/>
+                    <a:lumOff val="15000"/>
+                  </a:schemeClr>
+                </a:solidFill>
+                <a:latin typeface="+mn-lt"/>
+                <a:ea typeface="+mn-ea"/>
+                <a:cs typeface="+mn-cs"/>
+              </a:defRPr>
+            </a:lvl6pPr>
+            <a:lvl7pPr marL="1400000" indent="-228600" algn="l" defTabSz="914400" rtl="0" eaLnBrk="1" latinLnBrk="0" hangingPunct="1">
+              <a:lnSpc>
+                <a:spcPct val="85000"/>
+              </a:lnSpc>
+              <a:spcBef>
+                <a:spcPts val="600"/>
+              </a:spcBef>
+              <a:buFont typeface="Arial" pitchFamily="34" charset="0"/>
+              <a:buChar char=" "/>
+              <a:defRPr sz="1800" kern="1200">
+                <a:solidFill>
+                  <a:schemeClr val="tx1">
+                    <a:lumMod val="85000"/>
+                    <a:lumOff val="15000"/>
+                  </a:schemeClr>
+                </a:solidFill>
+                <a:latin typeface="+mn-lt"/>
+                <a:ea typeface="+mn-ea"/>
+                <a:cs typeface="+mn-cs"/>
+              </a:defRPr>
+            </a:lvl7pPr>
+            <a:lvl8pPr marL="1600000" indent="-228600" algn="l" defTabSz="914400" rtl="0" eaLnBrk="1" latinLnBrk="0" hangingPunct="1">
+              <a:lnSpc>
+                <a:spcPct val="85000"/>
+              </a:lnSpc>
+              <a:spcBef>
+                <a:spcPts val="600"/>
+              </a:spcBef>
+              <a:buFont typeface="Arial" pitchFamily="34" charset="0"/>
+              <a:buChar char=" "/>
+              <a:defRPr sz="1800" kern="1200">
+                <a:solidFill>
+                  <a:schemeClr val="tx1">
+                    <a:lumMod val="85000"/>
+                    <a:lumOff val="15000"/>
+                  </a:schemeClr>
+                </a:solidFill>
+                <a:latin typeface="+mn-lt"/>
+                <a:ea typeface="+mn-ea"/>
+                <a:cs typeface="+mn-cs"/>
+              </a:defRPr>
+            </a:lvl8pPr>
+            <a:lvl9pPr marL="1800000" indent="-228600" algn="l" defTabSz="914400" rtl="0" eaLnBrk="1" latinLnBrk="0" hangingPunct="1">
+              <a:lnSpc>
+                <a:spcPct val="85000"/>
+              </a:lnSpc>
+              <a:spcBef>
+                <a:spcPts val="600"/>
+              </a:spcBef>
+              <a:buFont typeface="Arial" pitchFamily="34" charset="0"/>
+              <a:buChar char=" "/>
+              <a:defRPr sz="1800" kern="1200">
+                <a:solidFill>
+                  <a:schemeClr val="tx1">
+                    <a:lumMod val="85000"/>
+                    <a:lumOff val="15000"/>
+                  </a:schemeClr>
+                </a:solidFill>
+                <a:latin typeface="+mn-lt"/>
+                <a:ea typeface="+mn-ea"/>
+                <a:cs typeface="+mn-cs"/>
+              </a:defRPr>
+            </a:lvl9pPr>
+          </a:lstStyle>
+          <a:p>
+            <a:endParaRPr lang="en-US" dirty="0"/>
+          </a:p>
+        </p:txBody>
+      </p:sp>
+      <p:sp>
+        <p:nvSpPr>
+          <p:cNvPr id="9" name="Title 1"/>
+          <p:cNvSpPr txBox="1">
+            <a:spLocks/>
+          </p:cNvSpPr>
+          <p:nvPr/>
+        </p:nvSpPr>
+        <p:spPr>
+          <a:xfrm>
+            <a:off x="3628" y="2281527"/>
+            <a:ext cx="9143999" cy="685800"/>
+          </a:xfrm>
+          <a:prstGeom prst="rect">
+            <a:avLst/>
+          </a:prstGeom>
+          <a:solidFill>
+            <a:schemeClr val="accent1">
+              <a:lumMod val="20000"/>
+              <a:lumOff val="80000"/>
+            </a:schemeClr>
+          </a:solidFill>
+        </p:spPr>
+        <p:txBody>
+          <a:bodyPr vert="horz" lIns="91440" tIns="45720" rIns="91440" bIns="45720" rtlCol="0" anchor="ctr">
+            <a:normAutofit fontScale="97500"/>
+          </a:bodyPr>
+          <a:lstStyle>
+            <a:lvl1pPr algn="l" defTabSz="914400" rtl="0" eaLnBrk="1" latinLnBrk="0" hangingPunct="1">
+              <a:lnSpc>
+                <a:spcPct val="90000"/>
+              </a:lnSpc>
+              <a:spcBef>
+                <a:spcPct val="0"/>
+              </a:spcBef>
+              <a:buNone/>
+              <a:defRPr sz="4800" kern="1200" spc="-120" baseline="0">
+                <a:solidFill>
+                  <a:schemeClr val="accent1"/>
+                </a:solidFill>
+                <a:latin typeface="+mj-lt"/>
+                <a:ea typeface="+mj-ea"/>
+                <a:cs typeface="+mj-cs"/>
+              </a:defRPr>
+            </a:lvl1pPr>
+          </a:lstStyle>
+          <a:p>
+            <a:r>
+              <a:rPr lang="en-US" sz="4300" dirty="0" smtClean="0"/>
+              <a:t>Don’t repeat yourself</a:t>
+            </a:r>
+            <a:endParaRPr lang="en-US" sz="4300" dirty="0"/>
+          </a:p>
+        </p:txBody>
+      </p:sp>
+      <p:sp>
+        <p:nvSpPr>
+          <p:cNvPr id="3" name="Content Placeholder 2"/>
+          <p:cNvSpPr>
+            <a:spLocks noGrp="1"/>
+          </p:cNvSpPr>
+          <p:nvPr>
+            <p:ph idx="1"/>
+          </p:nvPr>
+        </p:nvSpPr>
+        <p:spPr>
+          <a:xfrm>
+            <a:off x="507206" y="1072925"/>
+            <a:ext cx="8065294" cy="2166392"/>
+          </a:xfrm>
+        </p:spPr>
+        <p:txBody>
+          <a:bodyPr/>
+          <a:lstStyle/>
+          <a:p>
+            <a:pPr>
+              <a:buFont typeface="Wingdings" panose="05000000000000000000" pitchFamily="2" charset="2"/>
+              <a:buChar char="ü"/>
+            </a:pPr>
+            <a:r>
+              <a:rPr lang="en-US" dirty="0" smtClean="0"/>
+              <a:t>Using exception for dependency magnet</a:t>
+            </a:r>
+            <a:endParaRPr lang="en-US" dirty="0"/>
+          </a:p>
+        </p:txBody>
+      </p:sp>
+      <p:pic>
+        <p:nvPicPr>
+          <p:cNvPr id="5" name="Picture 4"/>
+          <p:cNvPicPr>
+            <a:picLocks noChangeAspect="1"/>
+          </p:cNvPicPr>
+          <p:nvPr/>
+        </p:nvPicPr>
+        <p:blipFill>
+          <a:blip r:embed="rId3"/>
+          <a:stretch>
+            <a:fillRect/>
+          </a:stretch>
+        </p:blipFill>
+        <p:spPr>
+          <a:xfrm>
+            <a:off x="6324600" y="875909"/>
+            <a:ext cx="1785406" cy="1314530"/>
+          </a:xfrm>
+          <a:prstGeom prst="rect">
+            <a:avLst/>
+          </a:prstGeom>
+          <a:ln>
+            <a:noFill/>
+          </a:ln>
+          <a:effectLst>
+            <a:outerShdw blurRad="190500" algn="tl" rotWithShape="0">
+              <a:srgbClr val="000000">
+                <a:alpha val="70000"/>
+              </a:srgbClr>
+            </a:outerShdw>
+          </a:effectLst>
+        </p:spPr>
+      </p:pic>
+      <p:sp>
+        <p:nvSpPr>
+          <p:cNvPr id="12" name="Content Placeholder 2"/>
+          <p:cNvSpPr txBox="1">
+            <a:spLocks/>
+          </p:cNvSpPr>
+          <p:nvPr/>
+        </p:nvSpPr>
+        <p:spPr>
+          <a:xfrm>
+            <a:off x="507206" y="4193217"/>
+            <a:ext cx="8065294" cy="2166392"/>
+          </a:xfrm>
+          <a:prstGeom prst="rect">
+            <a:avLst/>
+          </a:prstGeom>
+        </p:spPr>
+        <p:txBody>
+          <a:bodyPr vert="horz" lIns="91440" tIns="45720" rIns="91440" bIns="45720" rtlCol="0">
+            <a:normAutofit/>
+          </a:bodyPr>
+          <a:lstStyle>
+            <a:lvl1pPr marL="91440" indent="-91440" algn="l" defTabSz="914400" rtl="0" eaLnBrk="1" latinLnBrk="0" hangingPunct="1">
+              <a:lnSpc>
+                <a:spcPct val="85000"/>
+              </a:lnSpc>
+              <a:spcBef>
+                <a:spcPts val="1300"/>
+              </a:spcBef>
+              <a:buFont typeface="Arial" pitchFamily="34" charset="0"/>
+              <a:buChar char=" "/>
+              <a:defRPr sz="2400" kern="1200">
+                <a:solidFill>
+                  <a:schemeClr val="tx1">
+                    <a:lumMod val="85000"/>
+                    <a:lumOff val="15000"/>
+                  </a:schemeClr>
+                </a:solidFill>
+                <a:latin typeface="+mn-lt"/>
+                <a:ea typeface="+mn-ea"/>
+                <a:cs typeface="+mn-cs"/>
+              </a:defRPr>
+            </a:lvl1pPr>
+            <a:lvl2pPr marL="274320" indent="-342900" algn="l" defTabSz="914400" rtl="0" eaLnBrk="1" latinLnBrk="0" hangingPunct="1">
+              <a:lnSpc>
+                <a:spcPct val="85000"/>
+              </a:lnSpc>
+              <a:spcBef>
+                <a:spcPts val="600"/>
+              </a:spcBef>
+              <a:buFont typeface="Wingdings" panose="05000000000000000000" pitchFamily="2" charset="2"/>
+              <a:buChar char="Ø"/>
+              <a:defRPr sz="2400" kern="1200">
+                <a:solidFill>
+                  <a:schemeClr val="tx1">
+                    <a:lumMod val="85000"/>
+                    <a:lumOff val="15000"/>
+                  </a:schemeClr>
+                </a:solidFill>
+                <a:latin typeface="+mn-lt"/>
+                <a:ea typeface="+mn-ea"/>
+                <a:cs typeface="+mn-cs"/>
+              </a:defRPr>
+            </a:lvl2pPr>
+            <a:lvl3pPr marL="548640" indent="-548640" algn="l" defTabSz="914400" rtl="0" eaLnBrk="1" latinLnBrk="0" hangingPunct="1">
+              <a:lnSpc>
+                <a:spcPct val="85000"/>
+              </a:lnSpc>
+              <a:spcBef>
+                <a:spcPts val="600"/>
+              </a:spcBef>
+              <a:buFont typeface="Arial" pitchFamily="34" charset="0"/>
+              <a:buChar char="•"/>
+              <a:defRPr sz="2000" i="1" kern="1200">
+                <a:solidFill>
+                  <a:schemeClr val="tx1">
+                    <a:lumMod val="85000"/>
+                    <a:lumOff val="15000"/>
+                  </a:schemeClr>
+                </a:solidFill>
+                <a:latin typeface="+mn-lt"/>
+                <a:ea typeface="+mn-ea"/>
+                <a:cs typeface="+mn-cs"/>
+              </a:defRPr>
+            </a:lvl3pPr>
+            <a:lvl4pPr marL="822960" indent="-822960" algn="l" defTabSz="914400" rtl="0" eaLnBrk="1" latinLnBrk="0" hangingPunct="1">
+              <a:lnSpc>
+                <a:spcPct val="85000"/>
+              </a:lnSpc>
+              <a:spcBef>
+                <a:spcPts val="600"/>
+              </a:spcBef>
+              <a:buFont typeface="Arial" pitchFamily="34" charset="0"/>
+              <a:buChar char=" "/>
+              <a:defRPr sz="1800" kern="1200">
+                <a:solidFill>
+                  <a:schemeClr val="tx1">
+                    <a:lumMod val="85000"/>
+                    <a:lumOff val="15000"/>
+                  </a:schemeClr>
+                </a:solidFill>
+                <a:latin typeface="+mn-lt"/>
+                <a:ea typeface="+mn-ea"/>
+                <a:cs typeface="+mn-cs"/>
+              </a:defRPr>
+            </a:lvl4pPr>
+            <a:lvl5pPr marL="1097280" indent="-1097280" algn="l" defTabSz="914400" rtl="0" eaLnBrk="1" latinLnBrk="0" hangingPunct="1">
+              <a:lnSpc>
+                <a:spcPct val="85000"/>
+              </a:lnSpc>
+              <a:spcBef>
+                <a:spcPts val="600"/>
+              </a:spcBef>
+              <a:buFont typeface="Arial" pitchFamily="34" charset="0"/>
+              <a:buChar char=" "/>
+              <a:defRPr sz="1800" kern="1200">
+                <a:solidFill>
+                  <a:schemeClr val="tx1">
+                    <a:lumMod val="85000"/>
+                    <a:lumOff val="15000"/>
+                  </a:schemeClr>
+                </a:solidFill>
+                <a:latin typeface="+mn-lt"/>
+                <a:ea typeface="+mn-ea"/>
+                <a:cs typeface="+mn-cs"/>
+              </a:defRPr>
+            </a:lvl5pPr>
+            <a:lvl6pPr marL="1200000" indent="-228600" algn="l" defTabSz="914400" rtl="0" eaLnBrk="1" latinLnBrk="0" hangingPunct="1">
+              <a:lnSpc>
+                <a:spcPct val="85000"/>
+              </a:lnSpc>
+              <a:spcBef>
+                <a:spcPts val="600"/>
+              </a:spcBef>
+              <a:buFont typeface="Arial" pitchFamily="34" charset="0"/>
+              <a:buChar char=" "/>
+              <a:defRPr sz="1800" kern="1200">
+                <a:solidFill>
+                  <a:schemeClr val="tx1">
+                    <a:lumMod val="85000"/>
+                    <a:lumOff val="15000"/>
+                  </a:schemeClr>
+                </a:solidFill>
+                <a:latin typeface="+mn-lt"/>
+                <a:ea typeface="+mn-ea"/>
+                <a:cs typeface="+mn-cs"/>
+              </a:defRPr>
+            </a:lvl6pPr>
+            <a:lvl7pPr marL="1400000" indent="-228600" algn="l" defTabSz="914400" rtl="0" eaLnBrk="1" latinLnBrk="0" hangingPunct="1">
+              <a:lnSpc>
+                <a:spcPct val="85000"/>
+              </a:lnSpc>
+              <a:spcBef>
+                <a:spcPts val="600"/>
+              </a:spcBef>
+              <a:buFont typeface="Arial" pitchFamily="34" charset="0"/>
+              <a:buChar char=" "/>
+              <a:defRPr sz="1800" kern="1200">
+                <a:solidFill>
+                  <a:schemeClr val="tx1">
+                    <a:lumMod val="85000"/>
+                    <a:lumOff val="15000"/>
+                  </a:schemeClr>
+                </a:solidFill>
+                <a:latin typeface="+mn-lt"/>
+                <a:ea typeface="+mn-ea"/>
+                <a:cs typeface="+mn-cs"/>
+              </a:defRPr>
+            </a:lvl7pPr>
+            <a:lvl8pPr marL="1600000" indent="-228600" algn="l" defTabSz="914400" rtl="0" eaLnBrk="1" latinLnBrk="0" hangingPunct="1">
+              <a:lnSpc>
+                <a:spcPct val="85000"/>
+              </a:lnSpc>
+              <a:spcBef>
+                <a:spcPts val="600"/>
+              </a:spcBef>
+              <a:buFont typeface="Arial" pitchFamily="34" charset="0"/>
+              <a:buChar char=" "/>
+              <a:defRPr sz="1800" kern="1200">
+                <a:solidFill>
+                  <a:schemeClr val="tx1">
+                    <a:lumMod val="85000"/>
+                    <a:lumOff val="15000"/>
+                  </a:schemeClr>
+                </a:solidFill>
+                <a:latin typeface="+mn-lt"/>
+                <a:ea typeface="+mn-ea"/>
+                <a:cs typeface="+mn-cs"/>
+              </a:defRPr>
+            </a:lvl8pPr>
+            <a:lvl9pPr marL="1800000" indent="-228600" algn="l" defTabSz="914400" rtl="0" eaLnBrk="1" latinLnBrk="0" hangingPunct="1">
+              <a:lnSpc>
+                <a:spcPct val="85000"/>
+              </a:lnSpc>
+              <a:spcBef>
+                <a:spcPts val="600"/>
+              </a:spcBef>
+              <a:buFont typeface="Arial" pitchFamily="34" charset="0"/>
+              <a:buChar char=" "/>
+              <a:defRPr sz="1800" kern="1200">
+                <a:solidFill>
+                  <a:schemeClr val="tx1">
+                    <a:lumMod val="85000"/>
+                    <a:lumOff val="15000"/>
+                  </a:schemeClr>
+                </a:solidFill>
+                <a:latin typeface="+mn-lt"/>
+                <a:ea typeface="+mn-ea"/>
+                <a:cs typeface="+mn-cs"/>
+              </a:defRPr>
+            </a:lvl9pPr>
+          </a:lstStyle>
+          <a:p>
+            <a:pPr marL="0" indent="0">
+              <a:buNone/>
+            </a:pPr>
+            <a:endParaRPr lang="en-US" dirty="0"/>
+          </a:p>
+        </p:txBody>
+      </p:sp>
+      <p:pic>
+        <p:nvPicPr>
+          <p:cNvPr id="18" name="Picture 17"/>
+          <p:cNvPicPr>
+            <a:picLocks noChangeAspect="1"/>
+          </p:cNvPicPr>
+          <p:nvPr/>
+        </p:nvPicPr>
+        <p:blipFill>
+          <a:blip r:embed="rId4"/>
+          <a:stretch>
+            <a:fillRect/>
+          </a:stretch>
+        </p:blipFill>
+        <p:spPr>
+          <a:xfrm>
+            <a:off x="3628" y="2959557"/>
+            <a:ext cx="9140371" cy="2003012"/>
+          </a:xfrm>
+          <a:prstGeom prst="rect">
+            <a:avLst/>
+          </a:prstGeom>
+        </p:spPr>
+      </p:pic>
+      <p:pic>
+        <p:nvPicPr>
+          <p:cNvPr id="20" name="Picture 19"/>
+          <p:cNvPicPr>
+            <a:picLocks noChangeAspect="1"/>
+          </p:cNvPicPr>
+          <p:nvPr/>
+        </p:nvPicPr>
+        <p:blipFill>
+          <a:blip r:embed="rId5"/>
+          <a:stretch>
+            <a:fillRect/>
+          </a:stretch>
+        </p:blipFill>
+        <p:spPr>
+          <a:xfrm>
+            <a:off x="3628" y="5032485"/>
+            <a:ext cx="9140372" cy="1825516"/>
+          </a:xfrm>
+          <a:prstGeom prst="rect">
+            <a:avLst/>
+          </a:prstGeom>
+        </p:spPr>
+      </p:pic>
+    </p:spTree>
+    <p:extLst>
+      <p:ext uri="{BB962C8B-B14F-4D97-AF65-F5344CB8AC3E}">
+        <p14:creationId xmlns:p14="http://schemas.microsoft.com/office/powerpoint/2010/main" val="643419873"/>
+      </p:ext>
+    </p:extLst>
+  </p:cSld>
+  <p:clrMapOvr>
+    <a:masterClrMapping/>
+  </p:clrMapOvr>
+  <p:timing>
+    <p:tnLst>
+      <p:par>
+        <p:cTn id="1" dur="indefinite" restart="never" nodeType="tmRoot">
+          <p:childTnLst>
+            <p:seq concurrent="1" nextAc="seek">
+              <p:cTn id="2" dur="indefinite" nodeType="mainSeq">
+                <p:childTnLst>
+                  <p:par>
+                    <p:cTn id="3" fill="hold">
+                      <p:stCondLst>
+                        <p:cond delay="indefinite"/>
+                      </p:stCondLst>
+                      <p:childTnLst>
+                        <p:par>
+                          <p:cTn id="4" fill="hold">
+                            <p:stCondLst>
+                              <p:cond delay="0"/>
+                            </p:stCondLst>
+                            <p:childTnLst>
+                              <p:par>
+                                <p:cTn id="5" presetID="10" presetClass="entr" presetSubtype="0" fill="hold" nodeType="clickEffect">
+                                  <p:stCondLst>
+                                    <p:cond delay="0"/>
+                                  </p:stCondLst>
+                                  <p:childTnLst>
+                                    <p:set>
+                                      <p:cBhvr>
+                                        <p:cTn id="6" dur="1" fill="hold">
+                                          <p:stCondLst>
+                                            <p:cond delay="0"/>
+                                          </p:stCondLst>
+                                        </p:cTn>
+                                        <p:tgtEl>
+                                          <p:spTgt spid="3">
+                                            <p:txEl>
+                                              <p:pRg st="0" end="0"/>
+                                            </p:txEl>
+                                          </p:spTgt>
+                                        </p:tgtEl>
+                                        <p:attrNameLst>
+                                          <p:attrName>style.visibility</p:attrName>
+                                        </p:attrNameLst>
+                                      </p:cBhvr>
+                                      <p:to>
+                                        <p:strVal val="visible"/>
+                                      </p:to>
+                                    </p:set>
+                                    <p:animEffect transition="in" filter="fade">
+                                      <p:cBhvr>
+                                        <p:cTn id="7" dur="500"/>
+                                        <p:tgtEl>
+                                          <p:spTgt spid="3">
+                                            <p:txEl>
+                                              <p:pRg st="0" end="0"/>
+                                            </p:txEl>
+                                          </p:spTgt>
+                                        </p:tgtEl>
+                                      </p:cBhvr>
+                                    </p:animEffect>
+                                  </p:childTnLst>
+                                </p:cTn>
+                              </p:par>
+                            </p:childTnLst>
+                          </p:cTn>
+                        </p:par>
+                      </p:childTnLst>
+                    </p:cTn>
+                  </p:par>
+                  <p:par>
+                    <p:cTn id="8" fill="hold">
+                      <p:stCondLst>
+                        <p:cond delay="indefinite"/>
+                      </p:stCondLst>
+                      <p:childTnLst>
+                        <p:par>
+                          <p:cTn id="9" fill="hold">
+                            <p:stCondLst>
+                              <p:cond delay="0"/>
+                            </p:stCondLst>
+                            <p:childTnLst>
+                              <p:par>
+                                <p:cTn id="10" presetID="10" presetClass="entr" presetSubtype="0" fill="hold" grpId="0" nodeType="clickEffect">
+                                  <p:stCondLst>
+                                    <p:cond delay="0"/>
+                                  </p:stCondLst>
+                                  <p:childTnLst>
+                                    <p:set>
+                                      <p:cBhvr>
+                                        <p:cTn id="11" dur="1" fill="hold">
+                                          <p:stCondLst>
+                                            <p:cond delay="0"/>
+                                          </p:stCondLst>
+                                        </p:cTn>
+                                        <p:tgtEl>
+                                          <p:spTgt spid="9"/>
+                                        </p:tgtEl>
+                                        <p:attrNameLst>
+                                          <p:attrName>style.visibility</p:attrName>
+                                        </p:attrNameLst>
+                                      </p:cBhvr>
+                                      <p:to>
+                                        <p:strVal val="visible"/>
+                                      </p:to>
+                                    </p:set>
+                                    <p:animEffect transition="in" filter="fade">
+                                      <p:cBhvr>
+                                        <p:cTn id="12" dur="500"/>
+                                        <p:tgtEl>
+                                          <p:spTgt spid="9"/>
+                                        </p:tgtEl>
+                                      </p:cBhvr>
+                                    </p:animEffect>
+                                  </p:childTnLst>
+                                </p:cTn>
+                              </p:par>
+                              <p:par>
+                                <p:cTn id="13" presetID="10" presetClass="entr" presetSubtype="0" fill="hold" nodeType="withEffect">
+                                  <p:stCondLst>
+                                    <p:cond delay="0"/>
+                                  </p:stCondLst>
+                                  <p:childTnLst>
+                                    <p:set>
+                                      <p:cBhvr>
+                                        <p:cTn id="14" dur="1" fill="hold">
+                                          <p:stCondLst>
+                                            <p:cond delay="0"/>
+                                          </p:stCondLst>
+                                        </p:cTn>
+                                        <p:tgtEl>
+                                          <p:spTgt spid="18"/>
+                                        </p:tgtEl>
+                                        <p:attrNameLst>
+                                          <p:attrName>style.visibility</p:attrName>
+                                        </p:attrNameLst>
+                                      </p:cBhvr>
+                                      <p:to>
+                                        <p:strVal val="visible"/>
+                                      </p:to>
+                                    </p:set>
+                                    <p:animEffect transition="in" filter="fade">
+                                      <p:cBhvr>
+                                        <p:cTn id="15" dur="500"/>
+                                        <p:tgtEl>
+                                          <p:spTgt spid="18"/>
+                                        </p:tgtEl>
+                                      </p:cBhvr>
+                                    </p:animEffect>
+                                  </p:childTnLst>
+                                </p:cTn>
+                              </p:par>
+                              <p:par>
+                                <p:cTn id="16" presetID="10" presetClass="entr" presetSubtype="0" fill="hold" nodeType="withEffect">
+                                  <p:stCondLst>
+                                    <p:cond delay="0"/>
+                                  </p:stCondLst>
+                                  <p:childTnLst>
+                                    <p:set>
+                                      <p:cBhvr>
+                                        <p:cTn id="17" dur="1" fill="hold">
+                                          <p:stCondLst>
+                                            <p:cond delay="0"/>
+                                          </p:stCondLst>
+                                        </p:cTn>
+                                        <p:tgtEl>
+                                          <p:spTgt spid="20"/>
+                                        </p:tgtEl>
+                                        <p:attrNameLst>
+                                          <p:attrName>style.visibility</p:attrName>
+                                        </p:attrNameLst>
+                                      </p:cBhvr>
+                                      <p:to>
+                                        <p:strVal val="visible"/>
+                                      </p:to>
+                                    </p:set>
+                                    <p:animEffect transition="in" filter="fade">
+                                      <p:cBhvr>
+                                        <p:cTn id="18" dur="500"/>
+                                        <p:tgtEl>
+                                          <p:spTgt spid="20"/>
+                                        </p:tgtEl>
+                                      </p:cBhvr>
+                                    </p:animEffect>
+                                  </p:childTnLst>
+                                </p:cTn>
+                              </p:par>
+                            </p:childTnLst>
+                          </p:cTn>
+                        </p:par>
+                      </p:childTnLst>
+                    </p:cTn>
+                  </p:par>
+                </p:childTnLst>
+              </p:cTn>
+              <p:prevCondLst>
+                <p:cond evt="onPrev" delay="0">
+                  <p:tgtEl>
+                    <p:sldTgt/>
+                  </p:tgtEl>
+                </p:cond>
+              </p:prevCondLst>
+              <p:nextCondLst>
+                <p:cond evt="onNext" delay="0">
+                  <p:tgtEl>
+                    <p:sldTgt/>
+                  </p:tgtEl>
+                </p:cond>
+              </p:nextCondLst>
+            </p:seq>
+          </p:childTnLst>
+        </p:cTn>
+      </p:par>
+    </p:tnLst>
+    <p:bldLst>
+      <p:bldP spid="9" grpId="0" animBg="1"/>
+    </p:bldLst>
+  </p:timing>
+</p:sld>
+</file>
+
+<file path=ppt/slides/slide23.xml><?xml version="1.0" encoding="utf-8"?>
+<p:sld xmlns:a="http://schemas.openxmlformats.org/drawingml/2006/main" xmlns:r="http://schemas.openxmlformats.org/officeDocument/2006/relationships" xmlns:p="http://schemas.openxmlformats.org/presentationml/2006/main">
+  <p:cSld>
+    <p:spTree>
+      <p:nvGrpSpPr>
+        <p:cNvPr id="1" name=""/>
+        <p:cNvGrpSpPr/>
+        <p:nvPr/>
+      </p:nvGrpSpPr>
+      <p:grpSpPr>
+        <a:xfrm>
+          <a:off x="0" y="0"/>
+          <a:ext cx="0" cy="0"/>
+          <a:chOff x="0" y="0"/>
+          <a:chExt cx="0" cy="0"/>
+        </a:xfrm>
+      </p:grpSpPr>
+      <p:sp>
+        <p:nvSpPr>
+          <p:cNvPr id="2" name="Title 1"/>
+          <p:cNvSpPr>
+            <a:spLocks noGrp="1"/>
+          </p:cNvSpPr>
+          <p:nvPr>
+            <p:ph type="title"/>
+          </p:nvPr>
+        </p:nvSpPr>
+        <p:spPr>
+          <a:xfrm>
+            <a:off x="-6531" y="135256"/>
+            <a:ext cx="9143999" cy="685800"/>
+          </a:xfrm>
+        </p:spPr>
+        <p:txBody>
+          <a:bodyPr>
+            <a:normAutofit fontScale="90000"/>
+          </a:bodyPr>
+          <a:lstStyle/>
+          <a:p>
+            <a:r>
+              <a:rPr lang="en-US" dirty="0" smtClean="0"/>
+              <a:t>Conclusion</a:t>
+            </a:r>
+            <a:endParaRPr lang="en-US" dirty="0"/>
+          </a:p>
+        </p:txBody>
+      </p:sp>
+      <p:sp>
+        <p:nvSpPr>
+          <p:cNvPr id="4" name="Slide Number Placeholder 3"/>
+          <p:cNvSpPr>
+            <a:spLocks noGrp="1"/>
+          </p:cNvSpPr>
+          <p:nvPr>
+            <p:ph type="sldNum" sz="quarter" idx="12"/>
+          </p:nvPr>
+        </p:nvSpPr>
+        <p:spPr/>
+        <p:txBody>
+          <a:bodyPr/>
+          <a:lstStyle/>
+          <a:p>
+            <a:fld id="{07167301-DA6A-464D-A35A-C5160C07AEDB}" type="slidenum">
+              <a:rPr lang="en-US" smtClean="0"/>
+              <a:pPr/>
+              <a:t>23</a:t>
+            </a:fld>
+            <a:endParaRPr lang="en-US" dirty="0"/>
+          </a:p>
+        </p:txBody>
+      </p:sp>
+      <p:sp>
+        <p:nvSpPr>
+          <p:cNvPr id="8" name="Content Placeholder 2"/>
+          <p:cNvSpPr txBox="1">
+            <a:spLocks/>
+          </p:cNvSpPr>
+          <p:nvPr/>
+        </p:nvSpPr>
+        <p:spPr>
+          <a:xfrm>
+            <a:off x="507206" y="1993393"/>
+            <a:ext cx="8065294" cy="3766185"/>
+          </a:xfrm>
+          <a:prstGeom prst="rect">
+            <a:avLst/>
+          </a:prstGeom>
+        </p:spPr>
+        <p:txBody>
+          <a:bodyPr vert="horz" lIns="91440" tIns="45720" rIns="91440" bIns="45720" rtlCol="0">
+            <a:normAutofit/>
+          </a:bodyPr>
+          <a:lstStyle>
+            <a:lvl1pPr marL="91440" indent="-91440" algn="l" defTabSz="914400" rtl="0" eaLnBrk="1" latinLnBrk="0" hangingPunct="1">
+              <a:lnSpc>
+                <a:spcPct val="85000"/>
+              </a:lnSpc>
+              <a:spcBef>
+                <a:spcPts val="1300"/>
+              </a:spcBef>
+              <a:buFont typeface="Arial" pitchFamily="34" charset="0"/>
+              <a:buChar char=" "/>
+              <a:defRPr sz="2400" kern="1200">
+                <a:solidFill>
+                  <a:schemeClr val="tx1">
+                    <a:lumMod val="85000"/>
+                    <a:lumOff val="15000"/>
+                  </a:schemeClr>
+                </a:solidFill>
+                <a:latin typeface="+mn-lt"/>
+                <a:ea typeface="+mn-ea"/>
+                <a:cs typeface="+mn-cs"/>
+              </a:defRPr>
+            </a:lvl1pPr>
+            <a:lvl2pPr marL="274320" indent="-342900" algn="l" defTabSz="914400" rtl="0" eaLnBrk="1" latinLnBrk="0" hangingPunct="1">
+              <a:lnSpc>
+                <a:spcPct val="85000"/>
+              </a:lnSpc>
+              <a:spcBef>
+                <a:spcPts val="600"/>
+              </a:spcBef>
+              <a:buFont typeface="Wingdings" panose="05000000000000000000" pitchFamily="2" charset="2"/>
+              <a:buChar char="Ø"/>
+              <a:defRPr sz="2400" kern="1200">
+                <a:solidFill>
+                  <a:schemeClr val="tx1">
+                    <a:lumMod val="85000"/>
+                    <a:lumOff val="15000"/>
+                  </a:schemeClr>
+                </a:solidFill>
+                <a:latin typeface="+mn-lt"/>
+                <a:ea typeface="+mn-ea"/>
+                <a:cs typeface="+mn-cs"/>
+              </a:defRPr>
+            </a:lvl2pPr>
+            <a:lvl3pPr marL="548640" indent="-548640" algn="l" defTabSz="914400" rtl="0" eaLnBrk="1" latinLnBrk="0" hangingPunct="1">
+              <a:lnSpc>
+                <a:spcPct val="85000"/>
+              </a:lnSpc>
+              <a:spcBef>
+                <a:spcPts val="600"/>
+              </a:spcBef>
+              <a:buFont typeface="Arial" pitchFamily="34" charset="0"/>
+              <a:buChar char="•"/>
+              <a:defRPr sz="2000" i="1" kern="1200">
+                <a:solidFill>
+                  <a:schemeClr val="tx1">
+                    <a:lumMod val="85000"/>
+                    <a:lumOff val="15000"/>
+                  </a:schemeClr>
+                </a:solidFill>
+                <a:latin typeface="+mn-lt"/>
+                <a:ea typeface="+mn-ea"/>
+                <a:cs typeface="+mn-cs"/>
+              </a:defRPr>
+            </a:lvl3pPr>
+            <a:lvl4pPr marL="822960" indent="-822960" algn="l" defTabSz="914400" rtl="0" eaLnBrk="1" latinLnBrk="0" hangingPunct="1">
+              <a:lnSpc>
+                <a:spcPct val="85000"/>
+              </a:lnSpc>
+              <a:spcBef>
+                <a:spcPts val="600"/>
+              </a:spcBef>
+              <a:buFont typeface="Arial" pitchFamily="34" charset="0"/>
+              <a:buChar char=" "/>
+              <a:defRPr sz="1800" kern="1200">
+                <a:solidFill>
+                  <a:schemeClr val="tx1">
+                    <a:lumMod val="85000"/>
+                    <a:lumOff val="15000"/>
+                  </a:schemeClr>
+                </a:solidFill>
+                <a:latin typeface="+mn-lt"/>
+                <a:ea typeface="+mn-ea"/>
+                <a:cs typeface="+mn-cs"/>
+              </a:defRPr>
+            </a:lvl4pPr>
+            <a:lvl5pPr marL="1097280" indent="-1097280" algn="l" defTabSz="914400" rtl="0" eaLnBrk="1" latinLnBrk="0" hangingPunct="1">
+              <a:lnSpc>
+                <a:spcPct val="85000"/>
+              </a:lnSpc>
+              <a:spcBef>
+                <a:spcPts val="600"/>
+              </a:spcBef>
+              <a:buFont typeface="Arial" pitchFamily="34" charset="0"/>
+              <a:buChar char=" "/>
+              <a:defRPr sz="1800" kern="1200">
+                <a:solidFill>
+                  <a:schemeClr val="tx1">
+                    <a:lumMod val="85000"/>
+                    <a:lumOff val="15000"/>
+                  </a:schemeClr>
+                </a:solidFill>
+                <a:latin typeface="+mn-lt"/>
+                <a:ea typeface="+mn-ea"/>
+                <a:cs typeface="+mn-cs"/>
+              </a:defRPr>
+            </a:lvl5pPr>
+            <a:lvl6pPr marL="1200000" indent="-228600" algn="l" defTabSz="914400" rtl="0" eaLnBrk="1" latinLnBrk="0" hangingPunct="1">
+              <a:lnSpc>
+                <a:spcPct val="85000"/>
+              </a:lnSpc>
+              <a:spcBef>
+                <a:spcPts val="600"/>
+              </a:spcBef>
+              <a:buFont typeface="Arial" pitchFamily="34" charset="0"/>
+              <a:buChar char=" "/>
+              <a:defRPr sz="1800" kern="1200">
+                <a:solidFill>
+                  <a:schemeClr val="tx1">
+                    <a:lumMod val="85000"/>
+                    <a:lumOff val="15000"/>
+                  </a:schemeClr>
+                </a:solidFill>
+                <a:latin typeface="+mn-lt"/>
+                <a:ea typeface="+mn-ea"/>
+                <a:cs typeface="+mn-cs"/>
+              </a:defRPr>
+            </a:lvl6pPr>
+            <a:lvl7pPr marL="1400000" indent="-228600" algn="l" defTabSz="914400" rtl="0" eaLnBrk="1" latinLnBrk="0" hangingPunct="1">
+              <a:lnSpc>
+                <a:spcPct val="85000"/>
+              </a:lnSpc>
+              <a:spcBef>
+                <a:spcPts val="600"/>
+              </a:spcBef>
+              <a:buFont typeface="Arial" pitchFamily="34" charset="0"/>
+              <a:buChar char=" "/>
+              <a:defRPr sz="1800" kern="1200">
+                <a:solidFill>
+                  <a:schemeClr val="tx1">
+                    <a:lumMod val="85000"/>
+                    <a:lumOff val="15000"/>
+                  </a:schemeClr>
+                </a:solidFill>
+                <a:latin typeface="+mn-lt"/>
+                <a:ea typeface="+mn-ea"/>
+                <a:cs typeface="+mn-cs"/>
+              </a:defRPr>
+            </a:lvl7pPr>
+            <a:lvl8pPr marL="1600000" indent="-228600" algn="l" defTabSz="914400" rtl="0" eaLnBrk="1" latinLnBrk="0" hangingPunct="1">
+              <a:lnSpc>
+                <a:spcPct val="85000"/>
+              </a:lnSpc>
+              <a:spcBef>
+                <a:spcPts val="600"/>
+              </a:spcBef>
+              <a:buFont typeface="Arial" pitchFamily="34" charset="0"/>
+              <a:buChar char=" "/>
+              <a:defRPr sz="1800" kern="1200">
+                <a:solidFill>
+                  <a:schemeClr val="tx1">
+                    <a:lumMod val="85000"/>
+                    <a:lumOff val="15000"/>
+                  </a:schemeClr>
+                </a:solidFill>
+                <a:latin typeface="+mn-lt"/>
+                <a:ea typeface="+mn-ea"/>
+                <a:cs typeface="+mn-cs"/>
+              </a:defRPr>
+            </a:lvl8pPr>
+            <a:lvl9pPr marL="1800000" indent="-228600" algn="l" defTabSz="914400" rtl="0" eaLnBrk="1" latinLnBrk="0" hangingPunct="1">
+              <a:lnSpc>
+                <a:spcPct val="85000"/>
+              </a:lnSpc>
+              <a:spcBef>
+                <a:spcPts val="600"/>
+              </a:spcBef>
+              <a:buFont typeface="Arial" pitchFamily="34" charset="0"/>
+              <a:buChar char=" "/>
+              <a:defRPr sz="1800" kern="1200">
+                <a:solidFill>
+                  <a:schemeClr val="tx1">
+                    <a:lumMod val="85000"/>
+                    <a:lumOff val="15000"/>
+                  </a:schemeClr>
+                </a:solidFill>
+                <a:latin typeface="+mn-lt"/>
+                <a:ea typeface="+mn-ea"/>
+                <a:cs typeface="+mn-cs"/>
+              </a:defRPr>
+            </a:lvl9pPr>
+          </a:lstStyle>
+          <a:p>
+            <a:endParaRPr lang="en-US" dirty="0"/>
+          </a:p>
+        </p:txBody>
+      </p:sp>
+      <p:sp>
+        <p:nvSpPr>
+          <p:cNvPr id="12" name="Content Placeholder 2"/>
+          <p:cNvSpPr txBox="1">
+            <a:spLocks/>
+          </p:cNvSpPr>
+          <p:nvPr/>
+        </p:nvSpPr>
+        <p:spPr>
+          <a:xfrm>
+            <a:off x="507206" y="4193217"/>
+            <a:ext cx="8065294" cy="2166392"/>
+          </a:xfrm>
+          <a:prstGeom prst="rect">
+            <a:avLst/>
+          </a:prstGeom>
+        </p:spPr>
+        <p:txBody>
+          <a:bodyPr vert="horz" lIns="91440" tIns="45720" rIns="91440" bIns="45720" rtlCol="0">
+            <a:normAutofit/>
+          </a:bodyPr>
+          <a:lstStyle>
+            <a:lvl1pPr marL="91440" indent="-91440" algn="l" defTabSz="914400" rtl="0" eaLnBrk="1" latinLnBrk="0" hangingPunct="1">
+              <a:lnSpc>
+                <a:spcPct val="85000"/>
+              </a:lnSpc>
+              <a:spcBef>
+                <a:spcPts val="1300"/>
+              </a:spcBef>
+              <a:buFont typeface="Arial" pitchFamily="34" charset="0"/>
+              <a:buChar char=" "/>
+              <a:defRPr sz="2400" kern="1200">
+                <a:solidFill>
+                  <a:schemeClr val="tx1">
+                    <a:lumMod val="85000"/>
+                    <a:lumOff val="15000"/>
+                  </a:schemeClr>
+                </a:solidFill>
+                <a:latin typeface="+mn-lt"/>
+                <a:ea typeface="+mn-ea"/>
+                <a:cs typeface="+mn-cs"/>
+              </a:defRPr>
+            </a:lvl1pPr>
+            <a:lvl2pPr marL="274320" indent="-342900" algn="l" defTabSz="914400" rtl="0" eaLnBrk="1" latinLnBrk="0" hangingPunct="1">
+              <a:lnSpc>
+                <a:spcPct val="85000"/>
+              </a:lnSpc>
+              <a:spcBef>
+                <a:spcPts val="600"/>
+              </a:spcBef>
+              <a:buFont typeface="Wingdings" panose="05000000000000000000" pitchFamily="2" charset="2"/>
+              <a:buChar char="Ø"/>
+              <a:defRPr sz="2400" kern="1200">
+                <a:solidFill>
+                  <a:schemeClr val="tx1">
+                    <a:lumMod val="85000"/>
+                    <a:lumOff val="15000"/>
+                  </a:schemeClr>
+                </a:solidFill>
+                <a:latin typeface="+mn-lt"/>
+                <a:ea typeface="+mn-ea"/>
+                <a:cs typeface="+mn-cs"/>
+              </a:defRPr>
+            </a:lvl2pPr>
+            <a:lvl3pPr marL="548640" indent="-548640" algn="l" defTabSz="914400" rtl="0" eaLnBrk="1" latinLnBrk="0" hangingPunct="1">
+              <a:lnSpc>
+                <a:spcPct val="85000"/>
+              </a:lnSpc>
+              <a:spcBef>
+                <a:spcPts val="600"/>
+              </a:spcBef>
+              <a:buFont typeface="Arial" pitchFamily="34" charset="0"/>
+              <a:buChar char="•"/>
+              <a:defRPr sz="2000" i="1" kern="1200">
+                <a:solidFill>
+                  <a:schemeClr val="tx1">
+                    <a:lumMod val="85000"/>
+                    <a:lumOff val="15000"/>
+                  </a:schemeClr>
+                </a:solidFill>
+                <a:latin typeface="+mn-lt"/>
+                <a:ea typeface="+mn-ea"/>
+                <a:cs typeface="+mn-cs"/>
+              </a:defRPr>
+            </a:lvl3pPr>
+            <a:lvl4pPr marL="822960" indent="-822960" algn="l" defTabSz="914400" rtl="0" eaLnBrk="1" latinLnBrk="0" hangingPunct="1">
+              <a:lnSpc>
+                <a:spcPct val="85000"/>
+              </a:lnSpc>
+              <a:spcBef>
+                <a:spcPts val="600"/>
+              </a:spcBef>
+              <a:buFont typeface="Arial" pitchFamily="34" charset="0"/>
+              <a:buChar char=" "/>
+              <a:defRPr sz="1800" kern="1200">
+                <a:solidFill>
+                  <a:schemeClr val="tx1">
+                    <a:lumMod val="85000"/>
+                    <a:lumOff val="15000"/>
+                  </a:schemeClr>
+                </a:solidFill>
+                <a:latin typeface="+mn-lt"/>
+                <a:ea typeface="+mn-ea"/>
+                <a:cs typeface="+mn-cs"/>
+              </a:defRPr>
+            </a:lvl4pPr>
+            <a:lvl5pPr marL="1097280" indent="-1097280" algn="l" defTabSz="914400" rtl="0" eaLnBrk="1" latinLnBrk="0" hangingPunct="1">
+              <a:lnSpc>
+                <a:spcPct val="85000"/>
+              </a:lnSpc>
+              <a:spcBef>
+                <a:spcPts val="600"/>
+              </a:spcBef>
+              <a:buFont typeface="Arial" pitchFamily="34" charset="0"/>
+              <a:buChar char=" "/>
+              <a:defRPr sz="1800" kern="1200">
+                <a:solidFill>
+                  <a:schemeClr val="tx1">
+                    <a:lumMod val="85000"/>
+                    <a:lumOff val="15000"/>
+                  </a:schemeClr>
+                </a:solidFill>
+                <a:latin typeface="+mn-lt"/>
+                <a:ea typeface="+mn-ea"/>
+                <a:cs typeface="+mn-cs"/>
+              </a:defRPr>
+            </a:lvl5pPr>
+            <a:lvl6pPr marL="1200000" indent="-228600" algn="l" defTabSz="914400" rtl="0" eaLnBrk="1" latinLnBrk="0" hangingPunct="1">
+              <a:lnSpc>
+                <a:spcPct val="85000"/>
+              </a:lnSpc>
+              <a:spcBef>
+                <a:spcPts val="600"/>
+              </a:spcBef>
+              <a:buFont typeface="Arial" pitchFamily="34" charset="0"/>
+              <a:buChar char=" "/>
+              <a:defRPr sz="1800" kern="1200">
+                <a:solidFill>
+                  <a:schemeClr val="tx1">
+                    <a:lumMod val="85000"/>
+                    <a:lumOff val="15000"/>
+                  </a:schemeClr>
+                </a:solidFill>
+                <a:latin typeface="+mn-lt"/>
+                <a:ea typeface="+mn-ea"/>
+                <a:cs typeface="+mn-cs"/>
+              </a:defRPr>
+            </a:lvl6pPr>
+            <a:lvl7pPr marL="1400000" indent="-228600" algn="l" defTabSz="914400" rtl="0" eaLnBrk="1" latinLnBrk="0" hangingPunct="1">
+              <a:lnSpc>
+                <a:spcPct val="85000"/>
+              </a:lnSpc>
+              <a:spcBef>
+                <a:spcPts val="600"/>
+              </a:spcBef>
+              <a:buFont typeface="Arial" pitchFamily="34" charset="0"/>
+              <a:buChar char=" "/>
+              <a:defRPr sz="1800" kern="1200">
+                <a:solidFill>
+                  <a:schemeClr val="tx1">
+                    <a:lumMod val="85000"/>
+                    <a:lumOff val="15000"/>
+                  </a:schemeClr>
+                </a:solidFill>
+                <a:latin typeface="+mn-lt"/>
+                <a:ea typeface="+mn-ea"/>
+                <a:cs typeface="+mn-cs"/>
+              </a:defRPr>
+            </a:lvl7pPr>
+            <a:lvl8pPr marL="1600000" indent="-228600" algn="l" defTabSz="914400" rtl="0" eaLnBrk="1" latinLnBrk="0" hangingPunct="1">
+              <a:lnSpc>
+                <a:spcPct val="85000"/>
+              </a:lnSpc>
+              <a:spcBef>
+                <a:spcPts val="600"/>
+              </a:spcBef>
+              <a:buFont typeface="Arial" pitchFamily="34" charset="0"/>
+              <a:buChar char=" "/>
+              <a:defRPr sz="1800" kern="1200">
+                <a:solidFill>
+                  <a:schemeClr val="tx1">
+                    <a:lumMod val="85000"/>
+                    <a:lumOff val="15000"/>
+                  </a:schemeClr>
+                </a:solidFill>
+                <a:latin typeface="+mn-lt"/>
+                <a:ea typeface="+mn-ea"/>
+                <a:cs typeface="+mn-cs"/>
+              </a:defRPr>
+            </a:lvl8pPr>
+            <a:lvl9pPr marL="1800000" indent="-228600" algn="l" defTabSz="914400" rtl="0" eaLnBrk="1" latinLnBrk="0" hangingPunct="1">
+              <a:lnSpc>
+                <a:spcPct val="85000"/>
+              </a:lnSpc>
+              <a:spcBef>
+                <a:spcPts val="600"/>
+              </a:spcBef>
+              <a:buFont typeface="Arial" pitchFamily="34" charset="0"/>
+              <a:buChar char=" "/>
+              <a:defRPr sz="1800" kern="1200">
+                <a:solidFill>
+                  <a:schemeClr val="tx1">
+                    <a:lumMod val="85000"/>
+                    <a:lumOff val="15000"/>
+                  </a:schemeClr>
+                </a:solidFill>
+                <a:latin typeface="+mn-lt"/>
+                <a:ea typeface="+mn-ea"/>
+                <a:cs typeface="+mn-cs"/>
+              </a:defRPr>
+            </a:lvl9pPr>
+          </a:lstStyle>
+          <a:p>
+            <a:pPr marL="0" indent="0">
+              <a:buNone/>
+            </a:pPr>
+            <a:endParaRPr lang="en-US" dirty="0"/>
+          </a:p>
+        </p:txBody>
+      </p:sp>
+      <p:sp>
+        <p:nvSpPr>
+          <p:cNvPr id="21" name="Content Placeholder 20"/>
+          <p:cNvSpPr>
+            <a:spLocks noGrp="1"/>
+          </p:cNvSpPr>
+          <p:nvPr>
+            <p:ph idx="1"/>
+          </p:nvPr>
+        </p:nvSpPr>
+        <p:spPr/>
+        <p:txBody>
+          <a:bodyPr/>
+          <a:lstStyle/>
+          <a:p>
+            <a:endParaRPr lang="en-US"/>
+          </a:p>
+        </p:txBody>
+      </p:sp>
+      <p:pic>
+        <p:nvPicPr>
+          <p:cNvPr id="24" name="Picture 23"/>
+          <p:cNvPicPr>
+            <a:picLocks noChangeAspect="1"/>
+          </p:cNvPicPr>
+          <p:nvPr/>
+        </p:nvPicPr>
+        <p:blipFill>
+          <a:blip r:embed="rId3"/>
+          <a:stretch>
+            <a:fillRect/>
+          </a:stretch>
+        </p:blipFill>
+        <p:spPr>
+          <a:xfrm>
+            <a:off x="76199" y="1013675"/>
+            <a:ext cx="8991601" cy="676275"/>
+          </a:xfrm>
+          <a:prstGeom prst="rect">
+            <a:avLst/>
+          </a:prstGeom>
+          <a:ln w="88900" cap="sq" cmpd="thickThin">
+            <a:solidFill>
+              <a:srgbClr val="000000"/>
+            </a:solidFill>
+            <a:prstDash val="solid"/>
+            <a:miter lim="800000"/>
+          </a:ln>
+          <a:effectLst>
+            <a:innerShdw blurRad="76200">
+              <a:srgbClr val="000000"/>
+            </a:innerShdw>
+          </a:effectLst>
+        </p:spPr>
+      </p:pic>
+      <p:pic>
+        <p:nvPicPr>
+          <p:cNvPr id="25" name="Picture 24"/>
+          <p:cNvPicPr>
+            <a:picLocks noChangeAspect="1"/>
+          </p:cNvPicPr>
+          <p:nvPr/>
+        </p:nvPicPr>
+        <p:blipFill>
+          <a:blip r:embed="rId4"/>
+          <a:stretch>
+            <a:fillRect/>
+          </a:stretch>
+        </p:blipFill>
+        <p:spPr>
+          <a:xfrm>
+            <a:off x="76199" y="1993393"/>
+            <a:ext cx="8997553" cy="2143125"/>
+          </a:xfrm>
+          <a:prstGeom prst="rect">
+            <a:avLst/>
+          </a:prstGeom>
+          <a:ln w="88900" cap="sq" cmpd="thickThin">
+            <a:solidFill>
+              <a:srgbClr val="000000"/>
+            </a:solidFill>
+            <a:prstDash val="solid"/>
+            <a:miter lim="800000"/>
+          </a:ln>
+          <a:effectLst>
+            <a:innerShdw blurRad="76200">
+              <a:srgbClr val="000000"/>
+            </a:innerShdw>
+          </a:effectLst>
+        </p:spPr>
+      </p:pic>
+      <p:pic>
+        <p:nvPicPr>
+          <p:cNvPr id="26" name="Picture 25"/>
+          <p:cNvPicPr>
+            <a:picLocks noChangeAspect="1"/>
+          </p:cNvPicPr>
+          <p:nvPr/>
+        </p:nvPicPr>
+        <p:blipFill>
+          <a:blip r:embed="rId5"/>
+          <a:stretch>
+            <a:fillRect/>
+          </a:stretch>
+        </p:blipFill>
+        <p:spPr>
+          <a:xfrm>
+            <a:off x="76199" y="4439961"/>
+            <a:ext cx="8991601" cy="1217889"/>
+          </a:xfrm>
+          <a:prstGeom prst="rect">
+            <a:avLst/>
+          </a:prstGeom>
+          <a:ln w="88900" cap="sq" cmpd="thickThin">
+            <a:solidFill>
+              <a:srgbClr val="000000"/>
+            </a:solidFill>
+            <a:prstDash val="solid"/>
+            <a:miter lim="800000"/>
+          </a:ln>
+          <a:effectLst>
+            <a:innerShdw blurRad="76200">
+              <a:srgbClr val="000000"/>
+            </a:innerShdw>
+          </a:effectLst>
+        </p:spPr>
+      </p:pic>
+    </p:spTree>
+    <p:extLst>
+      <p:ext uri="{BB962C8B-B14F-4D97-AF65-F5344CB8AC3E}">
+        <p14:creationId xmlns:p14="http://schemas.microsoft.com/office/powerpoint/2010/main" val="3779406130"/>
+      </p:ext>
+    </p:extLst>
+  </p:cSld>
+  <p:clrMapOvr>
+    <a:masterClrMapping/>
+  </p:clrMapOvr>
+  <p:timing>
+    <p:tnLst>
+      <p:par>
+        <p:cTn id="1" dur="indefinite" restart="never" nodeType="tmRoot"/>
+      </p:par>
+    </p:tnLst>
+  </p:timing>
+</p:sld>
+</file>
+
+<file path=ppt/slides/slide24.xml><?xml version="1.0" encoding="utf-8"?>
+<p:sld xmlns:a="http://schemas.openxmlformats.org/drawingml/2006/main" xmlns:r="http://schemas.openxmlformats.org/officeDocument/2006/relationships" xmlns:p="http://schemas.openxmlformats.org/presentationml/2006/main">
+  <p:cSld>
+    <p:spTree>
+      <p:nvGrpSpPr>
+        <p:cNvPr id="1" name=""/>
+        <p:cNvGrpSpPr/>
+        <p:nvPr/>
+      </p:nvGrpSpPr>
+      <p:grpSpPr>
+        <a:xfrm>
+          <a:off x="0" y="0"/>
+          <a:ext cx="0" cy="0"/>
+          <a:chOff x="0" y="0"/>
+          <a:chExt cx="0" cy="0"/>
+        </a:xfrm>
+      </p:grpSpPr>
+      <p:sp>
+        <p:nvSpPr>
+          <p:cNvPr id="2" name="Title 1"/>
+          <p:cNvSpPr>
+            <a:spLocks noGrp="1"/>
+          </p:cNvSpPr>
+          <p:nvPr>
+            <p:ph type="title"/>
+          </p:nvPr>
+        </p:nvSpPr>
+        <p:spPr/>
+        <p:txBody>
+          <a:bodyPr/>
+          <a:lstStyle/>
+          <a:p>
+            <a:r>
+              <a:rPr lang="en-US" dirty="0" smtClean="0"/>
+              <a:t>Comments</a:t>
+            </a:r>
+            <a:endParaRPr lang="en-US" dirty="0"/>
+          </a:p>
+        </p:txBody>
+      </p:sp>
+      <p:pic>
+        <p:nvPicPr>
+          <p:cNvPr id="6" name="Content Placeholder 5"/>
+          <p:cNvPicPr>
+            <a:picLocks noGrp="1" noChangeAspect="1"/>
+          </p:cNvPicPr>
+          <p:nvPr>
+            <p:ph idx="1"/>
+          </p:nvPr>
+        </p:nvPicPr>
+        <p:blipFill>
+          <a:blip r:embed="rId2">
+            <a:duotone>
+              <a:prstClr val="black"/>
+              <a:schemeClr val="accent3">
+                <a:tint val="45000"/>
+                <a:satMod val="400000"/>
+              </a:schemeClr>
+            </a:duotone>
+          </a:blip>
+          <a:stretch>
+            <a:fillRect/>
+          </a:stretch>
+        </p:blipFill>
+        <p:spPr>
+          <a:xfrm>
+            <a:off x="533400" y="1905000"/>
+            <a:ext cx="4552950" cy="933450"/>
+          </a:xfrm>
+          <a:prstGeom prst="rect">
+            <a:avLst/>
+          </a:prstGeom>
+        </p:spPr>
+      </p:pic>
+      <p:sp>
+        <p:nvSpPr>
+          <p:cNvPr id="4" name="Text Placeholder 3"/>
+          <p:cNvSpPr>
+            <a:spLocks noGrp="1"/>
+          </p:cNvSpPr>
+          <p:nvPr>
+            <p:ph type="body" sz="half" idx="2"/>
+          </p:nvPr>
+        </p:nvSpPr>
+        <p:spPr/>
+        <p:txBody>
+          <a:bodyPr/>
+          <a:lstStyle/>
+          <a:p>
+            <a:endParaRPr lang="en-US" dirty="0"/>
+          </a:p>
+        </p:txBody>
+      </p:sp>
+      <p:sp>
+        <p:nvSpPr>
+          <p:cNvPr id="5" name="Slide Number Placeholder 4"/>
+          <p:cNvSpPr>
+            <a:spLocks noGrp="1"/>
+          </p:cNvSpPr>
+          <p:nvPr>
+            <p:ph type="sldNum" sz="quarter" idx="12"/>
+          </p:nvPr>
+        </p:nvSpPr>
+        <p:spPr/>
+        <p:txBody>
+          <a:bodyPr/>
+          <a:lstStyle/>
+          <a:p>
+            <a:fld id="{07167301-DA6A-464D-A35A-C5160C07AEDB}" type="slidenum">
+              <a:rPr lang="en-US" smtClean="0"/>
+              <a:t>24</a:t>
+            </a:fld>
+            <a:endParaRPr lang="en-US"/>
+          </a:p>
+        </p:txBody>
+      </p:sp>
+    </p:spTree>
+    <p:extLst>
+      <p:ext uri="{BB962C8B-B14F-4D97-AF65-F5344CB8AC3E}">
+        <p14:creationId xmlns:p14="http://schemas.microsoft.com/office/powerpoint/2010/main" val="1533892807"/>
+      </p:ext>
+    </p:extLst>
+  </p:cSld>
+  <p:clrMapOvr>
+    <a:masterClrMapping/>
+  </p:clrMapOvr>
+  <p:timing>
+    <p:tnLst>
+      <p:par>
+        <p:cTn id="1" dur="indefinite" restart="never" nodeType="tmRoot"/>
+      </p:par>
+    </p:tnLst>
+  </p:timing>
+</p:sld>
+</file>
+
+<file path=ppt/slides/slide25.xml><?xml version="1.0" encoding="utf-8"?>
+<p:sld xmlns:a="http://schemas.openxmlformats.org/drawingml/2006/main" xmlns:r="http://schemas.openxmlformats.org/officeDocument/2006/relationships" xmlns:p="http://schemas.openxmlformats.org/presentationml/2006/main">
+  <p:cSld>
+    <p:spTree>
+      <p:nvGrpSpPr>
+        <p:cNvPr id="1" name=""/>
+        <p:cNvGrpSpPr/>
+        <p:nvPr/>
+      </p:nvGrpSpPr>
+      <p:grpSpPr>
+        <a:xfrm>
+          <a:off x="0" y="0"/>
+          <a:ext cx="0" cy="0"/>
+          <a:chOff x="0" y="0"/>
+          <a:chExt cx="0" cy="0"/>
+        </a:xfrm>
+      </p:grpSpPr>
+      <p:sp>
+        <p:nvSpPr>
+          <p:cNvPr id="2" name="Title 1"/>
+          <p:cNvSpPr>
+            <a:spLocks noGrp="1"/>
+          </p:cNvSpPr>
+          <p:nvPr>
+            <p:ph type="title"/>
+          </p:nvPr>
+        </p:nvSpPr>
+        <p:spPr/>
+        <p:txBody>
+          <a:bodyPr>
+            <a:normAutofit fontScale="90000"/>
+          </a:bodyPr>
+          <a:lstStyle/>
+          <a:p>
+            <a:r>
+              <a:rPr lang="en-US" dirty="0" smtClean="0"/>
+              <a:t>Comments do not make up bad code</a:t>
+            </a:r>
+            <a:endParaRPr lang="en-US" dirty="0"/>
+          </a:p>
+        </p:txBody>
+      </p:sp>
+      <p:sp>
+        <p:nvSpPr>
+          <p:cNvPr id="3" name="Content Placeholder 2"/>
+          <p:cNvSpPr>
+            <a:spLocks noGrp="1"/>
+          </p:cNvSpPr>
+          <p:nvPr>
+            <p:ph idx="1"/>
+          </p:nvPr>
+        </p:nvSpPr>
+        <p:spPr>
+          <a:xfrm>
+            <a:off x="304800" y="1295401"/>
+            <a:ext cx="8534400" cy="914399"/>
+          </a:xfrm>
+        </p:spPr>
+        <p:txBody>
+          <a:bodyPr/>
+          <a:lstStyle/>
+          <a:p>
+            <a:pPr>
+              <a:buClr>
+                <a:srgbClr val="00B0F0"/>
+              </a:buClr>
+              <a:buFont typeface="Wingdings" panose="05000000000000000000" pitchFamily="2" charset="2"/>
+              <a:buChar char="ü"/>
+            </a:pPr>
+            <a:r>
+              <a:rPr lang="en-US" dirty="0" smtClean="0"/>
+              <a:t>Rather than spend your time to write comment that explain the mess you’ve made, spend it cleaning that mess.</a:t>
+            </a:r>
+            <a:endParaRPr lang="en-US" dirty="0"/>
+          </a:p>
+        </p:txBody>
+      </p:sp>
+      <p:sp>
+        <p:nvSpPr>
+          <p:cNvPr id="4" name="Slide Number Placeholder 3"/>
+          <p:cNvSpPr>
+            <a:spLocks noGrp="1"/>
+          </p:cNvSpPr>
+          <p:nvPr>
+            <p:ph type="sldNum" sz="quarter" idx="12"/>
+          </p:nvPr>
+        </p:nvSpPr>
+        <p:spPr/>
+        <p:txBody>
+          <a:bodyPr/>
+          <a:lstStyle/>
+          <a:p>
+            <a:fld id="{07167301-DA6A-464D-A35A-C5160C07AEDB}" type="slidenum">
+              <a:rPr lang="en-US" smtClean="0"/>
+              <a:pPr/>
+              <a:t>25</a:t>
+            </a:fld>
+            <a:endParaRPr lang="en-US" dirty="0"/>
+          </a:p>
+        </p:txBody>
+      </p:sp>
+      <p:sp>
+        <p:nvSpPr>
+          <p:cNvPr id="5" name="Title 1"/>
+          <p:cNvSpPr txBox="1">
+            <a:spLocks/>
+          </p:cNvSpPr>
+          <p:nvPr/>
+        </p:nvSpPr>
+        <p:spPr>
+          <a:xfrm>
+            <a:off x="1" y="2590800"/>
+            <a:ext cx="9143999" cy="741074"/>
+          </a:xfrm>
+          <a:prstGeom prst="rect">
+            <a:avLst/>
+          </a:prstGeom>
+          <a:solidFill>
+            <a:schemeClr val="accent1">
+              <a:lumMod val="20000"/>
+              <a:lumOff val="80000"/>
+            </a:schemeClr>
+          </a:solidFill>
+        </p:spPr>
+        <p:txBody>
+          <a:bodyPr vert="horz" lIns="91440" tIns="45720" rIns="91440" bIns="45720" rtlCol="0" anchor="ctr">
+            <a:normAutofit fontScale="97500"/>
+          </a:bodyPr>
+          <a:lstStyle>
+            <a:lvl1pPr algn="l" defTabSz="914400" rtl="0" eaLnBrk="1" latinLnBrk="0" hangingPunct="1">
+              <a:lnSpc>
+                <a:spcPct val="90000"/>
+              </a:lnSpc>
+              <a:spcBef>
+                <a:spcPct val="0"/>
+              </a:spcBef>
+              <a:buNone/>
+              <a:defRPr sz="4800" kern="1200" spc="-120" baseline="0">
+                <a:solidFill>
+                  <a:schemeClr val="accent1"/>
+                </a:solidFill>
+                <a:latin typeface="+mj-lt"/>
+                <a:ea typeface="+mj-ea"/>
+                <a:cs typeface="+mj-cs"/>
+              </a:defRPr>
+            </a:lvl1pPr>
+          </a:lstStyle>
+          <a:p>
+            <a:r>
+              <a:rPr lang="en-US" dirty="0" smtClean="0"/>
+              <a:t>Explain yourself in code</a:t>
+            </a:r>
+            <a:endParaRPr lang="en-US" dirty="0"/>
+          </a:p>
+        </p:txBody>
+      </p:sp>
+      <p:sp>
+        <p:nvSpPr>
+          <p:cNvPr id="6" name="Content Placeholder 2"/>
+          <p:cNvSpPr txBox="1">
+            <a:spLocks/>
+          </p:cNvSpPr>
+          <p:nvPr/>
+        </p:nvSpPr>
+        <p:spPr>
+          <a:xfrm>
+            <a:off x="304800" y="3712874"/>
+            <a:ext cx="8534400" cy="914399"/>
+          </a:xfrm>
+          <a:prstGeom prst="rect">
+            <a:avLst/>
+          </a:prstGeom>
+        </p:spPr>
+        <p:txBody>
+          <a:bodyPr vert="horz" lIns="91440" tIns="45720" rIns="91440" bIns="45720" rtlCol="0">
+            <a:noAutofit/>
+          </a:bodyPr>
+          <a:lstStyle>
+            <a:lvl1pPr marL="91440" indent="-91440" algn="l" defTabSz="914400" rtl="0" eaLnBrk="1" latinLnBrk="0" hangingPunct="1">
+              <a:lnSpc>
+                <a:spcPct val="85000"/>
+              </a:lnSpc>
+              <a:spcBef>
+                <a:spcPts val="1300"/>
+              </a:spcBef>
+              <a:buFont typeface="Arial" pitchFamily="34" charset="0"/>
+              <a:buChar char=" "/>
+              <a:defRPr sz="2400" kern="1200">
+                <a:solidFill>
+                  <a:schemeClr val="tx1">
+                    <a:lumMod val="85000"/>
+                    <a:lumOff val="15000"/>
+                  </a:schemeClr>
+                </a:solidFill>
+                <a:latin typeface="+mn-lt"/>
+                <a:ea typeface="+mn-ea"/>
+                <a:cs typeface="+mn-cs"/>
+              </a:defRPr>
+            </a:lvl1pPr>
+            <a:lvl2pPr marL="274320" indent="-342900" algn="l" defTabSz="914400" rtl="0" eaLnBrk="1" latinLnBrk="0" hangingPunct="1">
+              <a:lnSpc>
+                <a:spcPct val="85000"/>
+              </a:lnSpc>
+              <a:spcBef>
+                <a:spcPts val="600"/>
+              </a:spcBef>
+              <a:buFont typeface="Wingdings" panose="05000000000000000000" pitchFamily="2" charset="2"/>
+              <a:buChar char="Ø"/>
+              <a:defRPr sz="2400" kern="1200">
+                <a:solidFill>
+                  <a:schemeClr val="tx1">
+                    <a:lumMod val="85000"/>
+                    <a:lumOff val="15000"/>
+                  </a:schemeClr>
+                </a:solidFill>
+                <a:latin typeface="+mn-lt"/>
+                <a:ea typeface="+mn-ea"/>
+                <a:cs typeface="+mn-cs"/>
+              </a:defRPr>
+            </a:lvl2pPr>
+            <a:lvl3pPr marL="548640" indent="-548640" algn="l" defTabSz="914400" rtl="0" eaLnBrk="1" latinLnBrk="0" hangingPunct="1">
+              <a:lnSpc>
+                <a:spcPct val="85000"/>
+              </a:lnSpc>
+              <a:spcBef>
+                <a:spcPts val="600"/>
+              </a:spcBef>
+              <a:buFont typeface="Arial" pitchFamily="34" charset="0"/>
+              <a:buChar char="•"/>
+              <a:defRPr sz="2000" i="1" kern="1200">
+                <a:solidFill>
+                  <a:schemeClr val="tx1">
+                    <a:lumMod val="85000"/>
+                    <a:lumOff val="15000"/>
+                  </a:schemeClr>
+                </a:solidFill>
+                <a:latin typeface="+mn-lt"/>
+                <a:ea typeface="+mn-ea"/>
+                <a:cs typeface="+mn-cs"/>
+              </a:defRPr>
+            </a:lvl3pPr>
+            <a:lvl4pPr marL="822960" indent="-822960" algn="l" defTabSz="914400" rtl="0" eaLnBrk="1" latinLnBrk="0" hangingPunct="1">
+              <a:lnSpc>
+                <a:spcPct val="85000"/>
+              </a:lnSpc>
+              <a:spcBef>
+                <a:spcPts val="600"/>
+              </a:spcBef>
+              <a:buFont typeface="Arial" pitchFamily="34" charset="0"/>
+              <a:buChar char=" "/>
+              <a:defRPr sz="1800" kern="1200">
+                <a:solidFill>
+                  <a:schemeClr val="tx1">
+                    <a:lumMod val="85000"/>
+                    <a:lumOff val="15000"/>
+                  </a:schemeClr>
+                </a:solidFill>
+                <a:latin typeface="+mn-lt"/>
+                <a:ea typeface="+mn-ea"/>
+                <a:cs typeface="+mn-cs"/>
+              </a:defRPr>
+            </a:lvl4pPr>
+            <a:lvl5pPr marL="1097280" indent="-1097280" algn="l" defTabSz="914400" rtl="0" eaLnBrk="1" latinLnBrk="0" hangingPunct="1">
+              <a:lnSpc>
+                <a:spcPct val="85000"/>
+              </a:lnSpc>
+              <a:spcBef>
+                <a:spcPts val="600"/>
+              </a:spcBef>
+              <a:buFont typeface="Arial" pitchFamily="34" charset="0"/>
+              <a:buChar char=" "/>
+              <a:defRPr sz="1800" kern="1200">
+                <a:solidFill>
+                  <a:schemeClr val="tx1">
+                    <a:lumMod val="85000"/>
+                    <a:lumOff val="15000"/>
+                  </a:schemeClr>
+                </a:solidFill>
+                <a:latin typeface="+mn-lt"/>
+                <a:ea typeface="+mn-ea"/>
+                <a:cs typeface="+mn-cs"/>
+              </a:defRPr>
+            </a:lvl5pPr>
+            <a:lvl6pPr marL="1200000" indent="-228600" algn="l" defTabSz="914400" rtl="0" eaLnBrk="1" latinLnBrk="0" hangingPunct="1">
+              <a:lnSpc>
+                <a:spcPct val="85000"/>
+              </a:lnSpc>
+              <a:spcBef>
+                <a:spcPts val="600"/>
+              </a:spcBef>
+              <a:buFont typeface="Arial" pitchFamily="34" charset="0"/>
+              <a:buChar char=" "/>
+              <a:defRPr sz="1800" kern="1200">
+                <a:solidFill>
+                  <a:schemeClr val="tx1">
+                    <a:lumMod val="85000"/>
+                    <a:lumOff val="15000"/>
+                  </a:schemeClr>
+                </a:solidFill>
+                <a:latin typeface="+mn-lt"/>
+                <a:ea typeface="+mn-ea"/>
+                <a:cs typeface="+mn-cs"/>
+              </a:defRPr>
+            </a:lvl6pPr>
+            <a:lvl7pPr marL="1400000" indent="-228600" algn="l" defTabSz="914400" rtl="0" eaLnBrk="1" latinLnBrk="0" hangingPunct="1">
+              <a:lnSpc>
+                <a:spcPct val="85000"/>
+              </a:lnSpc>
+              <a:spcBef>
+                <a:spcPts val="600"/>
+              </a:spcBef>
+              <a:buFont typeface="Arial" pitchFamily="34" charset="0"/>
+              <a:buChar char=" "/>
+              <a:defRPr sz="1800" kern="1200">
+                <a:solidFill>
+                  <a:schemeClr val="tx1">
+                    <a:lumMod val="85000"/>
+                    <a:lumOff val="15000"/>
+                  </a:schemeClr>
+                </a:solidFill>
+                <a:latin typeface="+mn-lt"/>
+                <a:ea typeface="+mn-ea"/>
+                <a:cs typeface="+mn-cs"/>
+              </a:defRPr>
+            </a:lvl7pPr>
+            <a:lvl8pPr marL="1600000" indent="-228600" algn="l" defTabSz="914400" rtl="0" eaLnBrk="1" latinLnBrk="0" hangingPunct="1">
+              <a:lnSpc>
+                <a:spcPct val="85000"/>
+              </a:lnSpc>
+              <a:spcBef>
+                <a:spcPts val="600"/>
+              </a:spcBef>
+              <a:buFont typeface="Arial" pitchFamily="34" charset="0"/>
+              <a:buChar char=" "/>
+              <a:defRPr sz="1800" kern="1200">
+                <a:solidFill>
+                  <a:schemeClr val="tx1">
+                    <a:lumMod val="85000"/>
+                    <a:lumOff val="15000"/>
+                  </a:schemeClr>
+                </a:solidFill>
+                <a:latin typeface="+mn-lt"/>
+                <a:ea typeface="+mn-ea"/>
+                <a:cs typeface="+mn-cs"/>
+              </a:defRPr>
+            </a:lvl8pPr>
+            <a:lvl9pPr marL="1800000" indent="-228600" algn="l" defTabSz="914400" rtl="0" eaLnBrk="1" latinLnBrk="0" hangingPunct="1">
+              <a:lnSpc>
+                <a:spcPct val="85000"/>
+              </a:lnSpc>
+              <a:spcBef>
+                <a:spcPts val="600"/>
+              </a:spcBef>
+              <a:buFont typeface="Arial" pitchFamily="34" charset="0"/>
+              <a:buChar char=" "/>
+              <a:defRPr sz="1800" kern="1200">
+                <a:solidFill>
+                  <a:schemeClr val="tx1">
+                    <a:lumMod val="85000"/>
+                    <a:lumOff val="15000"/>
+                  </a:schemeClr>
+                </a:solidFill>
+                <a:latin typeface="+mn-lt"/>
+                <a:ea typeface="+mn-ea"/>
+                <a:cs typeface="+mn-cs"/>
+              </a:defRPr>
+            </a:lvl9pPr>
+          </a:lstStyle>
+          <a:p>
+            <a:pPr>
+              <a:buClr>
+                <a:srgbClr val="00B0F0"/>
+              </a:buClr>
+              <a:buFont typeface="Wingdings" panose="05000000000000000000" pitchFamily="2" charset="2"/>
+              <a:buChar char="ü"/>
+            </a:pPr>
+            <a:r>
+              <a:rPr lang="en-US" dirty="0" smtClean="0"/>
+              <a:t>It’s simply a matter of creating a function that says the same thing as the comment you want to write.</a:t>
+            </a:r>
+            <a:endParaRPr lang="en-US" dirty="0"/>
+          </a:p>
+        </p:txBody>
+      </p:sp>
+      <p:sp>
+        <p:nvSpPr>
+          <p:cNvPr id="7" name="TextBox 6"/>
+          <p:cNvSpPr txBox="1"/>
+          <p:nvPr/>
+        </p:nvSpPr>
+        <p:spPr>
+          <a:xfrm>
+            <a:off x="533400" y="4491335"/>
+            <a:ext cx="5452455" cy="923330"/>
+          </a:xfrm>
+          <a:prstGeom prst="rect">
+            <a:avLst/>
+          </a:prstGeom>
+          <a:noFill/>
+        </p:spPr>
+        <p:txBody>
+          <a:bodyPr wrap="none" rtlCol="0">
+            <a:spAutoFit/>
+          </a:bodyPr>
+          <a:lstStyle/>
+          <a:p>
+            <a:r>
+              <a:rPr lang="en-US" dirty="0"/>
+              <a:t>// Check to see if the employee is eligible for full benefits</a:t>
+            </a:r>
+          </a:p>
+          <a:p>
+            <a:r>
+              <a:rPr lang="en-US" dirty="0"/>
+              <a:t>if ((</a:t>
+            </a:r>
+            <a:r>
+              <a:rPr lang="en-US" dirty="0" err="1"/>
+              <a:t>employee.flags</a:t>
+            </a:r>
+            <a:r>
+              <a:rPr lang="en-US" dirty="0"/>
+              <a:t> &amp; HOURLY_FLAG) </a:t>
+            </a:r>
+          </a:p>
+          <a:p>
+            <a:r>
+              <a:rPr lang="en-US" dirty="0"/>
+              <a:t>	&amp;&amp; (</a:t>
+            </a:r>
+            <a:r>
+              <a:rPr lang="en-US" dirty="0" err="1"/>
+              <a:t>employee.age</a:t>
+            </a:r>
+            <a:r>
+              <a:rPr lang="en-US" dirty="0"/>
+              <a:t> &gt; 65))</a:t>
+            </a:r>
+          </a:p>
+        </p:txBody>
+      </p:sp>
+      <p:sp>
+        <p:nvSpPr>
+          <p:cNvPr id="8" name="TextBox 7"/>
+          <p:cNvSpPr txBox="1"/>
+          <p:nvPr/>
+        </p:nvSpPr>
+        <p:spPr>
+          <a:xfrm>
+            <a:off x="539931" y="5562600"/>
+            <a:ext cx="3789820" cy="369332"/>
+          </a:xfrm>
+          <a:prstGeom prst="rect">
+            <a:avLst/>
+          </a:prstGeom>
+          <a:noFill/>
+        </p:spPr>
+        <p:txBody>
+          <a:bodyPr wrap="none" rtlCol="0">
+            <a:spAutoFit/>
+          </a:bodyPr>
+          <a:lstStyle/>
+          <a:p>
+            <a:r>
+              <a:rPr lang="en-US" dirty="0" smtClean="0"/>
+              <a:t>if (</a:t>
+            </a:r>
+            <a:r>
+              <a:rPr lang="en-US" dirty="0" err="1" smtClean="0"/>
+              <a:t>employee.isEligibleForFullBenefits</a:t>
+            </a:r>
+            <a:r>
+              <a:rPr lang="en-US" dirty="0" smtClean="0"/>
+              <a:t>())</a:t>
+            </a:r>
+            <a:endParaRPr lang="en-US" dirty="0"/>
+          </a:p>
+        </p:txBody>
+      </p:sp>
+      <p:sp>
+        <p:nvSpPr>
+          <p:cNvPr id="9" name="Multiply 8"/>
+          <p:cNvSpPr/>
+          <p:nvPr/>
+        </p:nvSpPr>
+        <p:spPr>
+          <a:xfrm>
+            <a:off x="-762000" y="4387665"/>
+            <a:ext cx="8077200" cy="1100967"/>
+          </a:xfrm>
+          <a:prstGeom prst="mathMultiply">
+            <a:avLst/>
+          </a:prstGeom>
+          <a:solidFill>
+            <a:srgbClr val="FF0000"/>
+          </a:solidFill>
+        </p:spPr>
+        <p:style>
+          <a:lnRef idx="2">
+            <a:schemeClr val="accent1">
+              <a:shade val="50000"/>
+            </a:schemeClr>
+          </a:lnRef>
+          <a:fillRef idx="1">
+            <a:schemeClr val="accent1"/>
+          </a:fillRef>
+          <a:effectRef idx="0">
+            <a:schemeClr val="accent1"/>
+          </a:effectRef>
+          <a:fontRef idx="minor">
+            <a:schemeClr val="lt1"/>
+          </a:fontRef>
+        </p:style>
+        <p:txBody>
+          <a:bodyPr rtlCol="0" anchor="ctr"/>
+          <a:lstStyle/>
+          <a:p>
+            <a:pPr algn="ctr"/>
+            <a:endParaRPr lang="en-US"/>
+          </a:p>
+        </p:txBody>
+      </p:sp>
+    </p:spTree>
+    <p:extLst>
+      <p:ext uri="{BB962C8B-B14F-4D97-AF65-F5344CB8AC3E}">
+        <p14:creationId xmlns:p14="http://schemas.microsoft.com/office/powerpoint/2010/main" val="4115687994"/>
+      </p:ext>
+    </p:extLst>
+  </p:cSld>
+  <p:clrMapOvr>
+    <a:masterClrMapping/>
+  </p:clrMapOvr>
+  <p:timing>
+    <p:tnLst>
+      <p:par>
+        <p:cTn id="1" dur="indefinite" restart="never" nodeType="tmRoot">
+          <p:childTnLst>
+            <p:seq concurrent="1" nextAc="seek">
+              <p:cTn id="2" dur="indefinite" nodeType="mainSeq">
+                <p:childTnLst>
+                  <p:par>
+                    <p:cTn id="3" fill="hold">
+                      <p:stCondLst>
+                        <p:cond delay="indefinite"/>
+                      </p:stCondLst>
+                      <p:childTnLst>
+                        <p:par>
+                          <p:cTn id="4" fill="hold">
+                            <p:stCondLst>
+                              <p:cond delay="0"/>
+                            </p:stCondLst>
+                            <p:childTnLst>
+                              <p:par>
+                                <p:cTn id="5" presetID="10" presetClass="entr" presetSubtype="0" fill="hold" grpId="0" nodeType="clickEffect">
+                                  <p:stCondLst>
+                                    <p:cond delay="0"/>
+                                  </p:stCondLst>
+                                  <p:childTnLst>
+                                    <p:set>
+                                      <p:cBhvr>
+                                        <p:cTn id="6" dur="1" fill="hold">
+                                          <p:stCondLst>
+                                            <p:cond delay="0"/>
+                                          </p:stCondLst>
+                                        </p:cTn>
+                                        <p:tgtEl>
+                                          <p:spTgt spid="5"/>
+                                        </p:tgtEl>
+                                        <p:attrNameLst>
+                                          <p:attrName>style.visibility</p:attrName>
+                                        </p:attrNameLst>
+                                      </p:cBhvr>
+                                      <p:to>
+                                        <p:strVal val="visible"/>
+                                      </p:to>
+                                    </p:set>
+                                    <p:animEffect transition="in" filter="fade">
+                                      <p:cBhvr>
+                                        <p:cTn id="7" dur="500"/>
+                                        <p:tgtEl>
+                                          <p:spTgt spid="5"/>
+                                        </p:tgtEl>
+                                      </p:cBhvr>
+                                    </p:animEffect>
+                                  </p:childTnLst>
+                                </p:cTn>
+                              </p:par>
+                              <p:par>
+                                <p:cTn id="8" presetID="10" presetClass="entr" presetSubtype="0" fill="hold" grpId="0" nodeType="withEffect">
+                                  <p:stCondLst>
+                                    <p:cond delay="0"/>
+                                  </p:stCondLst>
+                                  <p:childTnLst>
+                                    <p:set>
+                                      <p:cBhvr>
+                                        <p:cTn id="9" dur="1" fill="hold">
+                                          <p:stCondLst>
+                                            <p:cond delay="0"/>
+                                          </p:stCondLst>
+                                        </p:cTn>
+                                        <p:tgtEl>
+                                          <p:spTgt spid="6"/>
+                                        </p:tgtEl>
+                                        <p:attrNameLst>
+                                          <p:attrName>style.visibility</p:attrName>
+                                        </p:attrNameLst>
+                                      </p:cBhvr>
+                                      <p:to>
+                                        <p:strVal val="visible"/>
+                                      </p:to>
+                                    </p:set>
+                                    <p:animEffect transition="in" filter="fade">
+                                      <p:cBhvr>
+                                        <p:cTn id="10" dur="500"/>
+                                        <p:tgtEl>
+                                          <p:spTgt spid="6"/>
+                                        </p:tgtEl>
+                                      </p:cBhvr>
+                                    </p:animEffect>
+                                  </p:childTnLst>
+                                </p:cTn>
+                              </p:par>
+                            </p:childTnLst>
+                          </p:cTn>
+                        </p:par>
+                      </p:childTnLst>
+                    </p:cTn>
+                  </p:par>
+                  <p:par>
+                    <p:cTn id="11" fill="hold">
+                      <p:stCondLst>
+                        <p:cond delay="indefinite"/>
+                      </p:stCondLst>
+                      <p:childTnLst>
+                        <p:par>
+                          <p:cTn id="12" fill="hold">
+                            <p:stCondLst>
+                              <p:cond delay="0"/>
+                            </p:stCondLst>
+                            <p:childTnLst>
+                              <p:par>
+                                <p:cTn id="13" presetID="10" presetClass="entr" presetSubtype="0" fill="hold" grpId="0" nodeType="clickEffect">
+                                  <p:stCondLst>
+                                    <p:cond delay="0"/>
+                                  </p:stCondLst>
+                                  <p:childTnLst>
+                                    <p:set>
+                                      <p:cBhvr>
+                                        <p:cTn id="14" dur="1" fill="hold">
+                                          <p:stCondLst>
+                                            <p:cond delay="0"/>
+                                          </p:stCondLst>
+                                        </p:cTn>
+                                        <p:tgtEl>
+                                          <p:spTgt spid="7"/>
+                                        </p:tgtEl>
+                                        <p:attrNameLst>
+                                          <p:attrName>style.visibility</p:attrName>
+                                        </p:attrNameLst>
+                                      </p:cBhvr>
+                                      <p:to>
+                                        <p:strVal val="visible"/>
+                                      </p:to>
+                                    </p:set>
+                                    <p:animEffect transition="in" filter="fade">
+                                      <p:cBhvr>
+                                        <p:cTn id="15" dur="500"/>
+                                        <p:tgtEl>
+                                          <p:spTgt spid="7"/>
+                                        </p:tgtEl>
+                                      </p:cBhvr>
+                                    </p:animEffect>
+                                  </p:childTnLst>
+                                </p:cTn>
+                              </p:par>
+                            </p:childTnLst>
+                          </p:cTn>
+                        </p:par>
+                      </p:childTnLst>
+                    </p:cTn>
+                  </p:par>
+                  <p:par>
+                    <p:cTn id="16" fill="hold">
+                      <p:stCondLst>
+                        <p:cond delay="indefinite"/>
+                      </p:stCondLst>
+                      <p:childTnLst>
+                        <p:par>
+                          <p:cTn id="17" fill="hold">
+                            <p:stCondLst>
+                              <p:cond delay="0"/>
+                            </p:stCondLst>
+                            <p:childTnLst>
+                              <p:par>
+                                <p:cTn id="18" presetID="10" presetClass="entr" presetSubtype="0" fill="hold" grpId="0" nodeType="clickEffect">
+                                  <p:stCondLst>
+                                    <p:cond delay="0"/>
+                                  </p:stCondLst>
+                                  <p:childTnLst>
+                                    <p:set>
+                                      <p:cBhvr>
+                                        <p:cTn id="19" dur="1" fill="hold">
+                                          <p:stCondLst>
+                                            <p:cond delay="0"/>
+                                          </p:stCondLst>
+                                        </p:cTn>
+                                        <p:tgtEl>
+                                          <p:spTgt spid="8"/>
+                                        </p:tgtEl>
+                                        <p:attrNameLst>
+                                          <p:attrName>style.visibility</p:attrName>
+                                        </p:attrNameLst>
+                                      </p:cBhvr>
+                                      <p:to>
+                                        <p:strVal val="visible"/>
+                                      </p:to>
+                                    </p:set>
+                                    <p:animEffect transition="in" filter="fade">
+                                      <p:cBhvr>
+                                        <p:cTn id="20" dur="500"/>
+                                        <p:tgtEl>
+                                          <p:spTgt spid="8"/>
+                                        </p:tgtEl>
+                                      </p:cBhvr>
+                                    </p:animEffect>
+                                  </p:childTnLst>
+                                </p:cTn>
+                              </p:par>
+                            </p:childTnLst>
+                          </p:cTn>
+                        </p:par>
+                      </p:childTnLst>
+                    </p:cTn>
+                  </p:par>
+                  <p:par>
+                    <p:cTn id="21" fill="hold">
+                      <p:stCondLst>
+                        <p:cond delay="indefinite"/>
+                      </p:stCondLst>
+                      <p:childTnLst>
+                        <p:par>
+                          <p:cTn id="22" fill="hold">
+                            <p:stCondLst>
+                              <p:cond delay="0"/>
+                            </p:stCondLst>
+                            <p:childTnLst>
+                              <p:par>
+                                <p:cTn id="23" presetID="10" presetClass="entr" presetSubtype="0" fill="hold" grpId="0" nodeType="clickEffect">
+                                  <p:stCondLst>
+                                    <p:cond delay="0"/>
+                                  </p:stCondLst>
+                                  <p:childTnLst>
+                                    <p:set>
+                                      <p:cBhvr>
+                                        <p:cTn id="24" dur="1" fill="hold">
+                                          <p:stCondLst>
+                                            <p:cond delay="0"/>
+                                          </p:stCondLst>
+                                        </p:cTn>
+                                        <p:tgtEl>
+                                          <p:spTgt spid="9"/>
+                                        </p:tgtEl>
+                                        <p:attrNameLst>
+                                          <p:attrName>style.visibility</p:attrName>
+                                        </p:attrNameLst>
+                                      </p:cBhvr>
+                                      <p:to>
+                                        <p:strVal val="visible"/>
+                                      </p:to>
+                                    </p:set>
+                                    <p:animEffect transition="in" filter="fade">
+                                      <p:cBhvr>
+                                        <p:cTn id="25" dur="500"/>
+                                        <p:tgtEl>
+                                          <p:spTgt spid="9"/>
+                                        </p:tgtEl>
+                                      </p:cBhvr>
+                                    </p:animEffect>
+                                  </p:childTnLst>
+                                </p:cTn>
+                              </p:par>
+                            </p:childTnLst>
+                          </p:cTn>
+                        </p:par>
+                      </p:childTnLst>
+                    </p:cTn>
+                  </p:par>
+                </p:childTnLst>
+              </p:cTn>
+              <p:prevCondLst>
+                <p:cond evt="onPrev" delay="0">
+                  <p:tgtEl>
+                    <p:sldTgt/>
+                  </p:tgtEl>
+                </p:cond>
+              </p:prevCondLst>
+              <p:nextCondLst>
+                <p:cond evt="onNext" delay="0">
+                  <p:tgtEl>
+                    <p:sldTgt/>
+                  </p:tgtEl>
+                </p:cond>
+              </p:nextCondLst>
+            </p:seq>
+          </p:childTnLst>
+        </p:cTn>
+      </p:par>
+    </p:tnLst>
+    <p:bldLst>
+      <p:bldP spid="5" grpId="0" animBg="1"/>
+      <p:bldP spid="6" grpId="0"/>
+      <p:bldP spid="7" grpId="0"/>
+      <p:bldP spid="8" grpId="0"/>
+      <p:bldP spid="9" grpId="0" animBg="1"/>
+    </p:bldLst>
+  </p:timing>
+</p:sld>
+</file>
+
+<file path=ppt/slides/slide26.xml><?xml version="1.0" encoding="utf-8"?>
+<p:sld xmlns:a="http://schemas.openxmlformats.org/drawingml/2006/main" xmlns:r="http://schemas.openxmlformats.org/officeDocument/2006/relationships" xmlns:p="http://schemas.openxmlformats.org/presentationml/2006/main">
+  <p:cSld>
+    <p:spTree>
+      <p:nvGrpSpPr>
+        <p:cNvPr id="1" name=""/>
+        <p:cNvGrpSpPr/>
+        <p:nvPr/>
+      </p:nvGrpSpPr>
+      <p:grpSpPr>
+        <a:xfrm>
+          <a:off x="0" y="0"/>
+          <a:ext cx="0" cy="0"/>
+          <a:chOff x="0" y="0"/>
+          <a:chExt cx="0" cy="0"/>
+        </a:xfrm>
+      </p:grpSpPr>
+      <p:sp>
+        <p:nvSpPr>
+          <p:cNvPr id="2" name="Title 1"/>
+          <p:cNvSpPr>
+            <a:spLocks noGrp="1"/>
+          </p:cNvSpPr>
+          <p:nvPr>
+            <p:ph type="title"/>
+          </p:nvPr>
+        </p:nvSpPr>
+        <p:spPr/>
+        <p:txBody>
+          <a:bodyPr>
+            <a:normAutofit fontScale="90000"/>
+          </a:bodyPr>
+          <a:lstStyle/>
+          <a:p>
+            <a:r>
+              <a:rPr lang="en-US" dirty="0"/>
+              <a:t>Legal comments</a:t>
+            </a:r>
+          </a:p>
+        </p:txBody>
+      </p:sp>
+      <p:sp>
+        <p:nvSpPr>
+          <p:cNvPr id="3" name="Content Placeholder 2"/>
+          <p:cNvSpPr>
+            <a:spLocks noGrp="1"/>
+          </p:cNvSpPr>
+          <p:nvPr>
+            <p:ph idx="1"/>
+          </p:nvPr>
+        </p:nvSpPr>
+        <p:spPr>
+          <a:xfrm>
+            <a:off x="304800" y="1295401"/>
+            <a:ext cx="8534400" cy="1600199"/>
+          </a:xfrm>
+        </p:spPr>
+        <p:txBody>
+          <a:bodyPr/>
+          <a:lstStyle/>
+          <a:p>
+            <a:pPr marL="0" indent="0">
+              <a:buClr>
+                <a:srgbClr val="00B0F0"/>
+              </a:buClr>
+              <a:buNone/>
+            </a:pPr>
+            <a:r>
+              <a:rPr lang="en-US" dirty="0"/>
+              <a:t>Your cooperate force use to write certain comments for legal reasons, for example: copyright and authorship statement,..</a:t>
+            </a:r>
+          </a:p>
+          <a:p>
+            <a:pPr>
+              <a:buClr>
+                <a:srgbClr val="00B0F0"/>
+              </a:buClr>
+              <a:buFont typeface="Wingdings" panose="05000000000000000000" pitchFamily="2" charset="2"/>
+              <a:buChar char="ü"/>
+            </a:pPr>
+            <a:r>
+              <a:rPr lang="en-US" dirty="0" smtClean="0"/>
+              <a:t>Refer </a:t>
+            </a:r>
+            <a:r>
+              <a:rPr lang="en-US" dirty="0"/>
+              <a:t>to standard license or external document rather than putting all the terms and conditions into </a:t>
+            </a:r>
+            <a:r>
+              <a:rPr lang="en-US" dirty="0" smtClean="0"/>
+              <a:t>the comment</a:t>
+            </a:r>
+            <a:r>
+              <a:rPr lang="en-US" dirty="0"/>
+              <a:t>.</a:t>
+            </a:r>
+          </a:p>
+          <a:p>
+            <a:pPr>
+              <a:buClr>
+                <a:srgbClr val="00B0F0"/>
+              </a:buClr>
+              <a:buFont typeface="Wingdings" panose="05000000000000000000" pitchFamily="2" charset="2"/>
+              <a:buChar char="ü"/>
+            </a:pPr>
+            <a:endParaRPr lang="en-US" dirty="0"/>
+          </a:p>
+        </p:txBody>
+      </p:sp>
+      <p:sp>
+        <p:nvSpPr>
+          <p:cNvPr id="4" name="Slide Number Placeholder 3"/>
+          <p:cNvSpPr>
+            <a:spLocks noGrp="1"/>
+          </p:cNvSpPr>
+          <p:nvPr>
+            <p:ph type="sldNum" sz="quarter" idx="12"/>
+          </p:nvPr>
+        </p:nvSpPr>
+        <p:spPr/>
+        <p:txBody>
+          <a:bodyPr/>
+          <a:lstStyle/>
+          <a:p>
+            <a:fld id="{07167301-DA6A-464D-A35A-C5160C07AEDB}" type="slidenum">
+              <a:rPr lang="en-US" smtClean="0"/>
+              <a:pPr/>
+              <a:t>26</a:t>
+            </a:fld>
+            <a:endParaRPr lang="en-US" dirty="0"/>
+          </a:p>
+        </p:txBody>
+      </p:sp>
+      <p:sp>
+        <p:nvSpPr>
+          <p:cNvPr id="5" name="Title 1"/>
+          <p:cNvSpPr txBox="1">
+            <a:spLocks/>
+          </p:cNvSpPr>
+          <p:nvPr/>
+        </p:nvSpPr>
+        <p:spPr>
+          <a:xfrm>
+            <a:off x="7621" y="3048000"/>
+            <a:ext cx="9143999" cy="741074"/>
+          </a:xfrm>
+          <a:prstGeom prst="rect">
+            <a:avLst/>
+          </a:prstGeom>
+          <a:solidFill>
+            <a:schemeClr val="accent1">
+              <a:lumMod val="20000"/>
+              <a:lumOff val="80000"/>
+            </a:schemeClr>
+          </a:solidFill>
+        </p:spPr>
+        <p:txBody>
+          <a:bodyPr vert="horz" lIns="91440" tIns="45720" rIns="91440" bIns="45720" rtlCol="0" anchor="ctr">
+            <a:normAutofit fontScale="97500"/>
+          </a:bodyPr>
+          <a:lstStyle>
+            <a:lvl1pPr algn="l" defTabSz="914400" rtl="0" eaLnBrk="1" latinLnBrk="0" hangingPunct="1">
+              <a:lnSpc>
+                <a:spcPct val="90000"/>
+              </a:lnSpc>
+              <a:spcBef>
+                <a:spcPct val="0"/>
+              </a:spcBef>
+              <a:buNone/>
+              <a:defRPr sz="4800" kern="1200" spc="-120" baseline="0">
+                <a:solidFill>
+                  <a:schemeClr val="accent1"/>
+                </a:solidFill>
+                <a:latin typeface="+mj-lt"/>
+                <a:ea typeface="+mj-ea"/>
+                <a:cs typeface="+mj-cs"/>
+              </a:defRPr>
+            </a:lvl1pPr>
+          </a:lstStyle>
+          <a:p>
+            <a:r>
+              <a:rPr lang="en-US" sz="4300" dirty="0" smtClean="0"/>
+              <a:t>Explanation of intent</a:t>
+            </a:r>
+            <a:endParaRPr lang="en-US" sz="4300" dirty="0"/>
+          </a:p>
+        </p:txBody>
+      </p:sp>
+      <p:sp>
+        <p:nvSpPr>
+          <p:cNvPr id="6" name="TextBox 5"/>
+          <p:cNvSpPr txBox="1"/>
+          <p:nvPr/>
+        </p:nvSpPr>
+        <p:spPr>
+          <a:xfrm>
+            <a:off x="304800" y="4038600"/>
+            <a:ext cx="8534400" cy="1200329"/>
+          </a:xfrm>
+          <a:prstGeom prst="rect">
+            <a:avLst/>
+          </a:prstGeom>
+          <a:noFill/>
+        </p:spPr>
+        <p:txBody>
+          <a:bodyPr wrap="square" rtlCol="0">
+            <a:spAutoFit/>
+          </a:bodyPr>
+          <a:lstStyle/>
+          <a:p>
+            <a:r>
+              <a:rPr lang="en-US" sz="2400" dirty="0" smtClean="0"/>
+              <a:t>Comment goes beyond useful information of the </a:t>
+            </a:r>
+            <a:r>
+              <a:rPr lang="en-US" sz="2400" dirty="0" smtClean="0"/>
+              <a:t>implementation and provides the intent behind the decision.</a:t>
+            </a:r>
+            <a:r>
+              <a:rPr lang="en-US" sz="2400" dirty="0"/>
+              <a:t/>
+            </a:r>
+            <a:br>
+              <a:rPr lang="en-US" sz="2400" dirty="0"/>
+            </a:br>
+            <a:endParaRPr lang="en-US" sz="2400" dirty="0"/>
+          </a:p>
+        </p:txBody>
+      </p:sp>
+      <p:pic>
+        <p:nvPicPr>
+          <p:cNvPr id="7" name="Picture 6"/>
+          <p:cNvPicPr>
+            <a:picLocks noChangeAspect="1"/>
+          </p:cNvPicPr>
+          <p:nvPr/>
+        </p:nvPicPr>
+        <p:blipFill>
+          <a:blip r:embed="rId2"/>
+          <a:stretch>
+            <a:fillRect/>
+          </a:stretch>
+        </p:blipFill>
+        <p:spPr>
+          <a:xfrm>
+            <a:off x="304800" y="5410200"/>
+            <a:ext cx="8534400" cy="752475"/>
+          </a:xfrm>
+          <a:prstGeom prst="rect">
+            <a:avLst/>
+          </a:prstGeom>
+        </p:spPr>
+      </p:pic>
+    </p:spTree>
+    <p:extLst>
+      <p:ext uri="{BB962C8B-B14F-4D97-AF65-F5344CB8AC3E}">
+        <p14:creationId xmlns:p14="http://schemas.microsoft.com/office/powerpoint/2010/main" val="3757552175"/>
+      </p:ext>
+    </p:extLst>
+  </p:cSld>
+  <p:clrMapOvr>
+    <a:masterClrMapping/>
+  </p:clrMapOvr>
+  <p:timing>
+    <p:tnLst>
+      <p:par>
+        <p:cTn id="1" dur="indefinite" restart="never" nodeType="tmRoot"/>
+      </p:par>
+    </p:tnLst>
+  </p:timing>
+</p:sld>
+</file>
+
+<file path=ppt/slides/slide27.xml><?xml version="1.0" encoding="utf-8"?>
+<p:sld xmlns:a="http://schemas.openxmlformats.org/drawingml/2006/main" xmlns:r="http://schemas.openxmlformats.org/officeDocument/2006/relationships" xmlns:p="http://schemas.openxmlformats.org/presentationml/2006/main">
+  <p:cSld>
+    <p:spTree>
+      <p:nvGrpSpPr>
+        <p:cNvPr id="1" name=""/>
+        <p:cNvGrpSpPr/>
+        <p:nvPr/>
+      </p:nvGrpSpPr>
+      <p:grpSpPr>
+        <a:xfrm>
+          <a:off x="0" y="0"/>
+          <a:ext cx="0" cy="0"/>
+          <a:chOff x="0" y="0"/>
+          <a:chExt cx="0" cy="0"/>
+        </a:xfrm>
+      </p:grpSpPr>
+      <p:sp>
+        <p:nvSpPr>
+          <p:cNvPr id="2" name="Title 1"/>
+          <p:cNvSpPr>
+            <a:spLocks noGrp="1"/>
+          </p:cNvSpPr>
+          <p:nvPr>
+            <p:ph type="title"/>
+          </p:nvPr>
+        </p:nvSpPr>
+        <p:spPr/>
+        <p:txBody>
+          <a:bodyPr>
+            <a:normAutofit fontScale="90000"/>
+          </a:bodyPr>
+          <a:lstStyle/>
+          <a:p>
+            <a:r>
+              <a:rPr lang="en-US" dirty="0" smtClean="0"/>
+              <a:t>Clarification</a:t>
+            </a:r>
+            <a:endParaRPr lang="en-US" dirty="0"/>
+          </a:p>
+        </p:txBody>
+      </p:sp>
+      <p:sp>
+        <p:nvSpPr>
+          <p:cNvPr id="3" name="Content Placeholder 2"/>
+          <p:cNvSpPr>
+            <a:spLocks noGrp="1"/>
+          </p:cNvSpPr>
+          <p:nvPr>
+            <p:ph idx="1"/>
+          </p:nvPr>
+        </p:nvSpPr>
+        <p:spPr>
+          <a:xfrm>
+            <a:off x="304800" y="1295401"/>
+            <a:ext cx="8534400" cy="1600199"/>
+          </a:xfrm>
+        </p:spPr>
+        <p:txBody>
+          <a:bodyPr/>
+          <a:lstStyle/>
+          <a:p>
+            <a:pPr>
+              <a:buClr>
+                <a:srgbClr val="00B0F0"/>
+              </a:buClr>
+              <a:buFont typeface="Arial" panose="020B0604020202020204" pitchFamily="34" charset="0"/>
+              <a:buChar char="•"/>
+            </a:pPr>
+            <a:r>
+              <a:rPr lang="en-US" dirty="0" smtClean="0"/>
+              <a:t>Helpful comment</a:t>
+            </a:r>
+          </a:p>
+          <a:p>
+            <a:pPr>
+              <a:buClr>
+                <a:srgbClr val="00B0F0"/>
+              </a:buClr>
+              <a:buFont typeface="Arial" panose="020B0604020202020204" pitchFamily="34" charset="0"/>
+              <a:buChar char="•"/>
+            </a:pPr>
+            <a:r>
+              <a:rPr lang="en-US" dirty="0" smtClean="0"/>
+              <a:t>Substantial risk</a:t>
+            </a:r>
+            <a:endParaRPr lang="en-US" dirty="0"/>
+          </a:p>
+        </p:txBody>
+      </p:sp>
+      <p:sp>
+        <p:nvSpPr>
+          <p:cNvPr id="4" name="Slide Number Placeholder 3"/>
+          <p:cNvSpPr>
+            <a:spLocks noGrp="1"/>
+          </p:cNvSpPr>
+          <p:nvPr>
+            <p:ph type="sldNum" sz="quarter" idx="12"/>
+          </p:nvPr>
+        </p:nvSpPr>
+        <p:spPr/>
+        <p:txBody>
+          <a:bodyPr/>
+          <a:lstStyle/>
+          <a:p>
+            <a:fld id="{07167301-DA6A-464D-A35A-C5160C07AEDB}" type="slidenum">
+              <a:rPr lang="en-US" smtClean="0"/>
+              <a:pPr/>
+              <a:t>27</a:t>
+            </a:fld>
+            <a:endParaRPr lang="en-US" dirty="0"/>
+          </a:p>
+        </p:txBody>
+      </p:sp>
+      <p:sp>
+        <p:nvSpPr>
+          <p:cNvPr id="6" name="TextBox 5"/>
+          <p:cNvSpPr txBox="1"/>
+          <p:nvPr/>
+        </p:nvSpPr>
+        <p:spPr>
+          <a:xfrm>
+            <a:off x="304800" y="4038600"/>
+            <a:ext cx="8534400" cy="1200329"/>
+          </a:xfrm>
+          <a:prstGeom prst="rect">
+            <a:avLst/>
+          </a:prstGeom>
+          <a:noFill/>
+        </p:spPr>
+        <p:txBody>
+          <a:bodyPr wrap="square" rtlCol="0">
+            <a:spAutoFit/>
+          </a:bodyPr>
+          <a:lstStyle/>
+          <a:p>
+            <a:r>
+              <a:rPr lang="en-US" sz="2400" dirty="0" smtClean="0"/>
+              <a:t>TODOs are jobs that programmer think it should be done, but for some reason it is not at the moment.</a:t>
+            </a:r>
+          </a:p>
+          <a:p>
+            <a:pPr marL="342900" indent="-342900">
+              <a:buClr>
+                <a:srgbClr val="00B0F0"/>
+              </a:buClr>
+              <a:buFont typeface="Wingdings" panose="05000000000000000000" pitchFamily="2" charset="2"/>
+              <a:buChar char="ü"/>
+            </a:pPr>
+            <a:r>
+              <a:rPr lang="en-US" sz="2400" dirty="0" smtClean="0"/>
+              <a:t>Resolve TODO and clean it.</a:t>
+            </a:r>
+            <a:endParaRPr lang="en-US" sz="2400" dirty="0"/>
+          </a:p>
+        </p:txBody>
+      </p:sp>
+      <p:pic>
+        <p:nvPicPr>
+          <p:cNvPr id="8" name="Picture 7"/>
+          <p:cNvPicPr>
+            <a:picLocks noChangeAspect="1"/>
+          </p:cNvPicPr>
+          <p:nvPr/>
+        </p:nvPicPr>
+        <p:blipFill>
+          <a:blip r:embed="rId2"/>
+          <a:stretch>
+            <a:fillRect/>
+          </a:stretch>
+        </p:blipFill>
+        <p:spPr>
+          <a:xfrm>
+            <a:off x="3913458" y="975541"/>
+            <a:ext cx="5230541" cy="2082923"/>
+          </a:xfrm>
+          <a:prstGeom prst="rect">
+            <a:avLst/>
+          </a:prstGeom>
+        </p:spPr>
+      </p:pic>
+      <p:sp>
+        <p:nvSpPr>
+          <p:cNvPr id="9" name="Title 1"/>
+          <p:cNvSpPr txBox="1">
+            <a:spLocks/>
+          </p:cNvSpPr>
+          <p:nvPr/>
+        </p:nvSpPr>
+        <p:spPr>
+          <a:xfrm>
+            <a:off x="-1" y="3204625"/>
+            <a:ext cx="9143999" cy="741074"/>
+          </a:xfrm>
+          <a:prstGeom prst="rect">
+            <a:avLst/>
+          </a:prstGeom>
+          <a:solidFill>
+            <a:schemeClr val="accent1">
+              <a:lumMod val="20000"/>
+              <a:lumOff val="80000"/>
+            </a:schemeClr>
+          </a:solidFill>
+        </p:spPr>
+        <p:txBody>
+          <a:bodyPr vert="horz" lIns="91440" tIns="45720" rIns="91440" bIns="45720" rtlCol="0" anchor="ctr">
+            <a:normAutofit fontScale="97500"/>
+          </a:bodyPr>
+          <a:lstStyle>
+            <a:lvl1pPr algn="l" defTabSz="914400" rtl="0" eaLnBrk="1" latinLnBrk="0" hangingPunct="1">
+              <a:lnSpc>
+                <a:spcPct val="90000"/>
+              </a:lnSpc>
+              <a:spcBef>
+                <a:spcPct val="0"/>
+              </a:spcBef>
+              <a:buNone/>
+              <a:defRPr sz="4800" kern="1200" spc="-120" baseline="0">
+                <a:solidFill>
+                  <a:schemeClr val="accent1"/>
+                </a:solidFill>
+                <a:latin typeface="+mj-lt"/>
+                <a:ea typeface="+mj-ea"/>
+                <a:cs typeface="+mj-cs"/>
+              </a:defRPr>
+            </a:lvl1pPr>
+          </a:lstStyle>
+          <a:p>
+            <a:r>
+              <a:rPr lang="en-US" dirty="0" smtClean="0"/>
+              <a:t>TODO Comments</a:t>
+            </a:r>
+            <a:endParaRPr lang="en-US" dirty="0"/>
+          </a:p>
+        </p:txBody>
+      </p:sp>
+      <p:pic>
+        <p:nvPicPr>
+          <p:cNvPr id="10" name="Picture 9"/>
+          <p:cNvPicPr>
+            <a:picLocks noChangeAspect="1"/>
+          </p:cNvPicPr>
+          <p:nvPr/>
+        </p:nvPicPr>
+        <p:blipFill>
+          <a:blip r:embed="rId3"/>
+          <a:stretch>
+            <a:fillRect/>
+          </a:stretch>
+        </p:blipFill>
+        <p:spPr>
+          <a:xfrm>
+            <a:off x="304800" y="5713925"/>
+            <a:ext cx="8534400" cy="933450"/>
+          </a:xfrm>
+          <a:prstGeom prst="rect">
+            <a:avLst/>
+          </a:prstGeom>
+        </p:spPr>
+      </p:pic>
+    </p:spTree>
+    <p:extLst>
+      <p:ext uri="{BB962C8B-B14F-4D97-AF65-F5344CB8AC3E}">
+        <p14:creationId xmlns:p14="http://schemas.microsoft.com/office/powerpoint/2010/main" val="2781444924"/>
+      </p:ext>
+    </p:extLst>
+  </p:cSld>
+  <p:clrMapOvr>
+    <a:masterClrMapping/>
+  </p:clrMapOvr>
+  <p:timing>
+    <p:tnLst>
+      <p:par>
+        <p:cTn id="1" dur="indefinite" restart="never" nodeType="tmRoot"/>
+      </p:par>
+    </p:tnLst>
+  </p:timing>
+</p:sld>
+</file>
+
+<file path=ppt/slides/slide28.xml><?xml version="1.0" encoding="utf-8"?>
+<p:sld xmlns:a="http://schemas.openxmlformats.org/drawingml/2006/main" xmlns:r="http://schemas.openxmlformats.org/officeDocument/2006/relationships" xmlns:p="http://schemas.openxmlformats.org/presentationml/2006/main">
+  <p:cSld>
+    <p:spTree>
+      <p:nvGrpSpPr>
+        <p:cNvPr id="1" name=""/>
+        <p:cNvGrpSpPr/>
+        <p:nvPr/>
+      </p:nvGrpSpPr>
+      <p:grpSpPr>
+        <a:xfrm>
+          <a:off x="0" y="0"/>
+          <a:ext cx="0" cy="0"/>
+          <a:chOff x="0" y="0"/>
+          <a:chExt cx="0" cy="0"/>
+        </a:xfrm>
+      </p:grpSpPr>
+      <p:sp>
+        <p:nvSpPr>
+          <p:cNvPr id="2" name="Title 1"/>
+          <p:cNvSpPr>
+            <a:spLocks noGrp="1"/>
+          </p:cNvSpPr>
+          <p:nvPr>
+            <p:ph type="title"/>
+          </p:nvPr>
+        </p:nvSpPr>
+        <p:spPr/>
+        <p:txBody>
+          <a:bodyPr>
+            <a:normAutofit fontScale="90000"/>
+          </a:bodyPr>
+          <a:lstStyle/>
+          <a:p>
+            <a:r>
+              <a:rPr lang="en-US" dirty="0"/>
+              <a:t>Legal comments</a:t>
+            </a:r>
+          </a:p>
+        </p:txBody>
+      </p:sp>
+      <p:sp>
+        <p:nvSpPr>
+          <p:cNvPr id="3" name="Content Placeholder 2"/>
+          <p:cNvSpPr>
+            <a:spLocks noGrp="1"/>
+          </p:cNvSpPr>
+          <p:nvPr>
+            <p:ph idx="1"/>
+          </p:nvPr>
+        </p:nvSpPr>
+        <p:spPr>
+          <a:xfrm>
+            <a:off x="304800" y="1295401"/>
+            <a:ext cx="8534400" cy="1600199"/>
+          </a:xfrm>
+        </p:spPr>
+        <p:txBody>
+          <a:bodyPr/>
+          <a:lstStyle/>
+          <a:p>
+            <a:pPr marL="0" indent="0">
+              <a:buClr>
+                <a:srgbClr val="00B0F0"/>
+              </a:buClr>
+              <a:buNone/>
+            </a:pPr>
+            <a:r>
+              <a:rPr lang="en-US" dirty="0"/>
+              <a:t>Your cooperate force use to write certain comments for legal reasons, for example: copyright and authorship statement,..</a:t>
+            </a:r>
+          </a:p>
+          <a:p>
+            <a:pPr>
+              <a:buClr>
+                <a:srgbClr val="00B0F0"/>
+              </a:buClr>
+              <a:buFont typeface="Wingdings" panose="05000000000000000000" pitchFamily="2" charset="2"/>
+              <a:buChar char="ü"/>
+            </a:pPr>
+            <a:r>
+              <a:rPr lang="en-US" dirty="0" smtClean="0"/>
+              <a:t>Refer </a:t>
+            </a:r>
+            <a:r>
+              <a:rPr lang="en-US" dirty="0"/>
+              <a:t>to standard license or external document rather than putting all the terms and conditions into </a:t>
+            </a:r>
+            <a:r>
+              <a:rPr lang="en-US" dirty="0" smtClean="0"/>
+              <a:t>the comment</a:t>
+            </a:r>
+            <a:r>
+              <a:rPr lang="en-US" dirty="0"/>
+              <a:t>.</a:t>
+            </a:r>
+          </a:p>
+          <a:p>
+            <a:pPr>
+              <a:buClr>
+                <a:srgbClr val="00B0F0"/>
+              </a:buClr>
+              <a:buFont typeface="Wingdings" panose="05000000000000000000" pitchFamily="2" charset="2"/>
+              <a:buChar char="ü"/>
+            </a:pPr>
+            <a:endParaRPr lang="en-US" dirty="0"/>
+          </a:p>
+        </p:txBody>
+      </p:sp>
+      <p:sp>
+        <p:nvSpPr>
+          <p:cNvPr id="4" name="Slide Number Placeholder 3"/>
+          <p:cNvSpPr>
+            <a:spLocks noGrp="1"/>
+          </p:cNvSpPr>
+          <p:nvPr>
+            <p:ph type="sldNum" sz="quarter" idx="12"/>
+          </p:nvPr>
+        </p:nvSpPr>
+        <p:spPr/>
+        <p:txBody>
+          <a:bodyPr/>
+          <a:lstStyle/>
+          <a:p>
+            <a:fld id="{07167301-DA6A-464D-A35A-C5160C07AEDB}" type="slidenum">
+              <a:rPr lang="en-US" smtClean="0"/>
+              <a:pPr/>
+              <a:t>28</a:t>
+            </a:fld>
+            <a:endParaRPr lang="en-US" dirty="0"/>
+          </a:p>
+        </p:txBody>
+      </p:sp>
+      <p:sp>
+        <p:nvSpPr>
+          <p:cNvPr id="5" name="Title 1"/>
+          <p:cNvSpPr txBox="1">
+            <a:spLocks/>
+          </p:cNvSpPr>
+          <p:nvPr/>
+        </p:nvSpPr>
+        <p:spPr>
+          <a:xfrm>
+            <a:off x="7621" y="3048000"/>
+            <a:ext cx="9143999" cy="741074"/>
+          </a:xfrm>
+          <a:prstGeom prst="rect">
+            <a:avLst/>
+          </a:prstGeom>
+          <a:solidFill>
+            <a:schemeClr val="accent1">
+              <a:lumMod val="20000"/>
+              <a:lumOff val="80000"/>
+            </a:schemeClr>
+          </a:solidFill>
+        </p:spPr>
+        <p:txBody>
+          <a:bodyPr vert="horz" lIns="91440" tIns="45720" rIns="91440" bIns="45720" rtlCol="0" anchor="ctr">
+            <a:normAutofit fontScale="97500"/>
+          </a:bodyPr>
+          <a:lstStyle>
+            <a:lvl1pPr algn="l" defTabSz="914400" rtl="0" eaLnBrk="1" latinLnBrk="0" hangingPunct="1">
+              <a:lnSpc>
+                <a:spcPct val="90000"/>
+              </a:lnSpc>
+              <a:spcBef>
+                <a:spcPct val="0"/>
+              </a:spcBef>
+              <a:buNone/>
+              <a:defRPr sz="4800" kern="1200" spc="-120" baseline="0">
+                <a:solidFill>
+                  <a:schemeClr val="accent1"/>
+                </a:solidFill>
+                <a:latin typeface="+mj-lt"/>
+                <a:ea typeface="+mj-ea"/>
+                <a:cs typeface="+mj-cs"/>
+              </a:defRPr>
+            </a:lvl1pPr>
+          </a:lstStyle>
+          <a:p>
+            <a:r>
+              <a:rPr lang="en-US" dirty="0" smtClean="0"/>
+              <a:t>Explanation of intent</a:t>
+            </a:r>
+            <a:endParaRPr lang="en-US" dirty="0"/>
+          </a:p>
+        </p:txBody>
+      </p:sp>
+      <p:sp>
+        <p:nvSpPr>
+          <p:cNvPr id="6" name="TextBox 5"/>
+          <p:cNvSpPr txBox="1"/>
+          <p:nvPr/>
+        </p:nvSpPr>
+        <p:spPr>
+          <a:xfrm>
+            <a:off x="304800" y="4038600"/>
+            <a:ext cx="8534400" cy="1200329"/>
+          </a:xfrm>
+          <a:prstGeom prst="rect">
+            <a:avLst/>
+          </a:prstGeom>
+          <a:noFill/>
+        </p:spPr>
+        <p:txBody>
+          <a:bodyPr wrap="square" rtlCol="0">
+            <a:spAutoFit/>
+          </a:bodyPr>
+          <a:lstStyle/>
+          <a:p>
+            <a:r>
+              <a:rPr lang="en-US" sz="2400" dirty="0" smtClean="0"/>
+              <a:t>Comment goes beyond useful information of the </a:t>
+            </a:r>
+            <a:r>
+              <a:rPr lang="en-US" sz="2400" dirty="0" smtClean="0"/>
+              <a:t>implementation and provides the intent behind the decision.</a:t>
+            </a:r>
+            <a:r>
+              <a:rPr lang="en-US" sz="2400" dirty="0"/>
+              <a:t/>
+            </a:r>
+            <a:br>
+              <a:rPr lang="en-US" sz="2400" dirty="0"/>
+            </a:br>
+            <a:endParaRPr lang="en-US" sz="2400" dirty="0"/>
+          </a:p>
+        </p:txBody>
+      </p:sp>
+      <p:pic>
+        <p:nvPicPr>
+          <p:cNvPr id="7" name="Picture 6"/>
+          <p:cNvPicPr>
+            <a:picLocks noChangeAspect="1"/>
+          </p:cNvPicPr>
+          <p:nvPr/>
+        </p:nvPicPr>
+        <p:blipFill>
+          <a:blip r:embed="rId2"/>
+          <a:stretch>
+            <a:fillRect/>
+          </a:stretch>
+        </p:blipFill>
+        <p:spPr>
+          <a:xfrm>
+            <a:off x="304800" y="5410200"/>
+            <a:ext cx="8534400" cy="752475"/>
+          </a:xfrm>
+          <a:prstGeom prst="rect">
+            <a:avLst/>
+          </a:prstGeom>
+        </p:spPr>
+      </p:pic>
+    </p:spTree>
+    <p:extLst>
+      <p:ext uri="{BB962C8B-B14F-4D97-AF65-F5344CB8AC3E}">
+        <p14:creationId xmlns:p14="http://schemas.microsoft.com/office/powerpoint/2010/main" val="1244133942"/>
+      </p:ext>
+    </p:extLst>
+  </p:cSld>
+  <p:clrMapOvr>
+    <a:masterClrMapping/>
+  </p:clrMapOvr>
+  <p:timing>
+    <p:tnLst>
+      <p:par>
+        <p:cTn id="1" dur="indefinite" restart="never" nodeType="tmRoot"/>
+      </p:par>
+    </p:tnLst>
+  </p:timing>
+</p:sld>
+</file>
+
+<file path=ppt/slides/slide29.xml><?xml version="1.0" encoding="utf-8"?>
+<p:sld xmlns:a="http://schemas.openxmlformats.org/drawingml/2006/main" xmlns:r="http://schemas.openxmlformats.org/officeDocument/2006/relationships" xmlns:p="http://schemas.openxmlformats.org/presentationml/2006/main">
+  <p:cSld>
+    <p:spTree>
+      <p:nvGrpSpPr>
+        <p:cNvPr id="1" name=""/>
+        <p:cNvGrpSpPr/>
+        <p:nvPr/>
+      </p:nvGrpSpPr>
+      <p:grpSpPr>
+        <a:xfrm>
+          <a:off x="0" y="0"/>
+          <a:ext cx="0" cy="0"/>
+          <a:chOff x="0" y="0"/>
+          <a:chExt cx="0" cy="0"/>
+        </a:xfrm>
+      </p:grpSpPr>
+      <p:sp>
+        <p:nvSpPr>
+          <p:cNvPr id="2" name="Title 1"/>
+          <p:cNvSpPr>
+            <a:spLocks noGrp="1"/>
+          </p:cNvSpPr>
+          <p:nvPr>
+            <p:ph type="title"/>
+          </p:nvPr>
+        </p:nvSpPr>
+        <p:spPr/>
+        <p:txBody>
+          <a:bodyPr>
+            <a:normAutofit fontScale="90000"/>
+          </a:bodyPr>
+          <a:lstStyle/>
+          <a:p>
+            <a:endParaRPr lang="en-US"/>
+          </a:p>
+        </p:txBody>
+      </p:sp>
+      <p:sp>
+        <p:nvSpPr>
+          <p:cNvPr id="3" name="Content Placeholder 2"/>
+          <p:cNvSpPr>
+            <a:spLocks noGrp="1"/>
+          </p:cNvSpPr>
+          <p:nvPr>
+            <p:ph idx="1"/>
+          </p:nvPr>
+        </p:nvSpPr>
+        <p:spPr/>
+        <p:txBody>
+          <a:bodyPr/>
+          <a:lstStyle/>
+          <a:p>
+            <a:endParaRPr lang="en-US" dirty="0"/>
+          </a:p>
+        </p:txBody>
+      </p:sp>
+      <p:sp>
+        <p:nvSpPr>
+          <p:cNvPr id="4" name="Slide Number Placeholder 3"/>
+          <p:cNvSpPr>
+            <a:spLocks noGrp="1"/>
+          </p:cNvSpPr>
+          <p:nvPr>
+            <p:ph type="sldNum" sz="quarter" idx="12"/>
+          </p:nvPr>
+        </p:nvSpPr>
+        <p:spPr/>
+        <p:txBody>
+          <a:bodyPr/>
+          <a:lstStyle/>
+          <a:p>
+            <a:fld id="{07167301-DA6A-464D-A35A-C5160C07AEDB}" type="slidenum">
+              <a:rPr lang="en-US" smtClean="0"/>
+              <a:pPr/>
+              <a:t>29</a:t>
+            </a:fld>
+            <a:endParaRPr lang="en-US" dirty="0"/>
+          </a:p>
+        </p:txBody>
+      </p:sp>
+    </p:spTree>
+    <p:extLst>
+      <p:ext uri="{BB962C8B-B14F-4D97-AF65-F5344CB8AC3E}">
+        <p14:creationId xmlns:p14="http://schemas.microsoft.com/office/powerpoint/2010/main" val="1656755789"/>
       </p:ext>
     </p:extLst>
   </p:cSld>
@@ -5454,7 +14188,9 @@
         </p:nvSpPr>
         <p:spPr/>
         <p:txBody>
-          <a:bodyPr/>
+          <a:bodyPr>
+            <a:normAutofit fontScale="90000"/>
+          </a:bodyPr>
           <a:lstStyle/>
           <a:p>
             <a:r>
@@ -5664,7 +14400,9 @@
         </p:nvSpPr>
         <p:spPr/>
         <p:txBody>
-          <a:bodyPr/>
+          <a:bodyPr>
+            <a:normAutofit fontScale="90000"/>
+          </a:bodyPr>
           <a:lstStyle/>
           <a:p>
             <a:r>
@@ -5855,7 +14593,9 @@
         </p:nvSpPr>
         <p:spPr/>
         <p:txBody>
-          <a:bodyPr/>
+          <a:bodyPr>
+            <a:normAutofit fontScale="90000"/>
+          </a:bodyPr>
           <a:lstStyle/>
           <a:p>
             <a:r>
@@ -5980,7 +14720,7 @@
         </p:blipFill>
         <p:spPr>
           <a:xfrm>
-            <a:off x="910589" y="2393064"/>
+            <a:off x="947600" y="1752600"/>
             <a:ext cx="6038850" cy="1190625"/>
           </a:xfrm>
           <a:prstGeom prst="rect">
@@ -6037,7 +14777,9 @@
         </p:nvSpPr>
         <p:spPr/>
         <p:txBody>
-          <a:bodyPr/>
+          <a:bodyPr>
+            <a:normAutofit fontScale="90000"/>
+          </a:bodyPr>
           <a:lstStyle/>
           <a:p>
             <a:r>
@@ -6106,8 +14848,8 @@
         </p:nvSpPr>
         <p:spPr>
           <a:xfrm>
-            <a:off x="0" y="3596826"/>
-            <a:ext cx="9143999" cy="1147579"/>
+            <a:off x="0" y="3466968"/>
+            <a:ext cx="9143999" cy="724031"/>
           </a:xfrm>
           <a:prstGeom prst="rect">
             <a:avLst/>
@@ -6121,7 +14863,7 @@
         </p:spPr>
         <p:txBody>
           <a:bodyPr vert="horz" lIns="91440" tIns="45720" rIns="91440" bIns="45720" rtlCol="0" anchor="ctr">
-            <a:normAutofit/>
+            <a:normAutofit lnSpcReduction="10000"/>
           </a:bodyPr>
           <a:lstStyle>
             <a:lvl1pPr algn="l" defTabSz="914400" rtl="0" eaLnBrk="1" latinLnBrk="0" hangingPunct="1">
@@ -6428,7 +15170,9 @@
         </p:nvSpPr>
         <p:spPr/>
         <p:txBody>
-          <a:bodyPr/>
+          <a:bodyPr>
+            <a:normAutofit fontScale="90000"/>
+          </a:bodyPr>
           <a:lstStyle/>
           <a:p>
             <a:r>
@@ -6557,7 +15301,7 @@
         </p:nvSpPr>
         <p:spPr>
           <a:xfrm>
-            <a:off x="304800" y="1828800"/>
+            <a:off x="304800" y="1269275"/>
             <a:ext cx="8305800" cy="1371600"/>
           </a:xfrm>
           <a:prstGeom prst="roundRect">
@@ -6647,7 +15391,9 @@
         </p:nvSpPr>
         <p:spPr/>
         <p:txBody>
-          <a:bodyPr/>
+          <a:bodyPr>
+            <a:normAutofit fontScale="90000"/>
+          </a:bodyPr>
           <a:lstStyle/>
           <a:p>
             <a:r>
@@ -6692,8 +15438,8 @@
         </p:nvSpPr>
         <p:spPr>
           <a:xfrm>
-            <a:off x="0" y="3596826"/>
-            <a:ext cx="9143999" cy="1147579"/>
+            <a:off x="0" y="3248073"/>
+            <a:ext cx="9143999" cy="714327"/>
           </a:xfrm>
           <a:prstGeom prst="rect">
             <a:avLst/>
@@ -6707,7 +15453,7 @@
         </p:spPr>
         <p:txBody>
           <a:bodyPr vert="horz" lIns="91440" tIns="45720" rIns="91440" bIns="45720" rtlCol="0" anchor="ctr">
-            <a:normAutofit/>
+            <a:normAutofit lnSpcReduction="10000"/>
           </a:bodyPr>
           <a:lstStyle>
             <a:lvl1pPr algn="l" defTabSz="914400" rtl="0" eaLnBrk="1" latinLnBrk="0" hangingPunct="1">
@@ -7466,6 +16212,61 @@
               <a:t>AppendElem</a:t>
             </a:r>
             <a:endParaRPr lang="en-US" dirty="0" smtClean="0"/>
+          </a:p>
+        </p:txBody>
+      </p:sp>
+      <p:sp>
+        <p:nvSpPr>
+          <p:cNvPr id="10" name="Title 1"/>
+          <p:cNvSpPr txBox="1">
+            <a:spLocks/>
+          </p:cNvSpPr>
+          <p:nvPr/>
+        </p:nvSpPr>
+        <p:spPr>
+          <a:xfrm>
+            <a:off x="1" y="3219982"/>
+            <a:ext cx="9143999" cy="741074"/>
+          </a:xfrm>
+          <a:prstGeom prst="rect">
+            <a:avLst/>
+          </a:prstGeom>
+          <a:solidFill>
+            <a:schemeClr val="accent1">
+              <a:lumMod val="20000"/>
+              <a:lumOff val="80000"/>
+            </a:schemeClr>
+          </a:solidFill>
+        </p:spPr>
+        <p:txBody>
+          <a:bodyPr vert="horz" lIns="91440" tIns="45720" rIns="91440" bIns="45720" rtlCol="0" anchor="ctr">
+            <a:normAutofit fontScale="97500"/>
+          </a:bodyPr>
+          <a:lstStyle>
+            <a:lvl1pPr algn="l" defTabSz="914400" rtl="0" eaLnBrk="1" latinLnBrk="0" hangingPunct="1">
+              <a:lnSpc>
+                <a:spcPct val="90000"/>
+              </a:lnSpc>
+              <a:spcBef>
+                <a:spcPct val="0"/>
+              </a:spcBef>
+              <a:buNone/>
+              <a:defRPr sz="4800" kern="1200" spc="-120" baseline="0">
+                <a:solidFill>
+                  <a:schemeClr val="accent1"/>
+                </a:solidFill>
+                <a:latin typeface="+mj-lt"/>
+                <a:ea typeface="+mj-ea"/>
+                <a:cs typeface="+mj-cs"/>
+              </a:defRPr>
+            </a:lvl1pPr>
+          </a:lstStyle>
+          <a:p>
+            <a:r>
+              <a:rPr lang="en-US" dirty="0" smtClean="0"/>
+              <a:t>Don’t pun</a:t>
+            </a:r>
+            <a:endParaRPr lang="en-US" dirty="0"/>
           </a:p>
         </p:txBody>
       </p:sp>
@@ -7518,7 +16319,9 @@
         </p:nvSpPr>
         <p:spPr/>
         <p:txBody>
-          <a:bodyPr/>
+          <a:bodyPr>
+            <a:normAutofit fontScale="90000"/>
+          </a:bodyPr>
           <a:lstStyle/>
           <a:p>
             <a:r>
